--- a/ConvolutionNeuralNetwork.pptx
+++ b/ConvolutionNeuralNetwork.pptx
@@ -271,6 +271,10 @@
 </p:cmAuthorLst>
 </file>
 
+<file path=ppt/revisionInfo.xml><?xml version="1.0" encoding="utf-8"?>
+<p1510:revInfo xmlns:a="http://schemas.openxmlformats.org/drawingml/2006/main" xmlns:r="http://schemas.openxmlformats.org/officeDocument/2006/relationships" xmlns:p1510="http://schemas.microsoft.com/office/powerpoint/2015/10/main"/>
+</file>
+
 <file path=ppt/notesMasters/notesMaster1.xml><?xml version="1.0" encoding="utf-8"?>
 <p:notesMaster xmlns:a="http://schemas.openxmlformats.org/drawingml/2006/main" xmlns:r="http://schemas.openxmlformats.org/officeDocument/2006/relationships" xmlns:p="http://schemas.openxmlformats.org/presentationml/2006/main">
   <p:cSld>
@@ -353,7 +357,7 @@
           <a:p>
             <a:fld id="{E91B00C2-1209-4D42-A5F6-19F8482CA1F8}" type="datetimeFigureOut">
               <a:rPr lang="en-US" smtClean="0"/>
-              <a:t>11/9/2017</a:t>
+              <a:t>11/10/2017</a:t>
             </a:fld>
             <a:endParaRPr lang="en-US"/>
           </a:p>
@@ -1366,7 +1370,7 @@
           <a:p>
             <a:fld id="{C51E4E97-A001-0F44-B0B9-428F1549067F}" type="datetimeFigureOut">
               <a:rPr lang="en-US" smtClean="0"/>
-              <a:t>11/9/2017</a:t>
+              <a:t>11/10/2017</a:t>
             </a:fld>
             <a:endParaRPr lang="en-US"/>
           </a:p>
@@ -1556,7 +1560,7 @@
           <a:p>
             <a:fld id="{C51E4E97-A001-0F44-B0B9-428F1549067F}" type="datetimeFigureOut">
               <a:rPr lang="en-US" smtClean="0"/>
-              <a:t>11/9/2017</a:t>
+              <a:t>11/10/2017</a:t>
             </a:fld>
             <a:endParaRPr lang="en-US"/>
           </a:p>
@@ -1738,7 +1742,7 @@
           <a:p>
             <a:fld id="{C51E4E97-A001-0F44-B0B9-428F1549067F}" type="datetimeFigureOut">
               <a:rPr lang="en-US" smtClean="0"/>
-              <a:t>11/9/2017</a:t>
+              <a:t>11/10/2017</a:t>
             </a:fld>
             <a:endParaRPr lang="en-US"/>
           </a:p>
@@ -2160,7 +2164,7 @@
           <a:p>
             <a:fld id="{C51E4E97-A001-0F44-B0B9-428F1549067F}" type="datetimeFigureOut">
               <a:rPr lang="en-US" smtClean="0"/>
-              <a:t>11/9/2017</a:t>
+              <a:t>11/10/2017</a:t>
             </a:fld>
             <a:endParaRPr lang="en-US"/>
           </a:p>
@@ -2536,7 +2540,7 @@
           <a:p>
             <a:fld id="{C51E4E97-A001-0F44-B0B9-428F1549067F}" type="datetimeFigureOut">
               <a:rPr lang="en-US" smtClean="0"/>
-              <a:t>11/9/2017</a:t>
+              <a:t>11/10/2017</a:t>
             </a:fld>
             <a:endParaRPr lang="en-US"/>
           </a:p>
@@ -2947,7 +2951,7 @@
           <a:p>
             <a:fld id="{C51E4E97-A001-0F44-B0B9-428F1549067F}" type="datetimeFigureOut">
               <a:rPr lang="en-US" smtClean="0"/>
-              <a:t>11/9/2017</a:t>
+              <a:t>11/10/2017</a:t>
             </a:fld>
             <a:endParaRPr lang="en-US"/>
           </a:p>
@@ -3085,7 +3089,7 @@
           <a:p>
             <a:fld id="{C51E4E97-A001-0F44-B0B9-428F1549067F}" type="datetimeFigureOut">
               <a:rPr lang="en-US" smtClean="0"/>
-              <a:t>11/9/2017</a:t>
+              <a:t>11/10/2017</a:t>
             </a:fld>
             <a:endParaRPr lang="en-US"/>
           </a:p>
@@ -3193,7 +3197,7 @@
           <a:p>
             <a:fld id="{C51E4E97-A001-0F44-B0B9-428F1549067F}" type="datetimeFigureOut">
               <a:rPr lang="en-US" smtClean="0"/>
-              <a:t>11/9/2017</a:t>
+              <a:t>11/10/2017</a:t>
             </a:fld>
             <a:endParaRPr lang="en-US"/>
           </a:p>
@@ -3445,7 +3449,7 @@
           <a:p>
             <a:fld id="{C51E4E97-A001-0F44-B0B9-428F1549067F}" type="datetimeFigureOut">
               <a:rPr lang="en-US" smtClean="0"/>
-              <a:t>11/9/2017</a:t>
+              <a:t>11/10/2017</a:t>
             </a:fld>
             <a:endParaRPr lang="en-US"/>
           </a:p>
@@ -3696,7 +3700,7 @@
           <a:p>
             <a:fld id="{C51E4E97-A001-0F44-B0B9-428F1549067F}" type="datetimeFigureOut">
               <a:rPr lang="en-US" smtClean="0"/>
-              <a:t>11/9/2017</a:t>
+              <a:t>11/10/2017</a:t>
             </a:fld>
             <a:endParaRPr lang="en-US"/>
           </a:p>
@@ -4526,7 +4530,7 @@
           <a:p>
             <a:fld id="{C51E4E97-A001-0F44-B0B9-428F1549067F}" type="datetimeFigureOut">
               <a:rPr lang="en-US" smtClean="0"/>
-              <a:t>11/9/2017</a:t>
+              <a:t>11/10/2017</a:t>
             </a:fld>
             <a:endParaRPr lang="en-US"/>
           </a:p>
@@ -8180,6 +8184,9 @@
           <a:p>
             <a:endParaRPr lang="en-US" dirty="0"/>
           </a:p>
+          <a:p>
+            <a:endParaRPr lang="en-US" dirty="0"/>
+          </a:p>
         </p:txBody>
       </p:sp>
     </p:spTree>
@@ -15700,7 +15707,12 @@
             <p:ph idx="1"/>
           </p:nvPr>
         </p:nvSpPr>
-        <p:spPr/>
+        <p:spPr>
+          <a:xfrm>
+            <a:off x="0" y="1181100"/>
+            <a:ext cx="9144000" cy="3113846"/>
+          </a:xfrm>
+        </p:spPr>
         <p:txBody>
           <a:bodyPr/>
           <a:lstStyle/>
@@ -15751,6 +15763,1573 @@
           </a:p>
         </p:txBody>
       </p:sp>
+      <p:sp>
+        <p:nvSpPr>
+          <p:cNvPr id="16" name="TextBox 15">
+            <a:extLst>
+              <a:ext uri="{FF2B5EF4-FFF2-40B4-BE49-F238E27FC236}">
+                <a16:creationId xmlns:a16="http://schemas.microsoft.com/office/drawing/2014/main" id="{7518F084-A844-4085-9D2D-C99D827E5A9C}"/>
+              </a:ext>
+            </a:extLst>
+          </p:cNvPr>
+          <p:cNvSpPr txBox="1"/>
+          <p:nvPr/>
+        </p:nvSpPr>
+        <p:spPr>
+          <a:xfrm>
+            <a:off x="-71394" y="4529380"/>
+            <a:ext cx="1071126" cy="646331"/>
+          </a:xfrm>
+          <a:prstGeom prst="rect">
+            <a:avLst/>
+          </a:prstGeom>
+          <a:noFill/>
+        </p:spPr>
+        <p:txBody>
+          <a:bodyPr wrap="none" rtlCol="0">
+            <a:spAutoFit/>
+          </a:bodyPr>
+          <a:lstStyle/>
+          <a:p>
+            <a:pPr algn="ctr"/>
+            <a:r>
+              <a:rPr lang="en-US" dirty="0"/>
+              <a:t>120,000</a:t>
+            </a:r>
+          </a:p>
+          <a:p>
+            <a:pPr algn="ctr"/>
+            <a:r>
+              <a:rPr lang="en-US" dirty="0"/>
+              <a:t>Features</a:t>
+            </a:r>
+          </a:p>
+        </p:txBody>
+      </p:sp>
+      <p:grpSp>
+        <p:nvGrpSpPr>
+          <p:cNvPr id="57" name="Group 56">
+            <a:extLst>
+              <a:ext uri="{FF2B5EF4-FFF2-40B4-BE49-F238E27FC236}">
+                <a16:creationId xmlns:a16="http://schemas.microsoft.com/office/drawing/2014/main" id="{5C81049B-CEC9-4A96-8EA4-60D4EBF212E3}"/>
+              </a:ext>
+            </a:extLst>
+          </p:cNvPr>
+          <p:cNvGrpSpPr/>
+          <p:nvPr/>
+        </p:nvGrpSpPr>
+        <p:grpSpPr>
+          <a:xfrm>
+            <a:off x="967673" y="4358936"/>
+            <a:ext cx="1208841" cy="2330012"/>
+            <a:chOff x="967673" y="4358936"/>
+            <a:chExt cx="1208841" cy="2330012"/>
+          </a:xfrm>
+        </p:grpSpPr>
+        <p:sp>
+          <p:nvSpPr>
+            <p:cNvPr id="4" name="Oval 3">
+              <a:extLst>
+                <a:ext uri="{FF2B5EF4-FFF2-40B4-BE49-F238E27FC236}">
+                  <a16:creationId xmlns:a16="http://schemas.microsoft.com/office/drawing/2014/main" id="{6547D69E-3CDA-4882-A331-491F2F20FBAC}"/>
+                </a:ext>
+              </a:extLst>
+            </p:cNvPr>
+            <p:cNvSpPr/>
+            <p:nvPr/>
+          </p:nvSpPr>
+          <p:spPr>
+            <a:xfrm>
+              <a:off x="976549" y="4358936"/>
+              <a:ext cx="284086" cy="266330"/>
+            </a:xfrm>
+            <a:prstGeom prst="ellipse">
+              <a:avLst/>
+            </a:prstGeom>
+            <a:solidFill>
+              <a:schemeClr val="bg1"/>
+            </a:solidFill>
+            <a:ln>
+              <a:solidFill>
+                <a:schemeClr val="tx1"/>
+              </a:solidFill>
+            </a:ln>
+          </p:spPr>
+          <p:style>
+            <a:lnRef idx="2">
+              <a:schemeClr val="accent1">
+                <a:shade val="50000"/>
+              </a:schemeClr>
+            </a:lnRef>
+            <a:fillRef idx="1">
+              <a:schemeClr val="accent1"/>
+            </a:fillRef>
+            <a:effectRef idx="0">
+              <a:schemeClr val="accent1"/>
+            </a:effectRef>
+            <a:fontRef idx="minor">
+              <a:schemeClr val="lt1"/>
+            </a:fontRef>
+          </p:style>
+          <p:txBody>
+            <a:bodyPr rtlCol="0" anchor="ctr"/>
+            <a:lstStyle/>
+            <a:p>
+              <a:pPr algn="ctr"/>
+              <a:endParaRPr lang="en-US"/>
+            </a:p>
+          </p:txBody>
+        </p:sp>
+        <p:sp>
+          <p:nvSpPr>
+            <p:cNvPr id="5" name="Oval 4">
+              <a:extLst>
+                <a:ext uri="{FF2B5EF4-FFF2-40B4-BE49-F238E27FC236}">
+                  <a16:creationId xmlns:a16="http://schemas.microsoft.com/office/drawing/2014/main" id="{A5F131B7-F7A4-480C-9B6D-3ECE0B85A828}"/>
+                </a:ext>
+              </a:extLst>
+            </p:cNvPr>
+            <p:cNvSpPr/>
+            <p:nvPr/>
+          </p:nvSpPr>
+          <p:spPr>
+            <a:xfrm>
+              <a:off x="976549" y="4778035"/>
+              <a:ext cx="284086" cy="266330"/>
+            </a:xfrm>
+            <a:prstGeom prst="ellipse">
+              <a:avLst/>
+            </a:prstGeom>
+            <a:solidFill>
+              <a:schemeClr val="bg1"/>
+            </a:solidFill>
+            <a:ln>
+              <a:solidFill>
+                <a:schemeClr val="tx1"/>
+              </a:solidFill>
+            </a:ln>
+          </p:spPr>
+          <p:style>
+            <a:lnRef idx="2">
+              <a:schemeClr val="accent1">
+                <a:shade val="50000"/>
+              </a:schemeClr>
+            </a:lnRef>
+            <a:fillRef idx="1">
+              <a:schemeClr val="accent1"/>
+            </a:fillRef>
+            <a:effectRef idx="0">
+              <a:schemeClr val="accent1"/>
+            </a:effectRef>
+            <a:fontRef idx="minor">
+              <a:schemeClr val="lt1"/>
+            </a:fontRef>
+          </p:style>
+          <p:txBody>
+            <a:bodyPr rtlCol="0" anchor="ctr"/>
+            <a:lstStyle/>
+            <a:p>
+              <a:pPr algn="ctr"/>
+              <a:endParaRPr lang="en-US"/>
+            </a:p>
+          </p:txBody>
+        </p:sp>
+        <p:sp>
+          <p:nvSpPr>
+            <p:cNvPr id="6" name="Oval 5">
+              <a:extLst>
+                <a:ext uri="{FF2B5EF4-FFF2-40B4-BE49-F238E27FC236}">
+                  <a16:creationId xmlns:a16="http://schemas.microsoft.com/office/drawing/2014/main" id="{C2C2C7A8-D342-460D-A550-24C9A950E99F}"/>
+                </a:ext>
+              </a:extLst>
+            </p:cNvPr>
+            <p:cNvSpPr/>
+            <p:nvPr/>
+          </p:nvSpPr>
+          <p:spPr>
+            <a:xfrm>
+              <a:off x="967673" y="5197134"/>
+              <a:ext cx="284086" cy="266330"/>
+            </a:xfrm>
+            <a:prstGeom prst="ellipse">
+              <a:avLst/>
+            </a:prstGeom>
+            <a:solidFill>
+              <a:schemeClr val="bg1"/>
+            </a:solidFill>
+            <a:ln>
+              <a:solidFill>
+                <a:schemeClr val="tx1"/>
+              </a:solidFill>
+            </a:ln>
+          </p:spPr>
+          <p:style>
+            <a:lnRef idx="2">
+              <a:schemeClr val="accent1">
+                <a:shade val="50000"/>
+              </a:schemeClr>
+            </a:lnRef>
+            <a:fillRef idx="1">
+              <a:schemeClr val="accent1"/>
+            </a:fillRef>
+            <a:effectRef idx="0">
+              <a:schemeClr val="accent1"/>
+            </a:effectRef>
+            <a:fontRef idx="minor">
+              <a:schemeClr val="lt1"/>
+            </a:fontRef>
+          </p:style>
+          <p:txBody>
+            <a:bodyPr rtlCol="0" anchor="ctr"/>
+            <a:lstStyle/>
+            <a:p>
+              <a:pPr algn="ctr"/>
+              <a:endParaRPr lang="en-US"/>
+            </a:p>
+          </p:txBody>
+        </p:sp>
+        <p:sp>
+          <p:nvSpPr>
+            <p:cNvPr id="7" name="Oval 6">
+              <a:extLst>
+                <a:ext uri="{FF2B5EF4-FFF2-40B4-BE49-F238E27FC236}">
+                  <a16:creationId xmlns:a16="http://schemas.microsoft.com/office/drawing/2014/main" id="{19058B9B-3E4D-452B-956E-65885B72EE2E}"/>
+                </a:ext>
+              </a:extLst>
+            </p:cNvPr>
+            <p:cNvSpPr/>
+            <p:nvPr/>
+          </p:nvSpPr>
+          <p:spPr>
+            <a:xfrm>
+              <a:off x="976549" y="5584420"/>
+              <a:ext cx="284086" cy="266330"/>
+            </a:xfrm>
+            <a:prstGeom prst="ellipse">
+              <a:avLst/>
+            </a:prstGeom>
+            <a:solidFill>
+              <a:schemeClr val="bg1"/>
+            </a:solidFill>
+            <a:ln>
+              <a:solidFill>
+                <a:schemeClr val="tx1"/>
+              </a:solidFill>
+            </a:ln>
+          </p:spPr>
+          <p:style>
+            <a:lnRef idx="2">
+              <a:schemeClr val="accent1">
+                <a:shade val="50000"/>
+              </a:schemeClr>
+            </a:lnRef>
+            <a:fillRef idx="1">
+              <a:schemeClr val="accent1"/>
+            </a:fillRef>
+            <a:effectRef idx="0">
+              <a:schemeClr val="accent1"/>
+            </a:effectRef>
+            <a:fontRef idx="minor">
+              <a:schemeClr val="lt1"/>
+            </a:fontRef>
+          </p:style>
+          <p:txBody>
+            <a:bodyPr rtlCol="0" anchor="ctr"/>
+            <a:lstStyle/>
+            <a:p>
+              <a:pPr algn="ctr"/>
+              <a:endParaRPr lang="en-US"/>
+            </a:p>
+          </p:txBody>
+        </p:sp>
+        <p:sp>
+          <p:nvSpPr>
+            <p:cNvPr id="8" name="Oval 7">
+              <a:extLst>
+                <a:ext uri="{FF2B5EF4-FFF2-40B4-BE49-F238E27FC236}">
+                  <a16:creationId xmlns:a16="http://schemas.microsoft.com/office/drawing/2014/main" id="{1E1EE74B-6938-4E5C-BD73-0F1BA230193B}"/>
+                </a:ext>
+              </a:extLst>
+            </p:cNvPr>
+            <p:cNvSpPr/>
+            <p:nvPr/>
+          </p:nvSpPr>
+          <p:spPr>
+            <a:xfrm>
+              <a:off x="976549" y="6003519"/>
+              <a:ext cx="284086" cy="266330"/>
+            </a:xfrm>
+            <a:prstGeom prst="ellipse">
+              <a:avLst/>
+            </a:prstGeom>
+            <a:solidFill>
+              <a:schemeClr val="bg1"/>
+            </a:solidFill>
+            <a:ln>
+              <a:solidFill>
+                <a:schemeClr val="tx1"/>
+              </a:solidFill>
+            </a:ln>
+          </p:spPr>
+          <p:style>
+            <a:lnRef idx="2">
+              <a:schemeClr val="accent1">
+                <a:shade val="50000"/>
+              </a:schemeClr>
+            </a:lnRef>
+            <a:fillRef idx="1">
+              <a:schemeClr val="accent1"/>
+            </a:fillRef>
+            <a:effectRef idx="0">
+              <a:schemeClr val="accent1"/>
+            </a:effectRef>
+            <a:fontRef idx="minor">
+              <a:schemeClr val="lt1"/>
+            </a:fontRef>
+          </p:style>
+          <p:txBody>
+            <a:bodyPr rtlCol="0" anchor="ctr"/>
+            <a:lstStyle/>
+            <a:p>
+              <a:pPr algn="ctr"/>
+              <a:endParaRPr lang="en-US"/>
+            </a:p>
+          </p:txBody>
+        </p:sp>
+        <p:sp>
+          <p:nvSpPr>
+            <p:cNvPr id="9" name="Oval 8">
+              <a:extLst>
+                <a:ext uri="{FF2B5EF4-FFF2-40B4-BE49-F238E27FC236}">
+                  <a16:creationId xmlns:a16="http://schemas.microsoft.com/office/drawing/2014/main" id="{A9179E35-0C50-481F-8048-EFA70BA7BED5}"/>
+                </a:ext>
+              </a:extLst>
+            </p:cNvPr>
+            <p:cNvSpPr/>
+            <p:nvPr/>
+          </p:nvSpPr>
+          <p:spPr>
+            <a:xfrm>
+              <a:off x="967673" y="6422618"/>
+              <a:ext cx="284086" cy="266330"/>
+            </a:xfrm>
+            <a:prstGeom prst="ellipse">
+              <a:avLst/>
+            </a:prstGeom>
+            <a:solidFill>
+              <a:schemeClr val="bg1"/>
+            </a:solidFill>
+            <a:ln>
+              <a:solidFill>
+                <a:schemeClr val="tx1"/>
+              </a:solidFill>
+            </a:ln>
+          </p:spPr>
+          <p:style>
+            <a:lnRef idx="2">
+              <a:schemeClr val="accent1">
+                <a:shade val="50000"/>
+              </a:schemeClr>
+            </a:lnRef>
+            <a:fillRef idx="1">
+              <a:schemeClr val="accent1"/>
+            </a:fillRef>
+            <a:effectRef idx="0">
+              <a:schemeClr val="accent1"/>
+            </a:effectRef>
+            <a:fontRef idx="minor">
+              <a:schemeClr val="lt1"/>
+            </a:fontRef>
+          </p:style>
+          <p:txBody>
+            <a:bodyPr rtlCol="0" anchor="ctr"/>
+            <a:lstStyle/>
+            <a:p>
+              <a:pPr algn="ctr"/>
+              <a:endParaRPr lang="en-US"/>
+            </a:p>
+          </p:txBody>
+        </p:sp>
+        <p:sp>
+          <p:nvSpPr>
+            <p:cNvPr id="10" name="Oval 9">
+              <a:extLst>
+                <a:ext uri="{FF2B5EF4-FFF2-40B4-BE49-F238E27FC236}">
+                  <a16:creationId xmlns:a16="http://schemas.microsoft.com/office/drawing/2014/main" id="{0D175C07-7A66-4B98-9A3D-E6C7FFADD036}"/>
+                </a:ext>
+              </a:extLst>
+            </p:cNvPr>
+            <p:cNvSpPr/>
+            <p:nvPr/>
+          </p:nvSpPr>
+          <p:spPr>
+            <a:xfrm>
+              <a:off x="1892428" y="4511336"/>
+              <a:ext cx="284086" cy="266330"/>
+            </a:xfrm>
+            <a:prstGeom prst="ellipse">
+              <a:avLst/>
+            </a:prstGeom>
+            <a:solidFill>
+              <a:schemeClr val="bg1"/>
+            </a:solidFill>
+            <a:ln>
+              <a:solidFill>
+                <a:schemeClr val="tx1"/>
+              </a:solidFill>
+            </a:ln>
+          </p:spPr>
+          <p:style>
+            <a:lnRef idx="2">
+              <a:schemeClr val="accent1">
+                <a:shade val="50000"/>
+              </a:schemeClr>
+            </a:lnRef>
+            <a:fillRef idx="1">
+              <a:schemeClr val="accent1"/>
+            </a:fillRef>
+            <a:effectRef idx="0">
+              <a:schemeClr val="accent1"/>
+            </a:effectRef>
+            <a:fontRef idx="minor">
+              <a:schemeClr val="lt1"/>
+            </a:fontRef>
+          </p:style>
+          <p:txBody>
+            <a:bodyPr rtlCol="0" anchor="ctr"/>
+            <a:lstStyle/>
+            <a:p>
+              <a:pPr algn="ctr"/>
+              <a:endParaRPr lang="en-US"/>
+            </a:p>
+          </p:txBody>
+        </p:sp>
+        <p:sp>
+          <p:nvSpPr>
+            <p:cNvPr id="11" name="Oval 10">
+              <a:extLst>
+                <a:ext uri="{FF2B5EF4-FFF2-40B4-BE49-F238E27FC236}">
+                  <a16:creationId xmlns:a16="http://schemas.microsoft.com/office/drawing/2014/main" id="{ED1ED111-728E-4F97-A3E2-9E84542F3FF9}"/>
+                </a:ext>
+              </a:extLst>
+            </p:cNvPr>
+            <p:cNvSpPr/>
+            <p:nvPr/>
+          </p:nvSpPr>
+          <p:spPr>
+            <a:xfrm>
+              <a:off x="1892428" y="4930435"/>
+              <a:ext cx="284086" cy="266330"/>
+            </a:xfrm>
+            <a:prstGeom prst="ellipse">
+              <a:avLst/>
+            </a:prstGeom>
+            <a:solidFill>
+              <a:schemeClr val="bg1"/>
+            </a:solidFill>
+            <a:ln>
+              <a:solidFill>
+                <a:schemeClr val="tx1"/>
+              </a:solidFill>
+            </a:ln>
+          </p:spPr>
+          <p:style>
+            <a:lnRef idx="2">
+              <a:schemeClr val="accent1">
+                <a:shade val="50000"/>
+              </a:schemeClr>
+            </a:lnRef>
+            <a:fillRef idx="1">
+              <a:schemeClr val="accent1"/>
+            </a:fillRef>
+            <a:effectRef idx="0">
+              <a:schemeClr val="accent1"/>
+            </a:effectRef>
+            <a:fontRef idx="minor">
+              <a:schemeClr val="lt1"/>
+            </a:fontRef>
+          </p:style>
+          <p:txBody>
+            <a:bodyPr rtlCol="0" anchor="ctr"/>
+            <a:lstStyle/>
+            <a:p>
+              <a:pPr algn="ctr"/>
+              <a:endParaRPr lang="en-US"/>
+            </a:p>
+          </p:txBody>
+        </p:sp>
+        <p:sp>
+          <p:nvSpPr>
+            <p:cNvPr id="12" name="Oval 11">
+              <a:extLst>
+                <a:ext uri="{FF2B5EF4-FFF2-40B4-BE49-F238E27FC236}">
+                  <a16:creationId xmlns:a16="http://schemas.microsoft.com/office/drawing/2014/main" id="{66DBA82C-50CB-44A0-8E33-2DE950A21BDC}"/>
+                </a:ext>
+              </a:extLst>
+            </p:cNvPr>
+            <p:cNvSpPr/>
+            <p:nvPr/>
+          </p:nvSpPr>
+          <p:spPr>
+            <a:xfrm>
+              <a:off x="1883552" y="5349534"/>
+              <a:ext cx="284086" cy="266330"/>
+            </a:xfrm>
+            <a:prstGeom prst="ellipse">
+              <a:avLst/>
+            </a:prstGeom>
+            <a:solidFill>
+              <a:schemeClr val="bg1"/>
+            </a:solidFill>
+            <a:ln>
+              <a:solidFill>
+                <a:schemeClr val="tx1"/>
+              </a:solidFill>
+            </a:ln>
+          </p:spPr>
+          <p:style>
+            <a:lnRef idx="2">
+              <a:schemeClr val="accent1">
+                <a:shade val="50000"/>
+              </a:schemeClr>
+            </a:lnRef>
+            <a:fillRef idx="1">
+              <a:schemeClr val="accent1"/>
+            </a:fillRef>
+            <a:effectRef idx="0">
+              <a:schemeClr val="accent1"/>
+            </a:effectRef>
+            <a:fontRef idx="minor">
+              <a:schemeClr val="lt1"/>
+            </a:fontRef>
+          </p:style>
+          <p:txBody>
+            <a:bodyPr rtlCol="0" anchor="ctr"/>
+            <a:lstStyle/>
+            <a:p>
+              <a:pPr algn="ctr"/>
+              <a:endParaRPr lang="en-US"/>
+            </a:p>
+          </p:txBody>
+        </p:sp>
+        <p:sp>
+          <p:nvSpPr>
+            <p:cNvPr id="13" name="Oval 12">
+              <a:extLst>
+                <a:ext uri="{FF2B5EF4-FFF2-40B4-BE49-F238E27FC236}">
+                  <a16:creationId xmlns:a16="http://schemas.microsoft.com/office/drawing/2014/main" id="{1AAAE1EE-3E83-4A31-BC4A-CF93A9B0C613}"/>
+                </a:ext>
+              </a:extLst>
+            </p:cNvPr>
+            <p:cNvSpPr/>
+            <p:nvPr/>
+          </p:nvSpPr>
+          <p:spPr>
+            <a:xfrm>
+              <a:off x="1892428" y="5736820"/>
+              <a:ext cx="284086" cy="266330"/>
+            </a:xfrm>
+            <a:prstGeom prst="ellipse">
+              <a:avLst/>
+            </a:prstGeom>
+            <a:solidFill>
+              <a:schemeClr val="bg1"/>
+            </a:solidFill>
+            <a:ln>
+              <a:solidFill>
+                <a:schemeClr val="tx1"/>
+              </a:solidFill>
+            </a:ln>
+          </p:spPr>
+          <p:style>
+            <a:lnRef idx="2">
+              <a:schemeClr val="accent1">
+                <a:shade val="50000"/>
+              </a:schemeClr>
+            </a:lnRef>
+            <a:fillRef idx="1">
+              <a:schemeClr val="accent1"/>
+            </a:fillRef>
+            <a:effectRef idx="0">
+              <a:schemeClr val="accent1"/>
+            </a:effectRef>
+            <a:fontRef idx="minor">
+              <a:schemeClr val="lt1"/>
+            </a:fontRef>
+          </p:style>
+          <p:txBody>
+            <a:bodyPr rtlCol="0" anchor="ctr"/>
+            <a:lstStyle/>
+            <a:p>
+              <a:pPr algn="ctr"/>
+              <a:endParaRPr lang="en-US"/>
+            </a:p>
+          </p:txBody>
+        </p:sp>
+        <p:sp>
+          <p:nvSpPr>
+            <p:cNvPr id="14" name="Oval 13">
+              <a:extLst>
+                <a:ext uri="{FF2B5EF4-FFF2-40B4-BE49-F238E27FC236}">
+                  <a16:creationId xmlns:a16="http://schemas.microsoft.com/office/drawing/2014/main" id="{8A8066CC-A706-4A9C-AB16-D428F61B8465}"/>
+                </a:ext>
+              </a:extLst>
+            </p:cNvPr>
+            <p:cNvSpPr/>
+            <p:nvPr/>
+          </p:nvSpPr>
+          <p:spPr>
+            <a:xfrm>
+              <a:off x="1892428" y="6155919"/>
+              <a:ext cx="284086" cy="266330"/>
+            </a:xfrm>
+            <a:prstGeom prst="ellipse">
+              <a:avLst/>
+            </a:prstGeom>
+            <a:solidFill>
+              <a:schemeClr val="bg1"/>
+            </a:solidFill>
+            <a:ln>
+              <a:solidFill>
+                <a:schemeClr val="tx1"/>
+              </a:solidFill>
+            </a:ln>
+          </p:spPr>
+          <p:style>
+            <a:lnRef idx="2">
+              <a:schemeClr val="accent1">
+                <a:shade val="50000"/>
+              </a:schemeClr>
+            </a:lnRef>
+            <a:fillRef idx="1">
+              <a:schemeClr val="accent1"/>
+            </a:fillRef>
+            <a:effectRef idx="0">
+              <a:schemeClr val="accent1"/>
+            </a:effectRef>
+            <a:fontRef idx="minor">
+              <a:schemeClr val="lt1"/>
+            </a:fontRef>
+          </p:style>
+          <p:txBody>
+            <a:bodyPr rtlCol="0" anchor="ctr"/>
+            <a:lstStyle/>
+            <a:p>
+              <a:pPr algn="ctr"/>
+              <a:endParaRPr lang="en-US"/>
+            </a:p>
+          </p:txBody>
+        </p:sp>
+        <p:cxnSp>
+          <p:nvCxnSpPr>
+            <p:cNvPr id="18" name="Straight Connector 17">
+              <a:extLst>
+                <a:ext uri="{FF2B5EF4-FFF2-40B4-BE49-F238E27FC236}">
+                  <a16:creationId xmlns:a16="http://schemas.microsoft.com/office/drawing/2014/main" id="{2BA2E2A9-39EC-45A6-9560-AD3F073320D1}"/>
+                </a:ext>
+              </a:extLst>
+            </p:cNvPr>
+            <p:cNvCxnSpPr>
+              <a:stCxn id="4" idx="6"/>
+              <a:endCxn id="10" idx="2"/>
+            </p:cNvCxnSpPr>
+            <p:nvPr/>
+          </p:nvCxnSpPr>
+          <p:spPr>
+            <a:xfrm>
+              <a:off x="1260635" y="4492101"/>
+              <a:ext cx="631793" cy="152400"/>
+            </a:xfrm>
+            <a:prstGeom prst="line">
+              <a:avLst/>
+            </a:prstGeom>
+          </p:spPr>
+          <p:style>
+            <a:lnRef idx="1">
+              <a:schemeClr val="dk1"/>
+            </a:lnRef>
+            <a:fillRef idx="0">
+              <a:schemeClr val="dk1"/>
+            </a:fillRef>
+            <a:effectRef idx="0">
+              <a:schemeClr val="dk1"/>
+            </a:effectRef>
+            <a:fontRef idx="minor">
+              <a:schemeClr val="tx1"/>
+            </a:fontRef>
+          </p:style>
+        </p:cxnSp>
+        <p:cxnSp>
+          <p:nvCxnSpPr>
+            <p:cNvPr id="25" name="Straight Connector 24">
+              <a:extLst>
+                <a:ext uri="{FF2B5EF4-FFF2-40B4-BE49-F238E27FC236}">
+                  <a16:creationId xmlns:a16="http://schemas.microsoft.com/office/drawing/2014/main" id="{0689AF90-2556-4D0C-9CCD-19CCD3E1A437}"/>
+                </a:ext>
+              </a:extLst>
+            </p:cNvPr>
+            <p:cNvCxnSpPr/>
+            <p:nvPr/>
+          </p:nvCxnSpPr>
+          <p:spPr>
+            <a:xfrm>
+              <a:off x="1249794" y="4939683"/>
+              <a:ext cx="631793" cy="152400"/>
+            </a:xfrm>
+            <a:prstGeom prst="line">
+              <a:avLst/>
+            </a:prstGeom>
+          </p:spPr>
+          <p:style>
+            <a:lnRef idx="1">
+              <a:schemeClr val="dk1"/>
+            </a:lnRef>
+            <a:fillRef idx="0">
+              <a:schemeClr val="dk1"/>
+            </a:fillRef>
+            <a:effectRef idx="0">
+              <a:schemeClr val="dk1"/>
+            </a:effectRef>
+            <a:fontRef idx="minor">
+              <a:schemeClr val="tx1"/>
+            </a:fontRef>
+          </p:style>
+        </p:cxnSp>
+        <p:cxnSp>
+          <p:nvCxnSpPr>
+            <p:cNvPr id="26" name="Straight Connector 25">
+              <a:extLst>
+                <a:ext uri="{FF2B5EF4-FFF2-40B4-BE49-F238E27FC236}">
+                  <a16:creationId xmlns:a16="http://schemas.microsoft.com/office/drawing/2014/main" id="{50AF6A2B-1599-40F7-A498-F3D467DDEC41}"/>
+                </a:ext>
+              </a:extLst>
+            </p:cNvPr>
+            <p:cNvCxnSpPr/>
+            <p:nvPr/>
+          </p:nvCxnSpPr>
+          <p:spPr>
+            <a:xfrm>
+              <a:off x="1243626" y="5339547"/>
+              <a:ext cx="631793" cy="152400"/>
+            </a:xfrm>
+            <a:prstGeom prst="line">
+              <a:avLst/>
+            </a:prstGeom>
+          </p:spPr>
+          <p:style>
+            <a:lnRef idx="1">
+              <a:schemeClr val="dk1"/>
+            </a:lnRef>
+            <a:fillRef idx="0">
+              <a:schemeClr val="dk1"/>
+            </a:fillRef>
+            <a:effectRef idx="0">
+              <a:schemeClr val="dk1"/>
+            </a:effectRef>
+            <a:fontRef idx="minor">
+              <a:schemeClr val="tx1"/>
+            </a:fontRef>
+          </p:style>
+        </p:cxnSp>
+        <p:cxnSp>
+          <p:nvCxnSpPr>
+            <p:cNvPr id="27" name="Straight Connector 26">
+              <a:extLst>
+                <a:ext uri="{FF2B5EF4-FFF2-40B4-BE49-F238E27FC236}">
+                  <a16:creationId xmlns:a16="http://schemas.microsoft.com/office/drawing/2014/main" id="{758E04D3-0FAA-44EB-99F4-77335A5FB1E2}"/>
+                </a:ext>
+              </a:extLst>
+            </p:cNvPr>
+            <p:cNvCxnSpPr/>
+            <p:nvPr/>
+          </p:nvCxnSpPr>
+          <p:spPr>
+            <a:xfrm>
+              <a:off x="1239933" y="5695023"/>
+              <a:ext cx="631793" cy="152400"/>
+            </a:xfrm>
+            <a:prstGeom prst="line">
+              <a:avLst/>
+            </a:prstGeom>
+          </p:spPr>
+          <p:style>
+            <a:lnRef idx="1">
+              <a:schemeClr val="dk1"/>
+            </a:lnRef>
+            <a:fillRef idx="0">
+              <a:schemeClr val="dk1"/>
+            </a:fillRef>
+            <a:effectRef idx="0">
+              <a:schemeClr val="dk1"/>
+            </a:effectRef>
+            <a:fontRef idx="minor">
+              <a:schemeClr val="tx1"/>
+            </a:fontRef>
+          </p:style>
+        </p:cxnSp>
+        <p:cxnSp>
+          <p:nvCxnSpPr>
+            <p:cNvPr id="28" name="Straight Connector 27">
+              <a:extLst>
+                <a:ext uri="{FF2B5EF4-FFF2-40B4-BE49-F238E27FC236}">
+                  <a16:creationId xmlns:a16="http://schemas.microsoft.com/office/drawing/2014/main" id="{A29D77EF-38EB-4ED6-893D-CA790AA2F970}"/>
+                </a:ext>
+              </a:extLst>
+            </p:cNvPr>
+            <p:cNvCxnSpPr/>
+            <p:nvPr/>
+          </p:nvCxnSpPr>
+          <p:spPr>
+            <a:xfrm>
+              <a:off x="1255723" y="6136684"/>
+              <a:ext cx="631793" cy="152400"/>
+            </a:xfrm>
+            <a:prstGeom prst="line">
+              <a:avLst/>
+            </a:prstGeom>
+          </p:spPr>
+          <p:style>
+            <a:lnRef idx="1">
+              <a:schemeClr val="dk1"/>
+            </a:lnRef>
+            <a:fillRef idx="0">
+              <a:schemeClr val="dk1"/>
+            </a:fillRef>
+            <a:effectRef idx="0">
+              <a:schemeClr val="dk1"/>
+            </a:effectRef>
+            <a:fontRef idx="minor">
+              <a:schemeClr val="tx1"/>
+            </a:fontRef>
+          </p:style>
+        </p:cxnSp>
+        <p:cxnSp>
+          <p:nvCxnSpPr>
+            <p:cNvPr id="29" name="Straight Connector 28">
+              <a:extLst>
+                <a:ext uri="{FF2B5EF4-FFF2-40B4-BE49-F238E27FC236}">
+                  <a16:creationId xmlns:a16="http://schemas.microsoft.com/office/drawing/2014/main" id="{D70417EC-4122-423F-9591-1B70EF280F4A}"/>
+                </a:ext>
+              </a:extLst>
+            </p:cNvPr>
+            <p:cNvCxnSpPr>
+              <a:cxnSpLocks/>
+              <a:endCxn id="14" idx="2"/>
+            </p:cNvCxnSpPr>
+            <p:nvPr/>
+          </p:nvCxnSpPr>
+          <p:spPr>
+            <a:xfrm flipV="1">
+              <a:off x="1239932" y="6289084"/>
+              <a:ext cx="652496" cy="218982"/>
+            </a:xfrm>
+            <a:prstGeom prst="line">
+              <a:avLst/>
+            </a:prstGeom>
+          </p:spPr>
+          <p:style>
+            <a:lnRef idx="1">
+              <a:schemeClr val="dk1"/>
+            </a:lnRef>
+            <a:fillRef idx="0">
+              <a:schemeClr val="dk1"/>
+            </a:fillRef>
+            <a:effectRef idx="0">
+              <a:schemeClr val="dk1"/>
+            </a:effectRef>
+            <a:fontRef idx="minor">
+              <a:schemeClr val="tx1"/>
+            </a:fontRef>
+          </p:style>
+        </p:cxnSp>
+        <p:cxnSp>
+          <p:nvCxnSpPr>
+            <p:cNvPr id="31" name="Straight Connector 30">
+              <a:extLst>
+                <a:ext uri="{FF2B5EF4-FFF2-40B4-BE49-F238E27FC236}">
+                  <a16:creationId xmlns:a16="http://schemas.microsoft.com/office/drawing/2014/main" id="{7CCAFD56-F8DF-4501-A6DC-86E9E4CFACF6}"/>
+                </a:ext>
+              </a:extLst>
+            </p:cNvPr>
+            <p:cNvCxnSpPr>
+              <a:cxnSpLocks/>
+            </p:cNvCxnSpPr>
+            <p:nvPr/>
+          </p:nvCxnSpPr>
+          <p:spPr>
+            <a:xfrm flipV="1">
+              <a:off x="1219230" y="5882562"/>
+              <a:ext cx="652496" cy="218982"/>
+            </a:xfrm>
+            <a:prstGeom prst="line">
+              <a:avLst/>
+            </a:prstGeom>
+          </p:spPr>
+          <p:style>
+            <a:lnRef idx="1">
+              <a:schemeClr val="dk1"/>
+            </a:lnRef>
+            <a:fillRef idx="0">
+              <a:schemeClr val="dk1"/>
+            </a:fillRef>
+            <a:effectRef idx="0">
+              <a:schemeClr val="dk1"/>
+            </a:effectRef>
+            <a:fontRef idx="minor">
+              <a:schemeClr val="tx1"/>
+            </a:fontRef>
+          </p:style>
+        </p:cxnSp>
+        <p:cxnSp>
+          <p:nvCxnSpPr>
+            <p:cNvPr id="32" name="Straight Connector 31">
+              <a:extLst>
+                <a:ext uri="{FF2B5EF4-FFF2-40B4-BE49-F238E27FC236}">
+                  <a16:creationId xmlns:a16="http://schemas.microsoft.com/office/drawing/2014/main" id="{212DEB93-FF1D-4659-BD3E-EFB6F41AB68D}"/>
+                </a:ext>
+              </a:extLst>
+            </p:cNvPr>
+            <p:cNvCxnSpPr>
+              <a:cxnSpLocks/>
+            </p:cNvCxnSpPr>
+            <p:nvPr/>
+          </p:nvCxnSpPr>
+          <p:spPr>
+            <a:xfrm flipV="1">
+              <a:off x="1214063" y="5482513"/>
+              <a:ext cx="652496" cy="218982"/>
+            </a:xfrm>
+            <a:prstGeom prst="line">
+              <a:avLst/>
+            </a:prstGeom>
+          </p:spPr>
+          <p:style>
+            <a:lnRef idx="1">
+              <a:schemeClr val="dk1"/>
+            </a:lnRef>
+            <a:fillRef idx="0">
+              <a:schemeClr val="dk1"/>
+            </a:fillRef>
+            <a:effectRef idx="0">
+              <a:schemeClr val="dk1"/>
+            </a:effectRef>
+            <a:fontRef idx="minor">
+              <a:schemeClr val="tx1"/>
+            </a:fontRef>
+          </p:style>
+        </p:cxnSp>
+        <p:cxnSp>
+          <p:nvCxnSpPr>
+            <p:cNvPr id="33" name="Straight Connector 32">
+              <a:extLst>
+                <a:ext uri="{FF2B5EF4-FFF2-40B4-BE49-F238E27FC236}">
+                  <a16:creationId xmlns:a16="http://schemas.microsoft.com/office/drawing/2014/main" id="{17254A15-AD6C-4886-A352-42B03EA58C90}"/>
+                </a:ext>
+              </a:extLst>
+            </p:cNvPr>
+            <p:cNvCxnSpPr>
+              <a:cxnSpLocks/>
+            </p:cNvCxnSpPr>
+            <p:nvPr/>
+          </p:nvCxnSpPr>
+          <p:spPr>
+            <a:xfrm flipV="1">
+              <a:off x="1262600" y="5081348"/>
+              <a:ext cx="652496" cy="218982"/>
+            </a:xfrm>
+            <a:prstGeom prst="line">
+              <a:avLst/>
+            </a:prstGeom>
+          </p:spPr>
+          <p:style>
+            <a:lnRef idx="1">
+              <a:schemeClr val="dk1"/>
+            </a:lnRef>
+            <a:fillRef idx="0">
+              <a:schemeClr val="dk1"/>
+            </a:fillRef>
+            <a:effectRef idx="0">
+              <a:schemeClr val="dk1"/>
+            </a:effectRef>
+            <a:fontRef idx="minor">
+              <a:schemeClr val="tx1"/>
+            </a:fontRef>
+          </p:style>
+        </p:cxnSp>
+        <p:cxnSp>
+          <p:nvCxnSpPr>
+            <p:cNvPr id="34" name="Straight Connector 33">
+              <a:extLst>
+                <a:ext uri="{FF2B5EF4-FFF2-40B4-BE49-F238E27FC236}">
+                  <a16:creationId xmlns:a16="http://schemas.microsoft.com/office/drawing/2014/main" id="{D1414CE4-6AEC-493E-8C8D-A78ADAE00F15}"/>
+                </a:ext>
+              </a:extLst>
+            </p:cNvPr>
+            <p:cNvCxnSpPr>
+              <a:cxnSpLocks/>
+            </p:cNvCxnSpPr>
+            <p:nvPr/>
+          </p:nvCxnSpPr>
+          <p:spPr>
+            <a:xfrm flipV="1">
+              <a:off x="1222923" y="4639496"/>
+              <a:ext cx="652496" cy="218982"/>
+            </a:xfrm>
+            <a:prstGeom prst="line">
+              <a:avLst/>
+            </a:prstGeom>
+          </p:spPr>
+          <p:style>
+            <a:lnRef idx="1">
+              <a:schemeClr val="dk1"/>
+            </a:lnRef>
+            <a:fillRef idx="0">
+              <a:schemeClr val="dk1"/>
+            </a:fillRef>
+            <a:effectRef idx="0">
+              <a:schemeClr val="dk1"/>
+            </a:effectRef>
+            <a:fontRef idx="minor">
+              <a:schemeClr val="tx1"/>
+            </a:fontRef>
+          </p:style>
+        </p:cxnSp>
+        <p:cxnSp>
+          <p:nvCxnSpPr>
+            <p:cNvPr id="35" name="Straight Connector 34">
+              <a:extLst>
+                <a:ext uri="{FF2B5EF4-FFF2-40B4-BE49-F238E27FC236}">
+                  <a16:creationId xmlns:a16="http://schemas.microsoft.com/office/drawing/2014/main" id="{C5A56EF0-1268-4050-9318-F54670889B68}"/>
+                </a:ext>
+              </a:extLst>
+            </p:cNvPr>
+            <p:cNvCxnSpPr>
+              <a:cxnSpLocks/>
+              <a:endCxn id="11" idx="2"/>
+            </p:cNvCxnSpPr>
+            <p:nvPr/>
+          </p:nvCxnSpPr>
+          <p:spPr>
+            <a:xfrm>
+              <a:off x="1279128" y="4483412"/>
+              <a:ext cx="613300" cy="580188"/>
+            </a:xfrm>
+            <a:prstGeom prst="line">
+              <a:avLst/>
+            </a:prstGeom>
+          </p:spPr>
+          <p:style>
+            <a:lnRef idx="1">
+              <a:schemeClr val="dk1"/>
+            </a:lnRef>
+            <a:fillRef idx="0">
+              <a:schemeClr val="dk1"/>
+            </a:fillRef>
+            <a:effectRef idx="0">
+              <a:schemeClr val="dk1"/>
+            </a:effectRef>
+            <a:fontRef idx="minor">
+              <a:schemeClr val="tx1"/>
+            </a:fontRef>
+          </p:style>
+        </p:cxnSp>
+        <p:cxnSp>
+          <p:nvCxnSpPr>
+            <p:cNvPr id="37" name="Straight Connector 36">
+              <a:extLst>
+                <a:ext uri="{FF2B5EF4-FFF2-40B4-BE49-F238E27FC236}">
+                  <a16:creationId xmlns:a16="http://schemas.microsoft.com/office/drawing/2014/main" id="{48FDCED5-F021-48E8-940A-5B9C1CAF0EBE}"/>
+                </a:ext>
+              </a:extLst>
+            </p:cNvPr>
+            <p:cNvCxnSpPr>
+              <a:cxnSpLocks/>
+            </p:cNvCxnSpPr>
+            <p:nvPr/>
+          </p:nvCxnSpPr>
+          <p:spPr>
+            <a:xfrm>
+              <a:off x="1253972" y="4911018"/>
+              <a:ext cx="613300" cy="580188"/>
+            </a:xfrm>
+            <a:prstGeom prst="line">
+              <a:avLst/>
+            </a:prstGeom>
+          </p:spPr>
+          <p:style>
+            <a:lnRef idx="1">
+              <a:schemeClr val="dk1"/>
+            </a:lnRef>
+            <a:fillRef idx="0">
+              <a:schemeClr val="dk1"/>
+            </a:fillRef>
+            <a:effectRef idx="0">
+              <a:schemeClr val="dk1"/>
+            </a:effectRef>
+            <a:fontRef idx="minor">
+              <a:schemeClr val="tx1"/>
+            </a:fontRef>
+          </p:style>
+        </p:cxnSp>
+        <p:cxnSp>
+          <p:nvCxnSpPr>
+            <p:cNvPr id="38" name="Straight Connector 37">
+              <a:extLst>
+                <a:ext uri="{FF2B5EF4-FFF2-40B4-BE49-F238E27FC236}">
+                  <a16:creationId xmlns:a16="http://schemas.microsoft.com/office/drawing/2014/main" id="{EBB08893-7CA6-4B4A-B432-16DC763A7D9A}"/>
+                </a:ext>
+              </a:extLst>
+            </p:cNvPr>
+            <p:cNvCxnSpPr>
+              <a:cxnSpLocks/>
+            </p:cNvCxnSpPr>
+            <p:nvPr/>
+          </p:nvCxnSpPr>
+          <p:spPr>
+            <a:xfrm>
+              <a:off x="1273207" y="5311993"/>
+              <a:ext cx="613300" cy="580188"/>
+            </a:xfrm>
+            <a:prstGeom prst="line">
+              <a:avLst/>
+            </a:prstGeom>
+          </p:spPr>
+          <p:style>
+            <a:lnRef idx="1">
+              <a:schemeClr val="dk1"/>
+            </a:lnRef>
+            <a:fillRef idx="0">
+              <a:schemeClr val="dk1"/>
+            </a:fillRef>
+            <a:effectRef idx="0">
+              <a:schemeClr val="dk1"/>
+            </a:effectRef>
+            <a:fontRef idx="minor">
+              <a:schemeClr val="tx1"/>
+            </a:fontRef>
+          </p:style>
+        </p:cxnSp>
+        <p:cxnSp>
+          <p:nvCxnSpPr>
+            <p:cNvPr id="39" name="Straight Connector 38">
+              <a:extLst>
+                <a:ext uri="{FF2B5EF4-FFF2-40B4-BE49-F238E27FC236}">
+                  <a16:creationId xmlns:a16="http://schemas.microsoft.com/office/drawing/2014/main" id="{14B2F8D4-F7F7-4F8E-A6D5-B08D7052C62E}"/>
+                </a:ext>
+              </a:extLst>
+            </p:cNvPr>
+            <p:cNvCxnSpPr>
+              <a:cxnSpLocks/>
+            </p:cNvCxnSpPr>
+            <p:nvPr/>
+          </p:nvCxnSpPr>
+          <p:spPr>
+            <a:xfrm>
+              <a:off x="1255450" y="5711487"/>
+              <a:ext cx="613300" cy="580188"/>
+            </a:xfrm>
+            <a:prstGeom prst="line">
+              <a:avLst/>
+            </a:prstGeom>
+          </p:spPr>
+          <p:style>
+            <a:lnRef idx="1">
+              <a:schemeClr val="dk1"/>
+            </a:lnRef>
+            <a:fillRef idx="0">
+              <a:schemeClr val="dk1"/>
+            </a:fillRef>
+            <a:effectRef idx="0">
+              <a:schemeClr val="dk1"/>
+            </a:effectRef>
+            <a:fontRef idx="minor">
+              <a:schemeClr val="tx1"/>
+            </a:fontRef>
+          </p:style>
+        </p:cxnSp>
+        <p:cxnSp>
+          <p:nvCxnSpPr>
+            <p:cNvPr id="41" name="Straight Connector 40">
+              <a:extLst>
+                <a:ext uri="{FF2B5EF4-FFF2-40B4-BE49-F238E27FC236}">
+                  <a16:creationId xmlns:a16="http://schemas.microsoft.com/office/drawing/2014/main" id="{D178129F-40E4-4168-B0C2-70AB0C03681D}"/>
+                </a:ext>
+              </a:extLst>
+            </p:cNvPr>
+            <p:cNvCxnSpPr>
+              <a:stCxn id="9" idx="6"/>
+              <a:endCxn id="13" idx="2"/>
+            </p:cNvCxnSpPr>
+            <p:nvPr/>
+          </p:nvCxnSpPr>
+          <p:spPr>
+            <a:xfrm flipV="1">
+              <a:off x="1251759" y="5869985"/>
+              <a:ext cx="640669" cy="685798"/>
+            </a:xfrm>
+            <a:prstGeom prst="line">
+              <a:avLst/>
+            </a:prstGeom>
+          </p:spPr>
+          <p:style>
+            <a:lnRef idx="1">
+              <a:schemeClr val="dk1"/>
+            </a:lnRef>
+            <a:fillRef idx="0">
+              <a:schemeClr val="dk1"/>
+            </a:fillRef>
+            <a:effectRef idx="0">
+              <a:schemeClr val="dk1"/>
+            </a:effectRef>
+            <a:fontRef idx="minor">
+              <a:schemeClr val="tx1"/>
+            </a:fontRef>
+          </p:style>
+        </p:cxnSp>
+        <p:cxnSp>
+          <p:nvCxnSpPr>
+            <p:cNvPr id="43" name="Straight Connector 42">
+              <a:extLst>
+                <a:ext uri="{FF2B5EF4-FFF2-40B4-BE49-F238E27FC236}">
+                  <a16:creationId xmlns:a16="http://schemas.microsoft.com/office/drawing/2014/main" id="{10C6DD22-B9EC-48A6-B717-594E8F7DB52F}"/>
+                </a:ext>
+              </a:extLst>
+            </p:cNvPr>
+            <p:cNvCxnSpPr>
+              <a:stCxn id="8" idx="6"/>
+              <a:endCxn id="12" idx="2"/>
+            </p:cNvCxnSpPr>
+            <p:nvPr/>
+          </p:nvCxnSpPr>
+          <p:spPr>
+            <a:xfrm flipV="1">
+              <a:off x="1260635" y="5482699"/>
+              <a:ext cx="622917" cy="653985"/>
+            </a:xfrm>
+            <a:prstGeom prst="line">
+              <a:avLst/>
+            </a:prstGeom>
+          </p:spPr>
+          <p:style>
+            <a:lnRef idx="1">
+              <a:schemeClr val="dk1"/>
+            </a:lnRef>
+            <a:fillRef idx="0">
+              <a:schemeClr val="dk1"/>
+            </a:fillRef>
+            <a:effectRef idx="0">
+              <a:schemeClr val="dk1"/>
+            </a:effectRef>
+            <a:fontRef idx="minor">
+              <a:schemeClr val="tx1"/>
+            </a:fontRef>
+          </p:style>
+        </p:cxnSp>
+        <p:cxnSp>
+          <p:nvCxnSpPr>
+            <p:cNvPr id="45" name="Straight Connector 44">
+              <a:extLst>
+                <a:ext uri="{FF2B5EF4-FFF2-40B4-BE49-F238E27FC236}">
+                  <a16:creationId xmlns:a16="http://schemas.microsoft.com/office/drawing/2014/main" id="{FA9B5977-2B68-42A5-B542-8D5BC57D825A}"/>
+                </a:ext>
+              </a:extLst>
+            </p:cNvPr>
+            <p:cNvCxnSpPr>
+              <a:stCxn id="7" idx="6"/>
+              <a:endCxn id="11" idx="2"/>
+            </p:cNvCxnSpPr>
+            <p:nvPr/>
+          </p:nvCxnSpPr>
+          <p:spPr>
+            <a:xfrm flipV="1">
+              <a:off x="1260635" y="5063600"/>
+              <a:ext cx="631793" cy="653985"/>
+            </a:xfrm>
+            <a:prstGeom prst="line">
+              <a:avLst/>
+            </a:prstGeom>
+          </p:spPr>
+          <p:style>
+            <a:lnRef idx="1">
+              <a:schemeClr val="dk1"/>
+            </a:lnRef>
+            <a:fillRef idx="0">
+              <a:schemeClr val="dk1"/>
+            </a:fillRef>
+            <a:effectRef idx="0">
+              <a:schemeClr val="dk1"/>
+            </a:effectRef>
+            <a:fontRef idx="minor">
+              <a:schemeClr val="tx1"/>
+            </a:fontRef>
+          </p:style>
+        </p:cxnSp>
+        <p:cxnSp>
+          <p:nvCxnSpPr>
+            <p:cNvPr id="47" name="Straight Connector 46">
+              <a:extLst>
+                <a:ext uri="{FF2B5EF4-FFF2-40B4-BE49-F238E27FC236}">
+                  <a16:creationId xmlns:a16="http://schemas.microsoft.com/office/drawing/2014/main" id="{F1E7F444-DB16-476D-9B4C-55D81C044706}"/>
+                </a:ext>
+              </a:extLst>
+            </p:cNvPr>
+            <p:cNvCxnSpPr>
+              <a:endCxn id="10" idx="2"/>
+            </p:cNvCxnSpPr>
+            <p:nvPr/>
+          </p:nvCxnSpPr>
+          <p:spPr>
+            <a:xfrm flipV="1">
+              <a:off x="1286505" y="4644501"/>
+              <a:ext cx="605923" cy="647145"/>
+            </a:xfrm>
+            <a:prstGeom prst="line">
+              <a:avLst/>
+            </a:prstGeom>
+          </p:spPr>
+          <p:style>
+            <a:lnRef idx="1">
+              <a:schemeClr val="dk1"/>
+            </a:lnRef>
+            <a:fillRef idx="0">
+              <a:schemeClr val="dk1"/>
+            </a:fillRef>
+            <a:effectRef idx="0">
+              <a:schemeClr val="dk1"/>
+            </a:effectRef>
+            <a:fontRef idx="minor">
+              <a:schemeClr val="tx1"/>
+            </a:fontRef>
+          </p:style>
+        </p:cxnSp>
+        <p:cxnSp>
+          <p:nvCxnSpPr>
+            <p:cNvPr id="49" name="Straight Connector 48">
+              <a:extLst>
+                <a:ext uri="{FF2B5EF4-FFF2-40B4-BE49-F238E27FC236}">
+                  <a16:creationId xmlns:a16="http://schemas.microsoft.com/office/drawing/2014/main" id="{CA5D8C6A-A428-47D7-B645-8346C3DD6F22}"/>
+                </a:ext>
+              </a:extLst>
+            </p:cNvPr>
+            <p:cNvCxnSpPr>
+              <a:stCxn id="9" idx="6"/>
+              <a:endCxn id="12" idx="2"/>
+            </p:cNvCxnSpPr>
+            <p:nvPr/>
+          </p:nvCxnSpPr>
+          <p:spPr>
+            <a:xfrm flipV="1">
+              <a:off x="1251759" y="5482699"/>
+              <a:ext cx="631793" cy="1073084"/>
+            </a:xfrm>
+            <a:prstGeom prst="line">
+              <a:avLst/>
+            </a:prstGeom>
+          </p:spPr>
+          <p:style>
+            <a:lnRef idx="1">
+              <a:schemeClr val="dk1"/>
+            </a:lnRef>
+            <a:fillRef idx="0">
+              <a:schemeClr val="dk1"/>
+            </a:fillRef>
+            <a:effectRef idx="0">
+              <a:schemeClr val="dk1"/>
+            </a:effectRef>
+            <a:fontRef idx="minor">
+              <a:schemeClr val="tx1"/>
+            </a:fontRef>
+          </p:style>
+        </p:cxnSp>
+        <p:cxnSp>
+          <p:nvCxnSpPr>
+            <p:cNvPr id="50" name="Straight Connector 49">
+              <a:extLst>
+                <a:ext uri="{FF2B5EF4-FFF2-40B4-BE49-F238E27FC236}">
+                  <a16:creationId xmlns:a16="http://schemas.microsoft.com/office/drawing/2014/main" id="{1653FE2F-AEE8-4012-AE85-1BE2C07060E9}"/>
+                </a:ext>
+              </a:extLst>
+            </p:cNvPr>
+            <p:cNvCxnSpPr/>
+            <p:nvPr/>
+          </p:nvCxnSpPr>
+          <p:spPr>
+            <a:xfrm flipV="1">
+              <a:off x="1226603" y="5075810"/>
+              <a:ext cx="631793" cy="1073084"/>
+            </a:xfrm>
+            <a:prstGeom prst="line">
+              <a:avLst/>
+            </a:prstGeom>
+          </p:spPr>
+          <p:style>
+            <a:lnRef idx="1">
+              <a:schemeClr val="dk1"/>
+            </a:lnRef>
+            <a:fillRef idx="0">
+              <a:schemeClr val="dk1"/>
+            </a:fillRef>
+            <a:effectRef idx="0">
+              <a:schemeClr val="dk1"/>
+            </a:effectRef>
+            <a:fontRef idx="minor">
+              <a:schemeClr val="tx1"/>
+            </a:fontRef>
+          </p:style>
+        </p:cxnSp>
+        <p:cxnSp>
+          <p:nvCxnSpPr>
+            <p:cNvPr id="51" name="Straight Connector 50">
+              <a:extLst>
+                <a:ext uri="{FF2B5EF4-FFF2-40B4-BE49-F238E27FC236}">
+                  <a16:creationId xmlns:a16="http://schemas.microsoft.com/office/drawing/2014/main" id="{9919072A-AB6F-4B58-83EF-1750DBEFB98D}"/>
+                </a:ext>
+              </a:extLst>
+            </p:cNvPr>
+            <p:cNvCxnSpPr/>
+            <p:nvPr/>
+          </p:nvCxnSpPr>
+          <p:spPr>
+            <a:xfrm flipV="1">
+              <a:off x="1235481" y="4658555"/>
+              <a:ext cx="631793" cy="1073084"/>
+            </a:xfrm>
+            <a:prstGeom prst="line">
+              <a:avLst/>
+            </a:prstGeom>
+          </p:spPr>
+          <p:style>
+            <a:lnRef idx="1">
+              <a:schemeClr val="dk1"/>
+            </a:lnRef>
+            <a:fillRef idx="0">
+              <a:schemeClr val="dk1"/>
+            </a:fillRef>
+            <a:effectRef idx="0">
+              <a:schemeClr val="dk1"/>
+            </a:effectRef>
+            <a:fontRef idx="minor">
+              <a:schemeClr val="tx1"/>
+            </a:fontRef>
+          </p:style>
+        </p:cxnSp>
+        <p:cxnSp>
+          <p:nvCxnSpPr>
+            <p:cNvPr id="52" name="Straight Connector 51">
+              <a:extLst>
+                <a:ext uri="{FF2B5EF4-FFF2-40B4-BE49-F238E27FC236}">
+                  <a16:creationId xmlns:a16="http://schemas.microsoft.com/office/drawing/2014/main" id="{9F811620-F056-42D7-BBF1-3EDC8FA35D5E}"/>
+                </a:ext>
+              </a:extLst>
+            </p:cNvPr>
+            <p:cNvCxnSpPr>
+              <a:cxnSpLocks/>
+              <a:stCxn id="4" idx="6"/>
+              <a:endCxn id="12" idx="2"/>
+            </p:cNvCxnSpPr>
+            <p:nvPr/>
+          </p:nvCxnSpPr>
+          <p:spPr>
+            <a:xfrm>
+              <a:off x="1260635" y="4492101"/>
+              <a:ext cx="622917" cy="990598"/>
+            </a:xfrm>
+            <a:prstGeom prst="line">
+              <a:avLst/>
+            </a:prstGeom>
+          </p:spPr>
+          <p:style>
+            <a:lnRef idx="1">
+              <a:schemeClr val="dk1"/>
+            </a:lnRef>
+            <a:fillRef idx="0">
+              <a:schemeClr val="dk1"/>
+            </a:fillRef>
+            <a:effectRef idx="0">
+              <a:schemeClr val="dk1"/>
+            </a:effectRef>
+            <a:fontRef idx="minor">
+              <a:schemeClr val="tx1"/>
+            </a:fontRef>
+          </p:style>
+        </p:cxnSp>
+        <p:cxnSp>
+          <p:nvCxnSpPr>
+            <p:cNvPr id="55" name="Straight Connector 54">
+              <a:extLst>
+                <a:ext uri="{FF2B5EF4-FFF2-40B4-BE49-F238E27FC236}">
+                  <a16:creationId xmlns:a16="http://schemas.microsoft.com/office/drawing/2014/main" id="{BD44CCB9-1694-4121-8E3F-46D0C982D8DC}"/>
+                </a:ext>
+              </a:extLst>
+            </p:cNvPr>
+            <p:cNvCxnSpPr>
+              <a:cxnSpLocks/>
+            </p:cNvCxnSpPr>
+            <p:nvPr/>
+          </p:nvCxnSpPr>
+          <p:spPr>
+            <a:xfrm>
+              <a:off x="1244359" y="4901954"/>
+              <a:ext cx="622917" cy="990598"/>
+            </a:xfrm>
+            <a:prstGeom prst="line">
+              <a:avLst/>
+            </a:prstGeom>
+          </p:spPr>
+          <p:style>
+            <a:lnRef idx="1">
+              <a:schemeClr val="dk1"/>
+            </a:lnRef>
+            <a:fillRef idx="0">
+              <a:schemeClr val="dk1"/>
+            </a:fillRef>
+            <a:effectRef idx="0">
+              <a:schemeClr val="dk1"/>
+            </a:effectRef>
+            <a:fontRef idx="minor">
+              <a:schemeClr val="tx1"/>
+            </a:fontRef>
+          </p:style>
+        </p:cxnSp>
+        <p:cxnSp>
+          <p:nvCxnSpPr>
+            <p:cNvPr id="56" name="Straight Connector 55">
+              <a:extLst>
+                <a:ext uri="{FF2B5EF4-FFF2-40B4-BE49-F238E27FC236}">
+                  <a16:creationId xmlns:a16="http://schemas.microsoft.com/office/drawing/2014/main" id="{3A7BDA21-0E9C-4BBA-9774-8046D7173031}"/>
+                </a:ext>
+              </a:extLst>
+            </p:cNvPr>
+            <p:cNvCxnSpPr>
+              <a:cxnSpLocks/>
+            </p:cNvCxnSpPr>
+            <p:nvPr/>
+          </p:nvCxnSpPr>
+          <p:spPr>
+            <a:xfrm>
+              <a:off x="1253237" y="5310329"/>
+              <a:ext cx="622917" cy="990598"/>
+            </a:xfrm>
+            <a:prstGeom prst="line">
+              <a:avLst/>
+            </a:prstGeom>
+          </p:spPr>
+          <p:style>
+            <a:lnRef idx="1">
+              <a:schemeClr val="dk1"/>
+            </a:lnRef>
+            <a:fillRef idx="0">
+              <a:schemeClr val="dk1"/>
+            </a:fillRef>
+            <a:effectRef idx="0">
+              <a:schemeClr val="dk1"/>
+            </a:effectRef>
+            <a:fontRef idx="minor">
+              <a:schemeClr val="tx1"/>
+            </a:fontRef>
+          </p:style>
+        </p:cxnSp>
+      </p:grpSp>
     </p:spTree>
     <p:extLst>
       <p:ext uri="{BB962C8B-B14F-4D97-AF65-F5344CB8AC3E}">

--- a/ConvolutionNeuralNetwork.pptx
+++ b/ConvolutionNeuralNetwork.pptx
@@ -5,7 +5,7 @@
     <p:sldMasterId id="2147483732" r:id="rId1"/>
   </p:sldMasterIdLst>
   <p:notesMasterIdLst>
-    <p:notesMasterId r:id="rId51"/>
+    <p:notesMasterId r:id="rId20"/>
   </p:notesMasterIdLst>
   <p:sldIdLst>
     <p:sldId id="350" r:id="rId2"/>
@@ -22,41 +22,10 @@
     <p:sldId id="447" r:id="rId13"/>
     <p:sldId id="450" r:id="rId14"/>
     <p:sldId id="461" r:id="rId15"/>
-    <p:sldId id="469" r:id="rId16"/>
-    <p:sldId id="452" r:id="rId17"/>
-    <p:sldId id="479" r:id="rId18"/>
-    <p:sldId id="454" r:id="rId19"/>
-    <p:sldId id="462" r:id="rId20"/>
-    <p:sldId id="455" r:id="rId21"/>
-    <p:sldId id="463" r:id="rId22"/>
-    <p:sldId id="487" r:id="rId23"/>
-    <p:sldId id="488" r:id="rId24"/>
-    <p:sldId id="464" r:id="rId25"/>
-    <p:sldId id="459" r:id="rId26"/>
-    <p:sldId id="489" r:id="rId27"/>
-    <p:sldId id="456" r:id="rId28"/>
-    <p:sldId id="465" r:id="rId29"/>
-    <p:sldId id="467" r:id="rId30"/>
-    <p:sldId id="468" r:id="rId31"/>
-    <p:sldId id="457" r:id="rId32"/>
-    <p:sldId id="490" r:id="rId33"/>
-    <p:sldId id="460" r:id="rId34"/>
-    <p:sldId id="491" r:id="rId35"/>
-    <p:sldId id="492" r:id="rId36"/>
-    <p:sldId id="482" r:id="rId37"/>
-    <p:sldId id="470" r:id="rId38"/>
-    <p:sldId id="493" r:id="rId39"/>
-    <p:sldId id="483" r:id="rId40"/>
-    <p:sldId id="495" r:id="rId41"/>
-    <p:sldId id="497" r:id="rId42"/>
-    <p:sldId id="496" r:id="rId43"/>
-    <p:sldId id="498" r:id="rId44"/>
-    <p:sldId id="480" r:id="rId45"/>
-    <p:sldId id="481" r:id="rId46"/>
-    <p:sldId id="484" r:id="rId47"/>
-    <p:sldId id="485" r:id="rId48"/>
-    <p:sldId id="486" r:id="rId49"/>
-    <p:sldId id="451" r:id="rId50"/>
+    <p:sldId id="452" r:id="rId16"/>
+    <p:sldId id="462" r:id="rId17"/>
+    <p:sldId id="502" r:id="rId18"/>
+    <p:sldId id="495" r:id="rId19"/>
   </p:sldIdLst>
   <p:sldSz cx="9144000" cy="6858000" type="screen4x3"/>
   <p:notesSz cx="6858000" cy="9144000"/>
@@ -158,7 +127,7 @@
   <p:extLst>
     <p:ext uri="{521415D9-36F7-43E2-AB2F-B90AF26B5E84}">
       <p14:sectionLst xmlns:p14="http://schemas.microsoft.com/office/powerpoint/2010/main">
-        <p14:section name="Default Section" id="{929AB238-E075-40F9-923D-1F10046BBEA9}">
+        <p14:section name="Introduction" id="{929AB238-E075-40F9-923D-1F10046BBEA9}">
           <p14:sldIdLst>
             <p14:sldId id="350"/>
             <p14:sldId id="472"/>
@@ -172,7 +141,7 @@
             <p14:sldId id="473"/>
           </p14:sldIdLst>
         </p14:section>
-        <p14:section name="Taxonomy of AL Attacks" id="{D00B26C9-9A30-4F74-B5DA-142DBA73FFA9}">
+        <p14:section name="Layers of a CNN" id="{D00B26C9-9A30-4F74-B5DA-142DBA73FFA9}">
           <p14:sldIdLst>
             <p14:sldId id="448"/>
             <p14:sldId id="446"/>
@@ -182,61 +151,18 @@
             <p14:sldId id="447"/>
             <p14:sldId id="450"/>
             <p14:sldId id="461"/>
-            <p14:sldId id="469"/>
           </p14:sldIdLst>
         </p14:section>
-        <p14:section name="List of AL Attacks" id="{55361FBA-BBD0-44B4-ABB9-19173DCB3C23}">
+        <p14:section name="Adjustable Parameters" id="{55361FBA-BBD0-44B4-ABB9-19173DCB3C23}">
           <p14:sldIdLst>
             <p14:sldId id="452"/>
-            <p14:sldId id="479"/>
-            <p14:sldId id="454"/>
             <p14:sldId id="462"/>
-            <p14:sldId id="455"/>
-            <p14:sldId id="463"/>
-            <p14:sldId id="487"/>
-            <p14:sldId id="488"/>
-            <p14:sldId id="464"/>
-            <p14:sldId id="459"/>
-            <p14:sldId id="489"/>
-            <p14:sldId id="456"/>
-            <p14:sldId id="465"/>
-            <p14:sldId id="467"/>
-            <p14:sldId id="468"/>
-            <p14:sldId id="457"/>
-            <p14:sldId id="490"/>
-            <p14:sldId id="460"/>
-            <p14:sldId id="491"/>
-            <p14:sldId id="492"/>
-            <p14:sldId id="482"/>
-            <p14:sldId id="470"/>
-            <p14:sldId id="493"/>
-            <p14:sldId id="483"/>
+            <p14:sldId id="502"/>
           </p14:sldIdLst>
         </p14:section>
-        <p14:section name="Unsupervised Learning" id="{84128D97-5FA8-4329-9068-79EDD1194B68}">
+        <p14:section name="AlexNet Implementation" id="{84128D97-5FA8-4329-9068-79EDD1194B68}">
           <p14:sldIdLst>
             <p14:sldId id="495"/>
-            <p14:sldId id="497"/>
-          </p14:sldIdLst>
-        </p14:section>
-        <p14:section name="Feature Selection" id="{390210EA-5317-4D38-9BA7-357FB27682C7}">
-          <p14:sldIdLst>
-            <p14:sldId id="496"/>
-            <p14:sldId id="498"/>
-          </p14:sldIdLst>
-        </p14:section>
-        <p14:section name="Future Work" id="{34C5BCF1-1D6D-4D2D-8818-C25345F67123}">
-          <p14:sldIdLst>
-            <p14:sldId id="480"/>
-            <p14:sldId id="481"/>
-            <p14:sldId id="484"/>
-            <p14:sldId id="485"/>
-            <p14:sldId id="486"/>
-          </p14:sldIdLst>
-        </p14:section>
-        <p14:section name="Extra Slides" id="{910A1847-F015-4EC0-B44B-026FF550D54D}">
-          <p14:sldIdLst>
-            <p14:sldId id="451"/>
           </p14:sldIdLst>
         </p14:section>
       </p14:sectionLst>
@@ -357,7 +283,7 @@
           <a:p>
             <a:fld id="{E91B00C2-1209-4D42-A5F6-19F8482CA1F8}" type="datetimeFigureOut">
               <a:rPr lang="en-US" smtClean="0"/>
-              <a:t>11/10/2017</a:t>
+              <a:t>11/11/2017</a:t>
             </a:fld>
             <a:endParaRPr lang="en-US"/>
           </a:p>
@@ -1370,7 +1296,7 @@
           <a:p>
             <a:fld id="{C51E4E97-A001-0F44-B0B9-428F1549067F}" type="datetimeFigureOut">
               <a:rPr lang="en-US" smtClean="0"/>
-              <a:t>11/10/2017</a:t>
+              <a:t>11/11/2017</a:t>
             </a:fld>
             <a:endParaRPr lang="en-US"/>
           </a:p>
@@ -1560,7 +1486,7 @@
           <a:p>
             <a:fld id="{C51E4E97-A001-0F44-B0B9-428F1549067F}" type="datetimeFigureOut">
               <a:rPr lang="en-US" smtClean="0"/>
-              <a:t>11/10/2017</a:t>
+              <a:t>11/11/2017</a:t>
             </a:fld>
             <a:endParaRPr lang="en-US"/>
           </a:p>
@@ -1742,7 +1668,7 @@
           <a:p>
             <a:fld id="{C51E4E97-A001-0F44-B0B9-428F1549067F}" type="datetimeFigureOut">
               <a:rPr lang="en-US" smtClean="0"/>
-              <a:t>11/10/2017</a:t>
+              <a:t>11/11/2017</a:t>
             </a:fld>
             <a:endParaRPr lang="en-US"/>
           </a:p>
@@ -2164,7 +2090,7 @@
           <a:p>
             <a:fld id="{C51E4E97-A001-0F44-B0B9-428F1549067F}" type="datetimeFigureOut">
               <a:rPr lang="en-US" smtClean="0"/>
-              <a:t>11/10/2017</a:t>
+              <a:t>11/11/2017</a:t>
             </a:fld>
             <a:endParaRPr lang="en-US"/>
           </a:p>
@@ -2540,7 +2466,7 @@
           <a:p>
             <a:fld id="{C51E4E97-A001-0F44-B0B9-428F1549067F}" type="datetimeFigureOut">
               <a:rPr lang="en-US" smtClean="0"/>
-              <a:t>11/10/2017</a:t>
+              <a:t>11/11/2017</a:t>
             </a:fld>
             <a:endParaRPr lang="en-US"/>
           </a:p>
@@ -2951,7 +2877,7 @@
           <a:p>
             <a:fld id="{C51E4E97-A001-0F44-B0B9-428F1549067F}" type="datetimeFigureOut">
               <a:rPr lang="en-US" smtClean="0"/>
-              <a:t>11/10/2017</a:t>
+              <a:t>11/11/2017</a:t>
             </a:fld>
             <a:endParaRPr lang="en-US"/>
           </a:p>
@@ -3089,7 +3015,7 @@
           <a:p>
             <a:fld id="{C51E4E97-A001-0F44-B0B9-428F1549067F}" type="datetimeFigureOut">
               <a:rPr lang="en-US" smtClean="0"/>
-              <a:t>11/10/2017</a:t>
+              <a:t>11/11/2017</a:t>
             </a:fld>
             <a:endParaRPr lang="en-US"/>
           </a:p>
@@ -3197,7 +3123,7 @@
           <a:p>
             <a:fld id="{C51E4E97-A001-0F44-B0B9-428F1549067F}" type="datetimeFigureOut">
               <a:rPr lang="en-US" smtClean="0"/>
-              <a:t>11/10/2017</a:t>
+              <a:t>11/11/2017</a:t>
             </a:fld>
             <a:endParaRPr lang="en-US"/>
           </a:p>
@@ -3449,7 +3375,7 @@
           <a:p>
             <a:fld id="{C51E4E97-A001-0F44-B0B9-428F1549067F}" type="datetimeFigureOut">
               <a:rPr lang="en-US" smtClean="0"/>
-              <a:t>11/10/2017</a:t>
+              <a:t>11/11/2017</a:t>
             </a:fld>
             <a:endParaRPr lang="en-US"/>
           </a:p>
@@ -3700,7 +3626,7 @@
           <a:p>
             <a:fld id="{C51E4E97-A001-0F44-B0B9-428F1549067F}" type="datetimeFigureOut">
               <a:rPr lang="en-US" smtClean="0"/>
-              <a:t>11/10/2017</a:t>
+              <a:t>11/11/2017</a:t>
             </a:fld>
             <a:endParaRPr lang="en-US"/>
           </a:p>
@@ -4530,7 +4456,7 @@
           <a:p>
             <a:fld id="{C51E4E97-A001-0F44-B0B9-428F1549067F}" type="datetimeFigureOut">
               <a:rPr lang="en-US" smtClean="0"/>
-              <a:t>11/10/2017</a:t>
+              <a:t>11/11/2017</a:t>
             </a:fld>
             <a:endParaRPr lang="en-US"/>
           </a:p>
@@ -5647,7 +5573,7 @@
             </a:r>
             <a:r>
               <a:rPr lang="en-US" altLang="en-US" dirty="0"/>
-              <a:t>(InputSize−FilterSize+2ZeroPadding)/Stride+1</a:t>
+              <a:t>(Input Size−Filter Size+2*Zero Padding)/Stride+1</a:t>
             </a:r>
             <a:endParaRPr lang="en-US" dirty="0"/>
           </a:p>
@@ -5854,7 +5780,7 @@
           </p:nvSpPr>
           <p:spPr>
             <a:xfrm>
-              <a:off x="4701071" y="4506436"/>
+              <a:off x="4701071" y="4515007"/>
               <a:ext cx="617360" cy="2074195"/>
             </a:xfrm>
             <a:prstGeom prst="cube">
@@ -5892,7 +5818,7 @@
             <a:lstStyle/>
             <a:p>
               <a:pPr algn="ctr"/>
-              <a:endParaRPr lang="en-US"/>
+              <a:endParaRPr lang="en-US" dirty="0"/>
             </a:p>
           </p:txBody>
         </p:sp>
@@ -5966,7 +5892,7 @@
           </p:nvSpPr>
           <p:spPr>
             <a:xfrm>
-              <a:off x="5087732" y="4506436"/>
+              <a:off x="5087732" y="4515007"/>
               <a:ext cx="617360" cy="2074195"/>
             </a:xfrm>
             <a:prstGeom prst="cube">
@@ -6004,7 +5930,7 @@
             <a:lstStyle/>
             <a:p>
               <a:pPr algn="ctr"/>
-              <a:endParaRPr lang="en-US"/>
+              <a:endParaRPr lang="en-US" dirty="0"/>
             </a:p>
           </p:txBody>
         </p:sp>
@@ -6079,7 +6005,7 @@
           <p:spPr>
             <a:xfrm>
               <a:off x="5478879" y="4508824"/>
-              <a:ext cx="617360" cy="2071807"/>
+              <a:ext cx="617360" cy="2080377"/>
             </a:xfrm>
             <a:prstGeom prst="cube">
               <a:avLst>
@@ -6116,7 +6042,7 @@
             <a:lstStyle/>
             <a:p>
               <a:pPr algn="ctr"/>
-              <a:endParaRPr lang="en-US"/>
+              <a:endParaRPr lang="en-US" dirty="0"/>
             </a:p>
           </p:txBody>
         </p:sp>
@@ -6374,7 +6300,7 @@
           <p:spPr>
             <a:xfrm>
               <a:off x="3773168" y="4693631"/>
-              <a:ext cx="273356" cy="274084"/>
+              <a:ext cx="325583" cy="345902"/>
             </a:xfrm>
             <a:prstGeom prst="rect">
               <a:avLst/>
@@ -6389,7 +6315,7 @@
             <a:p>
               <a:r>
                 <a:rPr lang="en-US" sz="1600" dirty="0"/>
-                <a:t>5</a:t>
+                <a:t>4</a:t>
               </a:r>
             </a:p>
           </p:txBody>
@@ -6409,7 +6335,7 @@
           <p:spPr>
             <a:xfrm>
               <a:off x="3666139" y="5031210"/>
-              <a:ext cx="273356" cy="274084"/>
+              <a:ext cx="325583" cy="345902"/>
             </a:xfrm>
             <a:prstGeom prst="rect">
               <a:avLst/>
@@ -6424,7 +6350,7 @@
             <a:p>
               <a:r>
                 <a:rPr lang="en-US" sz="1600" dirty="0"/>
-                <a:t>5</a:t>
+                <a:t>4</a:t>
               </a:r>
             </a:p>
           </p:txBody>
@@ -6556,7 +6482,7 @@
           <a:p>
             <a:r>
               <a:rPr lang="en-US" dirty="0"/>
-              <a:t>Security Violation / Attacker Goal</a:t>
+              <a:t>Pooling Layer</a:t>
             </a:r>
           </a:p>
         </p:txBody>
@@ -6579,42 +6505,118 @@
         </p:nvSpPr>
         <p:spPr/>
         <p:txBody>
-          <a:bodyPr/>
+          <a:bodyPr>
+            <a:normAutofit/>
+          </a:bodyPr>
           <a:lstStyle/>
           <a:p>
             <a:r>
-              <a:rPr lang="en-US" dirty="0"/>
-              <a:t>What is the attacker’s goal?</a:t>
-            </a:r>
-          </a:p>
-          <a:p>
-            <a:r>
-              <a:rPr lang="en-US" b="1" dirty="0"/>
-              <a:t>Integrity</a:t>
-            </a:r>
-            <a:r>
-              <a:rPr lang="en-US" dirty="0"/>
-              <a:t> – goal is to get malicious examples classified as legitimate</a:t>
-            </a:r>
-          </a:p>
-          <a:p>
-            <a:r>
-              <a:rPr lang="en-US" b="1" dirty="0"/>
-              <a:t>Availability</a:t>
-            </a:r>
-            <a:r>
-              <a:rPr lang="en-US" dirty="0"/>
-              <a:t> – goal is to get legitimate examples misclassified</a:t>
-            </a:r>
-          </a:p>
-          <a:p>
-            <a:r>
-              <a:rPr lang="en-US" b="1" dirty="0"/>
-              <a:t>Privacy</a:t>
-            </a:r>
-            <a:r>
-              <a:rPr lang="en-US" dirty="0"/>
-              <a:t> – goal is to get confidential information from the classifier</a:t>
+              <a:rPr lang="en-US" sz="2000" dirty="0"/>
+              <a:t>The pooling layer takes information from the previous layer and lowers the special dimensionality  (Width x Height) of the information. A pooling layer is usually placed between convolutional layers. This is usually done in 2x2 sections.</a:t>
+            </a:r>
+          </a:p>
+          <a:p>
+            <a:r>
+              <a:rPr lang="en-US" sz="2000" dirty="0"/>
+              <a:t>There are two reasons we use pooling</a:t>
+            </a:r>
+          </a:p>
+          <a:p>
+            <a:pPr lvl="1"/>
+            <a:r>
+              <a:rPr lang="en-US" sz="2000" dirty="0"/>
+              <a:t>Reduce computational overhead</a:t>
+            </a:r>
+          </a:p>
+          <a:p>
+            <a:pPr lvl="1"/>
+            <a:r>
+              <a:rPr lang="en-US" sz="2000" dirty="0"/>
+              <a:t>To avoid over-fitting</a:t>
+            </a:r>
+          </a:p>
+          <a:p>
+            <a:r>
+              <a:rPr lang="en-US" sz="2000" dirty="0"/>
+              <a:t>Two different types of pooling</a:t>
+            </a:r>
+          </a:p>
+          <a:p>
+            <a:pPr lvl="1"/>
+            <a:r>
+              <a:rPr lang="en-US" sz="2000" dirty="0"/>
+              <a:t>Max Pooling – The most common practice, takes max value in the 2x2 section</a:t>
+            </a:r>
+          </a:p>
+          <a:p>
+            <a:pPr lvl="1"/>
+            <a:r>
+              <a:rPr lang="en-US" sz="2000" dirty="0"/>
+              <a:t>Average Pooling – Takes the average of all 4 values and places it in the new matrix</a:t>
+            </a:r>
+          </a:p>
+        </p:txBody>
+      </p:sp>
+      <p:pic>
+        <p:nvPicPr>
+          <p:cNvPr id="4" name="Picture 3">
+            <a:extLst>
+              <a:ext uri="{FF2B5EF4-FFF2-40B4-BE49-F238E27FC236}">
+                <a16:creationId xmlns:a16="http://schemas.microsoft.com/office/drawing/2014/main" id="{5732022C-5E0C-44C4-9996-1B918018DE7E}"/>
+              </a:ext>
+            </a:extLst>
+          </p:cNvPr>
+          <p:cNvPicPr>
+            <a:picLocks noChangeAspect="1"/>
+          </p:cNvPicPr>
+          <p:nvPr/>
+        </p:nvPicPr>
+        <p:blipFill>
+          <a:blip r:embed="rId2"/>
+          <a:stretch>
+            <a:fillRect/>
+          </a:stretch>
+        </p:blipFill>
+        <p:spPr>
+          <a:xfrm>
+            <a:off x="2301115" y="4571898"/>
+            <a:ext cx="4541770" cy="1895432"/>
+          </a:xfrm>
+          <a:prstGeom prst="rect">
+            <a:avLst/>
+          </a:prstGeom>
+        </p:spPr>
+      </p:pic>
+      <p:sp>
+        <p:nvSpPr>
+          <p:cNvPr id="5" name="Rectangle 4">
+            <a:extLst>
+              <a:ext uri="{FF2B5EF4-FFF2-40B4-BE49-F238E27FC236}">
+                <a16:creationId xmlns:a16="http://schemas.microsoft.com/office/drawing/2014/main" id="{18D83247-D0D6-421E-829C-DA7F88DB72B0}"/>
+              </a:ext>
+            </a:extLst>
+          </p:cNvPr>
+          <p:cNvSpPr/>
+          <p:nvPr/>
+        </p:nvSpPr>
+        <p:spPr>
+          <a:xfrm>
+            <a:off x="0" y="6542781"/>
+            <a:ext cx="9144000" cy="323165"/>
+          </a:xfrm>
+          <a:prstGeom prst="rect">
+            <a:avLst/>
+          </a:prstGeom>
+        </p:spPr>
+        <p:txBody>
+          <a:bodyPr wrap="square">
+            <a:spAutoFit/>
+          </a:bodyPr>
+          <a:lstStyle/>
+          <a:p>
+            <a:r>
+              <a:rPr lang="en-US" sz="1500" dirty="0"/>
+              <a:t>https://cambridgespark.com/content/tutorials/convolutional-neural-networks-with-keras/index.html</a:t>
             </a:r>
           </a:p>
         </p:txBody>
@@ -6674,8 +6676,12 @@
           <a:lstStyle/>
           <a:p>
             <a:r>
+              <a:rPr lang="en-US" dirty="0" err="1"/>
+              <a:t>ReLU</a:t>
+            </a:r>
+            <a:r>
               <a:rPr lang="en-US" dirty="0"/>
-              <a:t>Specificity</a:t>
+              <a:t> Layer</a:t>
             </a:r>
           </a:p>
         </p:txBody>
@@ -6701,30 +6707,83 @@
           <a:bodyPr/>
           <a:lstStyle/>
           <a:p>
+            <a:pPr marL="109728" indent="0">
+              <a:buNone/>
+            </a:pPr>
+            <a:r>
+              <a:rPr lang="en-US" dirty="0" err="1"/>
+              <a:t>ReLU</a:t>
+            </a:r>
             <a:r>
               <a:rPr lang="en-US" dirty="0"/>
-              <a:t>What is the attacker’s target?</a:t>
-            </a:r>
-          </a:p>
-          <a:p>
-            <a:r>
-              <a:rPr lang="en-US" b="1" dirty="0"/>
-              <a:t>Targeted</a:t>
-            </a:r>
+              <a:t> stands for Rectified Linear Unit. This layer is responsible for computing the outputs of the CNN neurons.</a:t>
+            </a:r>
+          </a:p>
+          <a:p>
             <a:r>
               <a:rPr lang="en-US" dirty="0"/>
-              <a:t> – small number of target instances</a:t>
-            </a:r>
-          </a:p>
-          <a:p>
-            <a:r>
-              <a:rPr lang="en-US" b="1" dirty="0"/>
-              <a:t>Indiscriminate</a:t>
+              <a:t>In practice the equation for </a:t>
+            </a:r>
+            <a:r>
+              <a:rPr lang="en-US" dirty="0" err="1"/>
+              <a:t>ReLU</a:t>
             </a:r>
             <a:r>
               <a:rPr lang="en-US" dirty="0"/>
-              <a:t> – no specific target</a:t>
-            </a:r>
+              <a:t> is </a:t>
+            </a:r>
+            <a:r>
+              <a:rPr lang="en-US" i="1" dirty="0"/>
+              <a:t>max</a:t>
+            </a:r>
+            <a:r>
+              <a:rPr lang="en-US" dirty="0"/>
+              <a:t>(0, </a:t>
+            </a:r>
+            <a:r>
+              <a:rPr lang="en-US" i="1" dirty="0"/>
+              <a:t>x</a:t>
+            </a:r>
+            <a:r>
+              <a:rPr lang="en-US" dirty="0"/>
+              <a:t>) which is not differentiable at the origin which leads to difficulties when training with </a:t>
+            </a:r>
+            <a:r>
+              <a:rPr lang="en-US" dirty="0" err="1"/>
+              <a:t>backpropogation</a:t>
+            </a:r>
+            <a:r>
+              <a:rPr lang="en-US" dirty="0"/>
+              <a:t>.</a:t>
+            </a:r>
+          </a:p>
+          <a:p>
+            <a:r>
+              <a:rPr lang="en-US" dirty="0"/>
+              <a:t>The actual function used is the </a:t>
+            </a:r>
+            <a:r>
+              <a:rPr lang="en-US" dirty="0" err="1"/>
+              <a:t>Softplus</a:t>
+            </a:r>
+            <a:r>
+              <a:rPr lang="en-US" dirty="0"/>
+              <a:t> function </a:t>
+            </a:r>
+            <a:r>
+              <a:rPr lang="en-US" i="1" dirty="0"/>
+              <a:t>f(x) = ln(1+e^x)</a:t>
+            </a:r>
+            <a:endParaRPr lang="en-US" dirty="0"/>
+          </a:p>
+          <a:p>
+            <a:r>
+              <a:rPr lang="en-US" dirty="0"/>
+              <a:t>The derivative of this function is the sigmoid function, which we have seen in MLP</a:t>
+            </a:r>
+          </a:p>
+          <a:p>
+            <a:endParaRPr lang="en-US" dirty="0"/>
           </a:p>
         </p:txBody>
       </p:sp>
@@ -6784,7 +6843,7 @@
           <a:p>
             <a:r>
               <a:rPr lang="en-US" dirty="0"/>
-              <a:t>Attacker Knowledge</a:t>
+              <a:t>Fully Connected Layer</a:t>
             </a:r>
           </a:p>
         </p:txBody>
@@ -6918,10 +6977,10 @@
       </p:grpSpPr>
       <p:sp>
         <p:nvSpPr>
-          <p:cNvPr id="2" name="Title 1">
+          <p:cNvPr id="4" name="Title 3">
             <a:extLst>
               <a:ext uri="{FF2B5EF4-FFF2-40B4-BE49-F238E27FC236}">
-                <a16:creationId xmlns:a16="http://schemas.microsoft.com/office/drawing/2014/main" id="{DFCDB0B4-C0B1-4178-AFCA-6B275081362B}"/>
+                <a16:creationId xmlns:a16="http://schemas.microsoft.com/office/drawing/2014/main" id="{089344F2-BE90-4076-86A1-56012BAD4036}"/>
               </a:ext>
             </a:extLst>
           </p:cNvPr>
@@ -6932,24 +6991,29 @@
             <p:ph type="title"/>
           </p:nvPr>
         </p:nvSpPr>
-        <p:spPr/>
+        <p:spPr>
+          <a:xfrm>
+            <a:off x="722313" y="1981200"/>
+            <a:ext cx="7772400" cy="1362075"/>
+          </a:xfrm>
+        </p:spPr>
         <p:txBody>
           <a:bodyPr/>
           <a:lstStyle/>
           <a:p>
             <a:r>
               <a:rPr lang="en-US" dirty="0"/>
-              <a:t>Attacker Knowledge</a:t>
-            </a:r>
-          </a:p>
-        </p:txBody>
-      </p:sp>
-      <p:sp>
-        <p:nvSpPr>
-          <p:cNvPr id="3" name="Content Placeholder 2">
+              <a:t>Adjustable Parameters</a:t>
+            </a:r>
+          </a:p>
+        </p:txBody>
+      </p:sp>
+      <p:sp>
+        <p:nvSpPr>
+          <p:cNvPr id="5" name="Text Placeholder 4">
             <a:extLst>
               <a:ext uri="{FF2B5EF4-FFF2-40B4-BE49-F238E27FC236}">
-                <a16:creationId xmlns:a16="http://schemas.microsoft.com/office/drawing/2014/main" id="{23CE473B-19FC-454B-A352-1E4F9AD855E4}"/>
+                <a16:creationId xmlns:a16="http://schemas.microsoft.com/office/drawing/2014/main" id="{2D595F60-9B5B-45C4-9B65-033A3C54E173}"/>
               </a:ext>
             </a:extLst>
           </p:cNvPr>
@@ -6957,146 +7021,25 @@
             <a:spLocks noGrp="1"/>
           </p:cNvSpPr>
           <p:nvPr>
-            <p:ph idx="1"/>
+            <p:ph type="body" idx="1"/>
           </p:nvPr>
         </p:nvSpPr>
-        <p:spPr>
-          <a:xfrm>
-            <a:off x="0" y="1181099"/>
-            <a:ext cx="9144000" cy="5168425"/>
-          </a:xfrm>
-        </p:spPr>
-        <p:txBody>
-          <a:bodyPr/>
-          <a:lstStyle/>
-          <a:p>
-            <a:r>
-              <a:rPr lang="en-US" dirty="0"/>
-              <a:t>What is a reasonable assumption about the attacker knowledge?</a:t>
-            </a:r>
-          </a:p>
-          <a:p>
-            <a:r>
-              <a:rPr lang="en-US" b="1" dirty="0"/>
-              <a:t>“Security through obscurity is no security at all” </a:t>
-            </a:r>
-            <a:r>
-              <a:rPr lang="en-US" dirty="0"/>
-              <a:t>– Said every security engineer everywhere (or the good ones at least).</a:t>
-            </a:r>
-          </a:p>
-          <a:p>
-            <a:r>
-              <a:rPr lang="en-US" dirty="0"/>
-              <a:t>It is useful to understand what the attacker can do with different levels of knowledge, but ideally the system should still be secure assuming the attacker has perfect knowledge.</a:t>
-            </a:r>
-          </a:p>
-          <a:p>
-            <a:pPr lvl="1"/>
-            <a:r>
-              <a:rPr lang="en-US" dirty="0"/>
-              <a:t>The machine learning models can be stolen by looking at the output [1,2]</a:t>
-            </a:r>
-          </a:p>
-          <a:p>
-            <a:pPr lvl="1"/>
-            <a:r>
-              <a:rPr lang="en-US" dirty="0"/>
-              <a:t>An attacker can break into the network / computer and directly steal the model</a:t>
-            </a:r>
-          </a:p>
-          <a:p>
-            <a:r>
-              <a:rPr lang="en-US" dirty="0"/>
-              <a:t>In practice, you must understand the </a:t>
-            </a:r>
-            <a:r>
-              <a:rPr lang="en-US" b="1" dirty="0"/>
-              <a:t>risks</a:t>
-            </a:r>
-            <a:r>
-              <a:rPr lang="en-US" dirty="0"/>
-              <a:t> of your particular application</a:t>
-            </a:r>
-          </a:p>
-        </p:txBody>
-      </p:sp>
-      <p:sp>
-        <p:nvSpPr>
-          <p:cNvPr id="4" name="Rectangle 3">
-            <a:extLst>
-              <a:ext uri="{FF2B5EF4-FFF2-40B4-BE49-F238E27FC236}">
-                <a16:creationId xmlns:a16="http://schemas.microsoft.com/office/drawing/2014/main" id="{D9B89DB8-F877-4275-AF25-C03FE19A37CE}"/>
-              </a:ext>
-            </a:extLst>
-          </p:cNvPr>
-          <p:cNvSpPr/>
-          <p:nvPr/>
-        </p:nvSpPr>
-        <p:spPr>
-          <a:xfrm>
-            <a:off x="0" y="5380672"/>
-            <a:ext cx="8905460" cy="1477328"/>
-          </a:xfrm>
-          <a:prstGeom prst="rect">
-            <a:avLst/>
-          </a:prstGeom>
-        </p:spPr>
-        <p:txBody>
-          <a:bodyPr wrap="square">
-            <a:spAutoFit/>
+        <p:spPr/>
+        <p:txBody>
+          <a:bodyPr>
+            <a:normAutofit/>
           </a:bodyPr>
           <a:lstStyle/>
           <a:p>
             <a:r>
               <a:rPr lang="en-US" dirty="0"/>
-              <a:t>[1]	F. </a:t>
-            </a:r>
-            <a:r>
-              <a:rPr lang="en-US" dirty="0" err="1"/>
-              <a:t>Tramer</a:t>
-            </a:r>
+              <a:t>Filters</a:t>
+            </a:r>
+          </a:p>
+          <a:p>
             <a:r>
               <a:rPr lang="en-US" dirty="0"/>
-              <a:t>, F. Zhang, A. Jules, M. Reiter, and T. </a:t>
-            </a:r>
-            <a:r>
-              <a:rPr lang="en-US" dirty="0" err="1"/>
-              <a:t>Ristenpart</a:t>
-            </a:r>
-            <a:r>
-              <a:rPr lang="en-US" dirty="0"/>
-              <a:t>, “Stealing Machine Learning Models via Prediction APIs Florian,” in </a:t>
-            </a:r>
-            <a:r>
-              <a:rPr lang="en-US" i="1" dirty="0"/>
-              <a:t>25th USENIX Security Symposium</a:t>
-            </a:r>
-            <a:r>
-              <a:rPr lang="en-US" dirty="0"/>
-              <a:t>, 2016.</a:t>
-            </a:r>
-          </a:p>
-          <a:p>
-            <a:r>
-              <a:rPr lang="en-US" dirty="0"/>
-              <a:t>[2]	Y. Shi, Y. </a:t>
-            </a:r>
-            <a:r>
-              <a:rPr lang="en-US" dirty="0" err="1"/>
-              <a:t>Sagduyu</a:t>
-            </a:r>
-            <a:r>
-              <a:rPr lang="en-US" dirty="0"/>
-              <a:t>, and A. </a:t>
-            </a:r>
-            <a:r>
-              <a:rPr lang="en-US" dirty="0" err="1"/>
-              <a:t>Grushin</a:t>
-            </a:r>
-            <a:r>
-              <a:rPr lang="en-US" dirty="0"/>
-              <a:t>, “How to Steal a Machine Learning Classifier with Deep Learning,” 2017.</a:t>
+              <a:t>Pooling</a:t>
             </a:r>
           </a:p>
         </p:txBody>
@@ -7104,7 +7047,7 @@
     </p:spTree>
     <p:extLst>
       <p:ext uri="{BB962C8B-B14F-4D97-AF65-F5344CB8AC3E}">
-        <p14:creationId xmlns:p14="http://schemas.microsoft.com/office/powerpoint/2010/main" val="3220115196"/>
+        <p14:creationId xmlns:p14="http://schemas.microsoft.com/office/powerpoint/2010/main" val="698873501"/>
       </p:ext>
     </p:extLst>
   </p:cSld>
@@ -7139,7 +7082,7 @@
           <p:cNvPr id="4" name="Title 3">
             <a:extLst>
               <a:ext uri="{FF2B5EF4-FFF2-40B4-BE49-F238E27FC236}">
-                <a16:creationId xmlns:a16="http://schemas.microsoft.com/office/drawing/2014/main" id="{089344F2-BE90-4076-86A1-56012BAD4036}"/>
+                <a16:creationId xmlns:a16="http://schemas.microsoft.com/office/drawing/2014/main" id="{B50F879F-78AC-4B33-803D-BA6ECB3BB0ED}"/>
               </a:ext>
             </a:extLst>
           </p:cNvPr>
@@ -7150,29 +7093,24 @@
             <p:ph type="title"/>
           </p:nvPr>
         </p:nvSpPr>
-        <p:spPr>
-          <a:xfrm>
-            <a:off x="722313" y="1981200"/>
-            <a:ext cx="7772400" cy="1362075"/>
-          </a:xfrm>
-        </p:spPr>
+        <p:spPr/>
         <p:txBody>
           <a:bodyPr/>
           <a:lstStyle/>
           <a:p>
             <a:r>
               <a:rPr lang="en-US" dirty="0"/>
-              <a:t>Attacks Against Supervised Learning</a:t>
-            </a:r>
-          </a:p>
-        </p:txBody>
-      </p:sp>
-      <p:sp>
-        <p:nvSpPr>
-          <p:cNvPr id="5" name="Text Placeholder 4">
+              <a:t>Filters</a:t>
+            </a:r>
+          </a:p>
+        </p:txBody>
+      </p:sp>
+      <p:sp>
+        <p:nvSpPr>
+          <p:cNvPr id="5" name="Content Placeholder 4">
             <a:extLst>
               <a:ext uri="{FF2B5EF4-FFF2-40B4-BE49-F238E27FC236}">
-                <a16:creationId xmlns:a16="http://schemas.microsoft.com/office/drawing/2014/main" id="{2D595F60-9B5B-45C4-9B65-033A3C54E173}"/>
+                <a16:creationId xmlns:a16="http://schemas.microsoft.com/office/drawing/2014/main" id="{A7D1C25B-F4D2-4899-8911-6AB7F68A6C7D}"/>
               </a:ext>
             </a:extLst>
           </p:cNvPr>
@@ -7180,49 +7118,57 @@
             <a:spLocks noGrp="1"/>
           </p:cNvSpPr>
           <p:nvPr>
-            <p:ph type="body" idx="1"/>
+            <p:ph idx="1"/>
           </p:nvPr>
         </p:nvSpPr>
         <p:spPr/>
         <p:txBody>
-          <a:bodyPr>
-            <a:normAutofit fontScale="77500" lnSpcReduction="20000"/>
+          <a:bodyPr/>
+          <a:lstStyle/>
+          <a:p>
+            <a:r>
+              <a:rPr lang="en-US" dirty="0"/>
+              <a:t>The number of and size of filter layers can be modified for each convolutional layer.</a:t>
+            </a:r>
+          </a:p>
+          <a:p>
+            <a:r>
+              <a:rPr lang="en-US" dirty="0"/>
+              <a:t>Ex. A 4x4 filter shape with 30 filters and the next convolutional layer can have a 5x5 filter shape with 5 filters.</a:t>
+            </a:r>
+          </a:p>
+        </p:txBody>
+      </p:sp>
+      <p:sp>
+        <p:nvSpPr>
+          <p:cNvPr id="6" name="Rectangle 5">
+            <a:extLst>
+              <a:ext uri="{FF2B5EF4-FFF2-40B4-BE49-F238E27FC236}">
+                <a16:creationId xmlns:a16="http://schemas.microsoft.com/office/drawing/2014/main" id="{CB43237C-7866-4B0E-B319-62FC586142FA}"/>
+              </a:ext>
+            </a:extLst>
+          </p:cNvPr>
+          <p:cNvSpPr/>
+          <p:nvPr/>
+        </p:nvSpPr>
+        <p:spPr>
+          <a:xfrm>
+            <a:off x="0" y="6122292"/>
+            <a:ext cx="8905460" cy="646331"/>
+          </a:xfrm>
+          <a:prstGeom prst="rect">
+            <a:avLst/>
+          </a:prstGeom>
+        </p:spPr>
+        <p:txBody>
+          <a:bodyPr wrap="square">
+            <a:spAutoFit/>
           </a:bodyPr>
           <a:lstStyle/>
           <a:p>
             <a:r>
               <a:rPr lang="en-US" dirty="0"/>
-              <a:t> Causative Integrity</a:t>
-            </a:r>
-          </a:p>
-          <a:p>
-            <a:r>
-              <a:rPr lang="en-US" dirty="0"/>
-              <a:t> Causative Availability</a:t>
-            </a:r>
-          </a:p>
-          <a:p>
-            <a:r>
-              <a:rPr lang="en-US" dirty="0"/>
-              <a:t> Causative Privacy</a:t>
-            </a:r>
-          </a:p>
-          <a:p>
-            <a:r>
-              <a:rPr lang="en-US" dirty="0"/>
-              <a:t> Exploratory Integrity</a:t>
-            </a:r>
-          </a:p>
-          <a:p>
-            <a:r>
-              <a:rPr lang="en-US" dirty="0"/>
-              <a:t> Exploratory Availability</a:t>
-            </a:r>
-          </a:p>
-          <a:p>
-            <a:r>
-              <a:rPr lang="en-US" dirty="0"/>
-              <a:t> Exploratory Privacy</a:t>
+              <a:t>[1] J. Newsome, B. Karp, and D. Song, “Paragraph: Thwarting Signature Learning by Training Maliciously,” Recent Adv. Intrusion Detect., vol. 4219, pp. 81–105, 2006.</a:t>
             </a:r>
           </a:p>
         </p:txBody>
@@ -7230,7 +7176,7 @@
     </p:spTree>
     <p:extLst>
       <p:ext uri="{BB962C8B-B14F-4D97-AF65-F5344CB8AC3E}">
-        <p14:creationId xmlns:p14="http://schemas.microsoft.com/office/powerpoint/2010/main" val="698873501"/>
+        <p14:creationId xmlns:p14="http://schemas.microsoft.com/office/powerpoint/2010/main" val="975795466"/>
       </p:ext>
     </p:extLst>
   </p:cSld>
@@ -7265,7 +7211,7 @@
           <p:cNvPr id="4" name="Title 3">
             <a:extLst>
               <a:ext uri="{FF2B5EF4-FFF2-40B4-BE49-F238E27FC236}">
-                <a16:creationId xmlns:a16="http://schemas.microsoft.com/office/drawing/2014/main" id="{F467E2D8-78B8-4BA2-80E0-005DDCBC680C}"/>
+                <a16:creationId xmlns:a16="http://schemas.microsoft.com/office/drawing/2014/main" id="{B50F879F-78AC-4B33-803D-BA6ECB3BB0ED}"/>
               </a:ext>
             </a:extLst>
           </p:cNvPr>
@@ -7283,7 +7229,7 @@
           <a:p>
             <a:r>
               <a:rPr lang="en-US" dirty="0"/>
-              <a:t>Disclaimer</a:t>
+              <a:t>Pooling</a:t>
             </a:r>
           </a:p>
         </p:txBody>
@@ -7293,7 +7239,7 @@
           <p:cNvPr id="5" name="Content Placeholder 4">
             <a:extLst>
               <a:ext uri="{FF2B5EF4-FFF2-40B4-BE49-F238E27FC236}">
-                <a16:creationId xmlns:a16="http://schemas.microsoft.com/office/drawing/2014/main" id="{61E6E7B9-CEDE-46D6-87EF-13855CD6C1E0}"/>
+                <a16:creationId xmlns:a16="http://schemas.microsoft.com/office/drawing/2014/main" id="{A7D1C25B-F4D2-4899-8911-6AB7F68A6C7D}"/>
               </a:ext>
             </a:extLst>
           </p:cNvPr>
@@ -7306,21 +7252,82 @@
         </p:nvSpPr>
         <p:spPr/>
         <p:txBody>
-          <a:bodyPr>
-            <a:normAutofit/>
+          <a:bodyPr/>
+          <a:lstStyle/>
+          <a:p>
+            <a:r>
+              <a:rPr lang="en-US" dirty="0"/>
+              <a:t>The method of and size of pooling can be changed on each layer.</a:t>
+            </a:r>
+          </a:p>
+          <a:p>
+            <a:r>
+              <a:rPr lang="en-US" dirty="0"/>
+              <a:t>Ex. A pooling layer can consist of a 2x2 shape with Max pooling and the next convolutional layer can have a 4x4 shape with Average pooling.</a:t>
+            </a:r>
+          </a:p>
+        </p:txBody>
+      </p:sp>
+      <p:sp>
+        <p:nvSpPr>
+          <p:cNvPr id="6" name="Rectangle 5">
+            <a:extLst>
+              <a:ext uri="{FF2B5EF4-FFF2-40B4-BE49-F238E27FC236}">
+                <a16:creationId xmlns:a16="http://schemas.microsoft.com/office/drawing/2014/main" id="{CB43237C-7866-4B0E-B319-62FC586142FA}"/>
+              </a:ext>
+            </a:extLst>
+          </p:cNvPr>
+          <p:cNvSpPr/>
+          <p:nvPr/>
+        </p:nvSpPr>
+        <p:spPr>
+          <a:xfrm>
+            <a:off x="0" y="6122292"/>
+            <a:ext cx="8905460" cy="646331"/>
+          </a:xfrm>
+          <a:prstGeom prst="rect">
+            <a:avLst/>
+          </a:prstGeom>
+        </p:spPr>
+        <p:txBody>
+          <a:bodyPr wrap="square">
+            <a:spAutoFit/>
           </a:bodyPr>
           <a:lstStyle/>
           <a:p>
-            <a:pPr marL="109728" indent="0">
+            <a:pPr marL="0" marR="0" lvl="0" indent="0" algn="l" defTabSz="457200" rtl="0" eaLnBrk="1" fontAlgn="auto" latinLnBrk="0" hangingPunct="1">
+              <a:lnSpc>
+                <a:spcPct val="100000"/>
+              </a:lnSpc>
+              <a:spcBef>
+                <a:spcPts val="0"/>
+              </a:spcBef>
+              <a:spcAft>
+                <a:spcPts val="0"/>
+              </a:spcAft>
+              <a:buClrTx/>
+              <a:buSzTx/>
+              <a:buFontTx/>
               <a:buNone/>
+              <a:tabLst/>
+              <a:defRPr/>
             </a:pPr>
             <a:r>
-              <a:rPr lang="en-US" sz="3600" b="1" dirty="0"/>
-              <a:t>Note</a:t>
-            </a:r>
-            <a:r>
-              <a:rPr lang="en-US" sz="3600" dirty="0"/>
-              <a:t>: This is not intended to be an exhaustive list, but give a sample of what is out there. There is currently no authoritative list of all AML Attacks and Defenses. Many of the named attacks are fairly broad and a few different papers accurately fit the description.</a:t>
+              <a:rPr kumimoji="0" lang="en-US" sz="1800" b="0" i="0" u="none" strike="noStrike" kern="1200" cap="none" spc="0" normalizeH="0" baseline="0" noProof="0" dirty="0">
+                <a:ln>
+                  <a:noFill/>
+                </a:ln>
+                <a:solidFill>
+                  <a:prstClr val="black"/>
+                </a:solidFill>
+                <a:effectLst/>
+                <a:uLnTx/>
+                <a:uFillTx/>
+                <a:latin typeface="Georgia"/>
+                <a:ea typeface="+mn-ea"/>
+                <a:cs typeface="+mn-cs"/>
+              </a:rPr>
+              <a:t>[1] J. Newsome, B. Karp, and D. Song, “Paragraph: Thwarting Signature Learning by Training Maliciously,” Recent Adv. Intrusion Detect., vol. 4219, pp. 81–105, 2006.</a:t>
             </a:r>
           </a:p>
         </p:txBody>
@@ -7328,7 +7335,7 @@
     </p:spTree>
     <p:extLst>
       <p:ext uri="{BB962C8B-B14F-4D97-AF65-F5344CB8AC3E}">
-        <p14:creationId xmlns:p14="http://schemas.microsoft.com/office/powerpoint/2010/main" val="3800610813"/>
+        <p14:creationId xmlns:p14="http://schemas.microsoft.com/office/powerpoint/2010/main" val="2072618729"/>
       </p:ext>
     </p:extLst>
   </p:cSld>
@@ -7360,10 +7367,10 @@
       </p:grpSpPr>
       <p:sp>
         <p:nvSpPr>
-          <p:cNvPr id="2" name="Title 1">
+          <p:cNvPr id="4" name="Title 3">
             <a:extLst>
               <a:ext uri="{FF2B5EF4-FFF2-40B4-BE49-F238E27FC236}">
-                <a16:creationId xmlns:a16="http://schemas.microsoft.com/office/drawing/2014/main" id="{82DCBF01-372E-498B-AB3E-D5522C203A0A}"/>
+                <a16:creationId xmlns:a16="http://schemas.microsoft.com/office/drawing/2014/main" id="{BDEEF7C9-9913-4E9E-B2E1-24DC48660353}"/>
               </a:ext>
             </a:extLst>
           </p:cNvPr>
@@ -7380,18 +7387,27 @@
           <a:lstStyle/>
           <a:p>
             <a:r>
+              <a:rPr lang="en-US" dirty="0" err="1"/>
+              <a:t>AlexNet</a:t>
+            </a:r>
+            <a:r>
               <a:rPr lang="en-US" dirty="0"/>
-              <a:t>Causative Integrity Attacks</a:t>
-            </a:r>
-          </a:p>
-        </p:txBody>
-      </p:sp>
-      <p:sp>
-        <p:nvSpPr>
-          <p:cNvPr id="3" name="Text Placeholder 2">
+              <a:t> </a:t>
+            </a:r>
+            <a:r>
+              <a:rPr lang="en-US"/>
+              <a:t>Implementaion</a:t>
+            </a:r>
+            <a:endParaRPr lang="en-US" dirty="0"/>
+          </a:p>
+        </p:txBody>
+      </p:sp>
+      <p:sp>
+        <p:nvSpPr>
+          <p:cNvPr id="5" name="Text Placeholder 4">
             <a:extLst>
               <a:ext uri="{FF2B5EF4-FFF2-40B4-BE49-F238E27FC236}">
-                <a16:creationId xmlns:a16="http://schemas.microsoft.com/office/drawing/2014/main" id="{59D1BF9C-8093-4555-B4CA-778060754D6E}"/>
+                <a16:creationId xmlns:a16="http://schemas.microsoft.com/office/drawing/2014/main" id="{22C2E355-E2EA-42D2-AA35-333C561CA354}"/>
               </a:ext>
             </a:extLst>
           </p:cNvPr>
@@ -7407,685 +7423,14 @@
           <a:bodyPr/>
           <a:lstStyle/>
           <a:p>
-            <a:r>
-              <a:rPr lang="en-US" dirty="0"/>
-              <a:t> Red Herring</a:t>
-            </a:r>
+            <a:endParaRPr lang="en-US"/>
           </a:p>
         </p:txBody>
       </p:sp>
     </p:spTree>
     <p:extLst>
       <p:ext uri="{BB962C8B-B14F-4D97-AF65-F5344CB8AC3E}">
-        <p14:creationId xmlns:p14="http://schemas.microsoft.com/office/powerpoint/2010/main" val="1053304755"/>
-      </p:ext>
-    </p:extLst>
-  </p:cSld>
-  <p:clrMapOvr>
-    <a:masterClrMapping/>
-  </p:clrMapOvr>
-  <p:transition>
-    <p:fade/>
-  </p:transition>
-</p:sld>
-</file>
-
-<file path=ppt/slides/slide19.xml><?xml version="1.0" encoding="utf-8"?>
-<p:sld xmlns:a="http://schemas.openxmlformats.org/drawingml/2006/main" xmlns:r="http://schemas.openxmlformats.org/officeDocument/2006/relationships" xmlns:p="http://schemas.openxmlformats.org/presentationml/2006/main">
-  <p:cSld>
-    <p:spTree>
-      <p:nvGrpSpPr>
-        <p:cNvPr id="1" name=""/>
-        <p:cNvGrpSpPr/>
-        <p:nvPr/>
-      </p:nvGrpSpPr>
-      <p:grpSpPr>
-        <a:xfrm>
-          <a:off x="0" y="0"/>
-          <a:ext cx="0" cy="0"/>
-          <a:chOff x="0" y="0"/>
-          <a:chExt cx="0" cy="0"/>
-        </a:xfrm>
-      </p:grpSpPr>
-      <p:sp>
-        <p:nvSpPr>
-          <p:cNvPr id="4" name="Title 3">
-            <a:extLst>
-              <a:ext uri="{FF2B5EF4-FFF2-40B4-BE49-F238E27FC236}">
-                <a16:creationId xmlns:a16="http://schemas.microsoft.com/office/drawing/2014/main" id="{B50F879F-78AC-4B33-803D-BA6ECB3BB0ED}"/>
-              </a:ext>
-            </a:extLst>
-          </p:cNvPr>
-          <p:cNvSpPr>
-            <a:spLocks noGrp="1"/>
-          </p:cNvSpPr>
-          <p:nvPr>
-            <p:ph type="title"/>
-          </p:nvPr>
-        </p:nvSpPr>
-        <p:spPr/>
-        <p:txBody>
-          <a:bodyPr/>
-          <a:lstStyle/>
-          <a:p>
-            <a:r>
-              <a:rPr lang="en-US" dirty="0"/>
-              <a:t>Red Herring</a:t>
-            </a:r>
-          </a:p>
-        </p:txBody>
-      </p:sp>
-      <p:sp>
-        <p:nvSpPr>
-          <p:cNvPr id="5" name="Content Placeholder 4">
-            <a:extLst>
-              <a:ext uri="{FF2B5EF4-FFF2-40B4-BE49-F238E27FC236}">
-                <a16:creationId xmlns:a16="http://schemas.microsoft.com/office/drawing/2014/main" id="{A7D1C25B-F4D2-4899-8911-6AB7F68A6C7D}"/>
-              </a:ext>
-            </a:extLst>
-          </p:cNvPr>
-          <p:cNvSpPr>
-            <a:spLocks noGrp="1"/>
-          </p:cNvSpPr>
-          <p:nvPr>
-            <p:ph idx="1"/>
-          </p:nvPr>
-        </p:nvSpPr>
-        <p:spPr/>
-        <p:txBody>
-          <a:bodyPr/>
-          <a:lstStyle/>
-          <a:p>
-            <a:r>
-              <a:rPr lang="en-US" b="1" dirty="0"/>
-              <a:t>Core Idea</a:t>
-            </a:r>
-            <a:r>
-              <a:rPr lang="en-US" dirty="0"/>
-              <a:t>: Incorporate spurious features into the target class so that the classifier relies on the spurious features to classify the target class.</a:t>
-            </a:r>
-          </a:p>
-        </p:txBody>
-      </p:sp>
-      <p:sp>
-        <p:nvSpPr>
-          <p:cNvPr id="6" name="Rectangle 5">
-            <a:extLst>
-              <a:ext uri="{FF2B5EF4-FFF2-40B4-BE49-F238E27FC236}">
-                <a16:creationId xmlns:a16="http://schemas.microsoft.com/office/drawing/2014/main" id="{CB43237C-7866-4B0E-B319-62FC586142FA}"/>
-              </a:ext>
-            </a:extLst>
-          </p:cNvPr>
-          <p:cNvSpPr/>
-          <p:nvPr/>
-        </p:nvSpPr>
-        <p:spPr>
-          <a:xfrm>
-            <a:off x="0" y="6122292"/>
-            <a:ext cx="8905460" cy="646331"/>
-          </a:xfrm>
-          <a:prstGeom prst="rect">
-            <a:avLst/>
-          </a:prstGeom>
-        </p:spPr>
-        <p:txBody>
-          <a:bodyPr wrap="square">
-            <a:spAutoFit/>
-          </a:bodyPr>
-          <a:lstStyle/>
-          <a:p>
-            <a:r>
-              <a:rPr lang="en-US" dirty="0"/>
-              <a:t>[1] J. Newsome, B. Karp, and D. Song, “Paragraph: Thwarting Signature Learning by Training Maliciously,” Recent Adv. Intrusion Detect., vol. 4219, pp. 81–105, 2006.</a:t>
-            </a:r>
-          </a:p>
-        </p:txBody>
-      </p:sp>
-      <p:graphicFrame>
-        <p:nvGraphicFramePr>
-          <p:cNvPr id="2" name="Table 1">
-            <a:extLst>
-              <a:ext uri="{FF2B5EF4-FFF2-40B4-BE49-F238E27FC236}">
-                <a16:creationId xmlns:a16="http://schemas.microsoft.com/office/drawing/2014/main" id="{EA096BD7-802A-41E8-85B3-A46189C7DACA}"/>
-              </a:ext>
-            </a:extLst>
-          </p:cNvPr>
-          <p:cNvGraphicFramePr>
-            <a:graphicFrameLocks noGrp="1"/>
-          </p:cNvGraphicFramePr>
-          <p:nvPr>
-            <p:extLst>
-              <p:ext uri="{D42A27DB-BD31-4B8C-83A1-F6EECF244321}">
-                <p14:modId xmlns:p14="http://schemas.microsoft.com/office/powerpoint/2010/main" val="2268976537"/>
-              </p:ext>
-            </p:extLst>
-          </p:nvPr>
-        </p:nvGraphicFramePr>
-        <p:xfrm>
-          <a:off x="914400" y="2913776"/>
-          <a:ext cx="2762252" cy="2103120"/>
-        </p:xfrm>
-        <a:graphic>
-          <a:graphicData uri="http://schemas.openxmlformats.org/drawingml/2006/table">
-            <a:tbl>
-              <a:tblPr firstRow="1" bandRow="1">
-                <a:tableStyleId>{5C22544A-7EE6-4342-B048-85BDC9FD1C3A}</a:tableStyleId>
-              </a:tblPr>
-              <a:tblGrid>
-                <a:gridCol w="1381126">
-                  <a:extLst>
-                    <a:ext uri="{9D8B030D-6E8A-4147-A177-3AD203B41FA5}">
-                      <a16:colId xmlns:a16="http://schemas.microsoft.com/office/drawing/2014/main" val="1342520835"/>
-                    </a:ext>
-                  </a:extLst>
-                </a:gridCol>
-                <a:gridCol w="1381126">
-                  <a:extLst>
-                    <a:ext uri="{9D8B030D-6E8A-4147-A177-3AD203B41FA5}">
-                      <a16:colId xmlns:a16="http://schemas.microsoft.com/office/drawing/2014/main" val="3488587028"/>
-                    </a:ext>
-                  </a:extLst>
-                </a:gridCol>
-              </a:tblGrid>
-              <a:tr h="358051">
-                <a:tc>
-                  <a:txBody>
-                    <a:bodyPr/>
-                    <a:lstStyle/>
-                    <a:p>
-                      <a:r>
-                        <a:rPr lang="en-US" dirty="0">
-                          <a:solidFill>
-                            <a:schemeClr val="accent3">
-                              <a:lumMod val="60000"/>
-                              <a:lumOff val="40000"/>
-                            </a:schemeClr>
-                          </a:solidFill>
-                        </a:rPr>
-                        <a:t>Spam</a:t>
-                      </a:r>
-                    </a:p>
-                  </a:txBody>
-                  <a:tcPr/>
-                </a:tc>
-                <a:tc>
-                  <a:txBody>
-                    <a:bodyPr/>
-                    <a:lstStyle/>
-                    <a:p>
-                      <a:r>
-                        <a:rPr lang="en-US" dirty="0">
-                          <a:solidFill>
-                            <a:schemeClr val="accent4">
-                              <a:lumMod val="60000"/>
-                              <a:lumOff val="40000"/>
-                            </a:schemeClr>
-                          </a:solidFill>
-                        </a:rPr>
-                        <a:t>Ham</a:t>
-                      </a:r>
-                    </a:p>
-                  </a:txBody>
-                  <a:tcPr/>
-                </a:tc>
-                <a:extLst>
-                  <a:ext uri="{0D108BD9-81ED-4DB2-BD59-A6C34878D82A}">
-                    <a16:rowId xmlns:a16="http://schemas.microsoft.com/office/drawing/2014/main" val="2295510530"/>
-                  </a:ext>
-                </a:extLst>
-              </a:tr>
-              <a:tr h="358051">
-                <a:tc>
-                  <a:txBody>
-                    <a:bodyPr/>
-                    <a:lstStyle/>
-                    <a:p>
-                      <a:r>
-                        <a:rPr lang="en-US" dirty="0"/>
-                        <a:t>Hello</a:t>
-                      </a:r>
-                    </a:p>
-                  </a:txBody>
-                  <a:tcPr/>
-                </a:tc>
-                <a:tc>
-                  <a:txBody>
-                    <a:bodyPr/>
-                    <a:lstStyle/>
-                    <a:p>
-                      <a:r>
-                        <a:rPr lang="en-US" dirty="0"/>
-                        <a:t>Conference</a:t>
-                      </a:r>
-                    </a:p>
-                  </a:txBody>
-                  <a:tcPr/>
-                </a:tc>
-                <a:extLst>
-                  <a:ext uri="{0D108BD9-81ED-4DB2-BD59-A6C34878D82A}">
-                    <a16:rowId xmlns:a16="http://schemas.microsoft.com/office/drawing/2014/main" val="3572382433"/>
-                  </a:ext>
-                </a:extLst>
-              </a:tr>
-              <a:tr h="358051">
-                <a:tc>
-                  <a:txBody>
-                    <a:bodyPr/>
-                    <a:lstStyle/>
-                    <a:p>
-                      <a:r>
-                        <a:rPr lang="en-US" dirty="0"/>
-                        <a:t>Conference</a:t>
-                      </a:r>
-                    </a:p>
-                  </a:txBody>
-                  <a:tcPr/>
-                </a:tc>
-                <a:tc>
-                  <a:txBody>
-                    <a:bodyPr/>
-                    <a:lstStyle/>
-                    <a:p>
-                      <a:r>
-                        <a:rPr lang="en-US" dirty="0"/>
-                        <a:t>Grant</a:t>
-                      </a:r>
-                    </a:p>
-                  </a:txBody>
-                  <a:tcPr/>
-                </a:tc>
-                <a:extLst>
-                  <a:ext uri="{0D108BD9-81ED-4DB2-BD59-A6C34878D82A}">
-                    <a16:rowId xmlns:a16="http://schemas.microsoft.com/office/drawing/2014/main" val="4031925902"/>
-                  </a:ext>
-                </a:extLst>
-              </a:tr>
-              <a:tr h="358051">
-                <a:tc>
-                  <a:txBody>
-                    <a:bodyPr/>
-                    <a:lstStyle/>
-                    <a:p>
-                      <a:r>
-                        <a:rPr lang="en-US" dirty="0"/>
-                        <a:t>Nigeria</a:t>
-                      </a:r>
-                    </a:p>
-                  </a:txBody>
-                  <a:tcPr/>
-                </a:tc>
-                <a:tc>
-                  <a:txBody>
-                    <a:bodyPr/>
-                    <a:lstStyle/>
-                    <a:p>
-                      <a:r>
-                        <a:rPr lang="en-US" dirty="0"/>
-                        <a:t>Hello</a:t>
-                      </a:r>
-                    </a:p>
-                  </a:txBody>
-                  <a:tcPr/>
-                </a:tc>
-                <a:extLst>
-                  <a:ext uri="{0D108BD9-81ED-4DB2-BD59-A6C34878D82A}">
-                    <a16:rowId xmlns:a16="http://schemas.microsoft.com/office/drawing/2014/main" val="3479661297"/>
-                  </a:ext>
-                </a:extLst>
-              </a:tr>
-              <a:tr h="358051">
-                <a:tc>
-                  <a:txBody>
-                    <a:bodyPr/>
-                    <a:lstStyle/>
-                    <a:p>
-                      <a:r>
-                        <a:rPr lang="en-US" dirty="0"/>
-                        <a:t>TOTALLY-NOTSPAM</a:t>
-                      </a:r>
-                    </a:p>
-                  </a:txBody>
-                  <a:tcPr/>
-                </a:tc>
-                <a:tc>
-                  <a:txBody>
-                    <a:bodyPr/>
-                    <a:lstStyle/>
-                    <a:p>
-                      <a:endParaRPr lang="en-US" dirty="0"/>
-                    </a:p>
-                  </a:txBody>
-                  <a:tcPr/>
-                </a:tc>
-                <a:extLst>
-                  <a:ext uri="{0D108BD9-81ED-4DB2-BD59-A6C34878D82A}">
-                    <a16:rowId xmlns:a16="http://schemas.microsoft.com/office/drawing/2014/main" val="2245176462"/>
-                  </a:ext>
-                </a:extLst>
-              </a:tr>
-            </a:tbl>
-          </a:graphicData>
-        </a:graphic>
-      </p:graphicFrame>
-      <p:graphicFrame>
-        <p:nvGraphicFramePr>
-          <p:cNvPr id="7" name="Table 6">
-            <a:extLst>
-              <a:ext uri="{FF2B5EF4-FFF2-40B4-BE49-F238E27FC236}">
-                <a16:creationId xmlns:a16="http://schemas.microsoft.com/office/drawing/2014/main" id="{97FFE025-D44E-4443-9655-3E43F734FF94}"/>
-              </a:ext>
-            </a:extLst>
-          </p:cNvPr>
-          <p:cNvGraphicFramePr>
-            <a:graphicFrameLocks noGrp="1"/>
-          </p:cNvGraphicFramePr>
-          <p:nvPr>
-            <p:extLst>
-              <p:ext uri="{D42A27DB-BD31-4B8C-83A1-F6EECF244321}">
-                <p14:modId xmlns:p14="http://schemas.microsoft.com/office/powerpoint/2010/main" val="2891977344"/>
-              </p:ext>
-            </p:extLst>
-          </p:nvPr>
-        </p:nvGraphicFramePr>
-        <p:xfrm>
-          <a:off x="4867275" y="2913776"/>
-          <a:ext cx="3133726" cy="1463040"/>
-        </p:xfrm>
-        <a:graphic>
-          <a:graphicData uri="http://schemas.openxmlformats.org/drawingml/2006/table">
-            <a:tbl>
-              <a:tblPr firstRow="1" bandRow="1">
-                <a:tableStyleId>{5C22544A-7EE6-4342-B048-85BDC9FD1C3A}</a:tableStyleId>
-              </a:tblPr>
-              <a:tblGrid>
-                <a:gridCol w="1566863">
-                  <a:extLst>
-                    <a:ext uri="{9D8B030D-6E8A-4147-A177-3AD203B41FA5}">
-                      <a16:colId xmlns:a16="http://schemas.microsoft.com/office/drawing/2014/main" val="1342520835"/>
-                    </a:ext>
-                  </a:extLst>
-                </a:gridCol>
-                <a:gridCol w="1566863">
-                  <a:extLst>
-                    <a:ext uri="{9D8B030D-6E8A-4147-A177-3AD203B41FA5}">
-                      <a16:colId xmlns:a16="http://schemas.microsoft.com/office/drawing/2014/main" val="3488587028"/>
-                    </a:ext>
-                  </a:extLst>
-                </a:gridCol>
-              </a:tblGrid>
-              <a:tr h="358051">
-                <a:tc>
-                  <a:txBody>
-                    <a:bodyPr/>
-                    <a:lstStyle/>
-                    <a:p>
-                      <a:r>
-                        <a:rPr lang="en-US" dirty="0">
-                          <a:solidFill>
-                            <a:schemeClr val="accent4">
-                              <a:lumMod val="60000"/>
-                              <a:lumOff val="40000"/>
-                            </a:schemeClr>
-                          </a:solidFill>
-                        </a:rPr>
-                        <a:t>Spam</a:t>
-                      </a:r>
-                    </a:p>
-                  </a:txBody>
-                  <a:tcPr/>
-                </a:tc>
-                <a:tc>
-                  <a:txBody>
-                    <a:bodyPr/>
-                    <a:lstStyle/>
-                    <a:p>
-                      <a:r>
-                        <a:rPr kumimoji="0" lang="en-US" b="1" kern="1200" dirty="0">
-                          <a:solidFill>
-                            <a:schemeClr val="accent4">
-                              <a:lumMod val="60000"/>
-                              <a:lumOff val="40000"/>
-                            </a:schemeClr>
-                          </a:solidFill>
-                          <a:latin typeface="+mn-lt"/>
-                          <a:ea typeface="+mn-ea"/>
-                          <a:cs typeface="+mn-cs"/>
-                        </a:rPr>
-                        <a:t>Ham</a:t>
-                      </a:r>
-                    </a:p>
-                  </a:txBody>
-                  <a:tcPr/>
-                </a:tc>
-                <a:extLst>
-                  <a:ext uri="{0D108BD9-81ED-4DB2-BD59-A6C34878D82A}">
-                    <a16:rowId xmlns:a16="http://schemas.microsoft.com/office/drawing/2014/main" val="2295510530"/>
-                  </a:ext>
-                </a:extLst>
-              </a:tr>
-              <a:tr h="358051">
-                <a:tc>
-                  <a:txBody>
-                    <a:bodyPr/>
-                    <a:lstStyle/>
-                    <a:p>
-                      <a:r>
-                        <a:rPr lang="en-US" dirty="0"/>
-                        <a:t>Hello</a:t>
-                      </a:r>
-                    </a:p>
-                  </a:txBody>
-                  <a:tcPr/>
-                </a:tc>
-                <a:tc>
-                  <a:txBody>
-                    <a:bodyPr/>
-                    <a:lstStyle/>
-                    <a:p>
-                      <a:r>
-                        <a:rPr lang="en-US" dirty="0"/>
-                        <a:t>Conference</a:t>
-                      </a:r>
-                    </a:p>
-                  </a:txBody>
-                  <a:tcPr/>
-                </a:tc>
-                <a:extLst>
-                  <a:ext uri="{0D108BD9-81ED-4DB2-BD59-A6C34878D82A}">
-                    <a16:rowId xmlns:a16="http://schemas.microsoft.com/office/drawing/2014/main" val="3572382433"/>
-                  </a:ext>
-                </a:extLst>
-              </a:tr>
-              <a:tr h="358051">
-                <a:tc>
-                  <a:txBody>
-                    <a:bodyPr/>
-                    <a:lstStyle/>
-                    <a:p>
-                      <a:r>
-                        <a:rPr lang="en-US" dirty="0"/>
-                        <a:t>Viagra</a:t>
-                      </a:r>
-                    </a:p>
-                  </a:txBody>
-                  <a:tcPr/>
-                </a:tc>
-                <a:tc>
-                  <a:txBody>
-                    <a:bodyPr/>
-                    <a:lstStyle/>
-                    <a:p>
-                      <a:r>
-                        <a:rPr lang="en-US" dirty="0"/>
-                        <a:t>Grant</a:t>
-                      </a:r>
-                    </a:p>
-                  </a:txBody>
-                  <a:tcPr/>
-                </a:tc>
-                <a:extLst>
-                  <a:ext uri="{0D108BD9-81ED-4DB2-BD59-A6C34878D82A}">
-                    <a16:rowId xmlns:a16="http://schemas.microsoft.com/office/drawing/2014/main" val="4031925902"/>
-                  </a:ext>
-                </a:extLst>
-              </a:tr>
-              <a:tr h="358051">
-                <a:tc>
-                  <a:txBody>
-                    <a:bodyPr/>
-                    <a:lstStyle/>
-                    <a:p>
-                      <a:r>
-                        <a:rPr lang="en-US" dirty="0"/>
-                        <a:t>Nigeria</a:t>
-                      </a:r>
-                    </a:p>
-                  </a:txBody>
-                  <a:tcPr/>
-                </a:tc>
-                <a:tc>
-                  <a:txBody>
-                    <a:bodyPr/>
-                    <a:lstStyle/>
-                    <a:p>
-                      <a:r>
-                        <a:rPr lang="en-US" dirty="0"/>
-                        <a:t>Hello</a:t>
-                      </a:r>
-                    </a:p>
-                  </a:txBody>
-                  <a:tcPr/>
-                </a:tc>
-                <a:extLst>
-                  <a:ext uri="{0D108BD9-81ED-4DB2-BD59-A6C34878D82A}">
-                    <a16:rowId xmlns:a16="http://schemas.microsoft.com/office/drawing/2014/main" val="3479661297"/>
-                  </a:ext>
-                </a:extLst>
-              </a:tr>
-            </a:tbl>
-          </a:graphicData>
-        </a:graphic>
-      </p:graphicFrame>
-      <p:sp>
-        <p:nvSpPr>
-          <p:cNvPr id="3" name="Arrow: Right 2">
-            <a:extLst>
-              <a:ext uri="{FF2B5EF4-FFF2-40B4-BE49-F238E27FC236}">
-                <a16:creationId xmlns:a16="http://schemas.microsoft.com/office/drawing/2014/main" id="{927AD513-BA1C-43D0-9456-8F4B74E619F6}"/>
-              </a:ext>
-            </a:extLst>
-          </p:cNvPr>
-          <p:cNvSpPr/>
-          <p:nvPr/>
-        </p:nvSpPr>
-        <p:spPr>
-          <a:xfrm>
-            <a:off x="4041086" y="3854330"/>
-            <a:ext cx="461755" cy="222011"/>
-          </a:xfrm>
-          <a:prstGeom prst="rightArrow">
-            <a:avLst/>
-          </a:prstGeom>
-        </p:spPr>
-        <p:style>
-          <a:lnRef idx="2">
-            <a:schemeClr val="accent1">
-              <a:shade val="50000"/>
-            </a:schemeClr>
-          </a:lnRef>
-          <a:fillRef idx="1">
-            <a:schemeClr val="accent1"/>
-          </a:fillRef>
-          <a:effectRef idx="0">
-            <a:schemeClr val="accent1"/>
-          </a:effectRef>
-          <a:fontRef idx="minor">
-            <a:schemeClr val="lt1"/>
-          </a:fontRef>
-        </p:style>
-        <p:txBody>
-          <a:bodyPr rtlCol="0" anchor="ctr"/>
-          <a:lstStyle/>
-          <a:p>
-            <a:pPr algn="ctr"/>
-            <a:endParaRPr lang="en-US"/>
-          </a:p>
-        </p:txBody>
-      </p:sp>
-      <p:sp>
-        <p:nvSpPr>
-          <p:cNvPr id="8" name="TextBox 7">
-            <a:extLst>
-              <a:ext uri="{FF2B5EF4-FFF2-40B4-BE49-F238E27FC236}">
-                <a16:creationId xmlns:a16="http://schemas.microsoft.com/office/drawing/2014/main" id="{68E57667-2215-4843-862A-8F674DB8501A}"/>
-              </a:ext>
-            </a:extLst>
-          </p:cNvPr>
-          <p:cNvSpPr txBox="1"/>
-          <p:nvPr/>
-        </p:nvSpPr>
-        <p:spPr>
-          <a:xfrm>
-            <a:off x="914400" y="2494677"/>
-            <a:ext cx="2647950" cy="369332"/>
-          </a:xfrm>
-          <a:prstGeom prst="rect">
-            <a:avLst/>
-          </a:prstGeom>
-          <a:noFill/>
-        </p:spPr>
-        <p:txBody>
-          <a:bodyPr wrap="square" rtlCol="0">
-            <a:spAutoFit/>
-          </a:bodyPr>
-          <a:lstStyle/>
-          <a:p>
-            <a:r>
-              <a:rPr lang="en-US" dirty="0"/>
-              <a:t>Training / t-1</a:t>
-            </a:r>
-          </a:p>
-        </p:txBody>
-      </p:sp>
-      <p:sp>
-        <p:nvSpPr>
-          <p:cNvPr id="9" name="TextBox 8">
-            <a:extLst>
-              <a:ext uri="{FF2B5EF4-FFF2-40B4-BE49-F238E27FC236}">
-                <a16:creationId xmlns:a16="http://schemas.microsoft.com/office/drawing/2014/main" id="{FC44EB4C-421C-4655-AE6C-CDE99F586F30}"/>
-              </a:ext>
-            </a:extLst>
-          </p:cNvPr>
-          <p:cNvSpPr txBox="1"/>
-          <p:nvPr/>
-        </p:nvSpPr>
-        <p:spPr>
-          <a:xfrm>
-            <a:off x="4867275" y="2489062"/>
-            <a:ext cx="2647950" cy="369332"/>
-          </a:xfrm>
-          <a:prstGeom prst="rect">
-            <a:avLst/>
-          </a:prstGeom>
-          <a:noFill/>
-        </p:spPr>
-        <p:txBody>
-          <a:bodyPr wrap="square" rtlCol="0">
-            <a:spAutoFit/>
-          </a:bodyPr>
-          <a:lstStyle/>
-          <a:p>
-            <a:r>
-              <a:rPr lang="en-US" dirty="0"/>
-              <a:t>Testing / t</a:t>
-            </a:r>
-          </a:p>
-        </p:txBody>
-      </p:sp>
-    </p:spTree>
-    <p:extLst>
-      <p:ext uri="{BB962C8B-B14F-4D97-AF65-F5344CB8AC3E}">
-        <p14:creationId xmlns:p14="http://schemas.microsoft.com/office/powerpoint/2010/main" val="975795466"/>
+        <p14:creationId xmlns:p14="http://schemas.microsoft.com/office/powerpoint/2010/main" val="3196821120"/>
       </p:ext>
     </p:extLst>
   </p:cSld>
@@ -8176,6 +7521,58 @@
             </a:r>
           </a:p>
           <a:p>
+            <a:pPr lvl="1"/>
+            <a:r>
+              <a:rPr lang="en-US" dirty="0"/>
+              <a:t>Input</a:t>
+            </a:r>
+          </a:p>
+          <a:p>
+            <a:pPr lvl="1"/>
+            <a:r>
+              <a:rPr lang="en-US" dirty="0"/>
+              <a:t>Convolutional</a:t>
+            </a:r>
+          </a:p>
+          <a:p>
+            <a:pPr lvl="1"/>
+            <a:r>
+              <a:rPr lang="en-US" dirty="0"/>
+              <a:t>Pooling</a:t>
+            </a:r>
+          </a:p>
+          <a:p>
+            <a:pPr lvl="1"/>
+            <a:r>
+              <a:rPr lang="en-US" dirty="0" err="1"/>
+              <a:t>ReLU</a:t>
+            </a:r>
+            <a:endParaRPr lang="en-US" dirty="0"/>
+          </a:p>
+          <a:p>
+            <a:pPr lvl="1"/>
+            <a:r>
+              <a:rPr lang="en-US" dirty="0"/>
+              <a:t>Fully Connected</a:t>
+            </a:r>
+          </a:p>
+          <a:p>
+            <a:r>
+              <a:rPr lang="en-US" dirty="0"/>
+              <a:t>Adjustable Parameters</a:t>
+            </a:r>
+          </a:p>
+          <a:p>
+            <a:r>
+              <a:rPr lang="en-US" dirty="0" err="1"/>
+              <a:t>AlexNet</a:t>
+            </a:r>
+            <a:r>
+              <a:rPr lang="en-US" dirty="0"/>
+              <a:t> Implementation</a:t>
+            </a:r>
+          </a:p>
+          <a:p>
             <a:endParaRPr lang="en-US" dirty="0"/>
           </a:p>
           <a:p>
@@ -8193,2607 +7590,6 @@
     <p:extLst>
       <p:ext uri="{BB962C8B-B14F-4D97-AF65-F5344CB8AC3E}">
         <p14:creationId xmlns:p14="http://schemas.microsoft.com/office/powerpoint/2010/main" val="2439480874"/>
-      </p:ext>
-    </p:extLst>
-  </p:cSld>
-  <p:clrMapOvr>
-    <a:masterClrMapping/>
-  </p:clrMapOvr>
-  <p:transition>
-    <p:fade/>
-  </p:transition>
-</p:sld>
-</file>
-
-<file path=ppt/slides/slide20.xml><?xml version="1.0" encoding="utf-8"?>
-<p:sld xmlns:a="http://schemas.openxmlformats.org/drawingml/2006/main" xmlns:r="http://schemas.openxmlformats.org/officeDocument/2006/relationships" xmlns:p="http://schemas.openxmlformats.org/presentationml/2006/main">
-  <p:cSld>
-    <p:spTree>
-      <p:nvGrpSpPr>
-        <p:cNvPr id="1" name=""/>
-        <p:cNvGrpSpPr/>
-        <p:nvPr/>
-      </p:nvGrpSpPr>
-      <p:grpSpPr>
-        <a:xfrm>
-          <a:off x="0" y="0"/>
-          <a:ext cx="0" cy="0"/>
-          <a:chOff x="0" y="0"/>
-          <a:chExt cx="0" cy="0"/>
-        </a:xfrm>
-      </p:grpSpPr>
-      <p:sp>
-        <p:nvSpPr>
-          <p:cNvPr id="2" name="Title 1">
-            <a:extLst>
-              <a:ext uri="{FF2B5EF4-FFF2-40B4-BE49-F238E27FC236}">
-                <a16:creationId xmlns:a16="http://schemas.microsoft.com/office/drawing/2014/main" id="{8F01C6BE-CB7E-4533-806F-9563A6133596}"/>
-              </a:ext>
-            </a:extLst>
-          </p:cNvPr>
-          <p:cNvSpPr>
-            <a:spLocks noGrp="1"/>
-          </p:cNvSpPr>
-          <p:nvPr>
-            <p:ph type="title"/>
-          </p:nvPr>
-        </p:nvSpPr>
-        <p:spPr/>
-        <p:txBody>
-          <a:bodyPr/>
-          <a:lstStyle/>
-          <a:p>
-            <a:r>
-              <a:rPr lang="en-US" dirty="0"/>
-              <a:t>Causative Availability Attacks</a:t>
-            </a:r>
-          </a:p>
-        </p:txBody>
-      </p:sp>
-      <p:sp>
-        <p:nvSpPr>
-          <p:cNvPr id="3" name="Text Placeholder 2">
-            <a:extLst>
-              <a:ext uri="{FF2B5EF4-FFF2-40B4-BE49-F238E27FC236}">
-                <a16:creationId xmlns:a16="http://schemas.microsoft.com/office/drawing/2014/main" id="{A45FE363-B1CA-4F21-A0EC-4164853FF570}"/>
-              </a:ext>
-            </a:extLst>
-          </p:cNvPr>
-          <p:cNvSpPr>
-            <a:spLocks noGrp="1"/>
-          </p:cNvSpPr>
-          <p:nvPr>
-            <p:ph type="body" idx="1"/>
-          </p:nvPr>
-        </p:nvSpPr>
-        <p:spPr/>
-        <p:txBody>
-          <a:bodyPr/>
-          <a:lstStyle/>
-          <a:p>
-            <a:r>
-              <a:rPr lang="en-US" dirty="0"/>
-              <a:t> Correlated Outlier</a:t>
-            </a:r>
-          </a:p>
-          <a:p>
-            <a:r>
-              <a:rPr lang="en-US" dirty="0"/>
-              <a:t> Allergy</a:t>
-            </a:r>
-          </a:p>
-        </p:txBody>
-      </p:sp>
-    </p:spTree>
-    <p:extLst>
-      <p:ext uri="{BB962C8B-B14F-4D97-AF65-F5344CB8AC3E}">
-        <p14:creationId xmlns:p14="http://schemas.microsoft.com/office/powerpoint/2010/main" val="3507948847"/>
-      </p:ext>
-    </p:extLst>
-  </p:cSld>
-  <p:clrMapOvr>
-    <a:masterClrMapping/>
-  </p:clrMapOvr>
-  <p:transition>
-    <p:fade/>
-  </p:transition>
-</p:sld>
-</file>
-
-<file path=ppt/slides/slide21.xml><?xml version="1.0" encoding="utf-8"?>
-<p:sld xmlns:a="http://schemas.openxmlformats.org/drawingml/2006/main" xmlns:r="http://schemas.openxmlformats.org/officeDocument/2006/relationships" xmlns:p="http://schemas.openxmlformats.org/presentationml/2006/main">
-  <p:cSld>
-    <p:spTree>
-      <p:nvGrpSpPr>
-        <p:cNvPr id="1" name=""/>
-        <p:cNvGrpSpPr/>
-        <p:nvPr/>
-      </p:nvGrpSpPr>
-      <p:grpSpPr>
-        <a:xfrm>
-          <a:off x="0" y="0"/>
-          <a:ext cx="0" cy="0"/>
-          <a:chOff x="0" y="0"/>
-          <a:chExt cx="0" cy="0"/>
-        </a:xfrm>
-      </p:grpSpPr>
-      <p:sp>
-        <p:nvSpPr>
-          <p:cNvPr id="4" name="Title 3">
-            <a:extLst>
-              <a:ext uri="{FF2B5EF4-FFF2-40B4-BE49-F238E27FC236}">
-                <a16:creationId xmlns:a16="http://schemas.microsoft.com/office/drawing/2014/main" id="{1646A3EE-4B41-47B5-92FC-2E1B682741CB}"/>
-              </a:ext>
-            </a:extLst>
-          </p:cNvPr>
-          <p:cNvSpPr>
-            <a:spLocks noGrp="1"/>
-          </p:cNvSpPr>
-          <p:nvPr>
-            <p:ph type="title"/>
-          </p:nvPr>
-        </p:nvSpPr>
-        <p:spPr/>
-        <p:txBody>
-          <a:bodyPr/>
-          <a:lstStyle/>
-          <a:p>
-            <a:r>
-              <a:rPr lang="en-US" dirty="0"/>
-              <a:t>Correlated Outlier</a:t>
-            </a:r>
-          </a:p>
-        </p:txBody>
-      </p:sp>
-      <p:sp>
-        <p:nvSpPr>
-          <p:cNvPr id="5" name="Content Placeholder 4">
-            <a:extLst>
-              <a:ext uri="{FF2B5EF4-FFF2-40B4-BE49-F238E27FC236}">
-                <a16:creationId xmlns:a16="http://schemas.microsoft.com/office/drawing/2014/main" id="{B014C8B3-958B-4C56-9292-07A52EA2B306}"/>
-              </a:ext>
-            </a:extLst>
-          </p:cNvPr>
-          <p:cNvSpPr>
-            <a:spLocks noGrp="1"/>
-          </p:cNvSpPr>
-          <p:nvPr>
-            <p:ph idx="1"/>
-          </p:nvPr>
-        </p:nvSpPr>
-        <p:spPr/>
-        <p:txBody>
-          <a:bodyPr/>
-          <a:lstStyle/>
-          <a:p>
-            <a:r>
-              <a:rPr lang="en-US" b="1" dirty="0"/>
-              <a:t>Core Idea</a:t>
-            </a:r>
-            <a:r>
-              <a:rPr lang="en-US" dirty="0"/>
-              <a:t>: Incorporate spurious features into the target class that also appear in an innocuous sample.</a:t>
-            </a:r>
-          </a:p>
-          <a:p>
-            <a:r>
-              <a:rPr lang="en-US" dirty="0"/>
-              <a:t>Variants:</a:t>
-            </a:r>
-          </a:p>
-          <a:p>
-            <a:pPr lvl="1"/>
-            <a:r>
-              <a:rPr lang="en-US" dirty="0"/>
-              <a:t>Attacks Against </a:t>
-            </a:r>
-            <a:r>
-              <a:rPr lang="en-US" dirty="0" err="1"/>
-              <a:t>SpamBayes</a:t>
-            </a:r>
-            <a:endParaRPr lang="en-US" dirty="0"/>
-          </a:p>
-          <a:p>
-            <a:pPr lvl="2"/>
-            <a:r>
-              <a:rPr lang="en-US" dirty="0"/>
-              <a:t>Dictionary Attack: Add a dictionary (</a:t>
-            </a:r>
-            <a:r>
-              <a:rPr lang="en-US" dirty="0" err="1"/>
-              <a:t>Aspell</a:t>
-            </a:r>
-            <a:r>
-              <a:rPr lang="en-US" dirty="0"/>
-              <a:t>, Usenet) of tokens to the spam email</a:t>
-            </a:r>
-          </a:p>
-          <a:p>
-            <a:pPr lvl="2"/>
-            <a:r>
-              <a:rPr lang="en-US" dirty="0"/>
-              <a:t>Focused Attack: Add all of the token in the target email to the spam email</a:t>
-            </a:r>
-          </a:p>
-        </p:txBody>
-      </p:sp>
-      <p:sp>
-        <p:nvSpPr>
-          <p:cNvPr id="6" name="Rectangle 5">
-            <a:extLst>
-              <a:ext uri="{FF2B5EF4-FFF2-40B4-BE49-F238E27FC236}">
-                <a16:creationId xmlns:a16="http://schemas.microsoft.com/office/drawing/2014/main" id="{C0B37F5A-9421-4891-AA8F-520ACF17DD11}"/>
-              </a:ext>
-            </a:extLst>
-          </p:cNvPr>
-          <p:cNvSpPr/>
-          <p:nvPr/>
-        </p:nvSpPr>
-        <p:spPr>
-          <a:xfrm>
-            <a:off x="0" y="5291295"/>
-            <a:ext cx="8905460" cy="1477328"/>
-          </a:xfrm>
-          <a:prstGeom prst="rect">
-            <a:avLst/>
-          </a:prstGeom>
-        </p:spPr>
-        <p:txBody>
-          <a:bodyPr wrap="square">
-            <a:spAutoFit/>
-          </a:bodyPr>
-          <a:lstStyle/>
-          <a:p>
-            <a:r>
-              <a:rPr lang="en-US" dirty="0"/>
-              <a:t>[1] J. Newsome, B. Karp, and D. Song, “Paragraph: Thwarting Signature Learning by Training Maliciously,” Recent Adv. Intrusion Detect., vol. 4219, pp. 81–105, 2006.</a:t>
-            </a:r>
-          </a:p>
-          <a:p>
-            <a:r>
-              <a:rPr lang="en-US" dirty="0"/>
-              <a:t>[2]	G. Robinson, “A statistical approach to the spam problem,” </a:t>
-            </a:r>
-            <a:r>
-              <a:rPr lang="en-US" i="1" dirty="0"/>
-              <a:t>Linux J.</a:t>
-            </a:r>
-            <a:r>
-              <a:rPr lang="en-US" dirty="0"/>
-              <a:t>, vol. 2003, no. 107. p. 3, 2003.</a:t>
-            </a:r>
-          </a:p>
-          <a:p>
-            <a:r>
-              <a:rPr lang="en-US" dirty="0"/>
-              <a:t>[3]	G. </a:t>
-            </a:r>
-            <a:r>
-              <a:rPr lang="en-US" dirty="0" err="1"/>
-              <a:t>Wittel</a:t>
-            </a:r>
-            <a:r>
-              <a:rPr lang="en-US" dirty="0"/>
-              <a:t> and S. Wu, “On Attacking Statistical Spam Filters.,” </a:t>
-            </a:r>
-            <a:r>
-              <a:rPr lang="en-US" i="1" dirty="0" err="1"/>
-              <a:t>Ceas</a:t>
-            </a:r>
-            <a:r>
-              <a:rPr lang="en-US" dirty="0"/>
-              <a:t>, 2004.</a:t>
-            </a:r>
-          </a:p>
-        </p:txBody>
-      </p:sp>
-    </p:spTree>
-    <p:extLst>
-      <p:ext uri="{BB962C8B-B14F-4D97-AF65-F5344CB8AC3E}">
-        <p14:creationId xmlns:p14="http://schemas.microsoft.com/office/powerpoint/2010/main" val="3750590633"/>
-      </p:ext>
-    </p:extLst>
-  </p:cSld>
-  <p:clrMapOvr>
-    <a:masterClrMapping/>
-  </p:clrMapOvr>
-  <p:transition>
-    <p:fade/>
-  </p:transition>
-</p:sld>
-</file>
-
-<file path=ppt/slides/slide22.xml><?xml version="1.0" encoding="utf-8"?>
-<p:sld xmlns:a="http://schemas.openxmlformats.org/drawingml/2006/main" xmlns:r="http://schemas.openxmlformats.org/officeDocument/2006/relationships" xmlns:p="http://schemas.openxmlformats.org/presentationml/2006/main">
-  <p:cSld>
-    <p:spTree>
-      <p:nvGrpSpPr>
-        <p:cNvPr id="1" name=""/>
-        <p:cNvGrpSpPr/>
-        <p:nvPr/>
-      </p:nvGrpSpPr>
-      <p:grpSpPr>
-        <a:xfrm>
-          <a:off x="0" y="0"/>
-          <a:ext cx="0" cy="0"/>
-          <a:chOff x="0" y="0"/>
-          <a:chExt cx="0" cy="0"/>
-        </a:xfrm>
-      </p:grpSpPr>
-      <p:sp>
-        <p:nvSpPr>
-          <p:cNvPr id="2" name="Title 1">
-            <a:extLst>
-              <a:ext uri="{FF2B5EF4-FFF2-40B4-BE49-F238E27FC236}">
-                <a16:creationId xmlns:a16="http://schemas.microsoft.com/office/drawing/2014/main" id="{F832F818-843B-418F-A358-66434CC7B520}"/>
-              </a:ext>
-            </a:extLst>
-          </p:cNvPr>
-          <p:cNvSpPr>
-            <a:spLocks noGrp="1"/>
-          </p:cNvSpPr>
-          <p:nvPr>
-            <p:ph type="title"/>
-          </p:nvPr>
-        </p:nvSpPr>
-        <p:spPr/>
-        <p:txBody>
-          <a:bodyPr/>
-          <a:lstStyle/>
-          <a:p>
-            <a:r>
-              <a:rPr lang="en-US" dirty="0"/>
-              <a:t>Dictionary Attack</a:t>
-            </a:r>
-          </a:p>
-        </p:txBody>
-      </p:sp>
-      <p:sp>
-        <p:nvSpPr>
-          <p:cNvPr id="3" name="Content Placeholder 2">
-            <a:extLst>
-              <a:ext uri="{FF2B5EF4-FFF2-40B4-BE49-F238E27FC236}">
-                <a16:creationId xmlns:a16="http://schemas.microsoft.com/office/drawing/2014/main" id="{834D12C5-33C3-4DD7-9887-A12962C90010}"/>
-              </a:ext>
-            </a:extLst>
-          </p:cNvPr>
-          <p:cNvSpPr>
-            <a:spLocks noGrp="1"/>
-          </p:cNvSpPr>
-          <p:nvPr>
-            <p:ph idx="1"/>
-          </p:nvPr>
-        </p:nvSpPr>
-        <p:spPr/>
-        <p:txBody>
-          <a:bodyPr/>
-          <a:lstStyle/>
-          <a:p>
-            <a:r>
-              <a:rPr lang="en-US" dirty="0"/>
-              <a:t>A dictionary attack is an </a:t>
-            </a:r>
-            <a:r>
-              <a:rPr lang="en-US" b="1" dirty="0"/>
-              <a:t>targeted </a:t>
-            </a:r>
-            <a:r>
-              <a:rPr lang="en-US" dirty="0"/>
-              <a:t>correlated outlier attack</a:t>
-            </a:r>
-            <a:endParaRPr lang="en-US" b="1" dirty="0"/>
-          </a:p>
-        </p:txBody>
-      </p:sp>
-      <p:graphicFrame>
-        <p:nvGraphicFramePr>
-          <p:cNvPr id="4" name="Table 3">
-            <a:extLst>
-              <a:ext uri="{FF2B5EF4-FFF2-40B4-BE49-F238E27FC236}">
-                <a16:creationId xmlns:a16="http://schemas.microsoft.com/office/drawing/2014/main" id="{8EE0D565-1558-44F0-AF2F-E7A5282FAC80}"/>
-              </a:ext>
-            </a:extLst>
-          </p:cNvPr>
-          <p:cNvGraphicFramePr>
-            <a:graphicFrameLocks noGrp="1"/>
-          </p:cNvGraphicFramePr>
-          <p:nvPr>
-            <p:extLst>
-              <p:ext uri="{D42A27DB-BD31-4B8C-83A1-F6EECF244321}">
-                <p14:modId xmlns:p14="http://schemas.microsoft.com/office/powerpoint/2010/main" val="2921340835"/>
-              </p:ext>
-            </p:extLst>
-          </p:nvPr>
-        </p:nvGraphicFramePr>
-        <p:xfrm>
-          <a:off x="741913" y="2532776"/>
-          <a:ext cx="3782462" cy="2194560"/>
-        </p:xfrm>
-        <a:graphic>
-          <a:graphicData uri="http://schemas.openxmlformats.org/drawingml/2006/table">
-            <a:tbl>
-              <a:tblPr firstRow="1" bandRow="1">
-                <a:tableStyleId>{5C22544A-7EE6-4342-B048-85BDC9FD1C3A}</a:tableStyleId>
-              </a:tblPr>
-              <a:tblGrid>
-                <a:gridCol w="1891231">
-                  <a:extLst>
-                    <a:ext uri="{9D8B030D-6E8A-4147-A177-3AD203B41FA5}">
-                      <a16:colId xmlns:a16="http://schemas.microsoft.com/office/drawing/2014/main" val="1342520835"/>
-                    </a:ext>
-                  </a:extLst>
-                </a:gridCol>
-                <a:gridCol w="1891231">
-                  <a:extLst>
-                    <a:ext uri="{9D8B030D-6E8A-4147-A177-3AD203B41FA5}">
-                      <a16:colId xmlns:a16="http://schemas.microsoft.com/office/drawing/2014/main" val="3488587028"/>
-                    </a:ext>
-                  </a:extLst>
-                </a:gridCol>
-              </a:tblGrid>
-              <a:tr h="358051">
-                <a:tc>
-                  <a:txBody>
-                    <a:bodyPr/>
-                    <a:lstStyle/>
-                    <a:p>
-                      <a:r>
-                        <a:rPr lang="en-US" dirty="0">
-                          <a:solidFill>
-                            <a:schemeClr val="accent3">
-                              <a:lumMod val="60000"/>
-                              <a:lumOff val="40000"/>
-                            </a:schemeClr>
-                          </a:solidFill>
-                        </a:rPr>
-                        <a:t>Spam</a:t>
-                      </a:r>
-                    </a:p>
-                  </a:txBody>
-                  <a:tcPr/>
-                </a:tc>
-                <a:tc>
-                  <a:txBody>
-                    <a:bodyPr/>
-                    <a:lstStyle/>
-                    <a:p>
-                      <a:r>
-                        <a:rPr lang="en-US" dirty="0">
-                          <a:solidFill>
-                            <a:schemeClr val="bg1"/>
-                          </a:solidFill>
-                        </a:rPr>
-                        <a:t>Ham (Target)</a:t>
-                      </a:r>
-                    </a:p>
-                  </a:txBody>
-                  <a:tcPr/>
-                </a:tc>
-                <a:extLst>
-                  <a:ext uri="{0D108BD9-81ED-4DB2-BD59-A6C34878D82A}">
-                    <a16:rowId xmlns:a16="http://schemas.microsoft.com/office/drawing/2014/main" val="2295510530"/>
-                  </a:ext>
-                </a:extLst>
-              </a:tr>
-              <a:tr h="358051">
-                <a:tc>
-                  <a:txBody>
-                    <a:bodyPr/>
-                    <a:lstStyle/>
-                    <a:p>
-                      <a:r>
-                        <a:rPr lang="en-US" dirty="0"/>
-                        <a:t>Hello</a:t>
-                      </a:r>
-                    </a:p>
-                  </a:txBody>
-                  <a:tcPr/>
-                </a:tc>
-                <a:tc>
-                  <a:txBody>
-                    <a:bodyPr/>
-                    <a:lstStyle/>
-                    <a:p>
-                      <a:r>
-                        <a:rPr lang="en-US" dirty="0"/>
-                        <a:t>Conference</a:t>
-                      </a:r>
-                    </a:p>
-                  </a:txBody>
-                  <a:tcPr/>
-                </a:tc>
-                <a:extLst>
-                  <a:ext uri="{0D108BD9-81ED-4DB2-BD59-A6C34878D82A}">
-                    <a16:rowId xmlns:a16="http://schemas.microsoft.com/office/drawing/2014/main" val="3572382433"/>
-                  </a:ext>
-                </a:extLst>
-              </a:tr>
-              <a:tr h="358051">
-                <a:tc>
-                  <a:txBody>
-                    <a:bodyPr/>
-                    <a:lstStyle/>
-                    <a:p>
-                      <a:r>
-                        <a:rPr lang="en-US" dirty="0"/>
-                        <a:t>Viagra</a:t>
-                      </a:r>
-                    </a:p>
-                  </a:txBody>
-                  <a:tcPr/>
-                </a:tc>
-                <a:tc>
-                  <a:txBody>
-                    <a:bodyPr/>
-                    <a:lstStyle/>
-                    <a:p>
-                      <a:r>
-                        <a:rPr lang="en-US" dirty="0"/>
-                        <a:t>Grant</a:t>
-                      </a:r>
-                    </a:p>
-                  </a:txBody>
-                  <a:tcPr/>
-                </a:tc>
-                <a:extLst>
-                  <a:ext uri="{0D108BD9-81ED-4DB2-BD59-A6C34878D82A}">
-                    <a16:rowId xmlns:a16="http://schemas.microsoft.com/office/drawing/2014/main" val="4031925902"/>
-                  </a:ext>
-                </a:extLst>
-              </a:tr>
-              <a:tr h="358051">
-                <a:tc>
-                  <a:txBody>
-                    <a:bodyPr/>
-                    <a:lstStyle/>
-                    <a:p>
-                      <a:r>
-                        <a:rPr lang="en-US" dirty="0"/>
-                        <a:t>Nigeria</a:t>
-                      </a:r>
-                    </a:p>
-                  </a:txBody>
-                  <a:tcPr/>
-                </a:tc>
-                <a:tc>
-                  <a:txBody>
-                    <a:bodyPr/>
-                    <a:lstStyle/>
-                    <a:p>
-                      <a:r>
-                        <a:rPr lang="en-US" dirty="0"/>
-                        <a:t>Hello</a:t>
-                      </a:r>
-                    </a:p>
-                  </a:txBody>
-                  <a:tcPr/>
-                </a:tc>
-                <a:extLst>
-                  <a:ext uri="{0D108BD9-81ED-4DB2-BD59-A6C34878D82A}">
-                    <a16:rowId xmlns:a16="http://schemas.microsoft.com/office/drawing/2014/main" val="3479661297"/>
-                  </a:ext>
-                </a:extLst>
-              </a:tr>
-              <a:tr h="358051">
-                <a:tc>
-                  <a:txBody>
-                    <a:bodyPr/>
-                    <a:lstStyle/>
-                    <a:p>
-                      <a:r>
-                        <a:rPr lang="en-US" dirty="0"/>
-                        <a:t>Conference</a:t>
-                      </a:r>
-                    </a:p>
-                  </a:txBody>
-                  <a:tcPr/>
-                </a:tc>
-                <a:tc>
-                  <a:txBody>
-                    <a:bodyPr/>
-                    <a:lstStyle/>
-                    <a:p>
-                      <a:endParaRPr lang="en-US" dirty="0"/>
-                    </a:p>
-                  </a:txBody>
-                  <a:tcPr/>
-                </a:tc>
-                <a:extLst>
-                  <a:ext uri="{0D108BD9-81ED-4DB2-BD59-A6C34878D82A}">
-                    <a16:rowId xmlns:a16="http://schemas.microsoft.com/office/drawing/2014/main" val="2245176462"/>
-                  </a:ext>
-                </a:extLst>
-              </a:tr>
-              <a:tr h="358051">
-                <a:tc>
-                  <a:txBody>
-                    <a:bodyPr/>
-                    <a:lstStyle/>
-                    <a:p>
-                      <a:r>
-                        <a:rPr lang="en-US" dirty="0"/>
-                        <a:t>Grant</a:t>
-                      </a:r>
-                    </a:p>
-                  </a:txBody>
-                  <a:tcPr/>
-                </a:tc>
-                <a:tc>
-                  <a:txBody>
-                    <a:bodyPr/>
-                    <a:lstStyle/>
-                    <a:p>
-                      <a:endParaRPr lang="en-US" dirty="0"/>
-                    </a:p>
-                  </a:txBody>
-                  <a:tcPr/>
-                </a:tc>
-                <a:extLst>
-                  <a:ext uri="{0D108BD9-81ED-4DB2-BD59-A6C34878D82A}">
-                    <a16:rowId xmlns:a16="http://schemas.microsoft.com/office/drawing/2014/main" val="230778754"/>
-                  </a:ext>
-                </a:extLst>
-              </a:tr>
-            </a:tbl>
-          </a:graphicData>
-        </a:graphic>
-      </p:graphicFrame>
-      <p:graphicFrame>
-        <p:nvGraphicFramePr>
-          <p:cNvPr id="5" name="Table 4">
-            <a:extLst>
-              <a:ext uri="{FF2B5EF4-FFF2-40B4-BE49-F238E27FC236}">
-                <a16:creationId xmlns:a16="http://schemas.microsoft.com/office/drawing/2014/main" id="{56EE099E-96F8-4134-91C2-8B087B0253F5}"/>
-              </a:ext>
-            </a:extLst>
-          </p:cNvPr>
-          <p:cNvGraphicFramePr>
-            <a:graphicFrameLocks noGrp="1"/>
-          </p:cNvGraphicFramePr>
-          <p:nvPr>
-            <p:extLst>
-              <p:ext uri="{D42A27DB-BD31-4B8C-83A1-F6EECF244321}">
-                <p14:modId xmlns:p14="http://schemas.microsoft.com/office/powerpoint/2010/main" val="4030091250"/>
-              </p:ext>
-            </p:extLst>
-          </p:nvPr>
-        </p:nvGraphicFramePr>
-        <p:xfrm>
-          <a:off x="5734050" y="2532776"/>
-          <a:ext cx="1838325" cy="1463040"/>
-        </p:xfrm>
-        <a:graphic>
-          <a:graphicData uri="http://schemas.openxmlformats.org/drawingml/2006/table">
-            <a:tbl>
-              <a:tblPr firstRow="1" bandRow="1">
-                <a:tableStyleId>{5C22544A-7EE6-4342-B048-85BDC9FD1C3A}</a:tableStyleId>
-              </a:tblPr>
-              <a:tblGrid>
-                <a:gridCol w="1838325">
-                  <a:extLst>
-                    <a:ext uri="{9D8B030D-6E8A-4147-A177-3AD203B41FA5}">
-                      <a16:colId xmlns:a16="http://schemas.microsoft.com/office/drawing/2014/main" val="3488587028"/>
-                    </a:ext>
-                  </a:extLst>
-                </a:gridCol>
-              </a:tblGrid>
-              <a:tr h="358051">
-                <a:tc>
-                  <a:txBody>
-                    <a:bodyPr/>
-                    <a:lstStyle/>
-                    <a:p>
-                      <a:r>
-                        <a:rPr lang="en-US" dirty="0">
-                          <a:solidFill>
-                            <a:schemeClr val="accent3">
-                              <a:lumMod val="60000"/>
-                              <a:lumOff val="40000"/>
-                            </a:schemeClr>
-                          </a:solidFill>
-                        </a:rPr>
-                        <a:t>Ham (Target)</a:t>
-                      </a:r>
-                    </a:p>
-                  </a:txBody>
-                  <a:tcPr/>
-                </a:tc>
-                <a:extLst>
-                  <a:ext uri="{0D108BD9-81ED-4DB2-BD59-A6C34878D82A}">
-                    <a16:rowId xmlns:a16="http://schemas.microsoft.com/office/drawing/2014/main" val="2295510530"/>
-                  </a:ext>
-                </a:extLst>
-              </a:tr>
-              <a:tr h="358051">
-                <a:tc>
-                  <a:txBody>
-                    <a:bodyPr/>
-                    <a:lstStyle/>
-                    <a:p>
-                      <a:r>
-                        <a:rPr lang="en-US" dirty="0"/>
-                        <a:t>Conference</a:t>
-                      </a:r>
-                    </a:p>
-                  </a:txBody>
-                  <a:tcPr/>
-                </a:tc>
-                <a:extLst>
-                  <a:ext uri="{0D108BD9-81ED-4DB2-BD59-A6C34878D82A}">
-                    <a16:rowId xmlns:a16="http://schemas.microsoft.com/office/drawing/2014/main" val="3572382433"/>
-                  </a:ext>
-                </a:extLst>
-              </a:tr>
-              <a:tr h="358051">
-                <a:tc>
-                  <a:txBody>
-                    <a:bodyPr/>
-                    <a:lstStyle/>
-                    <a:p>
-                      <a:r>
-                        <a:rPr lang="en-US" dirty="0"/>
-                        <a:t>Grant</a:t>
-                      </a:r>
-                    </a:p>
-                  </a:txBody>
-                  <a:tcPr/>
-                </a:tc>
-                <a:extLst>
-                  <a:ext uri="{0D108BD9-81ED-4DB2-BD59-A6C34878D82A}">
-                    <a16:rowId xmlns:a16="http://schemas.microsoft.com/office/drawing/2014/main" val="4031925902"/>
-                  </a:ext>
-                </a:extLst>
-              </a:tr>
-              <a:tr h="358051">
-                <a:tc>
-                  <a:txBody>
-                    <a:bodyPr/>
-                    <a:lstStyle/>
-                    <a:p>
-                      <a:r>
-                        <a:rPr lang="en-US" dirty="0"/>
-                        <a:t>Hello</a:t>
-                      </a:r>
-                    </a:p>
-                  </a:txBody>
-                  <a:tcPr/>
-                </a:tc>
-                <a:extLst>
-                  <a:ext uri="{0D108BD9-81ED-4DB2-BD59-A6C34878D82A}">
-                    <a16:rowId xmlns:a16="http://schemas.microsoft.com/office/drawing/2014/main" val="3479661297"/>
-                  </a:ext>
-                </a:extLst>
-              </a:tr>
-            </a:tbl>
-          </a:graphicData>
-        </a:graphic>
-      </p:graphicFrame>
-      <p:sp>
-        <p:nvSpPr>
-          <p:cNvPr id="6" name="Arrow: Right 5">
-            <a:extLst>
-              <a:ext uri="{FF2B5EF4-FFF2-40B4-BE49-F238E27FC236}">
-                <a16:creationId xmlns:a16="http://schemas.microsoft.com/office/drawing/2014/main" id="{63A724D4-8A0B-4180-ABC5-74E5E4BBA6E4}"/>
-              </a:ext>
-            </a:extLst>
-          </p:cNvPr>
-          <p:cNvSpPr/>
-          <p:nvPr/>
-        </p:nvSpPr>
-        <p:spPr>
-          <a:xfrm>
-            <a:off x="4898335" y="3420505"/>
-            <a:ext cx="461755" cy="222011"/>
-          </a:xfrm>
-          <a:prstGeom prst="rightArrow">
-            <a:avLst/>
-          </a:prstGeom>
-        </p:spPr>
-        <p:style>
-          <a:lnRef idx="2">
-            <a:schemeClr val="accent1">
-              <a:shade val="50000"/>
-            </a:schemeClr>
-          </a:lnRef>
-          <a:fillRef idx="1">
-            <a:schemeClr val="accent1"/>
-          </a:fillRef>
-          <a:effectRef idx="0">
-            <a:schemeClr val="accent1"/>
-          </a:effectRef>
-          <a:fontRef idx="minor">
-            <a:schemeClr val="lt1"/>
-          </a:fontRef>
-        </p:style>
-        <p:txBody>
-          <a:bodyPr rtlCol="0" anchor="ctr"/>
-          <a:lstStyle/>
-          <a:p>
-            <a:pPr algn="ctr"/>
-            <a:endParaRPr lang="en-US"/>
-          </a:p>
-        </p:txBody>
-      </p:sp>
-      <p:sp>
-        <p:nvSpPr>
-          <p:cNvPr id="7" name="TextBox 6">
-            <a:extLst>
-              <a:ext uri="{FF2B5EF4-FFF2-40B4-BE49-F238E27FC236}">
-                <a16:creationId xmlns:a16="http://schemas.microsoft.com/office/drawing/2014/main" id="{CFA7F022-941F-4587-A403-3D143EE608D5}"/>
-              </a:ext>
-            </a:extLst>
-          </p:cNvPr>
-          <p:cNvSpPr txBox="1"/>
-          <p:nvPr/>
-        </p:nvSpPr>
-        <p:spPr>
-          <a:xfrm>
-            <a:off x="741913" y="2108062"/>
-            <a:ext cx="2647950" cy="369332"/>
-          </a:xfrm>
-          <a:prstGeom prst="rect">
-            <a:avLst/>
-          </a:prstGeom>
-          <a:noFill/>
-        </p:spPr>
-        <p:txBody>
-          <a:bodyPr wrap="square" rtlCol="0">
-            <a:spAutoFit/>
-          </a:bodyPr>
-          <a:lstStyle/>
-          <a:p>
-            <a:r>
-              <a:rPr lang="en-US" dirty="0"/>
-              <a:t>Training / t-1</a:t>
-            </a:r>
-          </a:p>
-        </p:txBody>
-      </p:sp>
-      <p:sp>
-        <p:nvSpPr>
-          <p:cNvPr id="8" name="TextBox 7">
-            <a:extLst>
-              <a:ext uri="{FF2B5EF4-FFF2-40B4-BE49-F238E27FC236}">
-                <a16:creationId xmlns:a16="http://schemas.microsoft.com/office/drawing/2014/main" id="{8DFCAD9D-C663-4475-8C8F-68C3F7372CAF}"/>
-              </a:ext>
-            </a:extLst>
-          </p:cNvPr>
-          <p:cNvSpPr txBox="1"/>
-          <p:nvPr/>
-        </p:nvSpPr>
-        <p:spPr>
-          <a:xfrm>
-            <a:off x="5734050" y="2108062"/>
-            <a:ext cx="1838325" cy="369332"/>
-          </a:xfrm>
-          <a:prstGeom prst="rect">
-            <a:avLst/>
-          </a:prstGeom>
-          <a:noFill/>
-        </p:spPr>
-        <p:txBody>
-          <a:bodyPr wrap="square" rtlCol="0">
-            <a:spAutoFit/>
-          </a:bodyPr>
-          <a:lstStyle/>
-          <a:p>
-            <a:r>
-              <a:rPr lang="en-US" dirty="0"/>
-              <a:t>Testing / t</a:t>
-            </a:r>
-          </a:p>
-        </p:txBody>
-      </p:sp>
-    </p:spTree>
-    <p:extLst>
-      <p:ext uri="{BB962C8B-B14F-4D97-AF65-F5344CB8AC3E}">
-        <p14:creationId xmlns:p14="http://schemas.microsoft.com/office/powerpoint/2010/main" val="281647368"/>
-      </p:ext>
-    </p:extLst>
-  </p:cSld>
-  <p:clrMapOvr>
-    <a:masterClrMapping/>
-  </p:clrMapOvr>
-  <p:transition>
-    <p:fade/>
-  </p:transition>
-</p:sld>
-</file>
-
-<file path=ppt/slides/slide23.xml><?xml version="1.0" encoding="utf-8"?>
-<p:sld xmlns:a="http://schemas.openxmlformats.org/drawingml/2006/main" xmlns:r="http://schemas.openxmlformats.org/officeDocument/2006/relationships" xmlns:p="http://schemas.openxmlformats.org/presentationml/2006/main">
-  <p:cSld>
-    <p:spTree>
-      <p:nvGrpSpPr>
-        <p:cNvPr id="1" name=""/>
-        <p:cNvGrpSpPr/>
-        <p:nvPr/>
-      </p:nvGrpSpPr>
-      <p:grpSpPr>
-        <a:xfrm>
-          <a:off x="0" y="0"/>
-          <a:ext cx="0" cy="0"/>
-          <a:chOff x="0" y="0"/>
-          <a:chExt cx="0" cy="0"/>
-        </a:xfrm>
-      </p:grpSpPr>
-      <p:sp>
-        <p:nvSpPr>
-          <p:cNvPr id="2" name="Title 1">
-            <a:extLst>
-              <a:ext uri="{FF2B5EF4-FFF2-40B4-BE49-F238E27FC236}">
-                <a16:creationId xmlns:a16="http://schemas.microsoft.com/office/drawing/2014/main" id="{AB176088-8EF1-47F9-8C95-5D1990D63EBB}"/>
-              </a:ext>
-            </a:extLst>
-          </p:cNvPr>
-          <p:cNvSpPr>
-            <a:spLocks noGrp="1"/>
-          </p:cNvSpPr>
-          <p:nvPr>
-            <p:ph type="title"/>
-          </p:nvPr>
-        </p:nvSpPr>
-        <p:spPr/>
-        <p:txBody>
-          <a:bodyPr/>
-          <a:lstStyle/>
-          <a:p>
-            <a:r>
-              <a:rPr lang="en-US" dirty="0"/>
-              <a:t>Focused Attack</a:t>
-            </a:r>
-          </a:p>
-        </p:txBody>
-      </p:sp>
-      <p:sp>
-        <p:nvSpPr>
-          <p:cNvPr id="3" name="Content Placeholder 2">
-            <a:extLst>
-              <a:ext uri="{FF2B5EF4-FFF2-40B4-BE49-F238E27FC236}">
-                <a16:creationId xmlns:a16="http://schemas.microsoft.com/office/drawing/2014/main" id="{6A39FEAA-E3AE-4F92-A0DB-7E13CB03F01C}"/>
-              </a:ext>
-            </a:extLst>
-          </p:cNvPr>
-          <p:cNvSpPr>
-            <a:spLocks noGrp="1"/>
-          </p:cNvSpPr>
-          <p:nvPr>
-            <p:ph idx="1"/>
-          </p:nvPr>
-        </p:nvSpPr>
-        <p:spPr/>
-        <p:txBody>
-          <a:bodyPr/>
-          <a:lstStyle/>
-          <a:p>
-            <a:r>
-              <a:rPr lang="en-US" dirty="0"/>
-              <a:t>A focused attack is an </a:t>
-            </a:r>
-            <a:r>
-              <a:rPr lang="en-US" b="1" dirty="0"/>
-              <a:t>indiscriminate </a:t>
-            </a:r>
-            <a:r>
-              <a:rPr lang="en-US" dirty="0"/>
-              <a:t>correlated outlier attack</a:t>
-            </a:r>
-            <a:endParaRPr lang="en-US" b="1" dirty="0"/>
-          </a:p>
-          <a:p>
-            <a:endParaRPr lang="en-US" dirty="0"/>
-          </a:p>
-        </p:txBody>
-      </p:sp>
-      <p:graphicFrame>
-        <p:nvGraphicFramePr>
-          <p:cNvPr id="4" name="Table 3">
-            <a:extLst>
-              <a:ext uri="{FF2B5EF4-FFF2-40B4-BE49-F238E27FC236}">
-                <a16:creationId xmlns:a16="http://schemas.microsoft.com/office/drawing/2014/main" id="{297C45F7-6E95-4141-8079-550339996C19}"/>
-              </a:ext>
-            </a:extLst>
-          </p:cNvPr>
-          <p:cNvGraphicFramePr>
-            <a:graphicFrameLocks noGrp="1"/>
-          </p:cNvGraphicFramePr>
-          <p:nvPr>
-            <p:extLst>
-              <p:ext uri="{D42A27DB-BD31-4B8C-83A1-F6EECF244321}">
-                <p14:modId xmlns:p14="http://schemas.microsoft.com/office/powerpoint/2010/main" val="4024069406"/>
-              </p:ext>
-            </p:extLst>
-          </p:nvPr>
-        </p:nvGraphicFramePr>
-        <p:xfrm>
-          <a:off x="809625" y="2551826"/>
-          <a:ext cx="2762252" cy="2194560"/>
-        </p:xfrm>
-        <a:graphic>
-          <a:graphicData uri="http://schemas.openxmlformats.org/drawingml/2006/table">
-            <a:tbl>
-              <a:tblPr firstRow="1" bandRow="1">
-                <a:tableStyleId>{5C22544A-7EE6-4342-B048-85BDC9FD1C3A}</a:tableStyleId>
-              </a:tblPr>
-              <a:tblGrid>
-                <a:gridCol w="1381126">
-                  <a:extLst>
-                    <a:ext uri="{9D8B030D-6E8A-4147-A177-3AD203B41FA5}">
-                      <a16:colId xmlns:a16="http://schemas.microsoft.com/office/drawing/2014/main" val="1342520835"/>
-                    </a:ext>
-                  </a:extLst>
-                </a:gridCol>
-                <a:gridCol w="1381126">
-                  <a:extLst>
-                    <a:ext uri="{9D8B030D-6E8A-4147-A177-3AD203B41FA5}">
-                      <a16:colId xmlns:a16="http://schemas.microsoft.com/office/drawing/2014/main" val="3488587028"/>
-                    </a:ext>
-                  </a:extLst>
-                </a:gridCol>
-              </a:tblGrid>
-              <a:tr h="358051">
-                <a:tc>
-                  <a:txBody>
-                    <a:bodyPr/>
-                    <a:lstStyle/>
-                    <a:p>
-                      <a:r>
-                        <a:rPr lang="en-US" dirty="0">
-                          <a:solidFill>
-                            <a:schemeClr val="accent3">
-                              <a:lumMod val="60000"/>
-                              <a:lumOff val="40000"/>
-                            </a:schemeClr>
-                          </a:solidFill>
-                        </a:rPr>
-                        <a:t>Spam</a:t>
-                      </a:r>
-                    </a:p>
-                  </a:txBody>
-                  <a:tcPr/>
-                </a:tc>
-                <a:tc>
-                  <a:txBody>
-                    <a:bodyPr/>
-                    <a:lstStyle/>
-                    <a:p>
-                      <a:r>
-                        <a:rPr lang="en-US" dirty="0">
-                          <a:solidFill>
-                            <a:schemeClr val="accent4">
-                              <a:lumMod val="60000"/>
-                              <a:lumOff val="40000"/>
-                            </a:schemeClr>
-                          </a:solidFill>
-                        </a:rPr>
-                        <a:t>Ham</a:t>
-                      </a:r>
-                    </a:p>
-                  </a:txBody>
-                  <a:tcPr/>
-                </a:tc>
-                <a:extLst>
-                  <a:ext uri="{0D108BD9-81ED-4DB2-BD59-A6C34878D82A}">
-                    <a16:rowId xmlns:a16="http://schemas.microsoft.com/office/drawing/2014/main" val="2295510530"/>
-                  </a:ext>
-                </a:extLst>
-              </a:tr>
-              <a:tr h="358051">
-                <a:tc>
-                  <a:txBody>
-                    <a:bodyPr/>
-                    <a:lstStyle/>
-                    <a:p>
-                      <a:r>
-                        <a:rPr lang="en-US" dirty="0"/>
-                        <a:t>Hello</a:t>
-                      </a:r>
-                    </a:p>
-                  </a:txBody>
-                  <a:tcPr/>
-                </a:tc>
-                <a:tc>
-                  <a:txBody>
-                    <a:bodyPr/>
-                    <a:lstStyle/>
-                    <a:p>
-                      <a:r>
-                        <a:rPr lang="en-US" dirty="0"/>
-                        <a:t>Conference</a:t>
-                      </a:r>
-                    </a:p>
-                  </a:txBody>
-                  <a:tcPr/>
-                </a:tc>
-                <a:extLst>
-                  <a:ext uri="{0D108BD9-81ED-4DB2-BD59-A6C34878D82A}">
-                    <a16:rowId xmlns:a16="http://schemas.microsoft.com/office/drawing/2014/main" val="3572382433"/>
-                  </a:ext>
-                </a:extLst>
-              </a:tr>
-              <a:tr h="358051">
-                <a:tc>
-                  <a:txBody>
-                    <a:bodyPr/>
-                    <a:lstStyle/>
-                    <a:p>
-                      <a:r>
-                        <a:rPr lang="en-US" dirty="0"/>
-                        <a:t>Viagra</a:t>
-                      </a:r>
-                    </a:p>
-                  </a:txBody>
-                  <a:tcPr/>
-                </a:tc>
-                <a:tc>
-                  <a:txBody>
-                    <a:bodyPr/>
-                    <a:lstStyle/>
-                    <a:p>
-                      <a:r>
-                        <a:rPr lang="en-US" dirty="0"/>
-                        <a:t>Grant</a:t>
-                      </a:r>
-                    </a:p>
-                  </a:txBody>
-                  <a:tcPr/>
-                </a:tc>
-                <a:extLst>
-                  <a:ext uri="{0D108BD9-81ED-4DB2-BD59-A6C34878D82A}">
-                    <a16:rowId xmlns:a16="http://schemas.microsoft.com/office/drawing/2014/main" val="4031925902"/>
-                  </a:ext>
-                </a:extLst>
-              </a:tr>
-              <a:tr h="358051">
-                <a:tc>
-                  <a:txBody>
-                    <a:bodyPr/>
-                    <a:lstStyle/>
-                    <a:p>
-                      <a:r>
-                        <a:rPr lang="en-US" dirty="0"/>
-                        <a:t>Nigeria</a:t>
-                      </a:r>
-                    </a:p>
-                  </a:txBody>
-                  <a:tcPr/>
-                </a:tc>
-                <a:tc>
-                  <a:txBody>
-                    <a:bodyPr/>
-                    <a:lstStyle/>
-                    <a:p>
-                      <a:r>
-                        <a:rPr lang="en-US" dirty="0"/>
-                        <a:t>Hello</a:t>
-                      </a:r>
-                    </a:p>
-                  </a:txBody>
-                  <a:tcPr/>
-                </a:tc>
-                <a:extLst>
-                  <a:ext uri="{0D108BD9-81ED-4DB2-BD59-A6C34878D82A}">
-                    <a16:rowId xmlns:a16="http://schemas.microsoft.com/office/drawing/2014/main" val="3479661297"/>
-                  </a:ext>
-                </a:extLst>
-              </a:tr>
-              <a:tr h="358051">
-                <a:tc>
-                  <a:txBody>
-                    <a:bodyPr/>
-                    <a:lstStyle/>
-                    <a:p>
-                      <a:r>
-                        <a:rPr lang="en-US" dirty="0" err="1"/>
-                        <a:t>Ardvark</a:t>
-                      </a:r>
-                      <a:endParaRPr lang="en-US" dirty="0"/>
-                    </a:p>
-                  </a:txBody>
-                  <a:tcPr/>
-                </a:tc>
-                <a:tc>
-                  <a:txBody>
-                    <a:bodyPr/>
-                    <a:lstStyle/>
-                    <a:p>
-                      <a:endParaRPr lang="en-US" dirty="0"/>
-                    </a:p>
-                  </a:txBody>
-                  <a:tcPr/>
-                </a:tc>
-                <a:extLst>
-                  <a:ext uri="{0D108BD9-81ED-4DB2-BD59-A6C34878D82A}">
-                    <a16:rowId xmlns:a16="http://schemas.microsoft.com/office/drawing/2014/main" val="2245176462"/>
-                  </a:ext>
-                </a:extLst>
-              </a:tr>
-              <a:tr h="358051">
-                <a:tc>
-                  <a:txBody>
-                    <a:bodyPr/>
-                    <a:lstStyle/>
-                    <a:p>
-                      <a:r>
-                        <a:rPr lang="en-US" dirty="0"/>
-                        <a:t>…</a:t>
-                      </a:r>
-                    </a:p>
-                  </a:txBody>
-                  <a:tcPr/>
-                </a:tc>
-                <a:tc>
-                  <a:txBody>
-                    <a:bodyPr/>
-                    <a:lstStyle/>
-                    <a:p>
-                      <a:endParaRPr lang="en-US" dirty="0"/>
-                    </a:p>
-                  </a:txBody>
-                  <a:tcPr/>
-                </a:tc>
-                <a:extLst>
-                  <a:ext uri="{0D108BD9-81ED-4DB2-BD59-A6C34878D82A}">
-                    <a16:rowId xmlns:a16="http://schemas.microsoft.com/office/drawing/2014/main" val="230778754"/>
-                  </a:ext>
-                </a:extLst>
-              </a:tr>
-            </a:tbl>
-          </a:graphicData>
-        </a:graphic>
-      </p:graphicFrame>
-      <p:graphicFrame>
-        <p:nvGraphicFramePr>
-          <p:cNvPr id="5" name="Table 4">
-            <a:extLst>
-              <a:ext uri="{FF2B5EF4-FFF2-40B4-BE49-F238E27FC236}">
-                <a16:creationId xmlns:a16="http://schemas.microsoft.com/office/drawing/2014/main" id="{898C13CE-913F-4514-AB20-50ECEB6C747F}"/>
-              </a:ext>
-            </a:extLst>
-          </p:cNvPr>
-          <p:cNvGraphicFramePr>
-            <a:graphicFrameLocks noGrp="1"/>
-          </p:cNvGraphicFramePr>
-          <p:nvPr>
-            <p:extLst>
-              <p:ext uri="{D42A27DB-BD31-4B8C-83A1-F6EECF244321}">
-                <p14:modId xmlns:p14="http://schemas.microsoft.com/office/powerpoint/2010/main" val="181236137"/>
-              </p:ext>
-            </p:extLst>
-          </p:nvPr>
-        </p:nvGraphicFramePr>
-        <p:xfrm>
-          <a:off x="4762500" y="2551826"/>
-          <a:ext cx="1566863" cy="1463040"/>
-        </p:xfrm>
-        <a:graphic>
-          <a:graphicData uri="http://schemas.openxmlformats.org/drawingml/2006/table">
-            <a:tbl>
-              <a:tblPr firstRow="1" bandRow="1">
-                <a:tableStyleId>{5C22544A-7EE6-4342-B048-85BDC9FD1C3A}</a:tableStyleId>
-              </a:tblPr>
-              <a:tblGrid>
-                <a:gridCol w="1566863">
-                  <a:extLst>
-                    <a:ext uri="{9D8B030D-6E8A-4147-A177-3AD203B41FA5}">
-                      <a16:colId xmlns:a16="http://schemas.microsoft.com/office/drawing/2014/main" val="3488587028"/>
-                    </a:ext>
-                  </a:extLst>
-                </a:gridCol>
-              </a:tblGrid>
-              <a:tr h="358051">
-                <a:tc>
-                  <a:txBody>
-                    <a:bodyPr/>
-                    <a:lstStyle/>
-                    <a:p>
-                      <a:r>
-                        <a:rPr lang="en-US" dirty="0">
-                          <a:solidFill>
-                            <a:schemeClr val="accent3">
-                              <a:lumMod val="60000"/>
-                              <a:lumOff val="40000"/>
-                            </a:schemeClr>
-                          </a:solidFill>
-                        </a:rPr>
-                        <a:t>Ham</a:t>
-                      </a:r>
-                    </a:p>
-                  </a:txBody>
-                  <a:tcPr/>
-                </a:tc>
-                <a:extLst>
-                  <a:ext uri="{0D108BD9-81ED-4DB2-BD59-A6C34878D82A}">
-                    <a16:rowId xmlns:a16="http://schemas.microsoft.com/office/drawing/2014/main" val="2295510530"/>
-                  </a:ext>
-                </a:extLst>
-              </a:tr>
-              <a:tr h="358051">
-                <a:tc>
-                  <a:txBody>
-                    <a:bodyPr/>
-                    <a:lstStyle/>
-                    <a:p>
-                      <a:r>
-                        <a:rPr lang="en-US" dirty="0"/>
-                        <a:t>Conference</a:t>
-                      </a:r>
-                    </a:p>
-                  </a:txBody>
-                  <a:tcPr/>
-                </a:tc>
-                <a:extLst>
-                  <a:ext uri="{0D108BD9-81ED-4DB2-BD59-A6C34878D82A}">
-                    <a16:rowId xmlns:a16="http://schemas.microsoft.com/office/drawing/2014/main" val="3572382433"/>
-                  </a:ext>
-                </a:extLst>
-              </a:tr>
-              <a:tr h="358051">
-                <a:tc>
-                  <a:txBody>
-                    <a:bodyPr/>
-                    <a:lstStyle/>
-                    <a:p>
-                      <a:r>
-                        <a:rPr lang="en-US" dirty="0"/>
-                        <a:t>Grant</a:t>
-                      </a:r>
-                    </a:p>
-                  </a:txBody>
-                  <a:tcPr/>
-                </a:tc>
-                <a:extLst>
-                  <a:ext uri="{0D108BD9-81ED-4DB2-BD59-A6C34878D82A}">
-                    <a16:rowId xmlns:a16="http://schemas.microsoft.com/office/drawing/2014/main" val="4031925902"/>
-                  </a:ext>
-                </a:extLst>
-              </a:tr>
-              <a:tr h="358051">
-                <a:tc>
-                  <a:txBody>
-                    <a:bodyPr/>
-                    <a:lstStyle/>
-                    <a:p>
-                      <a:r>
-                        <a:rPr lang="en-US" dirty="0"/>
-                        <a:t>Hello</a:t>
-                      </a:r>
-                    </a:p>
-                  </a:txBody>
-                  <a:tcPr/>
-                </a:tc>
-                <a:extLst>
-                  <a:ext uri="{0D108BD9-81ED-4DB2-BD59-A6C34878D82A}">
-                    <a16:rowId xmlns:a16="http://schemas.microsoft.com/office/drawing/2014/main" val="3479661297"/>
-                  </a:ext>
-                </a:extLst>
-              </a:tr>
-            </a:tbl>
-          </a:graphicData>
-        </a:graphic>
-      </p:graphicFrame>
-      <p:sp>
-        <p:nvSpPr>
-          <p:cNvPr id="6" name="Arrow: Right 5">
-            <a:extLst>
-              <a:ext uri="{FF2B5EF4-FFF2-40B4-BE49-F238E27FC236}">
-                <a16:creationId xmlns:a16="http://schemas.microsoft.com/office/drawing/2014/main" id="{783B385E-3211-4ADF-A21D-B76DEFE373FE}"/>
-              </a:ext>
-            </a:extLst>
-          </p:cNvPr>
-          <p:cNvSpPr/>
-          <p:nvPr/>
-        </p:nvSpPr>
-        <p:spPr>
-          <a:xfrm>
-            <a:off x="3936311" y="3492380"/>
-            <a:ext cx="461755" cy="222011"/>
-          </a:xfrm>
-          <a:prstGeom prst="rightArrow">
-            <a:avLst/>
-          </a:prstGeom>
-        </p:spPr>
-        <p:style>
-          <a:lnRef idx="2">
-            <a:schemeClr val="accent1">
-              <a:shade val="50000"/>
-            </a:schemeClr>
-          </a:lnRef>
-          <a:fillRef idx="1">
-            <a:schemeClr val="accent1"/>
-          </a:fillRef>
-          <a:effectRef idx="0">
-            <a:schemeClr val="accent1"/>
-          </a:effectRef>
-          <a:fontRef idx="minor">
-            <a:schemeClr val="lt1"/>
-          </a:fontRef>
-        </p:style>
-        <p:txBody>
-          <a:bodyPr rtlCol="0" anchor="ctr"/>
-          <a:lstStyle/>
-          <a:p>
-            <a:pPr algn="ctr"/>
-            <a:endParaRPr lang="en-US"/>
-          </a:p>
-        </p:txBody>
-      </p:sp>
-      <p:sp>
-        <p:nvSpPr>
-          <p:cNvPr id="7" name="TextBox 6">
-            <a:extLst>
-              <a:ext uri="{FF2B5EF4-FFF2-40B4-BE49-F238E27FC236}">
-                <a16:creationId xmlns:a16="http://schemas.microsoft.com/office/drawing/2014/main" id="{2863C935-3C7B-49ED-B0C1-E67254445204}"/>
-              </a:ext>
-            </a:extLst>
-          </p:cNvPr>
-          <p:cNvSpPr txBox="1"/>
-          <p:nvPr/>
-        </p:nvSpPr>
-        <p:spPr>
-          <a:xfrm>
-            <a:off x="809625" y="2132727"/>
-            <a:ext cx="2647950" cy="369332"/>
-          </a:xfrm>
-          <a:prstGeom prst="rect">
-            <a:avLst/>
-          </a:prstGeom>
-          <a:noFill/>
-        </p:spPr>
-        <p:txBody>
-          <a:bodyPr wrap="square" rtlCol="0">
-            <a:spAutoFit/>
-          </a:bodyPr>
-          <a:lstStyle/>
-          <a:p>
-            <a:r>
-              <a:rPr lang="en-US" dirty="0"/>
-              <a:t>Training / t-1</a:t>
-            </a:r>
-          </a:p>
-        </p:txBody>
-      </p:sp>
-    </p:spTree>
-    <p:extLst>
-      <p:ext uri="{BB962C8B-B14F-4D97-AF65-F5344CB8AC3E}">
-        <p14:creationId xmlns:p14="http://schemas.microsoft.com/office/powerpoint/2010/main" val="2228194826"/>
-      </p:ext>
-    </p:extLst>
-  </p:cSld>
-  <p:clrMapOvr>
-    <a:masterClrMapping/>
-  </p:clrMapOvr>
-  <p:transition>
-    <p:fade/>
-  </p:transition>
-</p:sld>
-</file>
-
-<file path=ppt/slides/slide24.xml><?xml version="1.0" encoding="utf-8"?>
-<p:sld xmlns:a="http://schemas.openxmlformats.org/drawingml/2006/main" xmlns:r="http://schemas.openxmlformats.org/officeDocument/2006/relationships" xmlns:p="http://schemas.openxmlformats.org/presentationml/2006/main">
-  <p:cSld>
-    <p:spTree>
-      <p:nvGrpSpPr>
-        <p:cNvPr id="1" name=""/>
-        <p:cNvGrpSpPr/>
-        <p:nvPr/>
-      </p:nvGrpSpPr>
-      <p:grpSpPr>
-        <a:xfrm>
-          <a:off x="0" y="0"/>
-          <a:ext cx="0" cy="0"/>
-          <a:chOff x="0" y="0"/>
-          <a:chExt cx="0" cy="0"/>
-        </a:xfrm>
-      </p:grpSpPr>
-      <p:sp>
-        <p:nvSpPr>
-          <p:cNvPr id="2" name="Title 1">
-            <a:extLst>
-              <a:ext uri="{FF2B5EF4-FFF2-40B4-BE49-F238E27FC236}">
-                <a16:creationId xmlns:a16="http://schemas.microsoft.com/office/drawing/2014/main" id="{63B8D261-1B94-4B84-9A56-57C2C0A7CB93}"/>
-              </a:ext>
-            </a:extLst>
-          </p:cNvPr>
-          <p:cNvSpPr>
-            <a:spLocks noGrp="1"/>
-          </p:cNvSpPr>
-          <p:nvPr>
-            <p:ph type="title"/>
-          </p:nvPr>
-        </p:nvSpPr>
-        <p:spPr/>
-        <p:txBody>
-          <a:bodyPr/>
-          <a:lstStyle/>
-          <a:p>
-            <a:r>
-              <a:rPr lang="en-US" dirty="0"/>
-              <a:t>Allergy</a:t>
-            </a:r>
-          </a:p>
-        </p:txBody>
-      </p:sp>
-      <p:sp>
-        <p:nvSpPr>
-          <p:cNvPr id="3" name="Content Placeholder 2">
-            <a:extLst>
-              <a:ext uri="{FF2B5EF4-FFF2-40B4-BE49-F238E27FC236}">
-                <a16:creationId xmlns:a16="http://schemas.microsoft.com/office/drawing/2014/main" id="{F3AE3331-A856-4E92-B99D-1B3E275831F8}"/>
-              </a:ext>
-            </a:extLst>
-          </p:cNvPr>
-          <p:cNvSpPr>
-            <a:spLocks noGrp="1"/>
-          </p:cNvSpPr>
-          <p:nvPr>
-            <p:ph idx="1"/>
-          </p:nvPr>
-        </p:nvSpPr>
-        <p:spPr/>
-        <p:txBody>
-          <a:bodyPr/>
-          <a:lstStyle/>
-          <a:p>
-            <a:r>
-              <a:rPr lang="en-US" b="1" dirty="0"/>
-              <a:t>Core Idea</a:t>
-            </a:r>
-            <a:r>
-              <a:rPr lang="en-US" dirty="0"/>
-              <a:t>: Trick an automatic signature generation system (essentially malware feature extraction) into generating signatures that match normal traffic so that the normal traffic will be blocked.</a:t>
-            </a:r>
-          </a:p>
-          <a:p>
-            <a:r>
-              <a:rPr lang="en-US" dirty="0"/>
-              <a:t>This is more or less the </a:t>
-            </a:r>
-            <a:r>
-              <a:rPr lang="en-US" b="1" dirty="0"/>
-              <a:t>same thing as the correlated outlier attack</a:t>
-            </a:r>
-            <a:r>
-              <a:rPr lang="en-US" dirty="0"/>
-              <a:t>, but applied to a particular application (intrusion detection).</a:t>
-            </a:r>
-          </a:p>
-          <a:p>
-            <a:pPr lvl="1"/>
-            <a:r>
-              <a:rPr lang="en-US" dirty="0"/>
-              <a:t>There is one extra step and the attacker can’t directly control the features</a:t>
-            </a:r>
-          </a:p>
-          <a:p>
-            <a:pPr lvl="1"/>
-            <a:r>
-              <a:rPr lang="en-US" dirty="0"/>
-              <a:t>Ex. Send a large amount of network traffic that you want blocked to random IP addresses so it looks malicious</a:t>
-            </a:r>
-          </a:p>
-          <a:p>
-            <a:pPr lvl="1"/>
-            <a:r>
-              <a:rPr lang="en-US" dirty="0"/>
-              <a:t>This possibly could be categorized as an attack on feature selection</a:t>
-            </a:r>
-          </a:p>
-        </p:txBody>
-      </p:sp>
-      <p:sp>
-        <p:nvSpPr>
-          <p:cNvPr id="4" name="Rectangle 3">
-            <a:extLst>
-              <a:ext uri="{FF2B5EF4-FFF2-40B4-BE49-F238E27FC236}">
-                <a16:creationId xmlns:a16="http://schemas.microsoft.com/office/drawing/2014/main" id="{C5A89C2B-D28A-4D16-96BE-ED9096EFD343}"/>
-              </a:ext>
-            </a:extLst>
-          </p:cNvPr>
-          <p:cNvSpPr/>
-          <p:nvPr/>
-        </p:nvSpPr>
-        <p:spPr>
-          <a:xfrm>
-            <a:off x="0" y="6122292"/>
-            <a:ext cx="8905460" cy="646331"/>
-          </a:xfrm>
-          <a:prstGeom prst="rect">
-            <a:avLst/>
-          </a:prstGeom>
-        </p:spPr>
-        <p:txBody>
-          <a:bodyPr wrap="square">
-            <a:spAutoFit/>
-          </a:bodyPr>
-          <a:lstStyle/>
-          <a:p>
-            <a:r>
-              <a:rPr lang="en-US" dirty="0"/>
-              <a:t>[1]	S. Chung and A. </a:t>
-            </a:r>
-            <a:r>
-              <a:rPr lang="en-US" dirty="0" err="1"/>
-              <a:t>Mok</a:t>
-            </a:r>
-            <a:r>
-              <a:rPr lang="en-US" dirty="0"/>
-              <a:t>, “Allergy Attack Against Automatic Signature Generation,” </a:t>
-            </a:r>
-            <a:r>
-              <a:rPr lang="en-US" i="1" dirty="0"/>
-              <a:t>Recent Adv. Intrusion Detect.</a:t>
-            </a:r>
-            <a:r>
-              <a:rPr lang="en-US" dirty="0"/>
-              <a:t>, vol. 4219, pp. 61–80, 2006.</a:t>
-            </a:r>
-          </a:p>
-        </p:txBody>
-      </p:sp>
-    </p:spTree>
-    <p:extLst>
-      <p:ext uri="{BB962C8B-B14F-4D97-AF65-F5344CB8AC3E}">
-        <p14:creationId xmlns:p14="http://schemas.microsoft.com/office/powerpoint/2010/main" val="2303514863"/>
-      </p:ext>
-    </p:extLst>
-  </p:cSld>
-  <p:clrMapOvr>
-    <a:masterClrMapping/>
-  </p:clrMapOvr>
-  <p:transition>
-    <p:fade/>
-  </p:transition>
-</p:sld>
-</file>
-
-<file path=ppt/slides/slide25.xml><?xml version="1.0" encoding="utf-8"?>
-<p:sld xmlns:a="http://schemas.openxmlformats.org/drawingml/2006/main" xmlns:r="http://schemas.openxmlformats.org/officeDocument/2006/relationships" xmlns:p="http://schemas.openxmlformats.org/presentationml/2006/main">
-  <p:cSld>
-    <p:spTree>
-      <p:nvGrpSpPr>
-        <p:cNvPr id="1" name=""/>
-        <p:cNvGrpSpPr/>
-        <p:nvPr/>
-      </p:nvGrpSpPr>
-      <p:grpSpPr>
-        <a:xfrm>
-          <a:off x="0" y="0"/>
-          <a:ext cx="0" cy="0"/>
-          <a:chOff x="0" y="0"/>
-          <a:chExt cx="0" cy="0"/>
-        </a:xfrm>
-      </p:grpSpPr>
-      <p:sp>
-        <p:nvSpPr>
-          <p:cNvPr id="2" name="Title 1">
-            <a:extLst>
-              <a:ext uri="{FF2B5EF4-FFF2-40B4-BE49-F238E27FC236}">
-                <a16:creationId xmlns:a16="http://schemas.microsoft.com/office/drawing/2014/main" id="{164B5BE7-96F8-4C02-8235-5DBDB762F3EC}"/>
-              </a:ext>
-            </a:extLst>
-          </p:cNvPr>
-          <p:cNvSpPr>
-            <a:spLocks noGrp="1"/>
-          </p:cNvSpPr>
-          <p:nvPr>
-            <p:ph type="title"/>
-          </p:nvPr>
-        </p:nvSpPr>
-        <p:spPr/>
-        <p:txBody>
-          <a:bodyPr/>
-          <a:lstStyle/>
-          <a:p>
-            <a:r>
-              <a:rPr lang="en-US" dirty="0"/>
-              <a:t>Causative Privacy Attacks</a:t>
-            </a:r>
-          </a:p>
-        </p:txBody>
-      </p:sp>
-      <p:sp>
-        <p:nvSpPr>
-          <p:cNvPr id="3" name="Text Placeholder 2">
-            <a:extLst>
-              <a:ext uri="{FF2B5EF4-FFF2-40B4-BE49-F238E27FC236}">
-                <a16:creationId xmlns:a16="http://schemas.microsoft.com/office/drawing/2014/main" id="{57CB736B-15AC-4BFF-B314-77E529387124}"/>
-              </a:ext>
-            </a:extLst>
-          </p:cNvPr>
-          <p:cNvSpPr>
-            <a:spLocks noGrp="1"/>
-          </p:cNvSpPr>
-          <p:nvPr>
-            <p:ph type="body" idx="1"/>
-          </p:nvPr>
-        </p:nvSpPr>
-        <p:spPr/>
-        <p:txBody>
-          <a:bodyPr/>
-          <a:lstStyle/>
-          <a:p>
-            <a:r>
-              <a:rPr lang="en-US" dirty="0"/>
-              <a:t> ???</a:t>
-            </a:r>
-          </a:p>
-        </p:txBody>
-      </p:sp>
-    </p:spTree>
-    <p:extLst>
-      <p:ext uri="{BB962C8B-B14F-4D97-AF65-F5344CB8AC3E}">
-        <p14:creationId xmlns:p14="http://schemas.microsoft.com/office/powerpoint/2010/main" val="1599029721"/>
-      </p:ext>
-    </p:extLst>
-  </p:cSld>
-  <p:clrMapOvr>
-    <a:masterClrMapping/>
-  </p:clrMapOvr>
-  <p:transition>
-    <p:fade/>
-  </p:transition>
-</p:sld>
-</file>
-
-<file path=ppt/slides/slide26.xml><?xml version="1.0" encoding="utf-8"?>
-<p:sld xmlns:a="http://schemas.openxmlformats.org/drawingml/2006/main" xmlns:r="http://schemas.openxmlformats.org/officeDocument/2006/relationships" xmlns:p="http://schemas.openxmlformats.org/presentationml/2006/main">
-  <p:cSld>
-    <p:spTree>
-      <p:nvGrpSpPr>
-        <p:cNvPr id="1" name=""/>
-        <p:cNvGrpSpPr/>
-        <p:nvPr/>
-      </p:nvGrpSpPr>
-      <p:grpSpPr>
-        <a:xfrm>
-          <a:off x="0" y="0"/>
-          <a:ext cx="0" cy="0"/>
-          <a:chOff x="0" y="0"/>
-          <a:chExt cx="0" cy="0"/>
-        </a:xfrm>
-      </p:grpSpPr>
-      <p:sp>
-        <p:nvSpPr>
-          <p:cNvPr id="4" name="Title 3">
-            <a:extLst>
-              <a:ext uri="{FF2B5EF4-FFF2-40B4-BE49-F238E27FC236}">
-                <a16:creationId xmlns:a16="http://schemas.microsoft.com/office/drawing/2014/main" id="{73477B5B-74B1-4031-B31E-EA284C231447}"/>
-              </a:ext>
-            </a:extLst>
-          </p:cNvPr>
-          <p:cNvSpPr>
-            <a:spLocks noGrp="1"/>
-          </p:cNvSpPr>
-          <p:nvPr>
-            <p:ph type="title"/>
-          </p:nvPr>
-        </p:nvSpPr>
-        <p:spPr/>
-        <p:txBody>
-          <a:bodyPr/>
-          <a:lstStyle/>
-          <a:p>
-            <a:r>
-              <a:rPr lang="en-US" dirty="0"/>
-              <a:t>Causative Privacy Attacks</a:t>
-            </a:r>
-          </a:p>
-        </p:txBody>
-      </p:sp>
-      <p:sp>
-        <p:nvSpPr>
-          <p:cNvPr id="5" name="Content Placeholder 4">
-            <a:extLst>
-              <a:ext uri="{FF2B5EF4-FFF2-40B4-BE49-F238E27FC236}">
-                <a16:creationId xmlns:a16="http://schemas.microsoft.com/office/drawing/2014/main" id="{CF8392ED-7A64-4D14-B219-EC1E1F936DFB}"/>
-              </a:ext>
-            </a:extLst>
-          </p:cNvPr>
-          <p:cNvSpPr>
-            <a:spLocks noGrp="1"/>
-          </p:cNvSpPr>
-          <p:nvPr>
-            <p:ph idx="1"/>
-          </p:nvPr>
-        </p:nvSpPr>
-        <p:spPr/>
-        <p:txBody>
-          <a:bodyPr/>
-          <a:lstStyle/>
-          <a:p>
-            <a:r>
-              <a:rPr lang="en-US" dirty="0"/>
-              <a:t>I can find only a single reference to a causative privacy attack. They propose an idea, but no research has been done.</a:t>
-            </a:r>
-          </a:p>
-          <a:p>
-            <a:r>
-              <a:rPr lang="en-US" dirty="0"/>
-              <a:t>“A causative privacy attack, however, would require </a:t>
-            </a:r>
-            <a:r>
-              <a:rPr lang="en-US" b="1" dirty="0"/>
-              <a:t>both manipulation of the training and information obtained from the learned classifier</a:t>
-            </a:r>
-            <a:r>
-              <a:rPr lang="en-US" dirty="0"/>
-              <a:t>. The attacker could inject malicious PDFs with features identifying a particular author and then subsequently test if other PDFs with those features were labeled as malicious; this observed behavior may leak private information about the authors of other PDFs in the training set.” [1]</a:t>
-            </a:r>
-          </a:p>
-        </p:txBody>
-      </p:sp>
-      <p:sp>
-        <p:nvSpPr>
-          <p:cNvPr id="6" name="Rectangle 5">
-            <a:extLst>
-              <a:ext uri="{FF2B5EF4-FFF2-40B4-BE49-F238E27FC236}">
-                <a16:creationId xmlns:a16="http://schemas.microsoft.com/office/drawing/2014/main" id="{51642296-9AC3-46FC-9639-AC45E5F090FE}"/>
-              </a:ext>
-            </a:extLst>
-          </p:cNvPr>
-          <p:cNvSpPr/>
-          <p:nvPr/>
-        </p:nvSpPr>
-        <p:spPr>
-          <a:xfrm>
-            <a:off x="0" y="6122292"/>
-            <a:ext cx="8905460" cy="646331"/>
-          </a:xfrm>
-          <a:prstGeom prst="rect">
-            <a:avLst/>
-          </a:prstGeom>
-        </p:spPr>
-        <p:txBody>
-          <a:bodyPr wrap="square">
-            <a:spAutoFit/>
-          </a:bodyPr>
-          <a:lstStyle/>
-          <a:p>
-            <a:r>
-              <a:rPr lang="en-US" dirty="0"/>
-              <a:t>[1]	S. Chung and A. </a:t>
-            </a:r>
-            <a:r>
-              <a:rPr lang="en-US" dirty="0" err="1"/>
-              <a:t>Mok</a:t>
-            </a:r>
-            <a:r>
-              <a:rPr lang="en-US" dirty="0"/>
-              <a:t>, “Allergy Attack Against Automatic Signature Generation,” </a:t>
-            </a:r>
-            <a:r>
-              <a:rPr lang="en-US" i="1" dirty="0"/>
-              <a:t>Recent Adv. Intrusion Detect.</a:t>
-            </a:r>
-            <a:r>
-              <a:rPr lang="en-US" dirty="0"/>
-              <a:t>, vol. 4219, pp. 61–80, 2006.</a:t>
-            </a:r>
-          </a:p>
-        </p:txBody>
-      </p:sp>
-    </p:spTree>
-    <p:extLst>
-      <p:ext uri="{BB962C8B-B14F-4D97-AF65-F5344CB8AC3E}">
-        <p14:creationId xmlns:p14="http://schemas.microsoft.com/office/powerpoint/2010/main" val="1669121769"/>
-      </p:ext>
-    </p:extLst>
-  </p:cSld>
-  <p:clrMapOvr>
-    <a:masterClrMapping/>
-  </p:clrMapOvr>
-  <p:transition>
-    <p:fade/>
-  </p:transition>
-</p:sld>
-</file>
-
-<file path=ppt/slides/slide27.xml><?xml version="1.0" encoding="utf-8"?>
-<p:sld xmlns:a="http://schemas.openxmlformats.org/drawingml/2006/main" xmlns:r="http://schemas.openxmlformats.org/officeDocument/2006/relationships" xmlns:p="http://schemas.openxmlformats.org/presentationml/2006/main">
-  <p:cSld>
-    <p:spTree>
-      <p:nvGrpSpPr>
-        <p:cNvPr id="1" name=""/>
-        <p:cNvGrpSpPr/>
-        <p:nvPr/>
-      </p:nvGrpSpPr>
-      <p:grpSpPr>
-        <a:xfrm>
-          <a:off x="0" y="0"/>
-          <a:ext cx="0" cy="0"/>
-          <a:chOff x="0" y="0"/>
-          <a:chExt cx="0" cy="0"/>
-        </a:xfrm>
-      </p:grpSpPr>
-      <p:sp>
-        <p:nvSpPr>
-          <p:cNvPr id="2" name="Title 1">
-            <a:extLst>
-              <a:ext uri="{FF2B5EF4-FFF2-40B4-BE49-F238E27FC236}">
-                <a16:creationId xmlns:a16="http://schemas.microsoft.com/office/drawing/2014/main" id="{F3352D96-2747-4B2F-A00B-79A82F84EDF8}"/>
-              </a:ext>
-            </a:extLst>
-          </p:cNvPr>
-          <p:cNvSpPr>
-            <a:spLocks noGrp="1"/>
-          </p:cNvSpPr>
-          <p:nvPr>
-            <p:ph type="title"/>
-          </p:nvPr>
-        </p:nvSpPr>
-        <p:spPr/>
-        <p:txBody>
-          <a:bodyPr/>
-          <a:lstStyle/>
-          <a:p>
-            <a:r>
-              <a:rPr lang="en-US" dirty="0"/>
-              <a:t>Exploratory Integrity Attacks</a:t>
-            </a:r>
-          </a:p>
-        </p:txBody>
-      </p:sp>
-      <p:sp>
-        <p:nvSpPr>
-          <p:cNvPr id="3" name="Text Placeholder 2">
-            <a:extLst>
-              <a:ext uri="{FF2B5EF4-FFF2-40B4-BE49-F238E27FC236}">
-                <a16:creationId xmlns:a16="http://schemas.microsoft.com/office/drawing/2014/main" id="{FD0B9F42-3B56-48CF-93FE-0432E25AC57E}"/>
-              </a:ext>
-            </a:extLst>
-          </p:cNvPr>
-          <p:cNvSpPr>
-            <a:spLocks noGrp="1"/>
-          </p:cNvSpPr>
-          <p:nvPr>
-            <p:ph type="body" idx="1"/>
-          </p:nvPr>
-        </p:nvSpPr>
-        <p:spPr/>
-        <p:txBody>
-          <a:bodyPr/>
-          <a:lstStyle/>
-          <a:p>
-            <a:r>
-              <a:rPr lang="en-US" dirty="0"/>
-              <a:t> Polymorphic Blending</a:t>
-            </a:r>
-          </a:p>
-          <a:p>
-            <a:r>
-              <a:rPr lang="en-US" dirty="0"/>
-              <a:t> Good Word</a:t>
-            </a:r>
-          </a:p>
-          <a:p>
-            <a:r>
-              <a:rPr lang="en-US" dirty="0"/>
-              <a:t> Reverse Engineering Classifiers</a:t>
-            </a:r>
-          </a:p>
-        </p:txBody>
-      </p:sp>
-    </p:spTree>
-    <p:extLst>
-      <p:ext uri="{BB962C8B-B14F-4D97-AF65-F5344CB8AC3E}">
-        <p14:creationId xmlns:p14="http://schemas.microsoft.com/office/powerpoint/2010/main" val="3127651779"/>
-      </p:ext>
-    </p:extLst>
-  </p:cSld>
-  <p:clrMapOvr>
-    <a:masterClrMapping/>
-  </p:clrMapOvr>
-  <p:transition>
-    <p:fade/>
-  </p:transition>
-</p:sld>
-</file>
-
-<file path=ppt/slides/slide28.xml><?xml version="1.0" encoding="utf-8"?>
-<p:sld xmlns:a="http://schemas.openxmlformats.org/drawingml/2006/main" xmlns:r="http://schemas.openxmlformats.org/officeDocument/2006/relationships" xmlns:p="http://schemas.openxmlformats.org/presentationml/2006/main">
-  <p:cSld>
-    <p:spTree>
-      <p:nvGrpSpPr>
-        <p:cNvPr id="1" name=""/>
-        <p:cNvGrpSpPr/>
-        <p:nvPr/>
-      </p:nvGrpSpPr>
-      <p:grpSpPr>
-        <a:xfrm>
-          <a:off x="0" y="0"/>
-          <a:ext cx="0" cy="0"/>
-          <a:chOff x="0" y="0"/>
-          <a:chExt cx="0" cy="0"/>
-        </a:xfrm>
-      </p:grpSpPr>
-      <p:sp>
-        <p:nvSpPr>
-          <p:cNvPr id="4" name="Title 3">
-            <a:extLst>
-              <a:ext uri="{FF2B5EF4-FFF2-40B4-BE49-F238E27FC236}">
-                <a16:creationId xmlns:a16="http://schemas.microsoft.com/office/drawing/2014/main" id="{003C7CE6-B348-4A16-A3CC-6AAEAF0DBBE6}"/>
-              </a:ext>
-            </a:extLst>
-          </p:cNvPr>
-          <p:cNvSpPr>
-            <a:spLocks noGrp="1"/>
-          </p:cNvSpPr>
-          <p:nvPr>
-            <p:ph type="title"/>
-          </p:nvPr>
-        </p:nvSpPr>
-        <p:spPr/>
-        <p:txBody>
-          <a:bodyPr/>
-          <a:lstStyle/>
-          <a:p>
-            <a:r>
-              <a:rPr lang="en-US" dirty="0"/>
-              <a:t>Polymorphic Blending</a:t>
-            </a:r>
-          </a:p>
-        </p:txBody>
-      </p:sp>
-      <p:sp>
-        <p:nvSpPr>
-          <p:cNvPr id="5" name="Content Placeholder 4">
-            <a:extLst>
-              <a:ext uri="{FF2B5EF4-FFF2-40B4-BE49-F238E27FC236}">
-                <a16:creationId xmlns:a16="http://schemas.microsoft.com/office/drawing/2014/main" id="{7E90EB2B-F29C-4355-B828-FB6E6C4406DE}"/>
-              </a:ext>
-            </a:extLst>
-          </p:cNvPr>
-          <p:cNvSpPr>
-            <a:spLocks noGrp="1"/>
-          </p:cNvSpPr>
-          <p:nvPr>
-            <p:ph idx="1"/>
-          </p:nvPr>
-        </p:nvSpPr>
-        <p:spPr/>
-        <p:txBody>
-          <a:bodyPr/>
-          <a:lstStyle/>
-          <a:p>
-            <a:r>
-              <a:rPr lang="en-US" b="1" dirty="0"/>
-              <a:t>Core Idea</a:t>
-            </a:r>
-            <a:r>
-              <a:rPr lang="en-US" dirty="0"/>
-              <a:t>: Encrypt attack traffic so that it appears statistically identical to normal traffic.</a:t>
-            </a:r>
-          </a:p>
-          <a:p>
-            <a:r>
-              <a:rPr lang="en-US" dirty="0"/>
-              <a:t>This is fairly specific to malware.</a:t>
-            </a:r>
-          </a:p>
-          <a:p>
-            <a:r>
-              <a:rPr lang="en-US" dirty="0"/>
-              <a:t>“After learning the normal profile, the adversary creates a new attack instance and encrypts (and blends) it to match the normal profile. A straightforward byte substitution scheme followed by padding can be used for encryption.” [1]</a:t>
-            </a:r>
-          </a:p>
-        </p:txBody>
-      </p:sp>
-      <p:sp>
-        <p:nvSpPr>
-          <p:cNvPr id="7" name="Rectangle 6">
-            <a:extLst>
-              <a:ext uri="{FF2B5EF4-FFF2-40B4-BE49-F238E27FC236}">
-                <a16:creationId xmlns:a16="http://schemas.microsoft.com/office/drawing/2014/main" id="{A13F350A-3154-463A-8999-FBC9D4ED0636}"/>
-              </a:ext>
-            </a:extLst>
-          </p:cNvPr>
-          <p:cNvSpPr/>
-          <p:nvPr/>
-        </p:nvSpPr>
-        <p:spPr>
-          <a:xfrm>
-            <a:off x="0" y="6122292"/>
-            <a:ext cx="8905460" cy="646331"/>
-          </a:xfrm>
-          <a:prstGeom prst="rect">
-            <a:avLst/>
-          </a:prstGeom>
-        </p:spPr>
-        <p:txBody>
-          <a:bodyPr wrap="square">
-            <a:spAutoFit/>
-          </a:bodyPr>
-          <a:lstStyle/>
-          <a:p>
-            <a:r>
-              <a:rPr lang="en-US" dirty="0"/>
-              <a:t>[1]	P. </a:t>
-            </a:r>
-            <a:r>
-              <a:rPr lang="en-US" dirty="0" err="1"/>
-              <a:t>Fogla</a:t>
-            </a:r>
-            <a:r>
-              <a:rPr lang="en-US" dirty="0"/>
-              <a:t>, M. Sharif, R. </a:t>
-            </a:r>
-            <a:r>
-              <a:rPr lang="en-US" dirty="0" err="1"/>
-              <a:t>Perdisci</a:t>
-            </a:r>
-            <a:r>
-              <a:rPr lang="en-US" dirty="0"/>
-              <a:t>, O. </a:t>
-            </a:r>
-            <a:r>
-              <a:rPr lang="en-US" dirty="0" err="1"/>
-              <a:t>Kolesnikov</a:t>
-            </a:r>
-            <a:r>
-              <a:rPr lang="en-US" dirty="0"/>
-              <a:t>, and W. Lee, “Polymorphic Blending Attacks,” </a:t>
-            </a:r>
-            <a:r>
-              <a:rPr lang="en-US" i="1" dirty="0"/>
-              <a:t>15th USENIX </a:t>
-            </a:r>
-            <a:r>
-              <a:rPr lang="en-US" i="1" dirty="0" err="1"/>
-              <a:t>Secur</a:t>
-            </a:r>
-            <a:r>
-              <a:rPr lang="en-US" i="1" dirty="0"/>
-              <a:t>. </a:t>
-            </a:r>
-            <a:r>
-              <a:rPr lang="en-US" i="1" dirty="0" err="1"/>
-              <a:t>Symp</a:t>
-            </a:r>
-            <a:r>
-              <a:rPr lang="en-US" i="1" dirty="0"/>
-              <a:t>.</a:t>
-            </a:r>
-            <a:r>
-              <a:rPr lang="en-US" dirty="0"/>
-              <a:t>, pp. 241–256, 2006.</a:t>
-            </a:r>
-          </a:p>
-        </p:txBody>
-      </p:sp>
-    </p:spTree>
-    <p:extLst>
-      <p:ext uri="{BB962C8B-B14F-4D97-AF65-F5344CB8AC3E}">
-        <p14:creationId xmlns:p14="http://schemas.microsoft.com/office/powerpoint/2010/main" val="2371412473"/>
-      </p:ext>
-    </p:extLst>
-  </p:cSld>
-  <p:clrMapOvr>
-    <a:masterClrMapping/>
-  </p:clrMapOvr>
-  <p:transition>
-    <p:fade/>
-  </p:transition>
-</p:sld>
-</file>
-
-<file path=ppt/slides/slide29.xml><?xml version="1.0" encoding="utf-8"?>
-<p:sld xmlns:a="http://schemas.openxmlformats.org/drawingml/2006/main" xmlns:r="http://schemas.openxmlformats.org/officeDocument/2006/relationships" xmlns:p="http://schemas.openxmlformats.org/presentationml/2006/main">
-  <p:cSld>
-    <p:spTree>
-      <p:nvGrpSpPr>
-        <p:cNvPr id="1" name=""/>
-        <p:cNvGrpSpPr/>
-        <p:nvPr/>
-      </p:nvGrpSpPr>
-      <p:grpSpPr>
-        <a:xfrm>
-          <a:off x="0" y="0"/>
-          <a:ext cx="0" cy="0"/>
-          <a:chOff x="0" y="0"/>
-          <a:chExt cx="0" cy="0"/>
-        </a:xfrm>
-      </p:grpSpPr>
-      <p:sp>
-        <p:nvSpPr>
-          <p:cNvPr id="2" name="Title 1">
-            <a:extLst>
-              <a:ext uri="{FF2B5EF4-FFF2-40B4-BE49-F238E27FC236}">
-                <a16:creationId xmlns:a16="http://schemas.microsoft.com/office/drawing/2014/main" id="{4CB65BA9-8DD7-408F-8C7F-D304DD84595A}"/>
-              </a:ext>
-            </a:extLst>
-          </p:cNvPr>
-          <p:cNvSpPr>
-            <a:spLocks noGrp="1"/>
-          </p:cNvSpPr>
-          <p:nvPr>
-            <p:ph type="title"/>
-          </p:nvPr>
-        </p:nvSpPr>
-        <p:spPr/>
-        <p:txBody>
-          <a:bodyPr/>
-          <a:lstStyle/>
-          <a:p>
-            <a:r>
-              <a:rPr lang="en-US" dirty="0"/>
-              <a:t>Good Word</a:t>
-            </a:r>
-          </a:p>
-        </p:txBody>
-      </p:sp>
-      <p:sp>
-        <p:nvSpPr>
-          <p:cNvPr id="3" name="Content Placeholder 2">
-            <a:extLst>
-              <a:ext uri="{FF2B5EF4-FFF2-40B4-BE49-F238E27FC236}">
-                <a16:creationId xmlns:a16="http://schemas.microsoft.com/office/drawing/2014/main" id="{47FF5C3E-A215-46F9-94C3-8D89D536085D}"/>
-              </a:ext>
-            </a:extLst>
-          </p:cNvPr>
-          <p:cNvSpPr>
-            <a:spLocks noGrp="1"/>
-          </p:cNvSpPr>
-          <p:nvPr>
-            <p:ph idx="1"/>
-          </p:nvPr>
-        </p:nvSpPr>
-        <p:spPr/>
-        <p:txBody>
-          <a:bodyPr/>
-          <a:lstStyle/>
-          <a:p>
-            <a:r>
-              <a:rPr lang="en-US" b="1" dirty="0"/>
-              <a:t>Core Idea</a:t>
-            </a:r>
-            <a:r>
-              <a:rPr lang="en-US" dirty="0"/>
-              <a:t>: Add features indicative of ham emails to spam emails.</a:t>
-            </a:r>
-          </a:p>
-        </p:txBody>
-      </p:sp>
-      <p:sp>
-        <p:nvSpPr>
-          <p:cNvPr id="4" name="Rectangle 3">
-            <a:extLst>
-              <a:ext uri="{FF2B5EF4-FFF2-40B4-BE49-F238E27FC236}">
-                <a16:creationId xmlns:a16="http://schemas.microsoft.com/office/drawing/2014/main" id="{830052FE-6394-4C97-B792-11112671C95C}"/>
-              </a:ext>
-            </a:extLst>
-          </p:cNvPr>
-          <p:cNvSpPr/>
-          <p:nvPr/>
-        </p:nvSpPr>
-        <p:spPr>
-          <a:xfrm>
-            <a:off x="0" y="6122292"/>
-            <a:ext cx="8905460" cy="646331"/>
-          </a:xfrm>
-          <a:prstGeom prst="rect">
-            <a:avLst/>
-          </a:prstGeom>
-        </p:spPr>
-        <p:txBody>
-          <a:bodyPr wrap="square">
-            <a:spAutoFit/>
-          </a:bodyPr>
-          <a:lstStyle/>
-          <a:p>
-            <a:r>
-              <a:rPr lang="en-US" dirty="0"/>
-              <a:t>[1]	D. Lowd and C. Meek, “Good Word Attacks on Statistical Spam Filters,” in </a:t>
-            </a:r>
-            <a:r>
-              <a:rPr lang="en-US" i="1" dirty="0"/>
-              <a:t>Conference on email and anti-spam</a:t>
-            </a:r>
-            <a:r>
-              <a:rPr lang="en-US" dirty="0"/>
-              <a:t>, 2005.</a:t>
-            </a:r>
-          </a:p>
-        </p:txBody>
-      </p:sp>
-      <p:graphicFrame>
-        <p:nvGraphicFramePr>
-          <p:cNvPr id="6" name="Table 5">
-            <a:extLst>
-              <a:ext uri="{FF2B5EF4-FFF2-40B4-BE49-F238E27FC236}">
-                <a16:creationId xmlns:a16="http://schemas.microsoft.com/office/drawing/2014/main" id="{50A75691-B089-4696-96D0-9A14D3E57946}"/>
-              </a:ext>
-            </a:extLst>
-          </p:cNvPr>
-          <p:cNvGraphicFramePr>
-            <a:graphicFrameLocks noGrp="1"/>
-          </p:cNvGraphicFramePr>
-          <p:nvPr>
-            <p:extLst>
-              <p:ext uri="{D42A27DB-BD31-4B8C-83A1-F6EECF244321}">
-                <p14:modId xmlns:p14="http://schemas.microsoft.com/office/powerpoint/2010/main" val="3653805599"/>
-              </p:ext>
-            </p:extLst>
-          </p:nvPr>
-        </p:nvGraphicFramePr>
-        <p:xfrm>
-          <a:off x="2733675" y="2875676"/>
-          <a:ext cx="3133726" cy="2194560"/>
-        </p:xfrm>
-        <a:graphic>
-          <a:graphicData uri="http://schemas.openxmlformats.org/drawingml/2006/table">
-            <a:tbl>
-              <a:tblPr firstRow="1" bandRow="1">
-                <a:tableStyleId>{5C22544A-7EE6-4342-B048-85BDC9FD1C3A}</a:tableStyleId>
-              </a:tblPr>
-              <a:tblGrid>
-                <a:gridCol w="1566863">
-                  <a:extLst>
-                    <a:ext uri="{9D8B030D-6E8A-4147-A177-3AD203B41FA5}">
-                      <a16:colId xmlns:a16="http://schemas.microsoft.com/office/drawing/2014/main" val="1342520835"/>
-                    </a:ext>
-                  </a:extLst>
-                </a:gridCol>
-                <a:gridCol w="1566863">
-                  <a:extLst>
-                    <a:ext uri="{9D8B030D-6E8A-4147-A177-3AD203B41FA5}">
-                      <a16:colId xmlns:a16="http://schemas.microsoft.com/office/drawing/2014/main" val="3488587028"/>
-                    </a:ext>
-                  </a:extLst>
-                </a:gridCol>
-              </a:tblGrid>
-              <a:tr h="358051">
-                <a:tc>
-                  <a:txBody>
-                    <a:bodyPr/>
-                    <a:lstStyle/>
-                    <a:p>
-                      <a:r>
-                        <a:rPr lang="en-US" dirty="0">
-                          <a:solidFill>
-                            <a:schemeClr val="accent4">
-                              <a:lumMod val="60000"/>
-                              <a:lumOff val="40000"/>
-                            </a:schemeClr>
-                          </a:solidFill>
-                        </a:rPr>
-                        <a:t>Spam</a:t>
-                      </a:r>
-                    </a:p>
-                  </a:txBody>
-                  <a:tcPr/>
-                </a:tc>
-                <a:tc>
-                  <a:txBody>
-                    <a:bodyPr/>
-                    <a:lstStyle/>
-                    <a:p>
-                      <a:r>
-                        <a:rPr kumimoji="0" lang="en-US" b="1" kern="1200" dirty="0">
-                          <a:solidFill>
-                            <a:schemeClr val="accent4">
-                              <a:lumMod val="60000"/>
-                              <a:lumOff val="40000"/>
-                            </a:schemeClr>
-                          </a:solidFill>
-                          <a:latin typeface="+mn-lt"/>
-                          <a:ea typeface="+mn-ea"/>
-                          <a:cs typeface="+mn-cs"/>
-                        </a:rPr>
-                        <a:t>Ham</a:t>
-                      </a:r>
-                    </a:p>
-                  </a:txBody>
-                  <a:tcPr/>
-                </a:tc>
-                <a:extLst>
-                  <a:ext uri="{0D108BD9-81ED-4DB2-BD59-A6C34878D82A}">
-                    <a16:rowId xmlns:a16="http://schemas.microsoft.com/office/drawing/2014/main" val="2295510530"/>
-                  </a:ext>
-                </a:extLst>
-              </a:tr>
-              <a:tr h="358051">
-                <a:tc>
-                  <a:txBody>
-                    <a:bodyPr/>
-                    <a:lstStyle/>
-                    <a:p>
-                      <a:r>
-                        <a:rPr lang="en-US" dirty="0"/>
-                        <a:t>Hello</a:t>
-                      </a:r>
-                    </a:p>
-                  </a:txBody>
-                  <a:tcPr/>
-                </a:tc>
-                <a:tc>
-                  <a:txBody>
-                    <a:bodyPr/>
-                    <a:lstStyle/>
-                    <a:p>
-                      <a:r>
-                        <a:rPr lang="en-US" dirty="0"/>
-                        <a:t>Conference</a:t>
-                      </a:r>
-                    </a:p>
-                  </a:txBody>
-                  <a:tcPr/>
-                </a:tc>
-                <a:extLst>
-                  <a:ext uri="{0D108BD9-81ED-4DB2-BD59-A6C34878D82A}">
-                    <a16:rowId xmlns:a16="http://schemas.microsoft.com/office/drawing/2014/main" val="3572382433"/>
-                  </a:ext>
-                </a:extLst>
-              </a:tr>
-              <a:tr h="358051">
-                <a:tc>
-                  <a:txBody>
-                    <a:bodyPr/>
-                    <a:lstStyle/>
-                    <a:p>
-                      <a:r>
-                        <a:rPr lang="en-US" dirty="0"/>
-                        <a:t>Viagra</a:t>
-                      </a:r>
-                    </a:p>
-                  </a:txBody>
-                  <a:tcPr/>
-                </a:tc>
-                <a:tc>
-                  <a:txBody>
-                    <a:bodyPr/>
-                    <a:lstStyle/>
-                    <a:p>
-                      <a:r>
-                        <a:rPr lang="en-US" dirty="0"/>
-                        <a:t>Grant</a:t>
-                      </a:r>
-                    </a:p>
-                  </a:txBody>
-                  <a:tcPr/>
-                </a:tc>
-                <a:extLst>
-                  <a:ext uri="{0D108BD9-81ED-4DB2-BD59-A6C34878D82A}">
-                    <a16:rowId xmlns:a16="http://schemas.microsoft.com/office/drawing/2014/main" val="4031925902"/>
-                  </a:ext>
-                </a:extLst>
-              </a:tr>
-              <a:tr h="358051">
-                <a:tc>
-                  <a:txBody>
-                    <a:bodyPr/>
-                    <a:lstStyle/>
-                    <a:p>
-                      <a:r>
-                        <a:rPr lang="en-US" dirty="0"/>
-                        <a:t>Nigeria</a:t>
-                      </a:r>
-                    </a:p>
-                  </a:txBody>
-                  <a:tcPr/>
-                </a:tc>
-                <a:tc>
-                  <a:txBody>
-                    <a:bodyPr/>
-                    <a:lstStyle/>
-                    <a:p>
-                      <a:r>
-                        <a:rPr lang="en-US" dirty="0"/>
-                        <a:t>Hello</a:t>
-                      </a:r>
-                    </a:p>
-                  </a:txBody>
-                  <a:tcPr/>
-                </a:tc>
-                <a:extLst>
-                  <a:ext uri="{0D108BD9-81ED-4DB2-BD59-A6C34878D82A}">
-                    <a16:rowId xmlns:a16="http://schemas.microsoft.com/office/drawing/2014/main" val="3479661297"/>
-                  </a:ext>
-                </a:extLst>
-              </a:tr>
-              <a:tr h="358051">
-                <a:tc>
-                  <a:txBody>
-                    <a:bodyPr/>
-                    <a:lstStyle/>
-                    <a:p>
-                      <a:r>
-                        <a:rPr lang="en-US" dirty="0"/>
-                        <a:t>Conference</a:t>
-                      </a:r>
-                    </a:p>
-                  </a:txBody>
-                  <a:tcPr/>
-                </a:tc>
-                <a:tc>
-                  <a:txBody>
-                    <a:bodyPr/>
-                    <a:lstStyle/>
-                    <a:p>
-                      <a:endParaRPr lang="en-US" dirty="0"/>
-                    </a:p>
-                  </a:txBody>
-                  <a:tcPr/>
-                </a:tc>
-                <a:extLst>
-                  <a:ext uri="{0D108BD9-81ED-4DB2-BD59-A6C34878D82A}">
-                    <a16:rowId xmlns:a16="http://schemas.microsoft.com/office/drawing/2014/main" val="1676244934"/>
-                  </a:ext>
-                </a:extLst>
-              </a:tr>
-              <a:tr h="358051">
-                <a:tc>
-                  <a:txBody>
-                    <a:bodyPr/>
-                    <a:lstStyle/>
-                    <a:p>
-                      <a:r>
-                        <a:rPr lang="en-US" dirty="0"/>
-                        <a:t>Grant</a:t>
-                      </a:r>
-                    </a:p>
-                  </a:txBody>
-                  <a:tcPr/>
-                </a:tc>
-                <a:tc>
-                  <a:txBody>
-                    <a:bodyPr/>
-                    <a:lstStyle/>
-                    <a:p>
-                      <a:endParaRPr lang="en-US" dirty="0"/>
-                    </a:p>
-                  </a:txBody>
-                  <a:tcPr/>
-                </a:tc>
-                <a:extLst>
-                  <a:ext uri="{0D108BD9-81ED-4DB2-BD59-A6C34878D82A}">
-                    <a16:rowId xmlns:a16="http://schemas.microsoft.com/office/drawing/2014/main" val="3918305827"/>
-                  </a:ext>
-                </a:extLst>
-              </a:tr>
-            </a:tbl>
-          </a:graphicData>
-        </a:graphic>
-      </p:graphicFrame>
-      <p:sp>
-        <p:nvSpPr>
-          <p:cNvPr id="9" name="TextBox 8">
-            <a:extLst>
-              <a:ext uri="{FF2B5EF4-FFF2-40B4-BE49-F238E27FC236}">
-                <a16:creationId xmlns:a16="http://schemas.microsoft.com/office/drawing/2014/main" id="{D25503FA-F357-44F5-8BC7-921794D6A43A}"/>
-              </a:ext>
-            </a:extLst>
-          </p:cNvPr>
-          <p:cNvSpPr txBox="1"/>
-          <p:nvPr/>
-        </p:nvSpPr>
-        <p:spPr>
-          <a:xfrm>
-            <a:off x="2733675" y="2450962"/>
-            <a:ext cx="2647950" cy="369332"/>
-          </a:xfrm>
-          <a:prstGeom prst="rect">
-            <a:avLst/>
-          </a:prstGeom>
-          <a:noFill/>
-        </p:spPr>
-        <p:txBody>
-          <a:bodyPr wrap="square" rtlCol="0">
-            <a:spAutoFit/>
-          </a:bodyPr>
-          <a:lstStyle/>
-          <a:p>
-            <a:r>
-              <a:rPr lang="en-US" dirty="0"/>
-              <a:t>Testing / t</a:t>
-            </a:r>
-          </a:p>
-        </p:txBody>
-      </p:sp>
-    </p:spTree>
-    <p:extLst>
-      <p:ext uri="{BB962C8B-B14F-4D97-AF65-F5344CB8AC3E}">
-        <p14:creationId xmlns:p14="http://schemas.microsoft.com/office/powerpoint/2010/main" val="4184919581"/>
       </p:ext>
     </p:extLst>
   </p:cSld>
@@ -10895,2851 +7691,6 @@
 </p:sld>
 </file>
 
-<file path=ppt/slides/slide30.xml><?xml version="1.0" encoding="utf-8"?>
-<p:sld xmlns:a="http://schemas.openxmlformats.org/drawingml/2006/main" xmlns:r="http://schemas.openxmlformats.org/officeDocument/2006/relationships" xmlns:p="http://schemas.openxmlformats.org/presentationml/2006/main">
-  <p:cSld>
-    <p:spTree>
-      <p:nvGrpSpPr>
-        <p:cNvPr id="1" name=""/>
-        <p:cNvGrpSpPr/>
-        <p:nvPr/>
-      </p:nvGrpSpPr>
-      <p:grpSpPr>
-        <a:xfrm>
-          <a:off x="0" y="0"/>
-          <a:ext cx="0" cy="0"/>
-          <a:chOff x="0" y="0"/>
-          <a:chExt cx="0" cy="0"/>
-        </a:xfrm>
-      </p:grpSpPr>
-      <p:sp>
-        <p:nvSpPr>
-          <p:cNvPr id="2" name="Title 1">
-            <a:extLst>
-              <a:ext uri="{FF2B5EF4-FFF2-40B4-BE49-F238E27FC236}">
-                <a16:creationId xmlns:a16="http://schemas.microsoft.com/office/drawing/2014/main" id="{929AC2C3-227D-4B3B-8117-1BD3E71C33DF}"/>
-              </a:ext>
-            </a:extLst>
-          </p:cNvPr>
-          <p:cNvSpPr>
-            <a:spLocks noGrp="1"/>
-          </p:cNvSpPr>
-          <p:nvPr>
-            <p:ph type="title"/>
-          </p:nvPr>
-        </p:nvSpPr>
-        <p:spPr/>
-        <p:txBody>
-          <a:bodyPr/>
-          <a:lstStyle/>
-          <a:p>
-            <a:r>
-              <a:rPr lang="en-US" dirty="0"/>
-              <a:t>Reverse Engineering Classifiers</a:t>
-            </a:r>
-          </a:p>
-        </p:txBody>
-      </p:sp>
-      <p:sp>
-        <p:nvSpPr>
-          <p:cNvPr id="3" name="Content Placeholder 2">
-            <a:extLst>
-              <a:ext uri="{FF2B5EF4-FFF2-40B4-BE49-F238E27FC236}">
-                <a16:creationId xmlns:a16="http://schemas.microsoft.com/office/drawing/2014/main" id="{C10157A8-A0F0-48AB-98EB-4E9805E9A88B}"/>
-              </a:ext>
-            </a:extLst>
-          </p:cNvPr>
-          <p:cNvSpPr>
-            <a:spLocks noGrp="1"/>
-          </p:cNvSpPr>
-          <p:nvPr>
-            <p:ph idx="1"/>
-          </p:nvPr>
-        </p:nvSpPr>
-        <p:spPr/>
-        <p:txBody>
-          <a:bodyPr/>
-          <a:lstStyle/>
-          <a:p>
-            <a:r>
-              <a:rPr lang="en-US" b="1" dirty="0"/>
-              <a:t>Core Idea</a:t>
-            </a:r>
-            <a:r>
-              <a:rPr lang="en-US" dirty="0"/>
-              <a:t>: Determine the lowest cost instance put into the desired class by learning the classifier parameters through querying the classifier.</a:t>
-            </a:r>
-          </a:p>
-        </p:txBody>
-      </p:sp>
-      <p:sp>
-        <p:nvSpPr>
-          <p:cNvPr id="4" name="Rectangle 3">
-            <a:extLst>
-              <a:ext uri="{FF2B5EF4-FFF2-40B4-BE49-F238E27FC236}">
-                <a16:creationId xmlns:a16="http://schemas.microsoft.com/office/drawing/2014/main" id="{3BBE6C98-FB8B-49EC-9C4E-20D9C49C920B}"/>
-              </a:ext>
-            </a:extLst>
-          </p:cNvPr>
-          <p:cNvSpPr/>
-          <p:nvPr/>
-        </p:nvSpPr>
-        <p:spPr>
-          <a:xfrm>
-            <a:off x="0" y="6122292"/>
-            <a:ext cx="8905460" cy="646331"/>
-          </a:xfrm>
-          <a:prstGeom prst="rect">
-            <a:avLst/>
-          </a:prstGeom>
-        </p:spPr>
-        <p:txBody>
-          <a:bodyPr wrap="square">
-            <a:spAutoFit/>
-          </a:bodyPr>
-          <a:lstStyle/>
-          <a:p>
-            <a:r>
-              <a:rPr lang="en-US" dirty="0"/>
-              <a:t>[1]	D. Lowd and C. Meek, “Adversarial learning,” </a:t>
-            </a:r>
-            <a:r>
-              <a:rPr lang="en-US" i="1" dirty="0"/>
-              <a:t>Proceeding Elev. ACM SIGKDD Int. Conf. </a:t>
-            </a:r>
-            <a:r>
-              <a:rPr lang="en-US" i="1" dirty="0" err="1"/>
-              <a:t>Knowl</a:t>
-            </a:r>
-            <a:r>
-              <a:rPr lang="en-US" i="1" dirty="0"/>
-              <a:t>. </a:t>
-            </a:r>
-            <a:r>
-              <a:rPr lang="en-US" i="1" dirty="0" err="1"/>
-              <a:t>Discov</a:t>
-            </a:r>
-            <a:r>
-              <a:rPr lang="en-US" i="1" dirty="0"/>
-              <a:t>. data Min. - KDD ’05</a:t>
-            </a:r>
-            <a:r>
-              <a:rPr lang="en-US" dirty="0"/>
-              <a:t>, no. January, p. 641, 2005.</a:t>
-            </a:r>
-          </a:p>
-        </p:txBody>
-      </p:sp>
-      <p:sp>
-        <p:nvSpPr>
-          <p:cNvPr id="5" name="Oval 4">
-            <a:extLst>
-              <a:ext uri="{FF2B5EF4-FFF2-40B4-BE49-F238E27FC236}">
-                <a16:creationId xmlns:a16="http://schemas.microsoft.com/office/drawing/2014/main" id="{FD34C90A-26D1-4F92-9FCD-1CE6F97D1294}"/>
-              </a:ext>
-            </a:extLst>
-          </p:cNvPr>
-          <p:cNvSpPr/>
-          <p:nvPr/>
-        </p:nvSpPr>
-        <p:spPr>
-          <a:xfrm>
-            <a:off x="1508923" y="2890631"/>
-            <a:ext cx="228599" cy="228599"/>
-          </a:xfrm>
-          <a:prstGeom prst="ellipse">
-            <a:avLst/>
-          </a:prstGeom>
-        </p:spPr>
-        <p:style>
-          <a:lnRef idx="2">
-            <a:schemeClr val="accent1">
-              <a:shade val="50000"/>
-            </a:schemeClr>
-          </a:lnRef>
-          <a:fillRef idx="1">
-            <a:schemeClr val="accent1"/>
-          </a:fillRef>
-          <a:effectRef idx="0">
-            <a:schemeClr val="accent1"/>
-          </a:effectRef>
-          <a:fontRef idx="minor">
-            <a:schemeClr val="lt1"/>
-          </a:fontRef>
-        </p:style>
-        <p:txBody>
-          <a:bodyPr rtlCol="0" anchor="ctr"/>
-          <a:lstStyle/>
-          <a:p>
-            <a:pPr algn="ctr"/>
-            <a:endParaRPr lang="en-US"/>
-          </a:p>
-        </p:txBody>
-      </p:sp>
-      <p:sp>
-        <p:nvSpPr>
-          <p:cNvPr id="6" name="Oval 5">
-            <a:extLst>
-              <a:ext uri="{FF2B5EF4-FFF2-40B4-BE49-F238E27FC236}">
-                <a16:creationId xmlns:a16="http://schemas.microsoft.com/office/drawing/2014/main" id="{90A3EEBF-C552-4DA2-8B44-3DBD0AB2C59C}"/>
-              </a:ext>
-            </a:extLst>
-          </p:cNvPr>
-          <p:cNvSpPr/>
-          <p:nvPr/>
-        </p:nvSpPr>
-        <p:spPr>
-          <a:xfrm>
-            <a:off x="3413615" y="3605422"/>
-            <a:ext cx="228599" cy="228599"/>
-          </a:xfrm>
-          <a:prstGeom prst="ellipse">
-            <a:avLst/>
-          </a:prstGeom>
-        </p:spPr>
-        <p:style>
-          <a:lnRef idx="2">
-            <a:schemeClr val="accent4">
-              <a:shade val="50000"/>
-            </a:schemeClr>
-          </a:lnRef>
-          <a:fillRef idx="1">
-            <a:schemeClr val="accent4"/>
-          </a:fillRef>
-          <a:effectRef idx="0">
-            <a:schemeClr val="accent4"/>
-          </a:effectRef>
-          <a:fontRef idx="minor">
-            <a:schemeClr val="lt1"/>
-          </a:fontRef>
-        </p:style>
-        <p:txBody>
-          <a:bodyPr rtlCol="0" anchor="ctr"/>
-          <a:lstStyle/>
-          <a:p>
-            <a:pPr algn="ctr"/>
-            <a:endParaRPr lang="en-US"/>
-          </a:p>
-        </p:txBody>
-      </p:sp>
-      <p:cxnSp>
-        <p:nvCxnSpPr>
-          <p:cNvPr id="8" name="Straight Connector 7">
-            <a:extLst>
-              <a:ext uri="{FF2B5EF4-FFF2-40B4-BE49-F238E27FC236}">
-                <a16:creationId xmlns:a16="http://schemas.microsoft.com/office/drawing/2014/main" id="{D856CCB2-1757-4ABE-81D2-C668ACA69C35}"/>
-              </a:ext>
-            </a:extLst>
-          </p:cNvPr>
-          <p:cNvCxnSpPr>
-            <a:cxnSpLocks/>
-          </p:cNvCxnSpPr>
-          <p:nvPr/>
-        </p:nvCxnSpPr>
-        <p:spPr>
-          <a:xfrm flipH="1">
-            <a:off x="1860273" y="2459407"/>
-            <a:ext cx="1442813" cy="3054459"/>
-          </a:xfrm>
-          <a:prstGeom prst="line">
-            <a:avLst/>
-          </a:prstGeom>
-        </p:spPr>
-        <p:style>
-          <a:lnRef idx="3">
-            <a:schemeClr val="dk1"/>
-          </a:lnRef>
-          <a:fillRef idx="0">
-            <a:schemeClr val="dk1"/>
-          </a:fillRef>
-          <a:effectRef idx="2">
-            <a:schemeClr val="dk1"/>
-          </a:effectRef>
-          <a:fontRef idx="minor">
-            <a:schemeClr val="tx1"/>
-          </a:fontRef>
-        </p:style>
-      </p:cxnSp>
-      <p:sp>
-        <p:nvSpPr>
-          <p:cNvPr id="10" name="Oval 9">
-            <a:extLst>
-              <a:ext uri="{FF2B5EF4-FFF2-40B4-BE49-F238E27FC236}">
-                <a16:creationId xmlns:a16="http://schemas.microsoft.com/office/drawing/2014/main" id="{CAE17E01-7545-47C2-9C4F-3CDA42FEBD29}"/>
-              </a:ext>
-            </a:extLst>
-          </p:cNvPr>
-          <p:cNvSpPr/>
-          <p:nvPr/>
-        </p:nvSpPr>
-        <p:spPr>
-          <a:xfrm>
-            <a:off x="1450439" y="4075032"/>
-            <a:ext cx="228599" cy="228599"/>
-          </a:xfrm>
-          <a:prstGeom prst="ellipse">
-            <a:avLst/>
-          </a:prstGeom>
-        </p:spPr>
-        <p:style>
-          <a:lnRef idx="2">
-            <a:schemeClr val="accent1">
-              <a:shade val="50000"/>
-            </a:schemeClr>
-          </a:lnRef>
-          <a:fillRef idx="1">
-            <a:schemeClr val="accent1"/>
-          </a:fillRef>
-          <a:effectRef idx="0">
-            <a:schemeClr val="accent1"/>
-          </a:effectRef>
-          <a:fontRef idx="minor">
-            <a:schemeClr val="lt1"/>
-          </a:fontRef>
-        </p:style>
-        <p:txBody>
-          <a:bodyPr rtlCol="0" anchor="ctr"/>
-          <a:lstStyle/>
-          <a:p>
-            <a:pPr algn="ctr"/>
-            <a:endParaRPr lang="en-US"/>
-          </a:p>
-        </p:txBody>
-      </p:sp>
-      <p:sp>
-        <p:nvSpPr>
-          <p:cNvPr id="11" name="Oval 10">
-            <a:extLst>
-              <a:ext uri="{FF2B5EF4-FFF2-40B4-BE49-F238E27FC236}">
-                <a16:creationId xmlns:a16="http://schemas.microsoft.com/office/drawing/2014/main" id="{74EC0D52-D923-48FE-920A-F324E74FE9FF}"/>
-              </a:ext>
-            </a:extLst>
-          </p:cNvPr>
-          <p:cNvSpPr/>
-          <p:nvPr/>
-        </p:nvSpPr>
-        <p:spPr>
-          <a:xfrm>
-            <a:off x="2515902" y="2762235"/>
-            <a:ext cx="228599" cy="228599"/>
-          </a:xfrm>
-          <a:prstGeom prst="ellipse">
-            <a:avLst/>
-          </a:prstGeom>
-        </p:spPr>
-        <p:style>
-          <a:lnRef idx="2">
-            <a:schemeClr val="accent1">
-              <a:shade val="50000"/>
-            </a:schemeClr>
-          </a:lnRef>
-          <a:fillRef idx="1">
-            <a:schemeClr val="accent1"/>
-          </a:fillRef>
-          <a:effectRef idx="0">
-            <a:schemeClr val="accent1"/>
-          </a:effectRef>
-          <a:fontRef idx="minor">
-            <a:schemeClr val="lt1"/>
-          </a:fontRef>
-        </p:style>
-        <p:txBody>
-          <a:bodyPr rtlCol="0" anchor="ctr"/>
-          <a:lstStyle/>
-          <a:p>
-            <a:pPr algn="ctr"/>
-            <a:endParaRPr lang="en-US"/>
-          </a:p>
-        </p:txBody>
-      </p:sp>
-      <p:sp>
-        <p:nvSpPr>
-          <p:cNvPr id="12" name="Oval 11">
-            <a:extLst>
-              <a:ext uri="{FF2B5EF4-FFF2-40B4-BE49-F238E27FC236}">
-                <a16:creationId xmlns:a16="http://schemas.microsoft.com/office/drawing/2014/main" id="{50EC046B-43BD-4626-9479-02F2F16B5802}"/>
-              </a:ext>
-            </a:extLst>
-          </p:cNvPr>
-          <p:cNvSpPr/>
-          <p:nvPr/>
-        </p:nvSpPr>
-        <p:spPr>
-          <a:xfrm>
-            <a:off x="3490330" y="2518832"/>
-            <a:ext cx="228599" cy="228599"/>
-          </a:xfrm>
-          <a:prstGeom prst="ellipse">
-            <a:avLst/>
-          </a:prstGeom>
-        </p:spPr>
-        <p:style>
-          <a:lnRef idx="2">
-            <a:schemeClr val="accent1">
-              <a:shade val="50000"/>
-            </a:schemeClr>
-          </a:lnRef>
-          <a:fillRef idx="1">
-            <a:schemeClr val="accent1"/>
-          </a:fillRef>
-          <a:effectRef idx="0">
-            <a:schemeClr val="accent1"/>
-          </a:effectRef>
-          <a:fontRef idx="minor">
-            <a:schemeClr val="lt1"/>
-          </a:fontRef>
-        </p:style>
-        <p:txBody>
-          <a:bodyPr rtlCol="0" anchor="ctr"/>
-          <a:lstStyle/>
-          <a:p>
-            <a:pPr algn="ctr"/>
-            <a:endParaRPr lang="en-US"/>
-          </a:p>
-        </p:txBody>
-      </p:sp>
-      <p:sp>
-        <p:nvSpPr>
-          <p:cNvPr id="13" name="Oval 12">
-            <a:extLst>
-              <a:ext uri="{FF2B5EF4-FFF2-40B4-BE49-F238E27FC236}">
-                <a16:creationId xmlns:a16="http://schemas.microsoft.com/office/drawing/2014/main" id="{0F5333A2-43BF-40EC-81B3-D36B54333AC6}"/>
-              </a:ext>
-            </a:extLst>
-          </p:cNvPr>
-          <p:cNvSpPr/>
-          <p:nvPr/>
-        </p:nvSpPr>
-        <p:spPr>
-          <a:xfrm>
-            <a:off x="1394623" y="3377745"/>
-            <a:ext cx="228599" cy="228599"/>
-          </a:xfrm>
-          <a:prstGeom prst="ellipse">
-            <a:avLst/>
-          </a:prstGeom>
-        </p:spPr>
-        <p:style>
-          <a:lnRef idx="2">
-            <a:schemeClr val="accent1">
-              <a:shade val="50000"/>
-            </a:schemeClr>
-          </a:lnRef>
-          <a:fillRef idx="1">
-            <a:schemeClr val="accent1"/>
-          </a:fillRef>
-          <a:effectRef idx="0">
-            <a:schemeClr val="accent1"/>
-          </a:effectRef>
-          <a:fontRef idx="minor">
-            <a:schemeClr val="lt1"/>
-          </a:fontRef>
-        </p:style>
-        <p:txBody>
-          <a:bodyPr rtlCol="0" anchor="ctr"/>
-          <a:lstStyle/>
-          <a:p>
-            <a:pPr algn="ctr"/>
-            <a:endParaRPr lang="en-US"/>
-          </a:p>
-        </p:txBody>
-      </p:sp>
-      <p:sp>
-        <p:nvSpPr>
-          <p:cNvPr id="15" name="Oval 14">
-            <a:extLst>
-              <a:ext uri="{FF2B5EF4-FFF2-40B4-BE49-F238E27FC236}">
-                <a16:creationId xmlns:a16="http://schemas.microsoft.com/office/drawing/2014/main" id="{3843E4E2-073D-486B-9F7F-5F8FC9DFB234}"/>
-              </a:ext>
-            </a:extLst>
-          </p:cNvPr>
-          <p:cNvSpPr/>
-          <p:nvPr/>
-        </p:nvSpPr>
-        <p:spPr>
-          <a:xfrm>
-            <a:off x="1920983" y="4602851"/>
-            <a:ext cx="228599" cy="228599"/>
-          </a:xfrm>
-          <a:prstGeom prst="ellipse">
-            <a:avLst/>
-          </a:prstGeom>
-        </p:spPr>
-        <p:style>
-          <a:lnRef idx="2">
-            <a:schemeClr val="accent1">
-              <a:shade val="50000"/>
-            </a:schemeClr>
-          </a:lnRef>
-          <a:fillRef idx="1">
-            <a:schemeClr val="accent1"/>
-          </a:fillRef>
-          <a:effectRef idx="0">
-            <a:schemeClr val="accent1"/>
-          </a:effectRef>
-          <a:fontRef idx="minor">
-            <a:schemeClr val="lt1"/>
-          </a:fontRef>
-        </p:style>
-        <p:txBody>
-          <a:bodyPr rtlCol="0" anchor="ctr"/>
-          <a:lstStyle/>
-          <a:p>
-            <a:pPr algn="ctr"/>
-            <a:endParaRPr lang="en-US"/>
-          </a:p>
-        </p:txBody>
-      </p:sp>
-      <p:sp>
-        <p:nvSpPr>
-          <p:cNvPr id="16" name="Oval 15">
-            <a:extLst>
-              <a:ext uri="{FF2B5EF4-FFF2-40B4-BE49-F238E27FC236}">
-                <a16:creationId xmlns:a16="http://schemas.microsoft.com/office/drawing/2014/main" id="{569C72B1-66A5-49FF-902B-FF5672A7B26C}"/>
-              </a:ext>
-            </a:extLst>
-          </p:cNvPr>
-          <p:cNvSpPr/>
-          <p:nvPr/>
-        </p:nvSpPr>
-        <p:spPr>
-          <a:xfrm>
-            <a:off x="2515902" y="4802406"/>
-            <a:ext cx="228599" cy="228599"/>
-          </a:xfrm>
-          <a:prstGeom prst="ellipse">
-            <a:avLst/>
-          </a:prstGeom>
-        </p:spPr>
-        <p:style>
-          <a:lnRef idx="2">
-            <a:schemeClr val="accent1">
-              <a:shade val="50000"/>
-            </a:schemeClr>
-          </a:lnRef>
-          <a:fillRef idx="1">
-            <a:schemeClr val="accent1"/>
-          </a:fillRef>
-          <a:effectRef idx="0">
-            <a:schemeClr val="accent1"/>
-          </a:effectRef>
-          <a:fontRef idx="minor">
-            <a:schemeClr val="lt1"/>
-          </a:fontRef>
-        </p:style>
-        <p:txBody>
-          <a:bodyPr rtlCol="0" anchor="ctr"/>
-          <a:lstStyle/>
-          <a:p>
-            <a:pPr algn="ctr"/>
-            <a:endParaRPr lang="en-US"/>
-          </a:p>
-        </p:txBody>
-      </p:sp>
-      <p:sp>
-        <p:nvSpPr>
-          <p:cNvPr id="17" name="Oval 16">
-            <a:extLst>
-              <a:ext uri="{FF2B5EF4-FFF2-40B4-BE49-F238E27FC236}">
-                <a16:creationId xmlns:a16="http://schemas.microsoft.com/office/drawing/2014/main" id="{E7372466-A432-4684-9778-7178096D0A27}"/>
-              </a:ext>
-            </a:extLst>
-          </p:cNvPr>
-          <p:cNvSpPr/>
-          <p:nvPr/>
-        </p:nvSpPr>
-        <p:spPr>
-          <a:xfrm>
-            <a:off x="1432765" y="4778386"/>
-            <a:ext cx="228599" cy="228599"/>
-          </a:xfrm>
-          <a:prstGeom prst="ellipse">
-            <a:avLst/>
-          </a:prstGeom>
-        </p:spPr>
-        <p:style>
-          <a:lnRef idx="2">
-            <a:schemeClr val="accent1">
-              <a:shade val="50000"/>
-            </a:schemeClr>
-          </a:lnRef>
-          <a:fillRef idx="1">
-            <a:schemeClr val="accent1"/>
-          </a:fillRef>
-          <a:effectRef idx="0">
-            <a:schemeClr val="accent1"/>
-          </a:effectRef>
-          <a:fontRef idx="minor">
-            <a:schemeClr val="lt1"/>
-          </a:fontRef>
-        </p:style>
-        <p:txBody>
-          <a:bodyPr rtlCol="0" anchor="ctr"/>
-          <a:lstStyle/>
-          <a:p>
-            <a:pPr algn="ctr"/>
-            <a:endParaRPr lang="en-US"/>
-          </a:p>
-        </p:txBody>
-      </p:sp>
-      <p:sp>
-        <p:nvSpPr>
-          <p:cNvPr id="18" name="Oval 17">
-            <a:extLst>
-              <a:ext uri="{FF2B5EF4-FFF2-40B4-BE49-F238E27FC236}">
-                <a16:creationId xmlns:a16="http://schemas.microsoft.com/office/drawing/2014/main" id="{5F1ED0C1-6E0B-417E-9793-B8F98A957BB1}"/>
-              </a:ext>
-            </a:extLst>
-          </p:cNvPr>
-          <p:cNvSpPr/>
-          <p:nvPr/>
-        </p:nvSpPr>
-        <p:spPr>
-          <a:xfrm>
-            <a:off x="2053453" y="5289820"/>
-            <a:ext cx="228599" cy="228599"/>
-          </a:xfrm>
-          <a:prstGeom prst="ellipse">
-            <a:avLst/>
-          </a:prstGeom>
-        </p:spPr>
-        <p:style>
-          <a:lnRef idx="2">
-            <a:schemeClr val="accent1">
-              <a:shade val="50000"/>
-            </a:schemeClr>
-          </a:lnRef>
-          <a:fillRef idx="1">
-            <a:schemeClr val="accent1"/>
-          </a:fillRef>
-          <a:effectRef idx="0">
-            <a:schemeClr val="accent1"/>
-          </a:effectRef>
-          <a:fontRef idx="minor">
-            <a:schemeClr val="lt1"/>
-          </a:fontRef>
-        </p:style>
-        <p:txBody>
-          <a:bodyPr rtlCol="0" anchor="ctr"/>
-          <a:lstStyle/>
-          <a:p>
-            <a:pPr algn="ctr"/>
-            <a:endParaRPr lang="en-US"/>
-          </a:p>
-        </p:txBody>
-      </p:sp>
-      <p:sp>
-        <p:nvSpPr>
-          <p:cNvPr id="20" name="Oval 19">
-            <a:extLst>
-              <a:ext uri="{FF2B5EF4-FFF2-40B4-BE49-F238E27FC236}">
-                <a16:creationId xmlns:a16="http://schemas.microsoft.com/office/drawing/2014/main" id="{4CCE9644-0F1A-45AE-9312-71E005425F86}"/>
-              </a:ext>
-            </a:extLst>
-          </p:cNvPr>
-          <p:cNvSpPr/>
-          <p:nvPr/>
-        </p:nvSpPr>
-        <p:spPr>
-          <a:xfrm>
-            <a:off x="2874884" y="4107429"/>
-            <a:ext cx="228599" cy="228599"/>
-          </a:xfrm>
-          <a:prstGeom prst="ellipse">
-            <a:avLst/>
-          </a:prstGeom>
-        </p:spPr>
-        <p:style>
-          <a:lnRef idx="2">
-            <a:schemeClr val="accent4">
-              <a:shade val="50000"/>
-            </a:schemeClr>
-          </a:lnRef>
-          <a:fillRef idx="1">
-            <a:schemeClr val="accent4"/>
-          </a:fillRef>
-          <a:effectRef idx="0">
-            <a:schemeClr val="accent4"/>
-          </a:effectRef>
-          <a:fontRef idx="minor">
-            <a:schemeClr val="lt1"/>
-          </a:fontRef>
-        </p:style>
-        <p:txBody>
-          <a:bodyPr rtlCol="0" anchor="ctr"/>
-          <a:lstStyle/>
-          <a:p>
-            <a:pPr algn="ctr"/>
-            <a:endParaRPr lang="en-US"/>
-          </a:p>
-        </p:txBody>
-      </p:sp>
-      <p:sp>
-        <p:nvSpPr>
-          <p:cNvPr id="24" name="Oval 23">
-            <a:extLst>
-              <a:ext uri="{FF2B5EF4-FFF2-40B4-BE49-F238E27FC236}">
-                <a16:creationId xmlns:a16="http://schemas.microsoft.com/office/drawing/2014/main" id="{2D50A506-3C37-41AE-A64B-FB7FC50CE955}"/>
-              </a:ext>
-            </a:extLst>
-          </p:cNvPr>
-          <p:cNvSpPr/>
-          <p:nvPr/>
-        </p:nvSpPr>
-        <p:spPr>
-          <a:xfrm>
-            <a:off x="3611352" y="3050271"/>
-            <a:ext cx="228599" cy="228599"/>
-          </a:xfrm>
-          <a:prstGeom prst="ellipse">
-            <a:avLst/>
-          </a:prstGeom>
-        </p:spPr>
-        <p:style>
-          <a:lnRef idx="2">
-            <a:schemeClr val="accent4">
-              <a:shade val="50000"/>
-            </a:schemeClr>
-          </a:lnRef>
-          <a:fillRef idx="1">
-            <a:schemeClr val="accent4"/>
-          </a:fillRef>
-          <a:effectRef idx="0">
-            <a:schemeClr val="accent4"/>
-          </a:effectRef>
-          <a:fontRef idx="minor">
-            <a:schemeClr val="lt1"/>
-          </a:fontRef>
-        </p:style>
-        <p:txBody>
-          <a:bodyPr rtlCol="0" anchor="ctr"/>
-          <a:lstStyle/>
-          <a:p>
-            <a:pPr algn="ctr"/>
-            <a:endParaRPr lang="en-US"/>
-          </a:p>
-        </p:txBody>
-      </p:sp>
-      <p:sp>
-        <p:nvSpPr>
-          <p:cNvPr id="25" name="Oval 24">
-            <a:extLst>
-              <a:ext uri="{FF2B5EF4-FFF2-40B4-BE49-F238E27FC236}">
-                <a16:creationId xmlns:a16="http://schemas.microsoft.com/office/drawing/2014/main" id="{545D546A-26E7-4A75-AB9F-BB0011E3FC8E}"/>
-              </a:ext>
-            </a:extLst>
-          </p:cNvPr>
-          <p:cNvSpPr/>
-          <p:nvPr/>
-        </p:nvSpPr>
-        <p:spPr>
-          <a:xfrm>
-            <a:off x="3832312" y="3542889"/>
-            <a:ext cx="228599" cy="228599"/>
-          </a:xfrm>
-          <a:prstGeom prst="ellipse">
-            <a:avLst/>
-          </a:prstGeom>
-        </p:spPr>
-        <p:style>
-          <a:lnRef idx="2">
-            <a:schemeClr val="accent4">
-              <a:shade val="50000"/>
-            </a:schemeClr>
-          </a:lnRef>
-          <a:fillRef idx="1">
-            <a:schemeClr val="accent4"/>
-          </a:fillRef>
-          <a:effectRef idx="0">
-            <a:schemeClr val="accent4"/>
-          </a:effectRef>
-          <a:fontRef idx="minor">
-            <a:schemeClr val="lt1"/>
-          </a:fontRef>
-        </p:style>
-        <p:txBody>
-          <a:bodyPr rtlCol="0" anchor="ctr"/>
-          <a:lstStyle/>
-          <a:p>
-            <a:pPr algn="ctr"/>
-            <a:endParaRPr lang="en-US"/>
-          </a:p>
-        </p:txBody>
-      </p:sp>
-      <p:sp>
-        <p:nvSpPr>
-          <p:cNvPr id="26" name="Oval 25">
-            <a:extLst>
-              <a:ext uri="{FF2B5EF4-FFF2-40B4-BE49-F238E27FC236}">
-                <a16:creationId xmlns:a16="http://schemas.microsoft.com/office/drawing/2014/main" id="{E7B0E604-5A28-4D83-8C03-9A97BAFF5A38}"/>
-              </a:ext>
-            </a:extLst>
-          </p:cNvPr>
-          <p:cNvSpPr/>
-          <p:nvPr/>
-        </p:nvSpPr>
-        <p:spPr>
-          <a:xfrm>
-            <a:off x="4077002" y="3081241"/>
-            <a:ext cx="228599" cy="228599"/>
-          </a:xfrm>
-          <a:prstGeom prst="ellipse">
-            <a:avLst/>
-          </a:prstGeom>
-        </p:spPr>
-        <p:style>
-          <a:lnRef idx="2">
-            <a:schemeClr val="accent4">
-              <a:shade val="50000"/>
-            </a:schemeClr>
-          </a:lnRef>
-          <a:fillRef idx="1">
-            <a:schemeClr val="accent4"/>
-          </a:fillRef>
-          <a:effectRef idx="0">
-            <a:schemeClr val="accent4"/>
-          </a:effectRef>
-          <a:fontRef idx="minor">
-            <a:schemeClr val="lt1"/>
-          </a:fontRef>
-        </p:style>
-        <p:txBody>
-          <a:bodyPr rtlCol="0" anchor="ctr"/>
-          <a:lstStyle/>
-          <a:p>
-            <a:pPr algn="ctr"/>
-            <a:endParaRPr lang="en-US"/>
-          </a:p>
-        </p:txBody>
-      </p:sp>
-      <p:sp>
-        <p:nvSpPr>
-          <p:cNvPr id="27" name="Oval 26">
-            <a:extLst>
-              <a:ext uri="{FF2B5EF4-FFF2-40B4-BE49-F238E27FC236}">
-                <a16:creationId xmlns:a16="http://schemas.microsoft.com/office/drawing/2014/main" id="{981347C2-B46E-4146-8EB1-C2BED097AEE2}"/>
-              </a:ext>
-            </a:extLst>
-          </p:cNvPr>
-          <p:cNvSpPr/>
-          <p:nvPr/>
-        </p:nvSpPr>
-        <p:spPr>
-          <a:xfrm>
-            <a:off x="3388289" y="4262398"/>
-            <a:ext cx="228599" cy="228599"/>
-          </a:xfrm>
-          <a:prstGeom prst="ellipse">
-            <a:avLst/>
-          </a:prstGeom>
-        </p:spPr>
-        <p:style>
-          <a:lnRef idx="2">
-            <a:schemeClr val="accent4">
-              <a:shade val="50000"/>
-            </a:schemeClr>
-          </a:lnRef>
-          <a:fillRef idx="1">
-            <a:schemeClr val="accent4"/>
-          </a:fillRef>
-          <a:effectRef idx="0">
-            <a:schemeClr val="accent4"/>
-          </a:effectRef>
-          <a:fontRef idx="minor">
-            <a:schemeClr val="lt1"/>
-          </a:fontRef>
-        </p:style>
-        <p:txBody>
-          <a:bodyPr rtlCol="0" anchor="ctr"/>
-          <a:lstStyle/>
-          <a:p>
-            <a:pPr algn="ctr"/>
-            <a:endParaRPr lang="en-US"/>
-          </a:p>
-        </p:txBody>
-      </p:sp>
-      <p:sp>
-        <p:nvSpPr>
-          <p:cNvPr id="28" name="Oval 27">
-            <a:extLst>
-              <a:ext uri="{FF2B5EF4-FFF2-40B4-BE49-F238E27FC236}">
-                <a16:creationId xmlns:a16="http://schemas.microsoft.com/office/drawing/2014/main" id="{DF0F2080-ACEB-4009-9F67-2441BA8EF20E}"/>
-              </a:ext>
-            </a:extLst>
-          </p:cNvPr>
-          <p:cNvSpPr/>
-          <p:nvPr/>
-        </p:nvSpPr>
-        <p:spPr>
-          <a:xfrm>
-            <a:off x="3196754" y="4888132"/>
-            <a:ext cx="228599" cy="228599"/>
-          </a:xfrm>
-          <a:prstGeom prst="ellipse">
-            <a:avLst/>
-          </a:prstGeom>
-        </p:spPr>
-        <p:style>
-          <a:lnRef idx="2">
-            <a:schemeClr val="accent4">
-              <a:shade val="50000"/>
-            </a:schemeClr>
-          </a:lnRef>
-          <a:fillRef idx="1">
-            <a:schemeClr val="accent4"/>
-          </a:fillRef>
-          <a:effectRef idx="0">
-            <a:schemeClr val="accent4"/>
-          </a:effectRef>
-          <a:fontRef idx="minor">
-            <a:schemeClr val="lt1"/>
-          </a:fontRef>
-        </p:style>
-        <p:txBody>
-          <a:bodyPr rtlCol="0" anchor="ctr"/>
-          <a:lstStyle/>
-          <a:p>
-            <a:pPr algn="ctr"/>
-            <a:endParaRPr lang="en-US"/>
-          </a:p>
-        </p:txBody>
-      </p:sp>
-      <p:sp>
-        <p:nvSpPr>
-          <p:cNvPr id="29" name="Oval 28">
-            <a:extLst>
-              <a:ext uri="{FF2B5EF4-FFF2-40B4-BE49-F238E27FC236}">
-                <a16:creationId xmlns:a16="http://schemas.microsoft.com/office/drawing/2014/main" id="{2E149123-4B93-4E2E-9FF4-EA16852147B3}"/>
-              </a:ext>
-            </a:extLst>
-          </p:cNvPr>
-          <p:cNvSpPr/>
-          <p:nvPr/>
-        </p:nvSpPr>
-        <p:spPr>
-          <a:xfrm>
-            <a:off x="3778399" y="4631421"/>
-            <a:ext cx="228599" cy="228599"/>
-          </a:xfrm>
-          <a:prstGeom prst="ellipse">
-            <a:avLst/>
-          </a:prstGeom>
-        </p:spPr>
-        <p:style>
-          <a:lnRef idx="2">
-            <a:schemeClr val="accent4">
-              <a:shade val="50000"/>
-            </a:schemeClr>
-          </a:lnRef>
-          <a:fillRef idx="1">
-            <a:schemeClr val="accent4"/>
-          </a:fillRef>
-          <a:effectRef idx="0">
-            <a:schemeClr val="accent4"/>
-          </a:effectRef>
-          <a:fontRef idx="minor">
-            <a:schemeClr val="lt1"/>
-          </a:fontRef>
-        </p:style>
-        <p:txBody>
-          <a:bodyPr rtlCol="0" anchor="ctr"/>
-          <a:lstStyle/>
-          <a:p>
-            <a:pPr algn="ctr"/>
-            <a:endParaRPr lang="en-US"/>
-          </a:p>
-        </p:txBody>
-      </p:sp>
-      <p:sp>
-        <p:nvSpPr>
-          <p:cNvPr id="30" name="Oval 29">
-            <a:extLst>
-              <a:ext uri="{FF2B5EF4-FFF2-40B4-BE49-F238E27FC236}">
-                <a16:creationId xmlns:a16="http://schemas.microsoft.com/office/drawing/2014/main" id="{2FB9CC4D-0887-46E6-840D-CEC11E11F40C}"/>
-              </a:ext>
-            </a:extLst>
-          </p:cNvPr>
-          <p:cNvSpPr/>
-          <p:nvPr/>
-        </p:nvSpPr>
-        <p:spPr>
-          <a:xfrm>
-            <a:off x="3981343" y="4040063"/>
-            <a:ext cx="228599" cy="228599"/>
-          </a:xfrm>
-          <a:prstGeom prst="ellipse">
-            <a:avLst/>
-          </a:prstGeom>
-        </p:spPr>
-        <p:style>
-          <a:lnRef idx="2">
-            <a:schemeClr val="accent4">
-              <a:shade val="50000"/>
-            </a:schemeClr>
-          </a:lnRef>
-          <a:fillRef idx="1">
-            <a:schemeClr val="accent4"/>
-          </a:fillRef>
-          <a:effectRef idx="0">
-            <a:schemeClr val="accent4"/>
-          </a:effectRef>
-          <a:fontRef idx="minor">
-            <a:schemeClr val="lt1"/>
-          </a:fontRef>
-        </p:style>
-        <p:txBody>
-          <a:bodyPr rtlCol="0" anchor="ctr"/>
-          <a:lstStyle/>
-          <a:p>
-            <a:pPr algn="ctr"/>
-            <a:endParaRPr lang="en-US"/>
-          </a:p>
-        </p:txBody>
-      </p:sp>
-      <p:sp>
-        <p:nvSpPr>
-          <p:cNvPr id="32" name="Oval 31">
-            <a:extLst>
-              <a:ext uri="{FF2B5EF4-FFF2-40B4-BE49-F238E27FC236}">
-                <a16:creationId xmlns:a16="http://schemas.microsoft.com/office/drawing/2014/main" id="{A1BB46C2-BFB9-4975-A79D-0C60BCABC81E}"/>
-              </a:ext>
-            </a:extLst>
-          </p:cNvPr>
-          <p:cNvSpPr/>
-          <p:nvPr/>
-        </p:nvSpPr>
-        <p:spPr>
-          <a:xfrm>
-            <a:off x="914400" y="3700671"/>
-            <a:ext cx="228599" cy="228599"/>
-          </a:xfrm>
-          <a:prstGeom prst="ellipse">
-            <a:avLst/>
-          </a:prstGeom>
-        </p:spPr>
-        <p:style>
-          <a:lnRef idx="2">
-            <a:schemeClr val="accent1">
-              <a:shade val="50000"/>
-            </a:schemeClr>
-          </a:lnRef>
-          <a:fillRef idx="1">
-            <a:schemeClr val="accent1"/>
-          </a:fillRef>
-          <a:effectRef idx="0">
-            <a:schemeClr val="accent1"/>
-          </a:effectRef>
-          <a:fontRef idx="minor">
-            <a:schemeClr val="lt1"/>
-          </a:fontRef>
-        </p:style>
-        <p:txBody>
-          <a:bodyPr rtlCol="0" anchor="ctr"/>
-          <a:lstStyle/>
-          <a:p>
-            <a:pPr algn="ctr"/>
-            <a:endParaRPr lang="en-US"/>
-          </a:p>
-        </p:txBody>
-      </p:sp>
-      <p:sp>
-        <p:nvSpPr>
-          <p:cNvPr id="33" name="Oval 32">
-            <a:extLst>
-              <a:ext uri="{FF2B5EF4-FFF2-40B4-BE49-F238E27FC236}">
-                <a16:creationId xmlns:a16="http://schemas.microsoft.com/office/drawing/2014/main" id="{CDD26A09-27A3-44C5-9EB7-180520CDD374}"/>
-              </a:ext>
-            </a:extLst>
-          </p:cNvPr>
-          <p:cNvSpPr/>
-          <p:nvPr/>
-        </p:nvSpPr>
-        <p:spPr>
-          <a:xfrm>
-            <a:off x="1907039" y="2391440"/>
-            <a:ext cx="228599" cy="228599"/>
-          </a:xfrm>
-          <a:prstGeom prst="ellipse">
-            <a:avLst/>
-          </a:prstGeom>
-        </p:spPr>
-        <p:style>
-          <a:lnRef idx="2">
-            <a:schemeClr val="accent1">
-              <a:shade val="50000"/>
-            </a:schemeClr>
-          </a:lnRef>
-          <a:fillRef idx="1">
-            <a:schemeClr val="accent1"/>
-          </a:fillRef>
-          <a:effectRef idx="0">
-            <a:schemeClr val="accent1"/>
-          </a:effectRef>
-          <a:fontRef idx="minor">
-            <a:schemeClr val="lt1"/>
-          </a:fontRef>
-        </p:style>
-        <p:txBody>
-          <a:bodyPr rtlCol="0" anchor="ctr"/>
-          <a:lstStyle/>
-          <a:p>
-            <a:pPr algn="ctr"/>
-            <a:endParaRPr lang="en-US"/>
-          </a:p>
-        </p:txBody>
-      </p:sp>
-      <p:sp>
-        <p:nvSpPr>
-          <p:cNvPr id="35" name="Oval 34">
-            <a:extLst>
-              <a:ext uri="{FF2B5EF4-FFF2-40B4-BE49-F238E27FC236}">
-                <a16:creationId xmlns:a16="http://schemas.microsoft.com/office/drawing/2014/main" id="{B7BD9034-7732-45BF-80B4-24DE4F56BD46}"/>
-              </a:ext>
-            </a:extLst>
-          </p:cNvPr>
-          <p:cNvSpPr/>
-          <p:nvPr/>
-        </p:nvSpPr>
-        <p:spPr>
-          <a:xfrm>
-            <a:off x="1954157" y="3168204"/>
-            <a:ext cx="228599" cy="228599"/>
-          </a:xfrm>
-          <a:prstGeom prst="ellipse">
-            <a:avLst/>
-          </a:prstGeom>
-        </p:spPr>
-        <p:style>
-          <a:lnRef idx="2">
-            <a:schemeClr val="accent1">
-              <a:shade val="50000"/>
-            </a:schemeClr>
-          </a:lnRef>
-          <a:fillRef idx="1">
-            <a:schemeClr val="accent1"/>
-          </a:fillRef>
-          <a:effectRef idx="0">
-            <a:schemeClr val="accent1"/>
-          </a:effectRef>
-          <a:fontRef idx="minor">
-            <a:schemeClr val="lt1"/>
-          </a:fontRef>
-        </p:style>
-        <p:txBody>
-          <a:bodyPr rtlCol="0" anchor="ctr"/>
-          <a:lstStyle/>
-          <a:p>
-            <a:pPr algn="ctr"/>
-            <a:endParaRPr lang="en-US"/>
-          </a:p>
-        </p:txBody>
-      </p:sp>
-      <p:sp>
-        <p:nvSpPr>
-          <p:cNvPr id="36" name="Oval 35">
-            <a:extLst>
-              <a:ext uri="{FF2B5EF4-FFF2-40B4-BE49-F238E27FC236}">
-                <a16:creationId xmlns:a16="http://schemas.microsoft.com/office/drawing/2014/main" id="{2CCCE69E-FA9B-4EC5-A5FE-72A42E2C622E}"/>
-              </a:ext>
-            </a:extLst>
-          </p:cNvPr>
-          <p:cNvSpPr/>
-          <p:nvPr/>
-        </p:nvSpPr>
-        <p:spPr>
-          <a:xfrm>
-            <a:off x="2847095" y="2253799"/>
-            <a:ext cx="228599" cy="228599"/>
-          </a:xfrm>
-          <a:prstGeom prst="ellipse">
-            <a:avLst/>
-          </a:prstGeom>
-        </p:spPr>
-        <p:style>
-          <a:lnRef idx="2">
-            <a:schemeClr val="accent1">
-              <a:shade val="50000"/>
-            </a:schemeClr>
-          </a:lnRef>
-          <a:fillRef idx="1">
-            <a:schemeClr val="accent1"/>
-          </a:fillRef>
-          <a:effectRef idx="0">
-            <a:schemeClr val="accent1"/>
-          </a:effectRef>
-          <a:fontRef idx="minor">
-            <a:schemeClr val="lt1"/>
-          </a:fontRef>
-        </p:style>
-        <p:txBody>
-          <a:bodyPr rtlCol="0" anchor="ctr"/>
-          <a:lstStyle/>
-          <a:p>
-            <a:pPr algn="ctr"/>
-            <a:endParaRPr lang="en-US"/>
-          </a:p>
-        </p:txBody>
-      </p:sp>
-      <p:sp>
-        <p:nvSpPr>
-          <p:cNvPr id="37" name="Oval 36">
-            <a:extLst>
-              <a:ext uri="{FF2B5EF4-FFF2-40B4-BE49-F238E27FC236}">
-                <a16:creationId xmlns:a16="http://schemas.microsoft.com/office/drawing/2014/main" id="{F7AD69DE-0B58-413C-B07F-BFF31A3C36F7}"/>
-              </a:ext>
-            </a:extLst>
-          </p:cNvPr>
-          <p:cNvSpPr/>
-          <p:nvPr/>
-        </p:nvSpPr>
-        <p:spPr>
-          <a:xfrm>
-            <a:off x="3196754" y="3007168"/>
-            <a:ext cx="228599" cy="228599"/>
-          </a:xfrm>
-          <a:prstGeom prst="ellipse">
-            <a:avLst/>
-          </a:prstGeom>
-        </p:spPr>
-        <p:style>
-          <a:lnRef idx="2">
-            <a:schemeClr val="accent1">
-              <a:shade val="50000"/>
-            </a:schemeClr>
-          </a:lnRef>
-          <a:fillRef idx="1">
-            <a:schemeClr val="accent1"/>
-          </a:fillRef>
-          <a:effectRef idx="0">
-            <a:schemeClr val="accent1"/>
-          </a:effectRef>
-          <a:fontRef idx="minor">
-            <a:schemeClr val="lt1"/>
-          </a:fontRef>
-        </p:style>
-        <p:txBody>
-          <a:bodyPr rtlCol="0" anchor="ctr"/>
-          <a:lstStyle/>
-          <a:p>
-            <a:pPr algn="ctr"/>
-            <a:endParaRPr lang="en-US"/>
-          </a:p>
-        </p:txBody>
-      </p:sp>
-      <p:sp>
-        <p:nvSpPr>
-          <p:cNvPr id="39" name="TextBox 38">
-            <a:extLst>
-              <a:ext uri="{FF2B5EF4-FFF2-40B4-BE49-F238E27FC236}">
-                <a16:creationId xmlns:a16="http://schemas.microsoft.com/office/drawing/2014/main" id="{EC2598B5-0225-415D-9376-21C5AE0A10D8}"/>
-              </a:ext>
-            </a:extLst>
-          </p:cNvPr>
-          <p:cNvSpPr txBox="1"/>
-          <p:nvPr/>
-        </p:nvSpPr>
-        <p:spPr>
-          <a:xfrm>
-            <a:off x="4848171" y="3057023"/>
-            <a:ext cx="3657600" cy="1200329"/>
-          </a:xfrm>
-          <a:prstGeom prst="rect">
-            <a:avLst/>
-          </a:prstGeom>
-          <a:noFill/>
-        </p:spPr>
-        <p:txBody>
-          <a:bodyPr wrap="square" rtlCol="0">
-            <a:spAutoFit/>
-          </a:bodyPr>
-          <a:lstStyle/>
-          <a:p>
-            <a:r>
-              <a:rPr lang="en-US" dirty="0"/>
-              <a:t>Poll the classifier to find the nearest instance from some known “spam” data that is classified as “ham.”</a:t>
-            </a:r>
-          </a:p>
-        </p:txBody>
-      </p:sp>
-      <p:cxnSp>
-        <p:nvCxnSpPr>
-          <p:cNvPr id="41" name="Straight Connector 40">
-            <a:extLst>
-              <a:ext uri="{FF2B5EF4-FFF2-40B4-BE49-F238E27FC236}">
-                <a16:creationId xmlns:a16="http://schemas.microsoft.com/office/drawing/2014/main" id="{35C8FF1F-A1A9-40F9-A65B-3307B8A4C0BA}"/>
-              </a:ext>
-            </a:extLst>
-          </p:cNvPr>
-          <p:cNvCxnSpPr>
-            <a:cxnSpLocks/>
-          </p:cNvCxnSpPr>
-          <p:nvPr/>
-        </p:nvCxnSpPr>
-        <p:spPr>
-          <a:xfrm flipH="1" flipV="1">
-            <a:off x="2581679" y="4010507"/>
-            <a:ext cx="295052" cy="152746"/>
-          </a:xfrm>
-          <a:prstGeom prst="line">
-            <a:avLst/>
-          </a:prstGeom>
-          <a:ln w="38100">
-            <a:prstDash val="sysDot"/>
-          </a:ln>
-        </p:spPr>
-        <p:style>
-          <a:lnRef idx="1">
-            <a:schemeClr val="dk1"/>
-          </a:lnRef>
-          <a:fillRef idx="0">
-            <a:schemeClr val="dk1"/>
-          </a:fillRef>
-          <a:effectRef idx="0">
-            <a:schemeClr val="dk1"/>
-          </a:effectRef>
-          <a:fontRef idx="minor">
-            <a:schemeClr val="tx1"/>
-          </a:fontRef>
-        </p:style>
-      </p:cxnSp>
-      <p:sp>
-        <p:nvSpPr>
-          <p:cNvPr id="7" name="Isosceles Triangle 6">
-            <a:extLst>
-              <a:ext uri="{FF2B5EF4-FFF2-40B4-BE49-F238E27FC236}">
-                <a16:creationId xmlns:a16="http://schemas.microsoft.com/office/drawing/2014/main" id="{56D1A6D8-C00B-4321-9AC4-AD2ACA07FE55}"/>
-              </a:ext>
-            </a:extLst>
-          </p:cNvPr>
-          <p:cNvSpPr/>
-          <p:nvPr/>
-        </p:nvSpPr>
-        <p:spPr>
-          <a:xfrm>
-            <a:off x="2402738" y="3814970"/>
-            <a:ext cx="288234" cy="248478"/>
-          </a:xfrm>
-          <a:prstGeom prst="triangle">
-            <a:avLst/>
-          </a:prstGeom>
-        </p:spPr>
-        <p:style>
-          <a:lnRef idx="2">
-            <a:schemeClr val="accent3">
-              <a:shade val="50000"/>
-            </a:schemeClr>
-          </a:lnRef>
-          <a:fillRef idx="1">
-            <a:schemeClr val="accent3"/>
-          </a:fillRef>
-          <a:effectRef idx="0">
-            <a:schemeClr val="accent3"/>
-          </a:effectRef>
-          <a:fontRef idx="minor">
-            <a:schemeClr val="lt1"/>
-          </a:fontRef>
-        </p:style>
-        <p:txBody>
-          <a:bodyPr rtlCol="0" anchor="ctr"/>
-          <a:lstStyle/>
-          <a:p>
-            <a:pPr algn="ctr"/>
-            <a:endParaRPr lang="en-US"/>
-          </a:p>
-        </p:txBody>
-      </p:sp>
-      <p:sp>
-        <p:nvSpPr>
-          <p:cNvPr id="45" name="TextBox 44">
-            <a:extLst>
-              <a:ext uri="{FF2B5EF4-FFF2-40B4-BE49-F238E27FC236}">
-                <a16:creationId xmlns:a16="http://schemas.microsoft.com/office/drawing/2014/main" id="{D76C578C-0904-43DA-995F-E3596962B3A1}"/>
-              </a:ext>
-            </a:extLst>
-          </p:cNvPr>
-          <p:cNvSpPr txBox="1"/>
-          <p:nvPr/>
-        </p:nvSpPr>
-        <p:spPr>
-          <a:xfrm>
-            <a:off x="3922322" y="2542421"/>
-            <a:ext cx="857927" cy="369332"/>
-          </a:xfrm>
-          <a:prstGeom prst="rect">
-            <a:avLst/>
-          </a:prstGeom>
-          <a:noFill/>
-        </p:spPr>
-        <p:txBody>
-          <a:bodyPr wrap="none" rtlCol="0">
-            <a:spAutoFit/>
-          </a:bodyPr>
-          <a:lstStyle/>
-          <a:p>
-            <a:r>
-              <a:rPr lang="en-US" b="1" dirty="0">
-                <a:solidFill>
-                  <a:schemeClr val="accent4">
-                    <a:lumMod val="50000"/>
-                  </a:schemeClr>
-                </a:solidFill>
-              </a:rPr>
-              <a:t>Spam</a:t>
-            </a:r>
-          </a:p>
-        </p:txBody>
-      </p:sp>
-      <p:sp>
-        <p:nvSpPr>
-          <p:cNvPr id="46" name="TextBox 45">
-            <a:extLst>
-              <a:ext uri="{FF2B5EF4-FFF2-40B4-BE49-F238E27FC236}">
-                <a16:creationId xmlns:a16="http://schemas.microsoft.com/office/drawing/2014/main" id="{833DA3CF-6D3D-4088-8413-D94E5B8F92C5}"/>
-              </a:ext>
-            </a:extLst>
-          </p:cNvPr>
-          <p:cNvSpPr txBox="1"/>
-          <p:nvPr/>
-        </p:nvSpPr>
-        <p:spPr>
-          <a:xfrm>
-            <a:off x="484279" y="4129521"/>
-            <a:ext cx="766557" cy="369332"/>
-          </a:xfrm>
-          <a:prstGeom prst="rect">
-            <a:avLst/>
-          </a:prstGeom>
-          <a:noFill/>
-        </p:spPr>
-        <p:txBody>
-          <a:bodyPr wrap="none" rtlCol="0">
-            <a:spAutoFit/>
-          </a:bodyPr>
-          <a:lstStyle/>
-          <a:p>
-            <a:r>
-              <a:rPr lang="en-US" b="1" dirty="0">
-                <a:solidFill>
-                  <a:schemeClr val="accent1">
-                    <a:lumMod val="50000"/>
-                  </a:schemeClr>
-                </a:solidFill>
-              </a:rPr>
-              <a:t>Ham</a:t>
-            </a:r>
-          </a:p>
-        </p:txBody>
-      </p:sp>
-      <p:sp>
-        <p:nvSpPr>
-          <p:cNvPr id="47" name="TextBox 46">
-            <a:extLst>
-              <a:ext uri="{FF2B5EF4-FFF2-40B4-BE49-F238E27FC236}">
-                <a16:creationId xmlns:a16="http://schemas.microsoft.com/office/drawing/2014/main" id="{A1400E33-BD53-4E41-8C07-6EB81D070B77}"/>
-              </a:ext>
-            </a:extLst>
-          </p:cNvPr>
-          <p:cNvSpPr txBox="1"/>
-          <p:nvPr/>
-        </p:nvSpPr>
-        <p:spPr>
-          <a:xfrm>
-            <a:off x="1746201" y="3504970"/>
-            <a:ext cx="1564852" cy="369332"/>
-          </a:xfrm>
-          <a:prstGeom prst="rect">
-            <a:avLst/>
-          </a:prstGeom>
-          <a:noFill/>
-          <a:ln>
-            <a:noFill/>
-          </a:ln>
-        </p:spPr>
-        <p:txBody>
-          <a:bodyPr wrap="none" rtlCol="0">
-            <a:spAutoFit/>
-          </a:bodyPr>
-          <a:lstStyle/>
-          <a:p>
-            <a:r>
-              <a:rPr lang="en-US" b="1" dirty="0">
-                <a:solidFill>
-                  <a:schemeClr val="accent3">
-                    <a:lumMod val="75000"/>
-                  </a:schemeClr>
-                </a:solidFill>
-              </a:rPr>
-              <a:t>Adversarial</a:t>
-            </a:r>
-          </a:p>
-        </p:txBody>
-      </p:sp>
-    </p:spTree>
-    <p:extLst>
-      <p:ext uri="{BB962C8B-B14F-4D97-AF65-F5344CB8AC3E}">
-        <p14:creationId xmlns:p14="http://schemas.microsoft.com/office/powerpoint/2010/main" val="3793302868"/>
-      </p:ext>
-    </p:extLst>
-  </p:cSld>
-  <p:clrMapOvr>
-    <a:masterClrMapping/>
-  </p:clrMapOvr>
-  <p:transition>
-    <p:fade/>
-  </p:transition>
-</p:sld>
-</file>
-
-<file path=ppt/slides/slide31.xml><?xml version="1.0" encoding="utf-8"?>
-<p:sld xmlns:a="http://schemas.openxmlformats.org/drawingml/2006/main" xmlns:r="http://schemas.openxmlformats.org/officeDocument/2006/relationships" xmlns:p="http://schemas.openxmlformats.org/presentationml/2006/main">
-  <p:cSld>
-    <p:spTree>
-      <p:nvGrpSpPr>
-        <p:cNvPr id="1" name=""/>
-        <p:cNvGrpSpPr/>
-        <p:nvPr/>
-      </p:nvGrpSpPr>
-      <p:grpSpPr>
-        <a:xfrm>
-          <a:off x="0" y="0"/>
-          <a:ext cx="0" cy="0"/>
-          <a:chOff x="0" y="0"/>
-          <a:chExt cx="0" cy="0"/>
-        </a:xfrm>
-      </p:grpSpPr>
-      <p:sp>
-        <p:nvSpPr>
-          <p:cNvPr id="2" name="Title 1">
-            <a:extLst>
-              <a:ext uri="{FF2B5EF4-FFF2-40B4-BE49-F238E27FC236}">
-                <a16:creationId xmlns:a16="http://schemas.microsoft.com/office/drawing/2014/main" id="{C5DC8AF2-0E35-4582-B28F-672EDD2F5147}"/>
-              </a:ext>
-            </a:extLst>
-          </p:cNvPr>
-          <p:cNvSpPr>
-            <a:spLocks noGrp="1"/>
-          </p:cNvSpPr>
-          <p:nvPr>
-            <p:ph type="title"/>
-          </p:nvPr>
-        </p:nvSpPr>
-        <p:spPr/>
-        <p:txBody>
-          <a:bodyPr/>
-          <a:lstStyle/>
-          <a:p>
-            <a:r>
-              <a:rPr lang="en-US" dirty="0"/>
-              <a:t>Exploratory Availability Attacks</a:t>
-            </a:r>
-          </a:p>
-        </p:txBody>
-      </p:sp>
-      <p:sp>
-        <p:nvSpPr>
-          <p:cNvPr id="3" name="Text Placeholder 2">
-            <a:extLst>
-              <a:ext uri="{FF2B5EF4-FFF2-40B4-BE49-F238E27FC236}">
-                <a16:creationId xmlns:a16="http://schemas.microsoft.com/office/drawing/2014/main" id="{C9D73A33-66F5-415C-AD9A-980E5834F00B}"/>
-              </a:ext>
-            </a:extLst>
-          </p:cNvPr>
-          <p:cNvSpPr>
-            <a:spLocks noGrp="1"/>
-          </p:cNvSpPr>
-          <p:nvPr>
-            <p:ph type="body" idx="1"/>
-          </p:nvPr>
-        </p:nvSpPr>
-        <p:spPr/>
-        <p:txBody>
-          <a:bodyPr/>
-          <a:lstStyle/>
-          <a:p>
-            <a:r>
-              <a:rPr lang="en-US" dirty="0"/>
-              <a:t> ??</a:t>
-            </a:r>
-          </a:p>
-        </p:txBody>
-      </p:sp>
-    </p:spTree>
-    <p:extLst>
-      <p:ext uri="{BB962C8B-B14F-4D97-AF65-F5344CB8AC3E}">
-        <p14:creationId xmlns:p14="http://schemas.microsoft.com/office/powerpoint/2010/main" val="3682045108"/>
-      </p:ext>
-    </p:extLst>
-  </p:cSld>
-  <p:clrMapOvr>
-    <a:masterClrMapping/>
-  </p:clrMapOvr>
-  <p:transition>
-    <p:fade/>
-  </p:transition>
-</p:sld>
-</file>
-
-<file path=ppt/slides/slide32.xml><?xml version="1.0" encoding="utf-8"?>
-<p:sld xmlns:a="http://schemas.openxmlformats.org/drawingml/2006/main" xmlns:r="http://schemas.openxmlformats.org/officeDocument/2006/relationships" xmlns:p="http://schemas.openxmlformats.org/presentationml/2006/main">
-  <p:cSld>
-    <p:spTree>
-      <p:nvGrpSpPr>
-        <p:cNvPr id="1" name=""/>
-        <p:cNvGrpSpPr/>
-        <p:nvPr/>
-      </p:nvGrpSpPr>
-      <p:grpSpPr>
-        <a:xfrm>
-          <a:off x="0" y="0"/>
-          <a:ext cx="0" cy="0"/>
-          <a:chOff x="0" y="0"/>
-          <a:chExt cx="0" cy="0"/>
-        </a:xfrm>
-      </p:grpSpPr>
-      <p:sp>
-        <p:nvSpPr>
-          <p:cNvPr id="4" name="Title 3">
-            <a:extLst>
-              <a:ext uri="{FF2B5EF4-FFF2-40B4-BE49-F238E27FC236}">
-                <a16:creationId xmlns:a16="http://schemas.microsoft.com/office/drawing/2014/main" id="{1FF6BCEC-6990-4AB6-B68D-76F444230E49}"/>
-              </a:ext>
-            </a:extLst>
-          </p:cNvPr>
-          <p:cNvSpPr>
-            <a:spLocks noGrp="1"/>
-          </p:cNvSpPr>
-          <p:nvPr>
-            <p:ph type="title"/>
-          </p:nvPr>
-        </p:nvSpPr>
-        <p:spPr/>
-        <p:txBody>
-          <a:bodyPr/>
-          <a:lstStyle/>
-          <a:p>
-            <a:r>
-              <a:rPr lang="en-US" dirty="0"/>
-              <a:t>Denial of Service</a:t>
-            </a:r>
-          </a:p>
-        </p:txBody>
-      </p:sp>
-      <p:sp>
-        <p:nvSpPr>
-          <p:cNvPr id="5" name="Content Placeholder 4">
-            <a:extLst>
-              <a:ext uri="{FF2B5EF4-FFF2-40B4-BE49-F238E27FC236}">
-                <a16:creationId xmlns:a16="http://schemas.microsoft.com/office/drawing/2014/main" id="{C033FD1E-DB42-4E13-A331-8DEE6B8FC75A}"/>
-              </a:ext>
-            </a:extLst>
-          </p:cNvPr>
-          <p:cNvSpPr>
-            <a:spLocks noGrp="1"/>
-          </p:cNvSpPr>
-          <p:nvPr>
-            <p:ph idx="1"/>
-          </p:nvPr>
-        </p:nvSpPr>
-        <p:spPr/>
-        <p:txBody>
-          <a:bodyPr/>
-          <a:lstStyle/>
-          <a:p>
-            <a:r>
-              <a:rPr lang="en-US" dirty="0"/>
-              <a:t>This is simply a </a:t>
-            </a:r>
-            <a:r>
-              <a:rPr lang="en-US" dirty="0" err="1"/>
-              <a:t>DoS</a:t>
-            </a:r>
-            <a:r>
-              <a:rPr lang="en-US" dirty="0"/>
-              <a:t> attack (not specific to machine learning even)</a:t>
-            </a:r>
-          </a:p>
-          <a:p>
-            <a:r>
-              <a:rPr lang="en-US" dirty="0"/>
-              <a:t>“sending junk data that causes false alarms (an exploratory availability attack)” [1]</a:t>
-            </a:r>
-          </a:p>
-          <a:p>
-            <a:r>
-              <a:rPr lang="en-US" dirty="0"/>
-              <a:t>“take advantage of a computationally expensive learning component: for example, spam filters that use image processing to detect advertisements in graphical attachments can take significantly more time than text-based filtering” [2]</a:t>
-            </a:r>
-          </a:p>
-        </p:txBody>
-      </p:sp>
-      <p:sp>
-        <p:nvSpPr>
-          <p:cNvPr id="6" name="Rectangle 5">
-            <a:extLst>
-              <a:ext uri="{FF2B5EF4-FFF2-40B4-BE49-F238E27FC236}">
-                <a16:creationId xmlns:a16="http://schemas.microsoft.com/office/drawing/2014/main" id="{04BCFD58-BA1A-4C60-9504-412AD6D83396}"/>
-              </a:ext>
-            </a:extLst>
-          </p:cNvPr>
-          <p:cNvSpPr/>
-          <p:nvPr/>
-        </p:nvSpPr>
-        <p:spPr>
-          <a:xfrm>
-            <a:off x="0" y="5887859"/>
-            <a:ext cx="8905460" cy="923330"/>
-          </a:xfrm>
-          <a:prstGeom prst="rect">
-            <a:avLst/>
-          </a:prstGeom>
-        </p:spPr>
-        <p:txBody>
-          <a:bodyPr wrap="square">
-            <a:spAutoFit/>
-          </a:bodyPr>
-          <a:lstStyle/>
-          <a:p>
-            <a:r>
-              <a:rPr lang="en-US" dirty="0"/>
-              <a:t>[1]	M. </a:t>
-            </a:r>
-            <a:r>
-              <a:rPr lang="en-US" dirty="0" err="1"/>
-              <a:t>Kloft</a:t>
-            </a:r>
-            <a:r>
-              <a:rPr lang="en-US" dirty="0"/>
-              <a:t> and P. </a:t>
-            </a:r>
-            <a:r>
-              <a:rPr lang="en-US" dirty="0" err="1"/>
-              <a:t>Laskov</a:t>
-            </a:r>
-            <a:r>
-              <a:rPr lang="en-US" dirty="0"/>
-              <a:t>, “Security analysis of online centroid anomaly detection,” </a:t>
-            </a:r>
-            <a:r>
-              <a:rPr lang="en-US" i="1" dirty="0"/>
-              <a:t>J. Mach. Learn. Res.</a:t>
-            </a:r>
-            <a:r>
-              <a:rPr lang="en-US" dirty="0"/>
-              <a:t>, vol. 13, pp. 3681–3724, 2012.</a:t>
-            </a:r>
-          </a:p>
-          <a:p>
-            <a:r>
-              <a:rPr lang="en-US" dirty="0"/>
-              <a:t>[2]	M. A. </a:t>
-            </a:r>
-            <a:r>
-              <a:rPr lang="en-US" dirty="0" err="1"/>
-              <a:t>Barreno</a:t>
-            </a:r>
-            <a:r>
-              <a:rPr lang="en-US" dirty="0"/>
-              <a:t>, “Evaluating the Security of Machine Learning Algorithms,” 2008.</a:t>
-            </a:r>
-          </a:p>
-        </p:txBody>
-      </p:sp>
-    </p:spTree>
-    <p:extLst>
-      <p:ext uri="{BB962C8B-B14F-4D97-AF65-F5344CB8AC3E}">
-        <p14:creationId xmlns:p14="http://schemas.microsoft.com/office/powerpoint/2010/main" val="4133605554"/>
-      </p:ext>
-    </p:extLst>
-  </p:cSld>
-  <p:clrMapOvr>
-    <a:masterClrMapping/>
-  </p:clrMapOvr>
-  <p:transition>
-    <p:fade/>
-  </p:transition>
-</p:sld>
-</file>
-
-<file path=ppt/slides/slide33.xml><?xml version="1.0" encoding="utf-8"?>
-<p:sld xmlns:a="http://schemas.openxmlformats.org/drawingml/2006/main" xmlns:r="http://schemas.openxmlformats.org/officeDocument/2006/relationships" xmlns:p="http://schemas.openxmlformats.org/presentationml/2006/main">
-  <p:cSld>
-    <p:spTree>
-      <p:nvGrpSpPr>
-        <p:cNvPr id="1" name=""/>
-        <p:cNvGrpSpPr/>
-        <p:nvPr/>
-      </p:nvGrpSpPr>
-      <p:grpSpPr>
-        <a:xfrm>
-          <a:off x="0" y="0"/>
-          <a:ext cx="0" cy="0"/>
-          <a:chOff x="0" y="0"/>
-          <a:chExt cx="0" cy="0"/>
-        </a:xfrm>
-      </p:grpSpPr>
-      <p:sp>
-        <p:nvSpPr>
-          <p:cNvPr id="2" name="Title 1">
-            <a:extLst>
-              <a:ext uri="{FF2B5EF4-FFF2-40B4-BE49-F238E27FC236}">
-                <a16:creationId xmlns:a16="http://schemas.microsoft.com/office/drawing/2014/main" id="{295E1D38-3D23-418B-9E92-A7CA42DEA52F}"/>
-              </a:ext>
-            </a:extLst>
-          </p:cNvPr>
-          <p:cNvSpPr>
-            <a:spLocks noGrp="1"/>
-          </p:cNvSpPr>
-          <p:nvPr>
-            <p:ph type="title"/>
-          </p:nvPr>
-        </p:nvSpPr>
-        <p:spPr/>
-        <p:txBody>
-          <a:bodyPr/>
-          <a:lstStyle/>
-          <a:p>
-            <a:r>
-              <a:rPr lang="en-US" dirty="0"/>
-              <a:t>Exploratory Privacy Attacks</a:t>
-            </a:r>
-          </a:p>
-        </p:txBody>
-      </p:sp>
-      <p:sp>
-        <p:nvSpPr>
-          <p:cNvPr id="3" name="Text Placeholder 2">
-            <a:extLst>
-              <a:ext uri="{FF2B5EF4-FFF2-40B4-BE49-F238E27FC236}">
-                <a16:creationId xmlns:a16="http://schemas.microsoft.com/office/drawing/2014/main" id="{50C62F5D-93C9-4906-A989-4DB48086C46B}"/>
-              </a:ext>
-            </a:extLst>
-          </p:cNvPr>
-          <p:cNvSpPr>
-            <a:spLocks noGrp="1"/>
-          </p:cNvSpPr>
-          <p:nvPr>
-            <p:ph type="body" idx="1"/>
-          </p:nvPr>
-        </p:nvSpPr>
-        <p:spPr/>
-        <p:txBody>
-          <a:bodyPr/>
-          <a:lstStyle/>
-          <a:p>
-            <a:r>
-              <a:rPr lang="en-US" dirty="0"/>
-              <a:t> Stealing Machine Learning Models</a:t>
-            </a:r>
-          </a:p>
-        </p:txBody>
-      </p:sp>
-    </p:spTree>
-    <p:extLst>
-      <p:ext uri="{BB962C8B-B14F-4D97-AF65-F5344CB8AC3E}">
-        <p14:creationId xmlns:p14="http://schemas.microsoft.com/office/powerpoint/2010/main" val="3999666179"/>
-      </p:ext>
-    </p:extLst>
-  </p:cSld>
-  <p:clrMapOvr>
-    <a:masterClrMapping/>
-  </p:clrMapOvr>
-  <p:transition>
-    <p:fade/>
-  </p:transition>
-</p:sld>
-</file>
-
-<file path=ppt/slides/slide34.xml><?xml version="1.0" encoding="utf-8"?>
-<p:sld xmlns:a="http://schemas.openxmlformats.org/drawingml/2006/main" xmlns:r="http://schemas.openxmlformats.org/officeDocument/2006/relationships" xmlns:p="http://schemas.openxmlformats.org/presentationml/2006/main">
-  <p:cSld>
-    <p:spTree>
-      <p:nvGrpSpPr>
-        <p:cNvPr id="1" name=""/>
-        <p:cNvGrpSpPr/>
-        <p:nvPr/>
-      </p:nvGrpSpPr>
-      <p:grpSpPr>
-        <a:xfrm>
-          <a:off x="0" y="0"/>
-          <a:ext cx="0" cy="0"/>
-          <a:chOff x="0" y="0"/>
-          <a:chExt cx="0" cy="0"/>
-        </a:xfrm>
-      </p:grpSpPr>
-      <p:sp>
-        <p:nvSpPr>
-          <p:cNvPr id="4" name="Title 3">
-            <a:extLst>
-              <a:ext uri="{FF2B5EF4-FFF2-40B4-BE49-F238E27FC236}">
-                <a16:creationId xmlns:a16="http://schemas.microsoft.com/office/drawing/2014/main" id="{29CD8525-19F1-42E0-9C77-81044C69CDA8}"/>
-              </a:ext>
-            </a:extLst>
-          </p:cNvPr>
-          <p:cNvSpPr>
-            <a:spLocks noGrp="1"/>
-          </p:cNvSpPr>
-          <p:nvPr>
-            <p:ph type="title"/>
-          </p:nvPr>
-        </p:nvSpPr>
-        <p:spPr/>
-        <p:txBody>
-          <a:bodyPr/>
-          <a:lstStyle/>
-          <a:p>
-            <a:r>
-              <a:rPr lang="en-US" dirty="0"/>
-              <a:t>Stealing Machine Learning Models</a:t>
-            </a:r>
-          </a:p>
-        </p:txBody>
-      </p:sp>
-      <p:sp>
-        <p:nvSpPr>
-          <p:cNvPr id="5" name="Content Placeholder 4">
-            <a:extLst>
-              <a:ext uri="{FF2B5EF4-FFF2-40B4-BE49-F238E27FC236}">
-                <a16:creationId xmlns:a16="http://schemas.microsoft.com/office/drawing/2014/main" id="{A253B07C-F3AE-428F-814F-DD90ABCFF96A}"/>
-              </a:ext>
-            </a:extLst>
-          </p:cNvPr>
-          <p:cNvSpPr>
-            <a:spLocks noGrp="1"/>
-          </p:cNvSpPr>
-          <p:nvPr>
-            <p:ph idx="1"/>
-          </p:nvPr>
-        </p:nvSpPr>
-        <p:spPr/>
-        <p:txBody>
-          <a:bodyPr/>
-          <a:lstStyle/>
-          <a:p>
-            <a:r>
-              <a:rPr lang="en-US" b="1" dirty="0"/>
-              <a:t>Core Idea</a:t>
-            </a:r>
-            <a:r>
-              <a:rPr lang="en-US" dirty="0"/>
-              <a:t>: Look at the output of a machine learning model to recreate the model. Fundamentally, it is based on Hinton’s neural network distillation work. [1]</a:t>
-            </a:r>
-          </a:p>
-        </p:txBody>
-      </p:sp>
-      <p:sp>
-        <p:nvSpPr>
-          <p:cNvPr id="6" name="Rectangle 5">
-            <a:extLst>
-              <a:ext uri="{FF2B5EF4-FFF2-40B4-BE49-F238E27FC236}">
-                <a16:creationId xmlns:a16="http://schemas.microsoft.com/office/drawing/2014/main" id="{2BBE7FCB-6FA5-4CE1-815E-454B3563FAD9}"/>
-              </a:ext>
-            </a:extLst>
-          </p:cNvPr>
-          <p:cNvSpPr/>
-          <p:nvPr/>
-        </p:nvSpPr>
-        <p:spPr>
-          <a:xfrm>
-            <a:off x="0" y="4824166"/>
-            <a:ext cx="8905460" cy="2031325"/>
-          </a:xfrm>
-          <a:prstGeom prst="rect">
-            <a:avLst/>
-          </a:prstGeom>
-        </p:spPr>
-        <p:txBody>
-          <a:bodyPr wrap="square">
-            <a:spAutoFit/>
-          </a:bodyPr>
-          <a:lstStyle/>
-          <a:p>
-            <a:r>
-              <a:rPr lang="en-US" dirty="0"/>
-              <a:t>[1]	G. Hinton, O. </a:t>
-            </a:r>
-            <a:r>
-              <a:rPr lang="en-US" dirty="0" err="1"/>
-              <a:t>Vinyals</a:t>
-            </a:r>
-            <a:r>
-              <a:rPr lang="en-US" dirty="0"/>
-              <a:t>, and J. Dean, “Distilling the Knowledge in a Neural Network,” pp. 1–9, 2015.</a:t>
-            </a:r>
-          </a:p>
-          <a:p>
-            <a:r>
-              <a:rPr lang="en-US" dirty="0"/>
-              <a:t>[2]	Y. Shi, Y. </a:t>
-            </a:r>
-            <a:r>
-              <a:rPr lang="en-US" dirty="0" err="1"/>
-              <a:t>Sagduyu</a:t>
-            </a:r>
-            <a:r>
-              <a:rPr lang="en-US" dirty="0"/>
-              <a:t>, and A. </a:t>
-            </a:r>
-            <a:r>
-              <a:rPr lang="en-US" dirty="0" err="1"/>
-              <a:t>Grushin</a:t>
-            </a:r>
-            <a:r>
-              <a:rPr lang="en-US" dirty="0"/>
-              <a:t>, “How to Steal a Machine Learning Classifier with Deep Learning,” 2017.</a:t>
-            </a:r>
-          </a:p>
-          <a:p>
-            <a:r>
-              <a:rPr lang="en-US" dirty="0"/>
-              <a:t>[3]	F. </a:t>
-            </a:r>
-            <a:r>
-              <a:rPr lang="en-US" dirty="0" err="1"/>
-              <a:t>Tramer</a:t>
-            </a:r>
-            <a:r>
-              <a:rPr lang="en-US" dirty="0"/>
-              <a:t>, F. Zhang, A. Jules, M. Reiter, and T. </a:t>
-            </a:r>
-            <a:r>
-              <a:rPr lang="en-US" dirty="0" err="1"/>
-              <a:t>Ristenpart</a:t>
-            </a:r>
-            <a:r>
-              <a:rPr lang="en-US" dirty="0"/>
-              <a:t>, “Stealing Machine Learning Models via Prediction APIs Florian,” in </a:t>
-            </a:r>
-            <a:r>
-              <a:rPr lang="en-US" i="1" dirty="0"/>
-              <a:t>25th USENIX Security Symposium</a:t>
-            </a:r>
-            <a:r>
-              <a:rPr lang="en-US" dirty="0"/>
-              <a:t>, 2016.</a:t>
-            </a:r>
-          </a:p>
-        </p:txBody>
-      </p:sp>
-      <p:pic>
-        <p:nvPicPr>
-          <p:cNvPr id="8" name="Picture 7">
-            <a:extLst>
-              <a:ext uri="{FF2B5EF4-FFF2-40B4-BE49-F238E27FC236}">
-                <a16:creationId xmlns:a16="http://schemas.microsoft.com/office/drawing/2014/main" id="{D7127AD2-F50A-4E53-991E-1DF94FB7E6D5}"/>
-              </a:ext>
-            </a:extLst>
-          </p:cNvPr>
-          <p:cNvPicPr>
-            <a:picLocks noChangeAspect="1"/>
-          </p:cNvPicPr>
-          <p:nvPr/>
-        </p:nvPicPr>
-        <p:blipFill>
-          <a:blip r:embed="rId2"/>
-          <a:stretch>
-            <a:fillRect/>
-          </a:stretch>
-        </p:blipFill>
-        <p:spPr>
-          <a:xfrm>
-            <a:off x="1762125" y="2071687"/>
-            <a:ext cx="2676525" cy="2482665"/>
-          </a:xfrm>
-          <a:prstGeom prst="rect">
-            <a:avLst/>
-          </a:prstGeom>
-        </p:spPr>
-      </p:pic>
-      <p:sp>
-        <p:nvSpPr>
-          <p:cNvPr id="9" name="TextBox 8">
-            <a:extLst>
-              <a:ext uri="{FF2B5EF4-FFF2-40B4-BE49-F238E27FC236}">
-                <a16:creationId xmlns:a16="http://schemas.microsoft.com/office/drawing/2014/main" id="{09FAF461-BC41-4A41-8E60-938D74D4CC14}"/>
-              </a:ext>
-            </a:extLst>
-          </p:cNvPr>
-          <p:cNvSpPr txBox="1"/>
-          <p:nvPr/>
-        </p:nvSpPr>
-        <p:spPr>
-          <a:xfrm>
-            <a:off x="4157662" y="4209903"/>
-            <a:ext cx="561975" cy="369332"/>
-          </a:xfrm>
-          <a:prstGeom prst="rect">
-            <a:avLst/>
-          </a:prstGeom>
-          <a:noFill/>
-        </p:spPr>
-        <p:txBody>
-          <a:bodyPr wrap="square" rtlCol="0">
-            <a:spAutoFit/>
-          </a:bodyPr>
-          <a:lstStyle/>
-          <a:p>
-            <a:r>
-              <a:rPr lang="en-US" dirty="0"/>
-              <a:t>[2]</a:t>
-            </a:r>
-          </a:p>
-        </p:txBody>
-      </p:sp>
-      <p:pic>
-        <p:nvPicPr>
-          <p:cNvPr id="11" name="Picture 10">
-            <a:extLst>
-              <a:ext uri="{FF2B5EF4-FFF2-40B4-BE49-F238E27FC236}">
-                <a16:creationId xmlns:a16="http://schemas.microsoft.com/office/drawing/2014/main" id="{44AA0C6C-672C-4C75-9CA9-8BFA6CCE56D2}"/>
-              </a:ext>
-            </a:extLst>
-          </p:cNvPr>
-          <p:cNvPicPr>
-            <a:picLocks noChangeAspect="1"/>
-          </p:cNvPicPr>
-          <p:nvPr/>
-        </p:nvPicPr>
-        <p:blipFill>
-          <a:blip r:embed="rId3"/>
-          <a:stretch>
-            <a:fillRect/>
-          </a:stretch>
-        </p:blipFill>
-        <p:spPr>
-          <a:xfrm>
-            <a:off x="4572000" y="2194221"/>
-            <a:ext cx="3743325" cy="1447800"/>
-          </a:xfrm>
-          <a:prstGeom prst="rect">
-            <a:avLst/>
-          </a:prstGeom>
-        </p:spPr>
-      </p:pic>
-      <p:sp>
-        <p:nvSpPr>
-          <p:cNvPr id="12" name="TextBox 11">
-            <a:extLst>
-              <a:ext uri="{FF2B5EF4-FFF2-40B4-BE49-F238E27FC236}">
-                <a16:creationId xmlns:a16="http://schemas.microsoft.com/office/drawing/2014/main" id="{59581530-5EE4-410F-815D-351650DAC25A}"/>
-              </a:ext>
-            </a:extLst>
-          </p:cNvPr>
-          <p:cNvSpPr txBox="1"/>
-          <p:nvPr/>
-        </p:nvSpPr>
-        <p:spPr>
-          <a:xfrm>
-            <a:off x="7967662" y="3457355"/>
-            <a:ext cx="561975" cy="369332"/>
-          </a:xfrm>
-          <a:prstGeom prst="rect">
-            <a:avLst/>
-          </a:prstGeom>
-          <a:noFill/>
-        </p:spPr>
-        <p:txBody>
-          <a:bodyPr wrap="square" rtlCol="0">
-            <a:spAutoFit/>
-          </a:bodyPr>
-          <a:lstStyle/>
-          <a:p>
-            <a:r>
-              <a:rPr lang="en-US" dirty="0"/>
-              <a:t>[3]</a:t>
-            </a:r>
-          </a:p>
-        </p:txBody>
-      </p:sp>
-    </p:spTree>
-    <p:extLst>
-      <p:ext uri="{BB962C8B-B14F-4D97-AF65-F5344CB8AC3E}">
-        <p14:creationId xmlns:p14="http://schemas.microsoft.com/office/powerpoint/2010/main" val="4226659732"/>
-      </p:ext>
-    </p:extLst>
-  </p:cSld>
-  <p:clrMapOvr>
-    <a:masterClrMapping/>
-  </p:clrMapOvr>
-  <p:transition>
-    <p:fade/>
-  </p:transition>
-</p:sld>
-</file>
-
-<file path=ppt/slides/slide35.xml><?xml version="1.0" encoding="utf-8"?>
-<p:sld xmlns:a="http://schemas.openxmlformats.org/drawingml/2006/main" xmlns:r="http://schemas.openxmlformats.org/officeDocument/2006/relationships" xmlns:p="http://schemas.openxmlformats.org/presentationml/2006/main">
-  <p:cSld>
-    <p:spTree>
-      <p:nvGrpSpPr>
-        <p:cNvPr id="1" name=""/>
-        <p:cNvGrpSpPr/>
-        <p:nvPr/>
-      </p:nvGrpSpPr>
-      <p:grpSpPr>
-        <a:xfrm>
-          <a:off x="0" y="0"/>
-          <a:ext cx="0" cy="0"/>
-          <a:chOff x="0" y="0"/>
-          <a:chExt cx="0" cy="0"/>
-        </a:xfrm>
-      </p:grpSpPr>
-      <p:sp>
-        <p:nvSpPr>
-          <p:cNvPr id="2" name="Title 1">
-            <a:extLst>
-              <a:ext uri="{FF2B5EF4-FFF2-40B4-BE49-F238E27FC236}">
-                <a16:creationId xmlns:a16="http://schemas.microsoft.com/office/drawing/2014/main" id="{D807045F-F1A6-4095-9CDD-07FC9689FE91}"/>
-              </a:ext>
-            </a:extLst>
-          </p:cNvPr>
-          <p:cNvSpPr>
-            <a:spLocks noGrp="1"/>
-          </p:cNvSpPr>
-          <p:nvPr>
-            <p:ph type="title"/>
-          </p:nvPr>
-        </p:nvSpPr>
-        <p:spPr/>
-        <p:txBody>
-          <a:bodyPr/>
-          <a:lstStyle/>
-          <a:p>
-            <a:r>
-              <a:rPr lang="en-US" dirty="0"/>
-              <a:t>Other Ideas</a:t>
-            </a:r>
-          </a:p>
-        </p:txBody>
-      </p:sp>
-      <p:sp>
-        <p:nvSpPr>
-          <p:cNvPr id="3" name="Content Placeholder 2">
-            <a:extLst>
-              <a:ext uri="{FF2B5EF4-FFF2-40B4-BE49-F238E27FC236}">
-                <a16:creationId xmlns:a16="http://schemas.microsoft.com/office/drawing/2014/main" id="{5E135B00-9E00-418D-9038-92652C38F6EA}"/>
-              </a:ext>
-            </a:extLst>
-          </p:cNvPr>
-          <p:cNvSpPr>
-            <a:spLocks noGrp="1"/>
-          </p:cNvSpPr>
-          <p:nvPr>
-            <p:ph idx="1"/>
-          </p:nvPr>
-        </p:nvSpPr>
-        <p:spPr/>
-        <p:txBody>
-          <a:bodyPr/>
-          <a:lstStyle/>
-          <a:p>
-            <a:r>
-              <a:rPr lang="en-US" b="1" dirty="0"/>
-              <a:t>Membership Inference Attacks </a:t>
-            </a:r>
-            <a:r>
-              <a:rPr lang="en-US" dirty="0"/>
-              <a:t>– Given a machine learning model and some data, determine if the data was used to train the model. [1]</a:t>
-            </a:r>
-          </a:p>
-        </p:txBody>
-      </p:sp>
-      <p:sp>
-        <p:nvSpPr>
-          <p:cNvPr id="5" name="Rectangle 4">
-            <a:extLst>
-              <a:ext uri="{FF2B5EF4-FFF2-40B4-BE49-F238E27FC236}">
-                <a16:creationId xmlns:a16="http://schemas.microsoft.com/office/drawing/2014/main" id="{3CB8E65D-5B96-4637-82EB-D3C38E8DE45A}"/>
-              </a:ext>
-            </a:extLst>
-          </p:cNvPr>
-          <p:cNvSpPr/>
-          <p:nvPr/>
-        </p:nvSpPr>
-        <p:spPr>
-          <a:xfrm>
-            <a:off x="0" y="6122292"/>
-            <a:ext cx="8905460" cy="646331"/>
-          </a:xfrm>
-          <a:prstGeom prst="rect">
-            <a:avLst/>
-          </a:prstGeom>
-        </p:spPr>
-        <p:txBody>
-          <a:bodyPr wrap="square">
-            <a:spAutoFit/>
-          </a:bodyPr>
-          <a:lstStyle/>
-          <a:p>
-            <a:r>
-              <a:rPr lang="en-US" dirty="0"/>
-              <a:t>[1]	R. Shokri, M. </a:t>
-            </a:r>
-            <a:r>
-              <a:rPr lang="en-US" dirty="0" err="1"/>
-              <a:t>Stronati</a:t>
-            </a:r>
-            <a:r>
-              <a:rPr lang="en-US" dirty="0"/>
-              <a:t>, C. Song, and V. </a:t>
-            </a:r>
-            <a:r>
-              <a:rPr lang="en-US" dirty="0" err="1"/>
-              <a:t>Shmatikov</a:t>
-            </a:r>
-            <a:r>
-              <a:rPr lang="en-US" dirty="0"/>
-              <a:t>, “Membership Inference Attacks against Machine Learning Models,” </a:t>
-            </a:r>
-            <a:r>
-              <a:rPr lang="en-US" i="1" dirty="0"/>
-              <a:t>IEEE </a:t>
-            </a:r>
-            <a:r>
-              <a:rPr lang="en-US" i="1" dirty="0" err="1"/>
-              <a:t>Secur</a:t>
-            </a:r>
-            <a:r>
-              <a:rPr lang="en-US" i="1" dirty="0"/>
-              <a:t>. Priv.</a:t>
-            </a:r>
-            <a:r>
-              <a:rPr lang="en-US" dirty="0"/>
-              <a:t>, 2017.</a:t>
-            </a:r>
-          </a:p>
-        </p:txBody>
-      </p:sp>
-    </p:spTree>
-    <p:extLst>
-      <p:ext uri="{BB962C8B-B14F-4D97-AF65-F5344CB8AC3E}">
-        <p14:creationId xmlns:p14="http://schemas.microsoft.com/office/powerpoint/2010/main" val="2356112662"/>
-      </p:ext>
-    </p:extLst>
-  </p:cSld>
-  <p:clrMapOvr>
-    <a:masterClrMapping/>
-  </p:clrMapOvr>
-  <p:transition>
-    <p:fade/>
-  </p:transition>
-</p:sld>
-</file>
-
-<file path=ppt/slides/slide36.xml><?xml version="1.0" encoding="utf-8"?>
-<p:sld xmlns:a="http://schemas.openxmlformats.org/drawingml/2006/main" xmlns:r="http://schemas.openxmlformats.org/officeDocument/2006/relationships" xmlns:p="http://schemas.openxmlformats.org/presentationml/2006/main">
-  <p:cSld>
-    <p:spTree>
-      <p:nvGrpSpPr>
-        <p:cNvPr id="1" name=""/>
-        <p:cNvGrpSpPr/>
-        <p:nvPr/>
-      </p:nvGrpSpPr>
-      <p:grpSpPr>
-        <a:xfrm>
-          <a:off x="0" y="0"/>
-          <a:ext cx="0" cy="0"/>
-          <a:chOff x="0" y="0"/>
-          <a:chExt cx="0" cy="0"/>
-        </a:xfrm>
-      </p:grpSpPr>
-      <p:sp>
-        <p:nvSpPr>
-          <p:cNvPr id="4" name="Title 3">
-            <a:extLst>
-              <a:ext uri="{FF2B5EF4-FFF2-40B4-BE49-F238E27FC236}">
-                <a16:creationId xmlns:a16="http://schemas.microsoft.com/office/drawing/2014/main" id="{E531C7F9-224C-4918-84A3-60490E16C5A5}"/>
-              </a:ext>
-            </a:extLst>
-          </p:cNvPr>
-          <p:cNvSpPr>
-            <a:spLocks noGrp="1"/>
-          </p:cNvSpPr>
-          <p:nvPr>
-            <p:ph type="title"/>
-          </p:nvPr>
-        </p:nvSpPr>
-        <p:spPr/>
-        <p:txBody>
-          <a:bodyPr/>
-          <a:lstStyle/>
-          <a:p>
-            <a:r>
-              <a:rPr lang="en-US" dirty="0"/>
-              <a:t>What is missing?</a:t>
-            </a:r>
-          </a:p>
-        </p:txBody>
-      </p:sp>
-      <p:sp>
-        <p:nvSpPr>
-          <p:cNvPr id="5" name="Content Placeholder 4">
-            <a:extLst>
-              <a:ext uri="{FF2B5EF4-FFF2-40B4-BE49-F238E27FC236}">
-                <a16:creationId xmlns:a16="http://schemas.microsoft.com/office/drawing/2014/main" id="{7812F292-CE66-4778-B4CB-B17505B69790}"/>
-              </a:ext>
-            </a:extLst>
-          </p:cNvPr>
-          <p:cNvSpPr>
-            <a:spLocks noGrp="1"/>
-          </p:cNvSpPr>
-          <p:nvPr>
-            <p:ph idx="1"/>
-          </p:nvPr>
-        </p:nvSpPr>
-        <p:spPr/>
-        <p:txBody>
-          <a:bodyPr/>
-          <a:lstStyle/>
-          <a:p>
-            <a:r>
-              <a:rPr lang="en-US" dirty="0"/>
-              <a:t>Quite a lot. Only a handful of attacks were described for each category.</a:t>
-            </a:r>
-          </a:p>
-          <a:p>
-            <a:r>
-              <a:rPr lang="en-US" dirty="0"/>
-              <a:t>All of the newer deep learning stuff has been left out!</a:t>
-            </a:r>
-          </a:p>
-          <a:p>
-            <a:pPr lvl="1"/>
-            <a:r>
-              <a:rPr lang="en-US" dirty="0"/>
-              <a:t>See: https://blog.openai.com/adversarial-example-research/</a:t>
-            </a:r>
-          </a:p>
-          <a:p>
-            <a:endParaRPr lang="en-US" dirty="0"/>
-          </a:p>
-        </p:txBody>
-      </p:sp>
-    </p:spTree>
-    <p:extLst>
-      <p:ext uri="{BB962C8B-B14F-4D97-AF65-F5344CB8AC3E}">
-        <p14:creationId xmlns:p14="http://schemas.microsoft.com/office/powerpoint/2010/main" val="1947128645"/>
-      </p:ext>
-    </p:extLst>
-  </p:cSld>
-  <p:clrMapOvr>
-    <a:masterClrMapping/>
-  </p:clrMapOvr>
-  <p:transition>
-    <p:fade/>
-  </p:transition>
-</p:sld>
-</file>
-
-<file path=ppt/slides/slide37.xml><?xml version="1.0" encoding="utf-8"?>
-<p:sld xmlns:a="http://schemas.openxmlformats.org/drawingml/2006/main" xmlns:r="http://schemas.openxmlformats.org/officeDocument/2006/relationships" xmlns:p="http://schemas.openxmlformats.org/presentationml/2006/main">
-  <p:cSld>
-    <p:spTree>
-      <p:nvGrpSpPr>
-        <p:cNvPr id="1" name=""/>
-        <p:cNvGrpSpPr/>
-        <p:nvPr/>
-      </p:nvGrpSpPr>
-      <p:grpSpPr>
-        <a:xfrm>
-          <a:off x="0" y="0"/>
-          <a:ext cx="0" cy="0"/>
-          <a:chOff x="0" y="0"/>
-          <a:chExt cx="0" cy="0"/>
-        </a:xfrm>
-      </p:grpSpPr>
-      <p:sp>
-        <p:nvSpPr>
-          <p:cNvPr id="2" name="Title 1">
-            <a:extLst>
-              <a:ext uri="{FF2B5EF4-FFF2-40B4-BE49-F238E27FC236}">
-                <a16:creationId xmlns:a16="http://schemas.microsoft.com/office/drawing/2014/main" id="{09E44EB8-08A2-43EC-A115-77B99FC33C0B}"/>
-              </a:ext>
-            </a:extLst>
-          </p:cNvPr>
-          <p:cNvSpPr>
-            <a:spLocks noGrp="1"/>
-          </p:cNvSpPr>
-          <p:nvPr>
-            <p:ph type="title"/>
-          </p:nvPr>
-        </p:nvSpPr>
-        <p:spPr/>
-        <p:txBody>
-          <a:bodyPr/>
-          <a:lstStyle/>
-          <a:p>
-            <a:r>
-              <a:rPr lang="en-US" dirty="0"/>
-              <a:t>Defenses Against Supervised Learning</a:t>
-            </a:r>
-          </a:p>
-        </p:txBody>
-      </p:sp>
-      <p:sp>
-        <p:nvSpPr>
-          <p:cNvPr id="3" name="Text Placeholder 2">
-            <a:extLst>
-              <a:ext uri="{FF2B5EF4-FFF2-40B4-BE49-F238E27FC236}">
-                <a16:creationId xmlns:a16="http://schemas.microsoft.com/office/drawing/2014/main" id="{F0DC2E67-1E73-4036-BBFF-9C9E0F413DB8}"/>
-              </a:ext>
-            </a:extLst>
-          </p:cNvPr>
-          <p:cNvSpPr>
-            <a:spLocks noGrp="1"/>
-          </p:cNvSpPr>
-          <p:nvPr>
-            <p:ph type="body" idx="1"/>
-          </p:nvPr>
-        </p:nvSpPr>
-        <p:spPr/>
-        <p:txBody>
-          <a:bodyPr/>
-          <a:lstStyle/>
-          <a:p>
-            <a:r>
-              <a:rPr lang="en-US" dirty="0"/>
-              <a:t> Reject on Negative Impact</a:t>
-            </a:r>
-          </a:p>
-        </p:txBody>
-      </p:sp>
-    </p:spTree>
-    <p:extLst>
-      <p:ext uri="{BB962C8B-B14F-4D97-AF65-F5344CB8AC3E}">
-        <p14:creationId xmlns:p14="http://schemas.microsoft.com/office/powerpoint/2010/main" val="3512938919"/>
-      </p:ext>
-    </p:extLst>
-  </p:cSld>
-  <p:clrMapOvr>
-    <a:masterClrMapping/>
-  </p:clrMapOvr>
-  <p:transition>
-    <p:fade/>
-  </p:transition>
-</p:sld>
-</file>
-
-<file path=ppt/slides/slide38.xml><?xml version="1.0" encoding="utf-8"?>
-<p:sld xmlns:a="http://schemas.openxmlformats.org/drawingml/2006/main" xmlns:r="http://schemas.openxmlformats.org/officeDocument/2006/relationships" xmlns:p="http://schemas.openxmlformats.org/presentationml/2006/main">
-  <p:cSld>
-    <p:spTree>
-      <p:nvGrpSpPr>
-        <p:cNvPr id="1" name=""/>
-        <p:cNvGrpSpPr/>
-        <p:nvPr/>
-      </p:nvGrpSpPr>
-      <p:grpSpPr>
-        <a:xfrm>
-          <a:off x="0" y="0"/>
-          <a:ext cx="0" cy="0"/>
-          <a:chOff x="0" y="0"/>
-          <a:chExt cx="0" cy="0"/>
-        </a:xfrm>
-      </p:grpSpPr>
-      <p:sp>
-        <p:nvSpPr>
-          <p:cNvPr id="4" name="Title 3">
-            <a:extLst>
-              <a:ext uri="{FF2B5EF4-FFF2-40B4-BE49-F238E27FC236}">
-                <a16:creationId xmlns:a16="http://schemas.microsoft.com/office/drawing/2014/main" id="{D80C1E65-D093-46B2-ACAB-5527510BF54F}"/>
-              </a:ext>
-            </a:extLst>
-          </p:cNvPr>
-          <p:cNvSpPr>
-            <a:spLocks noGrp="1"/>
-          </p:cNvSpPr>
-          <p:nvPr>
-            <p:ph type="title"/>
-          </p:nvPr>
-        </p:nvSpPr>
-        <p:spPr/>
-        <p:txBody>
-          <a:bodyPr/>
-          <a:lstStyle/>
-          <a:p>
-            <a:r>
-              <a:rPr lang="en-US" dirty="0"/>
-              <a:t>Reject on Negative Impact</a:t>
-            </a:r>
-          </a:p>
-        </p:txBody>
-      </p:sp>
-      <p:sp>
-        <p:nvSpPr>
-          <p:cNvPr id="5" name="Content Placeholder 4">
-            <a:extLst>
-              <a:ext uri="{FF2B5EF4-FFF2-40B4-BE49-F238E27FC236}">
-                <a16:creationId xmlns:a16="http://schemas.microsoft.com/office/drawing/2014/main" id="{0E91CF64-CC54-4624-8A08-814F0AEDA4BD}"/>
-              </a:ext>
-            </a:extLst>
-          </p:cNvPr>
-          <p:cNvSpPr>
-            <a:spLocks noGrp="1"/>
-          </p:cNvSpPr>
-          <p:nvPr>
-            <p:ph idx="1"/>
-          </p:nvPr>
-        </p:nvSpPr>
-        <p:spPr/>
-        <p:txBody>
-          <a:bodyPr/>
-          <a:lstStyle/>
-          <a:p>
-            <a:r>
-              <a:rPr lang="en-US" b="1" dirty="0"/>
-              <a:t>Core Idea</a:t>
-            </a:r>
-            <a:r>
-              <a:rPr lang="en-US" dirty="0"/>
-              <a:t>: For each new data, measure the incremental impact on performance. Eliminate the new data if it has a sufficiently large impact on performance.</a:t>
-            </a:r>
-          </a:p>
-        </p:txBody>
-      </p:sp>
-      <p:sp>
-        <p:nvSpPr>
-          <p:cNvPr id="6" name="Rectangle 5">
-            <a:extLst>
-              <a:ext uri="{FF2B5EF4-FFF2-40B4-BE49-F238E27FC236}">
-                <a16:creationId xmlns:a16="http://schemas.microsoft.com/office/drawing/2014/main" id="{0080BDA9-2853-4270-97CE-D5B13B5172B7}"/>
-              </a:ext>
-            </a:extLst>
-          </p:cNvPr>
-          <p:cNvSpPr/>
-          <p:nvPr/>
-        </p:nvSpPr>
-        <p:spPr>
-          <a:xfrm>
-            <a:off x="0" y="5934670"/>
-            <a:ext cx="8905460" cy="923330"/>
-          </a:xfrm>
-          <a:prstGeom prst="rect">
-            <a:avLst/>
-          </a:prstGeom>
-        </p:spPr>
-        <p:txBody>
-          <a:bodyPr wrap="square">
-            <a:spAutoFit/>
-          </a:bodyPr>
-          <a:lstStyle/>
-          <a:p>
-            <a:r>
-              <a:rPr lang="en-US" dirty="0"/>
-              <a:t>[1]	B. Nelson, M. </a:t>
-            </a:r>
-            <a:r>
-              <a:rPr lang="en-US" dirty="0" err="1"/>
-              <a:t>Barreno</a:t>
-            </a:r>
-            <a:r>
-              <a:rPr lang="en-US" dirty="0"/>
-              <a:t>, F. J. Chi, A. D. Joseph, B. I. P. Rubinstein, U. Saini, C. Sutton, J. D. </a:t>
-            </a:r>
-            <a:r>
-              <a:rPr lang="en-US" dirty="0" err="1"/>
-              <a:t>Tygar</a:t>
-            </a:r>
-            <a:r>
-              <a:rPr lang="en-US" dirty="0"/>
-              <a:t>, and K. Xia, “Exploiting machine learning to subvert your spam filter,” </a:t>
-            </a:r>
-            <a:r>
-              <a:rPr lang="en-US" i="1" dirty="0"/>
-              <a:t>Proc. First Work. Large-scale Exploit. </a:t>
-            </a:r>
-            <a:r>
-              <a:rPr lang="en-US" i="1" dirty="0" err="1"/>
-              <a:t>Emerg</a:t>
-            </a:r>
-            <a:r>
-              <a:rPr lang="en-US" i="1" dirty="0"/>
-              <a:t>. Threat.</a:t>
-            </a:r>
-            <a:r>
-              <a:rPr lang="en-US" dirty="0"/>
-              <a:t>, p. Article 7, 2008.</a:t>
-            </a:r>
-          </a:p>
-        </p:txBody>
-      </p:sp>
-    </p:spTree>
-    <p:extLst>
-      <p:ext uri="{BB962C8B-B14F-4D97-AF65-F5344CB8AC3E}">
-        <p14:creationId xmlns:p14="http://schemas.microsoft.com/office/powerpoint/2010/main" val="3692201380"/>
-      </p:ext>
-    </p:extLst>
-  </p:cSld>
-  <p:clrMapOvr>
-    <a:masterClrMapping/>
-  </p:clrMapOvr>
-  <p:transition>
-    <p:fade/>
-  </p:transition>
-</p:sld>
-</file>
-
-<file path=ppt/slides/slide39.xml><?xml version="1.0" encoding="utf-8"?>
-<p:sld xmlns:a="http://schemas.openxmlformats.org/drawingml/2006/main" xmlns:r="http://schemas.openxmlformats.org/officeDocument/2006/relationships" xmlns:p="http://schemas.openxmlformats.org/presentationml/2006/main">
-  <p:cSld>
-    <p:spTree>
-      <p:nvGrpSpPr>
-        <p:cNvPr id="1" name=""/>
-        <p:cNvGrpSpPr/>
-        <p:nvPr/>
-      </p:nvGrpSpPr>
-      <p:grpSpPr>
-        <a:xfrm>
-          <a:off x="0" y="0"/>
-          <a:ext cx="0" cy="0"/>
-          <a:chOff x="0" y="0"/>
-          <a:chExt cx="0" cy="0"/>
-        </a:xfrm>
-      </p:grpSpPr>
-      <p:sp>
-        <p:nvSpPr>
-          <p:cNvPr id="4" name="Title 3">
-            <a:extLst>
-              <a:ext uri="{FF2B5EF4-FFF2-40B4-BE49-F238E27FC236}">
-                <a16:creationId xmlns:a16="http://schemas.microsoft.com/office/drawing/2014/main" id="{7C465F97-6EF2-4E9B-A6D7-D8CBDE5F0E85}"/>
-              </a:ext>
-            </a:extLst>
-          </p:cNvPr>
-          <p:cNvSpPr>
-            <a:spLocks noGrp="1"/>
-          </p:cNvSpPr>
-          <p:nvPr>
-            <p:ph type="title"/>
-          </p:nvPr>
-        </p:nvSpPr>
-        <p:spPr/>
-        <p:txBody>
-          <a:bodyPr/>
-          <a:lstStyle/>
-          <a:p>
-            <a:r>
-              <a:rPr lang="en-US" dirty="0"/>
-              <a:t>What is missing?</a:t>
-            </a:r>
-          </a:p>
-        </p:txBody>
-      </p:sp>
-      <p:sp>
-        <p:nvSpPr>
-          <p:cNvPr id="5" name="Content Placeholder 4">
-            <a:extLst>
-              <a:ext uri="{FF2B5EF4-FFF2-40B4-BE49-F238E27FC236}">
-                <a16:creationId xmlns:a16="http://schemas.microsoft.com/office/drawing/2014/main" id="{B338C2D5-4AF4-4812-A5EF-06155A367F73}"/>
-              </a:ext>
-            </a:extLst>
-          </p:cNvPr>
-          <p:cNvSpPr>
-            <a:spLocks noGrp="1"/>
-          </p:cNvSpPr>
-          <p:nvPr>
-            <p:ph idx="1"/>
-          </p:nvPr>
-        </p:nvSpPr>
-        <p:spPr/>
-        <p:txBody>
-          <a:bodyPr/>
-          <a:lstStyle/>
-          <a:p>
-            <a:r>
-              <a:rPr lang="en-US" dirty="0"/>
-              <a:t>Quite a lot</a:t>
-            </a:r>
-          </a:p>
-          <a:p>
-            <a:pPr lvl="1"/>
-            <a:r>
-              <a:rPr lang="en-US" dirty="0"/>
-              <a:t>Randomization</a:t>
-            </a:r>
-          </a:p>
-          <a:p>
-            <a:pPr lvl="1"/>
-            <a:r>
-              <a:rPr lang="en-US" dirty="0"/>
-              <a:t>Limiting feedback</a:t>
-            </a:r>
-          </a:p>
-          <a:p>
-            <a:r>
-              <a:rPr lang="en-US" dirty="0"/>
-              <a:t>Practically the entire field of robust learning!</a:t>
-            </a:r>
-          </a:p>
-          <a:p>
-            <a:r>
-              <a:rPr lang="en-US" dirty="0"/>
-              <a:t>All defenses that are responses to the deep learning attacks!</a:t>
-            </a:r>
-          </a:p>
-          <a:p>
-            <a:pPr lvl="1"/>
-            <a:r>
-              <a:rPr lang="en-US" dirty="0"/>
-              <a:t>Gradient Masking</a:t>
-            </a:r>
-          </a:p>
-          <a:p>
-            <a:pPr lvl="1"/>
-            <a:r>
-              <a:rPr lang="en-US" dirty="0"/>
-              <a:t>Feature Squeezing</a:t>
-            </a:r>
-          </a:p>
-          <a:p>
-            <a:pPr lvl="1"/>
-            <a:r>
-              <a:rPr lang="en-US" dirty="0"/>
-              <a:t>Defensive Distillation</a:t>
-            </a:r>
-          </a:p>
-          <a:p>
-            <a:pPr lvl="1"/>
-            <a:r>
-              <a:rPr lang="en-US" dirty="0" err="1"/>
-              <a:t>MagNet</a:t>
-            </a:r>
-            <a:endParaRPr lang="en-US" dirty="0"/>
-          </a:p>
-          <a:p>
-            <a:pPr lvl="1"/>
-            <a:r>
-              <a:rPr lang="en-US" dirty="0"/>
-              <a:t>Dense Associative Memory</a:t>
-            </a:r>
-          </a:p>
-          <a:p>
-            <a:pPr lvl="1"/>
-            <a:r>
-              <a:rPr lang="en-US" dirty="0"/>
-              <a:t>Distribution Smoothing</a:t>
-            </a:r>
-          </a:p>
-          <a:p>
-            <a:pPr lvl="1"/>
-            <a:endParaRPr lang="en-US" dirty="0"/>
-          </a:p>
-        </p:txBody>
-      </p:sp>
-    </p:spTree>
-    <p:extLst>
-      <p:ext uri="{BB962C8B-B14F-4D97-AF65-F5344CB8AC3E}">
-        <p14:creationId xmlns:p14="http://schemas.microsoft.com/office/powerpoint/2010/main" val="81751356"/>
-      </p:ext>
-    </p:extLst>
-  </p:cSld>
-  <p:clrMapOvr>
-    <a:masterClrMapping/>
-  </p:clrMapOvr>
-  <p:transition>
-    <p:fade/>
-  </p:transition>
-</p:sld>
-</file>
-
 <file path=ppt/slides/slide4.xml><?xml version="1.0" encoding="utf-8"?>
 <p:sld xmlns:a="http://schemas.openxmlformats.org/drawingml/2006/main" xmlns:r="http://schemas.openxmlformats.org/officeDocument/2006/relationships" xmlns:p="http://schemas.openxmlformats.org/presentationml/2006/main">
   <p:cSld>
@@ -13863,1777 +7814,6 @@
     <p:extLst>
       <p:ext uri="{BB962C8B-B14F-4D97-AF65-F5344CB8AC3E}">
         <p14:creationId xmlns:p14="http://schemas.microsoft.com/office/powerpoint/2010/main" val="2076747313"/>
-      </p:ext>
-    </p:extLst>
-  </p:cSld>
-  <p:clrMapOvr>
-    <a:masterClrMapping/>
-  </p:clrMapOvr>
-  <p:transition>
-    <p:fade/>
-  </p:transition>
-</p:sld>
-</file>
-
-<file path=ppt/slides/slide40.xml><?xml version="1.0" encoding="utf-8"?>
-<p:sld xmlns:a="http://schemas.openxmlformats.org/drawingml/2006/main" xmlns:r="http://schemas.openxmlformats.org/officeDocument/2006/relationships" xmlns:p="http://schemas.openxmlformats.org/presentationml/2006/main">
-  <p:cSld>
-    <p:spTree>
-      <p:nvGrpSpPr>
-        <p:cNvPr id="1" name=""/>
-        <p:cNvGrpSpPr/>
-        <p:nvPr/>
-      </p:nvGrpSpPr>
-      <p:grpSpPr>
-        <a:xfrm>
-          <a:off x="0" y="0"/>
-          <a:ext cx="0" cy="0"/>
-          <a:chOff x="0" y="0"/>
-          <a:chExt cx="0" cy="0"/>
-        </a:xfrm>
-      </p:grpSpPr>
-      <p:sp>
-        <p:nvSpPr>
-          <p:cNvPr id="4" name="Title 3">
-            <a:extLst>
-              <a:ext uri="{FF2B5EF4-FFF2-40B4-BE49-F238E27FC236}">
-                <a16:creationId xmlns:a16="http://schemas.microsoft.com/office/drawing/2014/main" id="{BDEEF7C9-9913-4E9E-B2E1-24DC48660353}"/>
-              </a:ext>
-            </a:extLst>
-          </p:cNvPr>
-          <p:cNvSpPr>
-            <a:spLocks noGrp="1"/>
-          </p:cNvSpPr>
-          <p:nvPr>
-            <p:ph type="title"/>
-          </p:nvPr>
-        </p:nvSpPr>
-        <p:spPr/>
-        <p:txBody>
-          <a:bodyPr/>
-          <a:lstStyle/>
-          <a:p>
-            <a:r>
-              <a:rPr lang="en-US" dirty="0"/>
-              <a:t>Attacks and Defenses Against Unsupervised Learning</a:t>
-            </a:r>
-          </a:p>
-        </p:txBody>
-      </p:sp>
-      <p:sp>
-        <p:nvSpPr>
-          <p:cNvPr id="5" name="Text Placeholder 4">
-            <a:extLst>
-              <a:ext uri="{FF2B5EF4-FFF2-40B4-BE49-F238E27FC236}">
-                <a16:creationId xmlns:a16="http://schemas.microsoft.com/office/drawing/2014/main" id="{22C2E355-E2EA-42D2-AA35-333C561CA354}"/>
-              </a:ext>
-            </a:extLst>
-          </p:cNvPr>
-          <p:cNvSpPr>
-            <a:spLocks noGrp="1"/>
-          </p:cNvSpPr>
-          <p:nvPr>
-            <p:ph type="body" idx="1"/>
-          </p:nvPr>
-        </p:nvSpPr>
-        <p:spPr/>
-        <p:txBody>
-          <a:bodyPr/>
-          <a:lstStyle/>
-          <a:p>
-            <a:endParaRPr lang="en-US"/>
-          </a:p>
-        </p:txBody>
-      </p:sp>
-    </p:spTree>
-    <p:extLst>
-      <p:ext uri="{BB962C8B-B14F-4D97-AF65-F5344CB8AC3E}">
-        <p14:creationId xmlns:p14="http://schemas.microsoft.com/office/powerpoint/2010/main" val="3196821120"/>
-      </p:ext>
-    </p:extLst>
-  </p:cSld>
-  <p:clrMapOvr>
-    <a:masterClrMapping/>
-  </p:clrMapOvr>
-  <p:transition>
-    <p:fade/>
-  </p:transition>
-</p:sld>
-</file>
-
-<file path=ppt/slides/slide41.xml><?xml version="1.0" encoding="utf-8"?>
-<p:sld xmlns:a="http://schemas.openxmlformats.org/drawingml/2006/main" xmlns:r="http://schemas.openxmlformats.org/officeDocument/2006/relationships" xmlns:p="http://schemas.openxmlformats.org/presentationml/2006/main">
-  <p:cSld>
-    <p:spTree>
-      <p:nvGrpSpPr>
-        <p:cNvPr id="1" name=""/>
-        <p:cNvGrpSpPr/>
-        <p:nvPr/>
-      </p:nvGrpSpPr>
-      <p:grpSpPr>
-        <a:xfrm>
-          <a:off x="0" y="0"/>
-          <a:ext cx="0" cy="0"/>
-          <a:chOff x="0" y="0"/>
-          <a:chExt cx="0" cy="0"/>
-        </a:xfrm>
-      </p:grpSpPr>
-      <p:sp>
-        <p:nvSpPr>
-          <p:cNvPr id="4" name="Title 3">
-            <a:extLst>
-              <a:ext uri="{FF2B5EF4-FFF2-40B4-BE49-F238E27FC236}">
-                <a16:creationId xmlns:a16="http://schemas.microsoft.com/office/drawing/2014/main" id="{BB8EB9E5-9AA0-45EB-83FC-E5F1DF651EC4}"/>
-              </a:ext>
-            </a:extLst>
-          </p:cNvPr>
-          <p:cNvSpPr>
-            <a:spLocks noGrp="1"/>
-          </p:cNvSpPr>
-          <p:nvPr>
-            <p:ph type="title"/>
-          </p:nvPr>
-        </p:nvSpPr>
-        <p:spPr/>
-        <p:txBody>
-          <a:bodyPr/>
-          <a:lstStyle/>
-          <a:p>
-            <a:r>
-              <a:rPr lang="en-US" dirty="0"/>
-              <a:t>Single Linkage Clustering</a:t>
-            </a:r>
-          </a:p>
-        </p:txBody>
-      </p:sp>
-      <p:sp>
-        <p:nvSpPr>
-          <p:cNvPr id="5" name="Content Placeholder 4">
-            <a:extLst>
-              <a:ext uri="{FF2B5EF4-FFF2-40B4-BE49-F238E27FC236}">
-                <a16:creationId xmlns:a16="http://schemas.microsoft.com/office/drawing/2014/main" id="{67143E1B-550A-4F71-B2FE-1E0D7D0163C2}"/>
-              </a:ext>
-            </a:extLst>
-          </p:cNvPr>
-          <p:cNvSpPr>
-            <a:spLocks noGrp="1"/>
-          </p:cNvSpPr>
-          <p:nvPr>
-            <p:ph idx="1"/>
-          </p:nvPr>
-        </p:nvSpPr>
-        <p:spPr/>
-        <p:txBody>
-          <a:bodyPr/>
-          <a:lstStyle/>
-          <a:p>
-            <a:r>
-              <a:rPr lang="en-US" dirty="0"/>
-              <a:t>Yes, it can be attacked!</a:t>
-            </a:r>
-          </a:p>
-          <a:p>
-            <a:r>
-              <a:rPr lang="en-US" dirty="0"/>
-              <a:t>Not sure of a defense. RONI using some cluster statistic?</a:t>
-            </a:r>
-          </a:p>
-        </p:txBody>
-      </p:sp>
-      <p:pic>
-        <p:nvPicPr>
-          <p:cNvPr id="7" name="Picture 6">
-            <a:extLst>
-              <a:ext uri="{FF2B5EF4-FFF2-40B4-BE49-F238E27FC236}">
-                <a16:creationId xmlns:a16="http://schemas.microsoft.com/office/drawing/2014/main" id="{B30450DD-B4DE-4C47-82FC-9DBC5E564879}"/>
-              </a:ext>
-            </a:extLst>
-          </p:cNvPr>
-          <p:cNvPicPr>
-            <a:picLocks noChangeAspect="1"/>
-          </p:cNvPicPr>
-          <p:nvPr/>
-        </p:nvPicPr>
-        <p:blipFill>
-          <a:blip r:embed="rId2"/>
-          <a:stretch>
-            <a:fillRect/>
-          </a:stretch>
-        </p:blipFill>
-        <p:spPr>
-          <a:xfrm>
-            <a:off x="681037" y="2334221"/>
-            <a:ext cx="7781925" cy="3181350"/>
-          </a:xfrm>
-          <a:prstGeom prst="rect">
-            <a:avLst/>
-          </a:prstGeom>
-        </p:spPr>
-      </p:pic>
-      <p:sp>
-        <p:nvSpPr>
-          <p:cNvPr id="8" name="Rectangle 7">
-            <a:extLst>
-              <a:ext uri="{FF2B5EF4-FFF2-40B4-BE49-F238E27FC236}">
-                <a16:creationId xmlns:a16="http://schemas.microsoft.com/office/drawing/2014/main" id="{CF9A157A-0C9B-4918-92C5-562E42DF70B4}"/>
-              </a:ext>
-            </a:extLst>
-          </p:cNvPr>
-          <p:cNvSpPr/>
-          <p:nvPr/>
-        </p:nvSpPr>
-        <p:spPr>
-          <a:xfrm>
-            <a:off x="0" y="5934670"/>
-            <a:ext cx="8905460" cy="923330"/>
-          </a:xfrm>
-          <a:prstGeom prst="rect">
-            <a:avLst/>
-          </a:prstGeom>
-        </p:spPr>
-        <p:txBody>
-          <a:bodyPr wrap="square">
-            <a:spAutoFit/>
-          </a:bodyPr>
-          <a:lstStyle/>
-          <a:p>
-            <a:r>
-              <a:rPr lang="en-US" dirty="0"/>
-              <a:t>[1]	B. </a:t>
-            </a:r>
-            <a:r>
-              <a:rPr lang="en-US" dirty="0" err="1"/>
-              <a:t>Biggio</a:t>
-            </a:r>
-            <a:r>
-              <a:rPr lang="en-US" dirty="0"/>
-              <a:t>, I. Pillai, S. R. </a:t>
-            </a:r>
-            <a:r>
-              <a:rPr lang="en-US" dirty="0" err="1"/>
-              <a:t>Bulò</a:t>
-            </a:r>
-            <a:r>
-              <a:rPr lang="en-US" dirty="0"/>
-              <a:t>, and D. </a:t>
-            </a:r>
-            <a:r>
-              <a:rPr lang="en-US" dirty="0" err="1"/>
-              <a:t>Ariu</a:t>
-            </a:r>
-            <a:r>
-              <a:rPr lang="en-US" dirty="0"/>
-              <a:t>, “Is data clustering in adversarial settings secure?,” in </a:t>
-            </a:r>
-            <a:r>
-              <a:rPr lang="en-US" i="1" dirty="0" err="1"/>
-              <a:t>AISec</a:t>
-            </a:r>
-            <a:r>
-              <a:rPr lang="en-US" i="1" dirty="0"/>
-              <a:t> ’13 Proceedings of the 2013 ACM workshop on Artificial intelligence and security</a:t>
-            </a:r>
-            <a:r>
-              <a:rPr lang="en-US" dirty="0"/>
-              <a:t>, 2013, pp. 87–97.</a:t>
-            </a:r>
-          </a:p>
-        </p:txBody>
-      </p:sp>
-    </p:spTree>
-    <p:extLst>
-      <p:ext uri="{BB962C8B-B14F-4D97-AF65-F5344CB8AC3E}">
-        <p14:creationId xmlns:p14="http://schemas.microsoft.com/office/powerpoint/2010/main" val="407226260"/>
-      </p:ext>
-    </p:extLst>
-  </p:cSld>
-  <p:clrMapOvr>
-    <a:masterClrMapping/>
-  </p:clrMapOvr>
-  <p:transition>
-    <p:fade/>
-  </p:transition>
-</p:sld>
-</file>
-
-<file path=ppt/slides/slide42.xml><?xml version="1.0" encoding="utf-8"?>
-<p:sld xmlns:a="http://schemas.openxmlformats.org/drawingml/2006/main" xmlns:r="http://schemas.openxmlformats.org/officeDocument/2006/relationships" xmlns:p="http://schemas.openxmlformats.org/presentationml/2006/main">
-  <p:cSld>
-    <p:spTree>
-      <p:nvGrpSpPr>
-        <p:cNvPr id="1" name=""/>
-        <p:cNvGrpSpPr/>
-        <p:nvPr/>
-      </p:nvGrpSpPr>
-      <p:grpSpPr>
-        <a:xfrm>
-          <a:off x="0" y="0"/>
-          <a:ext cx="0" cy="0"/>
-          <a:chOff x="0" y="0"/>
-          <a:chExt cx="0" cy="0"/>
-        </a:xfrm>
-      </p:grpSpPr>
-      <p:sp>
-        <p:nvSpPr>
-          <p:cNvPr id="2" name="Title 1">
-            <a:extLst>
-              <a:ext uri="{FF2B5EF4-FFF2-40B4-BE49-F238E27FC236}">
-                <a16:creationId xmlns:a16="http://schemas.microsoft.com/office/drawing/2014/main" id="{89B7EA2B-388C-4690-8B4E-A755505D0902}"/>
-              </a:ext>
-            </a:extLst>
-          </p:cNvPr>
-          <p:cNvSpPr>
-            <a:spLocks noGrp="1"/>
-          </p:cNvSpPr>
-          <p:nvPr>
-            <p:ph type="title"/>
-          </p:nvPr>
-        </p:nvSpPr>
-        <p:spPr/>
-        <p:txBody>
-          <a:bodyPr/>
-          <a:lstStyle/>
-          <a:p>
-            <a:r>
-              <a:rPr lang="en-US" dirty="0"/>
-              <a:t>Attacks and Defenses Against Feature Selection</a:t>
-            </a:r>
-          </a:p>
-        </p:txBody>
-      </p:sp>
-      <p:sp>
-        <p:nvSpPr>
-          <p:cNvPr id="3" name="Text Placeholder 2">
-            <a:extLst>
-              <a:ext uri="{FF2B5EF4-FFF2-40B4-BE49-F238E27FC236}">
-                <a16:creationId xmlns:a16="http://schemas.microsoft.com/office/drawing/2014/main" id="{F795D7D5-D69E-4C60-A9C2-A4A616FAAE3B}"/>
-              </a:ext>
-            </a:extLst>
-          </p:cNvPr>
-          <p:cNvSpPr>
-            <a:spLocks noGrp="1"/>
-          </p:cNvSpPr>
-          <p:nvPr>
-            <p:ph type="body" idx="1"/>
-          </p:nvPr>
-        </p:nvSpPr>
-        <p:spPr/>
-        <p:txBody>
-          <a:bodyPr/>
-          <a:lstStyle/>
-          <a:p>
-            <a:endParaRPr lang="en-US" dirty="0"/>
-          </a:p>
-        </p:txBody>
-      </p:sp>
-    </p:spTree>
-    <p:extLst>
-      <p:ext uri="{BB962C8B-B14F-4D97-AF65-F5344CB8AC3E}">
-        <p14:creationId xmlns:p14="http://schemas.microsoft.com/office/powerpoint/2010/main" val="3565190464"/>
-      </p:ext>
-    </p:extLst>
-  </p:cSld>
-  <p:clrMapOvr>
-    <a:masterClrMapping/>
-  </p:clrMapOvr>
-  <p:transition>
-    <p:fade/>
-  </p:transition>
-</p:sld>
-</file>
-
-<file path=ppt/slides/slide43.xml><?xml version="1.0" encoding="utf-8"?>
-<p:sld xmlns:a="http://schemas.openxmlformats.org/drawingml/2006/main" xmlns:r="http://schemas.openxmlformats.org/officeDocument/2006/relationships" xmlns:p="http://schemas.openxmlformats.org/presentationml/2006/main">
-  <p:cSld>
-    <p:spTree>
-      <p:nvGrpSpPr>
-        <p:cNvPr id="1" name=""/>
-        <p:cNvGrpSpPr/>
-        <p:nvPr/>
-      </p:nvGrpSpPr>
-      <p:grpSpPr>
-        <a:xfrm>
-          <a:off x="0" y="0"/>
-          <a:ext cx="0" cy="0"/>
-          <a:chOff x="0" y="0"/>
-          <a:chExt cx="0" cy="0"/>
-        </a:xfrm>
-      </p:grpSpPr>
-      <p:sp>
-        <p:nvSpPr>
-          <p:cNvPr id="5" name="Title 4">
-            <a:extLst>
-              <a:ext uri="{FF2B5EF4-FFF2-40B4-BE49-F238E27FC236}">
-                <a16:creationId xmlns:a16="http://schemas.microsoft.com/office/drawing/2014/main" id="{306ED66E-5386-4F87-93CA-83FFC1B0B5D6}"/>
-              </a:ext>
-            </a:extLst>
-          </p:cNvPr>
-          <p:cNvSpPr>
-            <a:spLocks noGrp="1"/>
-          </p:cNvSpPr>
-          <p:nvPr>
-            <p:ph type="title"/>
-          </p:nvPr>
-        </p:nvSpPr>
-        <p:spPr/>
-        <p:txBody>
-          <a:bodyPr/>
-          <a:lstStyle/>
-          <a:p>
-            <a:endParaRPr lang="en-US" dirty="0"/>
-          </a:p>
-        </p:txBody>
-      </p:sp>
-      <p:sp>
-        <p:nvSpPr>
-          <p:cNvPr id="6" name="Content Placeholder 5">
-            <a:extLst>
-              <a:ext uri="{FF2B5EF4-FFF2-40B4-BE49-F238E27FC236}">
-                <a16:creationId xmlns:a16="http://schemas.microsoft.com/office/drawing/2014/main" id="{F81685A5-B0B4-4D5C-87B1-136913CCCE51}"/>
-              </a:ext>
-            </a:extLst>
-          </p:cNvPr>
-          <p:cNvSpPr>
-            <a:spLocks noGrp="1"/>
-          </p:cNvSpPr>
-          <p:nvPr>
-            <p:ph idx="1"/>
-          </p:nvPr>
-        </p:nvSpPr>
-        <p:spPr/>
-        <p:txBody>
-          <a:bodyPr/>
-          <a:lstStyle/>
-          <a:p>
-            <a:r>
-              <a:rPr lang="en-US" dirty="0"/>
-              <a:t>It can also be attacked!</a:t>
-            </a:r>
-          </a:p>
-          <a:p>
-            <a:r>
-              <a:rPr lang="en-US" dirty="0"/>
-              <a:t>Defense: Outlier detection? RONI?</a:t>
-            </a:r>
-          </a:p>
-        </p:txBody>
-      </p:sp>
-      <p:sp>
-        <p:nvSpPr>
-          <p:cNvPr id="7" name="Rectangle 6">
-            <a:extLst>
-              <a:ext uri="{FF2B5EF4-FFF2-40B4-BE49-F238E27FC236}">
-                <a16:creationId xmlns:a16="http://schemas.microsoft.com/office/drawing/2014/main" id="{7A3DA903-B054-43ED-BE40-E24133F31815}"/>
-              </a:ext>
-            </a:extLst>
-          </p:cNvPr>
-          <p:cNvSpPr/>
-          <p:nvPr/>
-        </p:nvSpPr>
-        <p:spPr>
-          <a:xfrm>
-            <a:off x="0" y="5934670"/>
-            <a:ext cx="8905460" cy="923330"/>
-          </a:xfrm>
-          <a:prstGeom prst="rect">
-            <a:avLst/>
-          </a:prstGeom>
-        </p:spPr>
-        <p:txBody>
-          <a:bodyPr wrap="square">
-            <a:spAutoFit/>
-          </a:bodyPr>
-          <a:lstStyle/>
-          <a:p>
-            <a:r>
-              <a:rPr lang="en-US" dirty="0"/>
-              <a:t>[1]	B. </a:t>
-            </a:r>
-            <a:r>
-              <a:rPr lang="en-US" dirty="0" err="1"/>
-              <a:t>Biggio</a:t>
-            </a:r>
-            <a:r>
-              <a:rPr lang="en-US" dirty="0"/>
-              <a:t>, I. Pillai, S. R. </a:t>
-            </a:r>
-            <a:r>
-              <a:rPr lang="en-US" dirty="0" err="1"/>
-              <a:t>Bulò</a:t>
-            </a:r>
-            <a:r>
-              <a:rPr lang="en-US" dirty="0"/>
-              <a:t>, and D. </a:t>
-            </a:r>
-            <a:r>
-              <a:rPr lang="en-US" dirty="0" err="1"/>
-              <a:t>Ariu</a:t>
-            </a:r>
-            <a:r>
-              <a:rPr lang="en-US" dirty="0"/>
-              <a:t>, “Is data clustering in adversarial settings secure?,” in </a:t>
-            </a:r>
-            <a:r>
-              <a:rPr lang="en-US" i="1" dirty="0" err="1"/>
-              <a:t>AISec</a:t>
-            </a:r>
-            <a:r>
-              <a:rPr lang="en-US" i="1" dirty="0"/>
-              <a:t> ’13 Proceedings of the 2013 ACM workshop on Artificial intelligence and security</a:t>
-            </a:r>
-            <a:r>
-              <a:rPr lang="en-US" dirty="0"/>
-              <a:t>, 2013, pp. 87–97.</a:t>
-            </a:r>
-          </a:p>
-        </p:txBody>
-      </p:sp>
-      <p:pic>
-        <p:nvPicPr>
-          <p:cNvPr id="9" name="Picture 8">
-            <a:extLst>
-              <a:ext uri="{FF2B5EF4-FFF2-40B4-BE49-F238E27FC236}">
-                <a16:creationId xmlns:a16="http://schemas.microsoft.com/office/drawing/2014/main" id="{9EC3ADBC-9E7C-466E-9A5E-7AA84AEF9876}"/>
-              </a:ext>
-            </a:extLst>
-          </p:cNvPr>
-          <p:cNvPicPr>
-            <a:picLocks noChangeAspect="1"/>
-          </p:cNvPicPr>
-          <p:nvPr/>
-        </p:nvPicPr>
-        <p:blipFill>
-          <a:blip r:embed="rId2"/>
-          <a:stretch>
-            <a:fillRect/>
-          </a:stretch>
-        </p:blipFill>
-        <p:spPr>
-          <a:xfrm>
-            <a:off x="2424113" y="2255966"/>
-            <a:ext cx="3881438" cy="3259605"/>
-          </a:xfrm>
-          <a:prstGeom prst="rect">
-            <a:avLst/>
-          </a:prstGeom>
-        </p:spPr>
-      </p:pic>
-    </p:spTree>
-    <p:extLst>
-      <p:ext uri="{BB962C8B-B14F-4D97-AF65-F5344CB8AC3E}">
-        <p14:creationId xmlns:p14="http://schemas.microsoft.com/office/powerpoint/2010/main" val="4019589687"/>
-      </p:ext>
-    </p:extLst>
-  </p:cSld>
-  <p:clrMapOvr>
-    <a:masterClrMapping/>
-  </p:clrMapOvr>
-  <p:transition>
-    <p:fade/>
-  </p:transition>
-</p:sld>
-</file>
-
-<file path=ppt/slides/slide44.xml><?xml version="1.0" encoding="utf-8"?>
-<p:sld xmlns:a="http://schemas.openxmlformats.org/drawingml/2006/main" xmlns:r="http://schemas.openxmlformats.org/officeDocument/2006/relationships" xmlns:p="http://schemas.openxmlformats.org/presentationml/2006/main">
-  <p:cSld>
-    <p:spTree>
-      <p:nvGrpSpPr>
-        <p:cNvPr id="1" name=""/>
-        <p:cNvGrpSpPr/>
-        <p:nvPr/>
-      </p:nvGrpSpPr>
-      <p:grpSpPr>
-        <a:xfrm>
-          <a:off x="0" y="0"/>
-          <a:ext cx="0" cy="0"/>
-          <a:chOff x="0" y="0"/>
-          <a:chExt cx="0" cy="0"/>
-        </a:xfrm>
-      </p:grpSpPr>
-      <p:sp>
-        <p:nvSpPr>
-          <p:cNvPr id="2" name="Title 1">
-            <a:extLst>
-              <a:ext uri="{FF2B5EF4-FFF2-40B4-BE49-F238E27FC236}">
-                <a16:creationId xmlns:a16="http://schemas.microsoft.com/office/drawing/2014/main" id="{0C04393C-1432-483E-8645-4604359A0552}"/>
-              </a:ext>
-            </a:extLst>
-          </p:cNvPr>
-          <p:cNvSpPr>
-            <a:spLocks noGrp="1"/>
-          </p:cNvSpPr>
-          <p:nvPr>
-            <p:ph type="title"/>
-          </p:nvPr>
-        </p:nvSpPr>
-        <p:spPr/>
-        <p:txBody>
-          <a:bodyPr/>
-          <a:lstStyle/>
-          <a:p>
-            <a:r>
-              <a:rPr lang="en-US" dirty="0"/>
-              <a:t>Research Gaps and Possible Future Work</a:t>
-            </a:r>
-          </a:p>
-        </p:txBody>
-      </p:sp>
-      <p:sp>
-        <p:nvSpPr>
-          <p:cNvPr id="3" name="Text Placeholder 2">
-            <a:extLst>
-              <a:ext uri="{FF2B5EF4-FFF2-40B4-BE49-F238E27FC236}">
-                <a16:creationId xmlns:a16="http://schemas.microsoft.com/office/drawing/2014/main" id="{50CC5FF0-87DF-408C-88FF-CF14B71DF72B}"/>
-              </a:ext>
-            </a:extLst>
-          </p:cNvPr>
-          <p:cNvSpPr>
-            <a:spLocks noGrp="1"/>
-          </p:cNvSpPr>
-          <p:nvPr>
-            <p:ph type="body" idx="1"/>
-          </p:nvPr>
-        </p:nvSpPr>
-        <p:spPr/>
-        <p:txBody>
-          <a:bodyPr/>
-          <a:lstStyle/>
-          <a:p>
-            <a:endParaRPr lang="en-US" dirty="0"/>
-          </a:p>
-        </p:txBody>
-      </p:sp>
-    </p:spTree>
-    <p:extLst>
-      <p:ext uri="{BB962C8B-B14F-4D97-AF65-F5344CB8AC3E}">
-        <p14:creationId xmlns:p14="http://schemas.microsoft.com/office/powerpoint/2010/main" val="2207352751"/>
-      </p:ext>
-    </p:extLst>
-  </p:cSld>
-  <p:clrMapOvr>
-    <a:masterClrMapping/>
-  </p:clrMapOvr>
-  <p:transition>
-    <p:fade/>
-  </p:transition>
-</p:sld>
-</file>
-
-<file path=ppt/slides/slide45.xml><?xml version="1.0" encoding="utf-8"?>
-<p:sld xmlns:a="http://schemas.openxmlformats.org/drawingml/2006/main" xmlns:r="http://schemas.openxmlformats.org/officeDocument/2006/relationships" xmlns:p="http://schemas.openxmlformats.org/presentationml/2006/main">
-  <p:cSld>
-    <p:spTree>
-      <p:nvGrpSpPr>
-        <p:cNvPr id="1" name=""/>
-        <p:cNvGrpSpPr/>
-        <p:nvPr/>
-      </p:nvGrpSpPr>
-      <p:grpSpPr>
-        <a:xfrm>
-          <a:off x="0" y="0"/>
-          <a:ext cx="0" cy="0"/>
-          <a:chOff x="0" y="0"/>
-          <a:chExt cx="0" cy="0"/>
-        </a:xfrm>
-      </p:grpSpPr>
-      <p:sp>
-        <p:nvSpPr>
-          <p:cNvPr id="6" name="Title 5">
-            <a:extLst>
-              <a:ext uri="{FF2B5EF4-FFF2-40B4-BE49-F238E27FC236}">
-                <a16:creationId xmlns:a16="http://schemas.microsoft.com/office/drawing/2014/main" id="{466B0D74-A29E-40C1-8F0A-68BFE41CAFA3}"/>
-              </a:ext>
-            </a:extLst>
-          </p:cNvPr>
-          <p:cNvSpPr>
-            <a:spLocks noGrp="1"/>
-          </p:cNvSpPr>
-          <p:nvPr>
-            <p:ph type="title"/>
-          </p:nvPr>
-        </p:nvSpPr>
-        <p:spPr/>
-        <p:txBody>
-          <a:bodyPr/>
-          <a:lstStyle/>
-          <a:p>
-            <a:r>
-              <a:rPr lang="en-US" dirty="0"/>
-              <a:t>Let’s Play A Mad Lib!</a:t>
-            </a:r>
-          </a:p>
-        </p:txBody>
-      </p:sp>
-      <p:sp>
-        <p:nvSpPr>
-          <p:cNvPr id="7" name="Content Placeholder 6">
-            <a:extLst>
-              <a:ext uri="{FF2B5EF4-FFF2-40B4-BE49-F238E27FC236}">
-                <a16:creationId xmlns:a16="http://schemas.microsoft.com/office/drawing/2014/main" id="{78943B39-25AD-43E0-93F8-324561E25599}"/>
-              </a:ext>
-            </a:extLst>
-          </p:cNvPr>
-          <p:cNvSpPr>
-            <a:spLocks noGrp="1"/>
-          </p:cNvSpPr>
-          <p:nvPr>
-            <p:ph idx="1"/>
-          </p:nvPr>
-        </p:nvSpPr>
-        <p:spPr/>
-        <p:txBody>
-          <a:bodyPr/>
-          <a:lstStyle/>
-          <a:p>
-            <a:r>
-              <a:rPr lang="en-US" dirty="0"/>
-              <a:t>Hey _____, you know what would be cool, adversarial _____ learning!</a:t>
-            </a:r>
-          </a:p>
-          <a:p>
-            <a:r>
-              <a:rPr lang="en-US" dirty="0"/>
-              <a:t>[1] Dr. </a:t>
-            </a:r>
-            <a:r>
-              <a:rPr lang="en-US" dirty="0" err="1"/>
-              <a:t>Polikar</a:t>
-            </a:r>
-            <a:r>
-              <a:rPr lang="en-US" dirty="0"/>
-              <a:t>, Alex, Mike</a:t>
-            </a:r>
-          </a:p>
-          <a:p>
-            <a:r>
-              <a:rPr lang="en-US" dirty="0"/>
-              <a:t>[2] …</a:t>
-            </a:r>
-          </a:p>
-          <a:p>
-            <a:endParaRPr lang="en-US" dirty="0"/>
-          </a:p>
-        </p:txBody>
-      </p:sp>
-      <p:pic>
-        <p:nvPicPr>
-          <p:cNvPr id="9" name="Picture 8">
-            <a:extLst>
-              <a:ext uri="{FF2B5EF4-FFF2-40B4-BE49-F238E27FC236}">
-                <a16:creationId xmlns:a16="http://schemas.microsoft.com/office/drawing/2014/main" id="{7304455F-5AA0-4760-B95E-B6474FC18B2E}"/>
-              </a:ext>
-            </a:extLst>
-          </p:cNvPr>
-          <p:cNvPicPr>
-            <a:picLocks noChangeAspect="1"/>
-          </p:cNvPicPr>
-          <p:nvPr/>
-        </p:nvPicPr>
-        <p:blipFill>
-          <a:blip r:embed="rId2"/>
-          <a:stretch>
-            <a:fillRect/>
-          </a:stretch>
-        </p:blipFill>
-        <p:spPr>
-          <a:xfrm>
-            <a:off x="0" y="2855049"/>
-            <a:ext cx="15241674" cy="3383825"/>
-          </a:xfrm>
-          <a:prstGeom prst="rect">
-            <a:avLst/>
-          </a:prstGeom>
-        </p:spPr>
-      </p:pic>
-    </p:spTree>
-    <p:extLst>
-      <p:ext uri="{BB962C8B-B14F-4D97-AF65-F5344CB8AC3E}">
-        <p14:creationId xmlns:p14="http://schemas.microsoft.com/office/powerpoint/2010/main" val="1891234723"/>
-      </p:ext>
-    </p:extLst>
-  </p:cSld>
-  <p:clrMapOvr>
-    <a:masterClrMapping/>
-  </p:clrMapOvr>
-  <p:transition>
-    <p:fade/>
-  </p:transition>
-  <p:timing>
-    <p:tnLst>
-      <p:par>
-        <p:cTn id="1" dur="indefinite" restart="never" nodeType="tmRoot">
-          <p:childTnLst>
-            <p:seq concurrent="1" nextAc="seek">
-              <p:cTn id="2" dur="indefinite" nodeType="mainSeq">
-                <p:childTnLst>
-                  <p:par>
-                    <p:cTn id="3" fill="hold">
-                      <p:stCondLst>
-                        <p:cond delay="indefinite"/>
-                      </p:stCondLst>
-                      <p:childTnLst>
-                        <p:par>
-                          <p:cTn id="4" fill="hold">
-                            <p:stCondLst>
-                              <p:cond delay="0"/>
-                            </p:stCondLst>
-                            <p:childTnLst>
-                              <p:par>
-                                <p:cTn id="5" presetID="1" presetClass="entr" presetSubtype="0" fill="hold" grpId="0" nodeType="clickEffect">
-                                  <p:stCondLst>
-                                    <p:cond delay="0"/>
-                                  </p:stCondLst>
-                                  <p:childTnLst>
-                                    <p:set>
-                                      <p:cBhvr>
-                                        <p:cTn id="6" dur="1" fill="hold">
-                                          <p:stCondLst>
-                                            <p:cond delay="0"/>
-                                          </p:stCondLst>
-                                        </p:cTn>
-                                        <p:tgtEl>
-                                          <p:spTgt spid="7">
-                                            <p:txEl>
-                                              <p:pRg st="1" end="1"/>
-                                            </p:txEl>
-                                          </p:spTgt>
-                                        </p:tgtEl>
-                                        <p:attrNameLst>
-                                          <p:attrName>style.visibility</p:attrName>
-                                        </p:attrNameLst>
-                                      </p:cBhvr>
-                                      <p:to>
-                                        <p:strVal val="visible"/>
-                                      </p:to>
-                                    </p:set>
-                                  </p:childTnLst>
-                                </p:cTn>
-                              </p:par>
-                            </p:childTnLst>
-                          </p:cTn>
-                        </p:par>
-                      </p:childTnLst>
-                    </p:cTn>
-                  </p:par>
-                  <p:par>
-                    <p:cTn id="7" fill="hold">
-                      <p:stCondLst>
-                        <p:cond delay="indefinite"/>
-                      </p:stCondLst>
-                      <p:childTnLst>
-                        <p:par>
-                          <p:cTn id="8" fill="hold">
-                            <p:stCondLst>
-                              <p:cond delay="0"/>
-                            </p:stCondLst>
-                            <p:childTnLst>
-                              <p:par>
-                                <p:cTn id="9" presetID="1" presetClass="entr" presetSubtype="0" fill="hold" grpId="0" nodeType="clickEffect">
-                                  <p:stCondLst>
-                                    <p:cond delay="0"/>
-                                  </p:stCondLst>
-                                  <p:childTnLst>
-                                    <p:set>
-                                      <p:cBhvr>
-                                        <p:cTn id="10" dur="1" fill="hold">
-                                          <p:stCondLst>
-                                            <p:cond delay="0"/>
-                                          </p:stCondLst>
-                                        </p:cTn>
-                                        <p:tgtEl>
-                                          <p:spTgt spid="7">
-                                            <p:txEl>
-                                              <p:pRg st="2" end="2"/>
-                                            </p:txEl>
-                                          </p:spTgt>
-                                        </p:tgtEl>
-                                        <p:attrNameLst>
-                                          <p:attrName>style.visibility</p:attrName>
-                                        </p:attrNameLst>
-                                      </p:cBhvr>
-                                      <p:to>
-                                        <p:strVal val="visible"/>
-                                      </p:to>
-                                    </p:set>
-                                  </p:childTnLst>
-                                </p:cTn>
-                              </p:par>
-                            </p:childTnLst>
-                          </p:cTn>
-                        </p:par>
-                      </p:childTnLst>
-                    </p:cTn>
-                  </p:par>
-                  <p:par>
-                    <p:cTn id="11" fill="hold">
-                      <p:stCondLst>
-                        <p:cond delay="indefinite"/>
-                      </p:stCondLst>
-                      <p:childTnLst>
-                        <p:par>
-                          <p:cTn id="12" fill="hold">
-                            <p:stCondLst>
-                              <p:cond delay="0"/>
-                            </p:stCondLst>
-                            <p:childTnLst>
-                              <p:par>
-                                <p:cTn id="13" presetID="1" presetClass="entr" presetSubtype="0" fill="hold" nodeType="clickEffect">
-                                  <p:stCondLst>
-                                    <p:cond delay="0"/>
-                                  </p:stCondLst>
-                                  <p:childTnLst>
-                                    <p:set>
-                                      <p:cBhvr>
-                                        <p:cTn id="14" dur="1" fill="hold">
-                                          <p:stCondLst>
-                                            <p:cond delay="0"/>
-                                          </p:stCondLst>
-                                        </p:cTn>
-                                        <p:tgtEl>
-                                          <p:spTgt spid="9"/>
-                                        </p:tgtEl>
-                                        <p:attrNameLst>
-                                          <p:attrName>style.visibility</p:attrName>
-                                        </p:attrNameLst>
-                                      </p:cBhvr>
-                                      <p:to>
-                                        <p:strVal val="visible"/>
-                                      </p:to>
-                                    </p:set>
-                                  </p:childTnLst>
-                                </p:cTn>
-                              </p:par>
-                            </p:childTnLst>
-                          </p:cTn>
-                        </p:par>
-                      </p:childTnLst>
-                    </p:cTn>
-                  </p:par>
-                </p:childTnLst>
-              </p:cTn>
-              <p:prevCondLst>
-                <p:cond evt="onPrev" delay="0">
-                  <p:tgtEl>
-                    <p:sldTgt/>
-                  </p:tgtEl>
-                </p:cond>
-              </p:prevCondLst>
-              <p:nextCondLst>
-                <p:cond evt="onNext" delay="0">
-                  <p:tgtEl>
-                    <p:sldTgt/>
-                  </p:tgtEl>
-                </p:cond>
-              </p:nextCondLst>
-            </p:seq>
-          </p:childTnLst>
-        </p:cTn>
-      </p:par>
-    </p:tnLst>
-    <p:bldLst>
-      <p:bldP spid="7" grpId="0" uiExpand="1" build="p"/>
-    </p:bldLst>
-  </p:timing>
-</p:sld>
-</file>
-
-<file path=ppt/slides/slide46.xml><?xml version="1.0" encoding="utf-8"?>
-<p:sld xmlns:a="http://schemas.openxmlformats.org/drawingml/2006/main" xmlns:r="http://schemas.openxmlformats.org/officeDocument/2006/relationships" xmlns:p="http://schemas.openxmlformats.org/presentationml/2006/main">
-  <p:cSld>
-    <p:spTree>
-      <p:nvGrpSpPr>
-        <p:cNvPr id="1" name=""/>
-        <p:cNvGrpSpPr/>
-        <p:nvPr/>
-      </p:nvGrpSpPr>
-      <p:grpSpPr>
-        <a:xfrm>
-          <a:off x="0" y="0"/>
-          <a:ext cx="0" cy="0"/>
-          <a:chOff x="0" y="0"/>
-          <a:chExt cx="0" cy="0"/>
-        </a:xfrm>
-      </p:grpSpPr>
-      <p:sp>
-        <p:nvSpPr>
-          <p:cNvPr id="2" name="Title 1">
-            <a:extLst>
-              <a:ext uri="{FF2B5EF4-FFF2-40B4-BE49-F238E27FC236}">
-                <a16:creationId xmlns:a16="http://schemas.microsoft.com/office/drawing/2014/main" id="{C8A8F81E-0F95-4062-AB69-50CD8ABACD7C}"/>
-              </a:ext>
-            </a:extLst>
-          </p:cNvPr>
-          <p:cNvSpPr>
-            <a:spLocks noGrp="1"/>
-          </p:cNvSpPr>
-          <p:nvPr>
-            <p:ph type="title"/>
-          </p:nvPr>
-        </p:nvSpPr>
-        <p:spPr/>
-        <p:txBody>
-          <a:bodyPr/>
-          <a:lstStyle/>
-          <a:p>
-            <a:r>
-              <a:rPr lang="en-US" dirty="0"/>
-              <a:t>Some General Thoughts</a:t>
-            </a:r>
-          </a:p>
-        </p:txBody>
-      </p:sp>
-      <p:sp>
-        <p:nvSpPr>
-          <p:cNvPr id="3" name="Content Placeholder 2">
-            <a:extLst>
-              <a:ext uri="{FF2B5EF4-FFF2-40B4-BE49-F238E27FC236}">
-                <a16:creationId xmlns:a16="http://schemas.microsoft.com/office/drawing/2014/main" id="{F385FF6D-D2B1-451E-B1CC-AC707A652249}"/>
-              </a:ext>
-            </a:extLst>
-          </p:cNvPr>
-          <p:cNvSpPr>
-            <a:spLocks noGrp="1"/>
-          </p:cNvSpPr>
-          <p:nvPr>
-            <p:ph idx="1"/>
-          </p:nvPr>
-        </p:nvSpPr>
-        <p:spPr/>
-        <p:txBody>
-          <a:bodyPr/>
-          <a:lstStyle/>
-          <a:p>
-            <a:r>
-              <a:rPr lang="en-US" dirty="0"/>
-              <a:t>A number of very interesting ideas were proposed in “Can machine learning be secure?”</a:t>
-            </a:r>
-          </a:p>
-          <a:p>
-            <a:pPr lvl="1"/>
-            <a:r>
-              <a:rPr lang="en-US" dirty="0"/>
-              <a:t>It has been 11 years, has there been a follow up paper on each idea?</a:t>
-            </a:r>
-          </a:p>
-          <a:p>
-            <a:pPr lvl="1"/>
-            <a:r>
-              <a:rPr lang="en-US" dirty="0"/>
-              <a:t>I doubt it</a:t>
-            </a:r>
-          </a:p>
-          <a:p>
-            <a:r>
-              <a:rPr lang="en-US" dirty="0"/>
-              <a:t>While there have been review papers written, there is no single list of all attacks and defenses</a:t>
-            </a:r>
-          </a:p>
-          <a:p>
-            <a:r>
-              <a:rPr lang="en-US" dirty="0"/>
-              <a:t>[1] looks at the security of an entire machine learning pipeline. This view is far more realistic and should be further explored</a:t>
-            </a:r>
-          </a:p>
-        </p:txBody>
-      </p:sp>
-      <p:sp>
-        <p:nvSpPr>
-          <p:cNvPr id="4" name="Rectangle 3">
-            <a:extLst>
-              <a:ext uri="{FF2B5EF4-FFF2-40B4-BE49-F238E27FC236}">
-                <a16:creationId xmlns:a16="http://schemas.microsoft.com/office/drawing/2014/main" id="{31CF78BB-37BA-402C-862B-AD69C0F06E04}"/>
-              </a:ext>
-            </a:extLst>
-          </p:cNvPr>
-          <p:cNvSpPr/>
-          <p:nvPr/>
-        </p:nvSpPr>
-        <p:spPr>
-          <a:xfrm>
-            <a:off x="0" y="6122292"/>
-            <a:ext cx="8905460" cy="646331"/>
-          </a:xfrm>
-          <a:prstGeom prst="rect">
-            <a:avLst/>
-          </a:prstGeom>
-        </p:spPr>
-        <p:txBody>
-          <a:bodyPr wrap="square">
-            <a:spAutoFit/>
-          </a:bodyPr>
-          <a:lstStyle/>
-          <a:p>
-            <a:r>
-              <a:rPr lang="en-US" dirty="0"/>
-              <a:t>[1]	N. </a:t>
-            </a:r>
-            <a:r>
-              <a:rPr lang="en-US" dirty="0" err="1"/>
-              <a:t>Papernot</a:t>
-            </a:r>
-            <a:r>
-              <a:rPr lang="en-US" dirty="0"/>
-              <a:t>, P. </a:t>
-            </a:r>
-            <a:r>
-              <a:rPr lang="en-US" dirty="0" err="1"/>
-              <a:t>Mcdaniel</a:t>
-            </a:r>
-            <a:r>
-              <a:rPr lang="en-US" dirty="0"/>
-              <a:t>, A. Sinha, and M. Wellman, “</a:t>
-            </a:r>
-            <a:r>
-              <a:rPr lang="en-US" dirty="0" err="1"/>
-              <a:t>SoK</a:t>
-            </a:r>
-            <a:r>
-              <a:rPr lang="en-US" dirty="0"/>
-              <a:t>: Towards the Science of Security and Privacy in Machine Learning,” </a:t>
-            </a:r>
-            <a:r>
-              <a:rPr lang="en-US" i="1" dirty="0"/>
-              <a:t>Preprint</a:t>
-            </a:r>
-            <a:r>
-              <a:rPr lang="en-US" dirty="0"/>
-              <a:t>, pp. 1–19, 2016.</a:t>
-            </a:r>
-          </a:p>
-        </p:txBody>
-      </p:sp>
-    </p:spTree>
-    <p:extLst>
-      <p:ext uri="{BB962C8B-B14F-4D97-AF65-F5344CB8AC3E}">
-        <p14:creationId xmlns:p14="http://schemas.microsoft.com/office/powerpoint/2010/main" val="557966653"/>
-      </p:ext>
-    </p:extLst>
-  </p:cSld>
-  <p:clrMapOvr>
-    <a:masterClrMapping/>
-  </p:clrMapOvr>
-  <p:transition>
-    <p:fade/>
-  </p:transition>
-</p:sld>
-</file>
-
-<file path=ppt/slides/slide47.xml><?xml version="1.0" encoding="utf-8"?>
-<p:sld xmlns:a="http://schemas.openxmlformats.org/drawingml/2006/main" xmlns:r="http://schemas.openxmlformats.org/officeDocument/2006/relationships" xmlns:p="http://schemas.openxmlformats.org/presentationml/2006/main">
-  <p:cSld>
-    <p:spTree>
-      <p:nvGrpSpPr>
-        <p:cNvPr id="1" name=""/>
-        <p:cNvGrpSpPr/>
-        <p:nvPr/>
-      </p:nvGrpSpPr>
-      <p:grpSpPr>
-        <a:xfrm>
-          <a:off x="0" y="0"/>
-          <a:ext cx="0" cy="0"/>
-          <a:chOff x="0" y="0"/>
-          <a:chExt cx="0" cy="0"/>
-        </a:xfrm>
-      </p:grpSpPr>
-      <p:sp>
-        <p:nvSpPr>
-          <p:cNvPr id="2" name="Title 1">
-            <a:extLst>
-              <a:ext uri="{FF2B5EF4-FFF2-40B4-BE49-F238E27FC236}">
-                <a16:creationId xmlns:a16="http://schemas.microsoft.com/office/drawing/2014/main" id="{CC321745-6020-45AB-AF5A-47299129471C}"/>
-              </a:ext>
-            </a:extLst>
-          </p:cNvPr>
-          <p:cNvSpPr>
-            <a:spLocks noGrp="1"/>
-          </p:cNvSpPr>
-          <p:nvPr>
-            <p:ph type="title"/>
-          </p:nvPr>
-        </p:nvSpPr>
-        <p:spPr/>
-        <p:txBody>
-          <a:bodyPr/>
-          <a:lstStyle/>
-          <a:p>
-            <a:r>
-              <a:rPr lang="en-US" dirty="0"/>
-              <a:t>Some Specific Thoughts</a:t>
-            </a:r>
-          </a:p>
-        </p:txBody>
-      </p:sp>
-      <p:sp>
-        <p:nvSpPr>
-          <p:cNvPr id="3" name="Content Placeholder 2">
-            <a:extLst>
-              <a:ext uri="{FF2B5EF4-FFF2-40B4-BE49-F238E27FC236}">
-                <a16:creationId xmlns:a16="http://schemas.microsoft.com/office/drawing/2014/main" id="{A4933CCA-4CDB-41EB-B7FC-85239DFF079F}"/>
-              </a:ext>
-            </a:extLst>
-          </p:cNvPr>
-          <p:cNvSpPr>
-            <a:spLocks noGrp="1"/>
-          </p:cNvSpPr>
-          <p:nvPr>
-            <p:ph idx="1"/>
-          </p:nvPr>
-        </p:nvSpPr>
-        <p:spPr/>
-        <p:txBody>
-          <a:bodyPr/>
-          <a:lstStyle/>
-          <a:p>
-            <a:r>
-              <a:rPr lang="en-US" dirty="0"/>
-              <a:t>Data that maximizes classifier error may be outliers that can be easily detected</a:t>
-            </a:r>
-          </a:p>
-          <a:p>
-            <a:pPr lvl="1"/>
-            <a:r>
-              <a:rPr lang="en-US" dirty="0"/>
-              <a:t>You should make a tradeoff between performance and how much of an outlier the adversarial data may be</a:t>
-            </a:r>
-          </a:p>
-          <a:p>
-            <a:r>
-              <a:rPr lang="en-US" dirty="0"/>
-              <a:t>There is nothing in the literature that would have prevented the Microsoft Tay fiasco</a:t>
-            </a:r>
-          </a:p>
-          <a:p>
-            <a:pPr lvl="1"/>
-            <a:r>
-              <a:rPr lang="en-US" dirty="0"/>
-              <a:t>Non-stationary learning approaches may be applied to this problem</a:t>
-            </a:r>
-          </a:p>
-          <a:p>
-            <a:pPr lvl="1"/>
-            <a:r>
-              <a:rPr lang="en-US" dirty="0"/>
-              <a:t>Adversarial data is more abrupt than benign (maybe)</a:t>
-            </a:r>
-          </a:p>
-        </p:txBody>
-      </p:sp>
-      <p:pic>
-        <p:nvPicPr>
-          <p:cNvPr id="5" name="Picture 4">
-            <a:extLst>
-              <a:ext uri="{FF2B5EF4-FFF2-40B4-BE49-F238E27FC236}">
-                <a16:creationId xmlns:a16="http://schemas.microsoft.com/office/drawing/2014/main" id="{3C49AA39-54CF-4EA6-B30F-74F9521E3F14}"/>
-              </a:ext>
-            </a:extLst>
-          </p:cNvPr>
-          <p:cNvPicPr>
-            <a:picLocks noChangeAspect="1"/>
-          </p:cNvPicPr>
-          <p:nvPr/>
-        </p:nvPicPr>
-        <p:blipFill>
-          <a:blip r:embed="rId2"/>
-          <a:stretch>
-            <a:fillRect/>
-          </a:stretch>
-        </p:blipFill>
-        <p:spPr>
-          <a:xfrm>
-            <a:off x="447676" y="4437307"/>
-            <a:ext cx="6496050" cy="2331315"/>
-          </a:xfrm>
-          <a:prstGeom prst="rect">
-            <a:avLst/>
-          </a:prstGeom>
-        </p:spPr>
-      </p:pic>
-    </p:spTree>
-    <p:extLst>
-      <p:ext uri="{BB962C8B-B14F-4D97-AF65-F5344CB8AC3E}">
-        <p14:creationId xmlns:p14="http://schemas.microsoft.com/office/powerpoint/2010/main" val="2837674863"/>
-      </p:ext>
-    </p:extLst>
-  </p:cSld>
-  <p:clrMapOvr>
-    <a:masterClrMapping/>
-  </p:clrMapOvr>
-  <p:transition>
-    <p:fade/>
-  </p:transition>
-</p:sld>
-</file>
-
-<file path=ppt/slides/slide48.xml><?xml version="1.0" encoding="utf-8"?>
-<p:sld xmlns:a="http://schemas.openxmlformats.org/drawingml/2006/main" xmlns:r="http://schemas.openxmlformats.org/officeDocument/2006/relationships" xmlns:p="http://schemas.openxmlformats.org/presentationml/2006/main">
-  <p:cSld>
-    <p:spTree>
-      <p:nvGrpSpPr>
-        <p:cNvPr id="1" name=""/>
-        <p:cNvGrpSpPr/>
-        <p:nvPr/>
-      </p:nvGrpSpPr>
-      <p:grpSpPr>
-        <a:xfrm>
-          <a:off x="0" y="0"/>
-          <a:ext cx="0" cy="0"/>
-          <a:chOff x="0" y="0"/>
-          <a:chExt cx="0" cy="0"/>
-        </a:xfrm>
-      </p:grpSpPr>
-      <p:sp>
-        <p:nvSpPr>
-          <p:cNvPr id="4" name="Title 3">
-            <a:extLst>
-              <a:ext uri="{FF2B5EF4-FFF2-40B4-BE49-F238E27FC236}">
-                <a16:creationId xmlns:a16="http://schemas.microsoft.com/office/drawing/2014/main" id="{620DD1A9-AAE9-4139-AF56-9EA3B149D40D}"/>
-              </a:ext>
-            </a:extLst>
-          </p:cNvPr>
-          <p:cNvSpPr>
-            <a:spLocks noGrp="1"/>
-          </p:cNvSpPr>
-          <p:nvPr>
-            <p:ph type="title"/>
-          </p:nvPr>
-        </p:nvSpPr>
-        <p:spPr/>
-        <p:txBody>
-          <a:bodyPr/>
-          <a:lstStyle/>
-          <a:p>
-            <a:r>
-              <a:rPr lang="en-US" dirty="0"/>
-              <a:t>Thanks for listening!</a:t>
-            </a:r>
-          </a:p>
-        </p:txBody>
-      </p:sp>
-      <p:sp>
-        <p:nvSpPr>
-          <p:cNvPr id="5" name="Text Placeholder 4">
-            <a:extLst>
-              <a:ext uri="{FF2B5EF4-FFF2-40B4-BE49-F238E27FC236}">
-                <a16:creationId xmlns:a16="http://schemas.microsoft.com/office/drawing/2014/main" id="{756B44C2-A4D0-47BA-B88C-A2C6E9FCF412}"/>
-              </a:ext>
-            </a:extLst>
-          </p:cNvPr>
-          <p:cNvSpPr>
-            <a:spLocks noGrp="1"/>
-          </p:cNvSpPr>
-          <p:nvPr>
-            <p:ph type="body" idx="1"/>
-          </p:nvPr>
-        </p:nvSpPr>
-        <p:spPr/>
-        <p:txBody>
-          <a:bodyPr/>
-          <a:lstStyle/>
-          <a:p>
-            <a:endParaRPr lang="en-US"/>
-          </a:p>
-        </p:txBody>
-      </p:sp>
-    </p:spTree>
-    <p:extLst>
-      <p:ext uri="{BB962C8B-B14F-4D97-AF65-F5344CB8AC3E}">
-        <p14:creationId xmlns:p14="http://schemas.microsoft.com/office/powerpoint/2010/main" val="1699834924"/>
-      </p:ext>
-    </p:extLst>
-  </p:cSld>
-  <p:clrMapOvr>
-    <a:masterClrMapping/>
-  </p:clrMapOvr>
-  <p:transition>
-    <p:fade/>
-  </p:transition>
-</p:sld>
-</file>
-
-<file path=ppt/slides/slide49.xml><?xml version="1.0" encoding="utf-8"?>
-<p:sld xmlns:a="http://schemas.openxmlformats.org/drawingml/2006/main" xmlns:r="http://schemas.openxmlformats.org/officeDocument/2006/relationships" xmlns:p="http://schemas.openxmlformats.org/presentationml/2006/main">
-  <p:cSld>
-    <p:spTree>
-      <p:nvGrpSpPr>
-        <p:cNvPr id="1" name=""/>
-        <p:cNvGrpSpPr/>
-        <p:nvPr/>
-      </p:nvGrpSpPr>
-      <p:grpSpPr>
-        <a:xfrm>
-          <a:off x="0" y="0"/>
-          <a:ext cx="0" cy="0"/>
-          <a:chOff x="0" y="0"/>
-          <a:chExt cx="0" cy="0"/>
-        </a:xfrm>
-      </p:grpSpPr>
-      <p:sp>
-        <p:nvSpPr>
-          <p:cNvPr id="2" name="Title 1">
-            <a:extLst>
-              <a:ext uri="{FF2B5EF4-FFF2-40B4-BE49-F238E27FC236}">
-                <a16:creationId xmlns:a16="http://schemas.microsoft.com/office/drawing/2014/main" id="{C67C29A8-54B7-49EC-B2B3-65F3D7087845}"/>
-              </a:ext>
-            </a:extLst>
-          </p:cNvPr>
-          <p:cNvSpPr>
-            <a:spLocks noGrp="1"/>
-          </p:cNvSpPr>
-          <p:nvPr>
-            <p:ph type="title"/>
-          </p:nvPr>
-        </p:nvSpPr>
-        <p:spPr/>
-        <p:txBody>
-          <a:bodyPr/>
-          <a:lstStyle/>
-          <a:p>
-            <a:r>
-              <a:rPr lang="en-US" dirty="0"/>
-              <a:t>Visualization Legend</a:t>
-            </a:r>
-          </a:p>
-        </p:txBody>
-      </p:sp>
-      <p:sp>
-        <p:nvSpPr>
-          <p:cNvPr id="4" name="Oval 3">
-            <a:extLst>
-              <a:ext uri="{FF2B5EF4-FFF2-40B4-BE49-F238E27FC236}">
-                <a16:creationId xmlns:a16="http://schemas.microsoft.com/office/drawing/2014/main" id="{ACF42BE7-7E72-4222-BA79-F11A413A165A}"/>
-              </a:ext>
-            </a:extLst>
-          </p:cNvPr>
-          <p:cNvSpPr/>
-          <p:nvPr/>
-        </p:nvSpPr>
-        <p:spPr>
-          <a:xfrm>
-            <a:off x="695739" y="1252331"/>
-            <a:ext cx="228599" cy="228599"/>
-          </a:xfrm>
-          <a:prstGeom prst="ellipse">
-            <a:avLst/>
-          </a:prstGeom>
-        </p:spPr>
-        <p:style>
-          <a:lnRef idx="2">
-            <a:schemeClr val="accent1">
-              <a:shade val="50000"/>
-            </a:schemeClr>
-          </a:lnRef>
-          <a:fillRef idx="1">
-            <a:schemeClr val="accent1"/>
-          </a:fillRef>
-          <a:effectRef idx="0">
-            <a:schemeClr val="accent1"/>
-          </a:effectRef>
-          <a:fontRef idx="minor">
-            <a:schemeClr val="lt1"/>
-          </a:fontRef>
-        </p:style>
-        <p:txBody>
-          <a:bodyPr rtlCol="0" anchor="ctr"/>
-          <a:lstStyle/>
-          <a:p>
-            <a:pPr algn="ctr"/>
-            <a:endParaRPr lang="en-US"/>
-          </a:p>
-        </p:txBody>
-      </p:sp>
-      <p:sp>
-        <p:nvSpPr>
-          <p:cNvPr id="5" name="Oval 4">
-            <a:extLst>
-              <a:ext uri="{FF2B5EF4-FFF2-40B4-BE49-F238E27FC236}">
-                <a16:creationId xmlns:a16="http://schemas.microsoft.com/office/drawing/2014/main" id="{67B8E631-D819-4753-90D9-2460CD171210}"/>
-              </a:ext>
-            </a:extLst>
-          </p:cNvPr>
-          <p:cNvSpPr/>
-          <p:nvPr/>
-        </p:nvSpPr>
-        <p:spPr>
-          <a:xfrm>
-            <a:off x="695739" y="1742662"/>
-            <a:ext cx="228599" cy="228599"/>
-          </a:xfrm>
-          <a:prstGeom prst="ellipse">
-            <a:avLst/>
-          </a:prstGeom>
-        </p:spPr>
-        <p:style>
-          <a:lnRef idx="2">
-            <a:schemeClr val="accent4">
-              <a:shade val="50000"/>
-            </a:schemeClr>
-          </a:lnRef>
-          <a:fillRef idx="1">
-            <a:schemeClr val="accent4"/>
-          </a:fillRef>
-          <a:effectRef idx="0">
-            <a:schemeClr val="accent4"/>
-          </a:effectRef>
-          <a:fontRef idx="minor">
-            <a:schemeClr val="lt1"/>
-          </a:fontRef>
-        </p:style>
-        <p:txBody>
-          <a:bodyPr rtlCol="0" anchor="ctr"/>
-          <a:lstStyle/>
-          <a:p>
-            <a:pPr algn="ctr"/>
-            <a:endParaRPr lang="en-US"/>
-          </a:p>
-        </p:txBody>
-      </p:sp>
-      <p:sp>
-        <p:nvSpPr>
-          <p:cNvPr id="7" name="Isosceles Triangle 6">
-            <a:extLst>
-              <a:ext uri="{FF2B5EF4-FFF2-40B4-BE49-F238E27FC236}">
-                <a16:creationId xmlns:a16="http://schemas.microsoft.com/office/drawing/2014/main" id="{F572CEDC-100C-46BE-AEBB-2FD76C481C6A}"/>
-              </a:ext>
-            </a:extLst>
-          </p:cNvPr>
-          <p:cNvSpPr/>
-          <p:nvPr/>
-        </p:nvSpPr>
-        <p:spPr>
-          <a:xfrm>
-            <a:off x="685801" y="2232993"/>
-            <a:ext cx="288234" cy="248478"/>
-          </a:xfrm>
-          <a:prstGeom prst="triangle">
-            <a:avLst/>
-          </a:prstGeom>
-        </p:spPr>
-        <p:style>
-          <a:lnRef idx="2">
-            <a:schemeClr val="accent3">
-              <a:shade val="50000"/>
-            </a:schemeClr>
-          </a:lnRef>
-          <a:fillRef idx="1">
-            <a:schemeClr val="accent3"/>
-          </a:fillRef>
-          <a:effectRef idx="0">
-            <a:schemeClr val="accent3"/>
-          </a:effectRef>
-          <a:fontRef idx="minor">
-            <a:schemeClr val="lt1"/>
-          </a:fontRef>
-        </p:style>
-        <p:txBody>
-          <a:bodyPr rtlCol="0" anchor="ctr"/>
-          <a:lstStyle/>
-          <a:p>
-            <a:pPr algn="ctr"/>
-            <a:endParaRPr lang="en-US"/>
-          </a:p>
-        </p:txBody>
-      </p:sp>
-      <p:sp>
-        <p:nvSpPr>
-          <p:cNvPr id="8" name="TextBox 7">
-            <a:extLst>
-              <a:ext uri="{FF2B5EF4-FFF2-40B4-BE49-F238E27FC236}">
-                <a16:creationId xmlns:a16="http://schemas.microsoft.com/office/drawing/2014/main" id="{85EE0E45-8E08-4225-B913-1037B43EEE9D}"/>
-              </a:ext>
-            </a:extLst>
-          </p:cNvPr>
-          <p:cNvSpPr txBox="1"/>
-          <p:nvPr/>
-        </p:nvSpPr>
-        <p:spPr>
-          <a:xfrm>
-            <a:off x="1311966" y="1181964"/>
-            <a:ext cx="3717234" cy="369332"/>
-          </a:xfrm>
-          <a:prstGeom prst="rect">
-            <a:avLst/>
-          </a:prstGeom>
-          <a:noFill/>
-        </p:spPr>
-        <p:txBody>
-          <a:bodyPr wrap="square" rtlCol="0">
-            <a:spAutoFit/>
-          </a:bodyPr>
-          <a:lstStyle/>
-          <a:p>
-            <a:r>
-              <a:rPr lang="en-US" dirty="0"/>
-              <a:t>Labeled Data of Class </a:t>
-            </a:r>
-            <a:r>
-              <a:rPr lang="en-US" dirty="0">
-                <a:solidFill>
-                  <a:schemeClr val="accent1">
-                    <a:lumMod val="75000"/>
-                  </a:schemeClr>
-                </a:solidFill>
-              </a:rPr>
-              <a:t>Blue</a:t>
-            </a:r>
-          </a:p>
-        </p:txBody>
-      </p:sp>
-      <p:sp>
-        <p:nvSpPr>
-          <p:cNvPr id="9" name="TextBox 8">
-            <a:extLst>
-              <a:ext uri="{FF2B5EF4-FFF2-40B4-BE49-F238E27FC236}">
-                <a16:creationId xmlns:a16="http://schemas.microsoft.com/office/drawing/2014/main" id="{C1629F82-5330-406A-AAE0-3FFF1F42EA0A}"/>
-              </a:ext>
-            </a:extLst>
-          </p:cNvPr>
-          <p:cNvSpPr txBox="1"/>
-          <p:nvPr/>
-        </p:nvSpPr>
-        <p:spPr>
-          <a:xfrm>
-            <a:off x="1311966" y="1677265"/>
-            <a:ext cx="3717234" cy="369332"/>
-          </a:xfrm>
-          <a:prstGeom prst="rect">
-            <a:avLst/>
-          </a:prstGeom>
-          <a:noFill/>
-        </p:spPr>
-        <p:txBody>
-          <a:bodyPr wrap="square" rtlCol="0">
-            <a:spAutoFit/>
-          </a:bodyPr>
-          <a:lstStyle/>
-          <a:p>
-            <a:r>
-              <a:rPr lang="en-US" dirty="0"/>
-              <a:t>Labeled Data of Class </a:t>
-            </a:r>
-            <a:r>
-              <a:rPr lang="en-US" dirty="0">
-                <a:solidFill>
-                  <a:schemeClr val="accent4">
-                    <a:lumMod val="75000"/>
-                  </a:schemeClr>
-                </a:solidFill>
-              </a:rPr>
-              <a:t>Green</a:t>
-            </a:r>
-          </a:p>
-        </p:txBody>
-      </p:sp>
-      <p:sp>
-        <p:nvSpPr>
-          <p:cNvPr id="10" name="TextBox 9">
-            <a:extLst>
-              <a:ext uri="{FF2B5EF4-FFF2-40B4-BE49-F238E27FC236}">
-                <a16:creationId xmlns:a16="http://schemas.microsoft.com/office/drawing/2014/main" id="{5F0687CF-F8D1-4123-A402-E5551548472E}"/>
-              </a:ext>
-            </a:extLst>
-          </p:cNvPr>
-          <p:cNvSpPr txBox="1"/>
-          <p:nvPr/>
-        </p:nvSpPr>
-        <p:spPr>
-          <a:xfrm>
-            <a:off x="1311966" y="2172566"/>
-            <a:ext cx="3717234" cy="369332"/>
-          </a:xfrm>
-          <a:prstGeom prst="rect">
-            <a:avLst/>
-          </a:prstGeom>
-          <a:noFill/>
-        </p:spPr>
-        <p:txBody>
-          <a:bodyPr wrap="square" rtlCol="0">
-            <a:spAutoFit/>
-          </a:bodyPr>
-          <a:lstStyle/>
-          <a:p>
-            <a:r>
-              <a:rPr lang="en-US" dirty="0"/>
-              <a:t>Adversarial Example</a:t>
-            </a:r>
-          </a:p>
-        </p:txBody>
-      </p:sp>
-      <p:cxnSp>
-        <p:nvCxnSpPr>
-          <p:cNvPr id="12" name="Straight Connector 11">
-            <a:extLst>
-              <a:ext uri="{FF2B5EF4-FFF2-40B4-BE49-F238E27FC236}">
-                <a16:creationId xmlns:a16="http://schemas.microsoft.com/office/drawing/2014/main" id="{588BAAF4-8C3F-4683-9238-0B3FEF76B4F9}"/>
-              </a:ext>
-            </a:extLst>
-          </p:cNvPr>
-          <p:cNvCxnSpPr/>
-          <p:nvPr/>
-        </p:nvCxnSpPr>
-        <p:spPr>
-          <a:xfrm flipH="1">
-            <a:off x="506895" y="2743203"/>
-            <a:ext cx="467140" cy="1003852"/>
-          </a:xfrm>
-          <a:prstGeom prst="line">
-            <a:avLst/>
-          </a:prstGeom>
-        </p:spPr>
-        <p:style>
-          <a:lnRef idx="3">
-            <a:schemeClr val="dk1"/>
-          </a:lnRef>
-          <a:fillRef idx="0">
-            <a:schemeClr val="dk1"/>
-          </a:fillRef>
-          <a:effectRef idx="2">
-            <a:schemeClr val="dk1"/>
-          </a:effectRef>
-          <a:fontRef idx="minor">
-            <a:schemeClr val="tx1"/>
-          </a:fontRef>
-        </p:style>
-      </p:cxnSp>
-      <p:sp>
-        <p:nvSpPr>
-          <p:cNvPr id="13" name="TextBox 12">
-            <a:extLst>
-              <a:ext uri="{FF2B5EF4-FFF2-40B4-BE49-F238E27FC236}">
-                <a16:creationId xmlns:a16="http://schemas.microsoft.com/office/drawing/2014/main" id="{7D20160E-7E47-47E8-9A91-706A1289E41F}"/>
-              </a:ext>
-            </a:extLst>
-          </p:cNvPr>
-          <p:cNvSpPr txBox="1"/>
-          <p:nvPr/>
-        </p:nvSpPr>
-        <p:spPr>
-          <a:xfrm>
-            <a:off x="1311966" y="3060463"/>
-            <a:ext cx="3717234" cy="369332"/>
-          </a:xfrm>
-          <a:prstGeom prst="rect">
-            <a:avLst/>
-          </a:prstGeom>
-          <a:noFill/>
-        </p:spPr>
-        <p:txBody>
-          <a:bodyPr wrap="square" rtlCol="0">
-            <a:spAutoFit/>
-          </a:bodyPr>
-          <a:lstStyle/>
-          <a:p>
-            <a:r>
-              <a:rPr lang="en-US" dirty="0"/>
-              <a:t>Decision Boundary</a:t>
-            </a:r>
-          </a:p>
-        </p:txBody>
-      </p:sp>
-    </p:spTree>
-    <p:extLst>
-      <p:ext uri="{BB962C8B-B14F-4D97-AF65-F5344CB8AC3E}">
-        <p14:creationId xmlns:p14="http://schemas.microsoft.com/office/powerpoint/2010/main" val="3051073541"/>
       </p:ext>
     </p:extLst>
   </p:cSld>
@@ -17438,13 +9618,6 @@
             </a:r>
           </a:p>
           <a:p>
-            <a:pPr lvl="1"/>
-            <a:r>
-              <a:rPr lang="en-US" dirty="0"/>
-              <a:t>Size is increased or decreased</a:t>
-            </a:r>
-          </a:p>
-          <a:p>
             <a:r>
               <a:rPr lang="en-US" dirty="0"/>
               <a:t>CNNs are constructed of layers including</a:t>
@@ -17559,10 +9732,40 @@
         </p:nvSpPr>
         <p:spPr/>
         <p:txBody>
-          <a:bodyPr/>
+          <a:bodyPr>
+            <a:normAutofit fontScale="92500" lnSpcReduction="20000"/>
+          </a:bodyPr>
           <a:lstStyle/>
           <a:p>
+            <a:r>
+              <a:rPr lang="en-US" dirty="0"/>
+              <a:t>Input</a:t>
+            </a:r>
+          </a:p>
+          <a:p>
+            <a:r>
+              <a:rPr lang="en-US" dirty="0"/>
+              <a:t>Convolutional</a:t>
+            </a:r>
+          </a:p>
+          <a:p>
+            <a:r>
+              <a:rPr lang="en-US" dirty="0"/>
+              <a:t>Pooling</a:t>
+            </a:r>
+          </a:p>
+          <a:p>
+            <a:r>
+              <a:rPr lang="en-US" dirty="0" err="1"/>
+              <a:t>ReLU</a:t>
+            </a:r>
             <a:endParaRPr lang="en-US" dirty="0"/>
+          </a:p>
+          <a:p>
+            <a:r>
+              <a:rPr lang="en-US" dirty="0"/>
+              <a:t>Fully Connected</a:t>
+            </a:r>
           </a:p>
         </p:txBody>
       </p:sp>

--- a/ConvolutionNeuralNetwork.pptx
+++ b/ConvolutionNeuralNetwork.pptx
@@ -5,7 +5,7 @@
     <p:sldMasterId id="2147483732" r:id="rId1"/>
   </p:sldMasterIdLst>
   <p:notesMasterIdLst>
-    <p:notesMasterId r:id="rId20"/>
+    <p:notesMasterId r:id="rId19"/>
   </p:notesMasterIdLst>
   <p:sldIdLst>
     <p:sldId id="350" r:id="rId2"/>
@@ -22,10 +22,9 @@
     <p:sldId id="447" r:id="rId13"/>
     <p:sldId id="450" r:id="rId14"/>
     <p:sldId id="461" r:id="rId15"/>
-    <p:sldId id="452" r:id="rId16"/>
-    <p:sldId id="462" r:id="rId17"/>
-    <p:sldId id="502" r:id="rId18"/>
-    <p:sldId id="495" r:id="rId19"/>
+    <p:sldId id="495" r:id="rId16"/>
+    <p:sldId id="502" r:id="rId17"/>
+    <p:sldId id="503" r:id="rId18"/>
   </p:sldIdLst>
   <p:sldSz cx="9144000" cy="6858000" type="screen4x3"/>
   <p:notesSz cx="6858000" cy="9144000"/>
@@ -153,16 +152,11 @@
             <p14:sldId id="461"/>
           </p14:sldIdLst>
         </p14:section>
-        <p14:section name="Adjustable Parameters" id="{55361FBA-BBD0-44B4-ABB9-19173DCB3C23}">
-          <p14:sldIdLst>
-            <p14:sldId id="452"/>
-            <p14:sldId id="462"/>
-            <p14:sldId id="502"/>
-          </p14:sldIdLst>
-        </p14:section>
         <p14:section name="AlexNet Implementation" id="{84128D97-5FA8-4329-9068-79EDD1194B68}">
           <p14:sldIdLst>
             <p14:sldId id="495"/>
+            <p14:sldId id="502"/>
+            <p14:sldId id="503"/>
           </p14:sldIdLst>
         </p14:section>
       </p14:sectionLst>
@@ -283,7 +277,7 @@
           <a:p>
             <a:fld id="{E91B00C2-1209-4D42-A5F6-19F8482CA1F8}" type="datetimeFigureOut">
               <a:rPr lang="en-US" smtClean="0"/>
-              <a:t>11/11/2017</a:t>
+              <a:t>11/13/2017</a:t>
             </a:fld>
             <a:endParaRPr lang="en-US"/>
           </a:p>
@@ -1296,7 +1290,7 @@
           <a:p>
             <a:fld id="{C51E4E97-A001-0F44-B0B9-428F1549067F}" type="datetimeFigureOut">
               <a:rPr lang="en-US" smtClean="0"/>
-              <a:t>11/11/2017</a:t>
+              <a:t>11/13/2017</a:t>
             </a:fld>
             <a:endParaRPr lang="en-US"/>
           </a:p>
@@ -1486,7 +1480,7 @@
           <a:p>
             <a:fld id="{C51E4E97-A001-0F44-B0B9-428F1549067F}" type="datetimeFigureOut">
               <a:rPr lang="en-US" smtClean="0"/>
-              <a:t>11/11/2017</a:t>
+              <a:t>11/13/2017</a:t>
             </a:fld>
             <a:endParaRPr lang="en-US"/>
           </a:p>
@@ -1668,7 +1662,7 @@
           <a:p>
             <a:fld id="{C51E4E97-A001-0F44-B0B9-428F1549067F}" type="datetimeFigureOut">
               <a:rPr lang="en-US" smtClean="0"/>
-              <a:t>11/11/2017</a:t>
+              <a:t>11/13/2017</a:t>
             </a:fld>
             <a:endParaRPr lang="en-US"/>
           </a:p>
@@ -2090,7 +2084,7 @@
           <a:p>
             <a:fld id="{C51E4E97-A001-0F44-B0B9-428F1549067F}" type="datetimeFigureOut">
               <a:rPr lang="en-US" smtClean="0"/>
-              <a:t>11/11/2017</a:t>
+              <a:t>11/13/2017</a:t>
             </a:fld>
             <a:endParaRPr lang="en-US"/>
           </a:p>
@@ -2466,7 +2460,7 @@
           <a:p>
             <a:fld id="{C51E4E97-A001-0F44-B0B9-428F1549067F}" type="datetimeFigureOut">
               <a:rPr lang="en-US" smtClean="0"/>
-              <a:t>11/11/2017</a:t>
+              <a:t>11/13/2017</a:t>
             </a:fld>
             <a:endParaRPr lang="en-US"/>
           </a:p>
@@ -2877,7 +2871,7 @@
           <a:p>
             <a:fld id="{C51E4E97-A001-0F44-B0B9-428F1549067F}" type="datetimeFigureOut">
               <a:rPr lang="en-US" smtClean="0"/>
-              <a:t>11/11/2017</a:t>
+              <a:t>11/13/2017</a:t>
             </a:fld>
             <a:endParaRPr lang="en-US"/>
           </a:p>
@@ -3015,7 +3009,7 @@
           <a:p>
             <a:fld id="{C51E4E97-A001-0F44-B0B9-428F1549067F}" type="datetimeFigureOut">
               <a:rPr lang="en-US" smtClean="0"/>
-              <a:t>11/11/2017</a:t>
+              <a:t>11/13/2017</a:t>
             </a:fld>
             <a:endParaRPr lang="en-US"/>
           </a:p>
@@ -3123,7 +3117,7 @@
           <a:p>
             <a:fld id="{C51E4E97-A001-0F44-B0B9-428F1549067F}" type="datetimeFigureOut">
               <a:rPr lang="en-US" smtClean="0"/>
-              <a:t>11/11/2017</a:t>
+              <a:t>11/13/2017</a:t>
             </a:fld>
             <a:endParaRPr lang="en-US"/>
           </a:p>
@@ -3375,7 +3369,7 @@
           <a:p>
             <a:fld id="{C51E4E97-A001-0F44-B0B9-428F1549067F}" type="datetimeFigureOut">
               <a:rPr lang="en-US" smtClean="0"/>
-              <a:t>11/11/2017</a:t>
+              <a:t>11/13/2017</a:t>
             </a:fld>
             <a:endParaRPr lang="en-US"/>
           </a:p>
@@ -3626,7 +3620,7 @@
           <a:p>
             <a:fld id="{C51E4E97-A001-0F44-B0B9-428F1549067F}" type="datetimeFigureOut">
               <a:rPr lang="en-US" smtClean="0"/>
-              <a:t>11/11/2017</a:t>
+              <a:t>11/13/2017</a:t>
             </a:fld>
             <a:endParaRPr lang="en-US"/>
           </a:p>
@@ -4456,7 +4450,7 @@
           <a:p>
             <a:fld id="{C51E4E97-A001-0F44-B0B9-428F1549067F}" type="datetimeFigureOut">
               <a:rPr lang="en-US" smtClean="0"/>
-              <a:t>11/11/2017</a:t>
+              <a:t>11/13/2017</a:t>
             </a:fld>
             <a:endParaRPr lang="en-US"/>
           </a:p>
@@ -5237,13 +5231,13 @@
           <a:p>
             <a:r>
               <a:rPr lang="en-US" dirty="0"/>
-              <a:t>Filter sizes are smaller in terms of width and height than the previous layer, but they have the same depth.</a:t>
+              <a:t>Filters have a smaller width and height than the previous layer, but they must have the same depth.</a:t>
             </a:r>
           </a:p>
           <a:p>
             <a:r>
               <a:rPr lang="en-US" dirty="0"/>
-              <a:t>Filters are meant to detect edges and patterns inside of an image.</a:t>
+              <a:t>Filters are used to detect edges and patterns inside of an image.</a:t>
             </a:r>
           </a:p>
           <a:p>
@@ -5563,7 +5557,7 @@
           <a:p>
             <a:r>
               <a:rPr lang="en-US" dirty="0"/>
-              <a:t>Lets use a 4x4x3 filter (the last dimension MUST be 5) this filter has a stride length of 1 meaning that the filter moves one pixel at a time (this value can be modified).</a:t>
+              <a:t>Lets use a 4x4 filter with a stride length of 1, this means that the filter moves one pixel at a time (this value can be modified).</a:t>
             </a:r>
           </a:p>
           <a:p>
@@ -6512,7 +6506,7 @@
           <a:p>
             <a:r>
               <a:rPr lang="en-US" sz="2000" dirty="0"/>
-              <a:t>The pooling layer takes information from the previous layer and lowers the special dimensionality  (Width x Height) of the information. A pooling layer is usually placed between convolutional layers. This is usually done in 2x2 sections.</a:t>
+              <a:t>The pooling layer takes information from the previous layer and lowers the spatial dimensionality  (Width x Height) of the information. A pooling layer is usually placed between convolutional layers. This is typically done in 2x2 sections.</a:t>
             </a:r>
           </a:p>
           <a:p>
@@ -6545,14 +6539,14 @@
             <a:pPr lvl="1"/>
             <a:r>
               <a:rPr lang="en-US" sz="2000" dirty="0"/>
-              <a:t>Max Pooling – The most common practice, takes max value in the 2x2 section</a:t>
+              <a:t>Max Pooling – The most common practice, takes max value in the section</a:t>
             </a:r>
           </a:p>
           <a:p>
             <a:pPr lvl="1"/>
             <a:r>
               <a:rPr lang="en-US" sz="2000" dirty="0"/>
-              <a:t>Average Pooling – Takes the average of all 4 values and places it in the new matrix</a:t>
+              <a:t>Average Pooling – Takes the average of all values and places it in the new matrix</a:t>
             </a:r>
           </a:p>
         </p:txBody>
@@ -6722,7 +6716,7 @@
           <a:p>
             <a:r>
               <a:rPr lang="en-US" dirty="0"/>
-              <a:t>In practice the equation for </a:t>
+              <a:t>The main purpose of the </a:t>
             </a:r>
             <a:r>
               <a:rPr lang="en-US" dirty="0" err="1"/>
@@ -6730,60 +6724,97 @@
             </a:r>
             <a:r>
               <a:rPr lang="en-US" dirty="0"/>
-              <a:t> is </a:t>
-            </a:r>
-            <a:r>
-              <a:rPr lang="en-US" i="1" dirty="0"/>
-              <a:t>max</a:t>
+              <a:t> is to set all negative values to zero. </a:t>
+            </a:r>
+          </a:p>
+          <a:p>
+            <a:r>
+              <a:rPr lang="en-US" dirty="0" err="1"/>
+              <a:t>ReLU</a:t>
             </a:r>
             <a:r>
               <a:rPr lang="en-US" dirty="0"/>
-              <a:t>(0, </a:t>
-            </a:r>
-            <a:r>
-              <a:rPr lang="en-US" i="1" dirty="0"/>
-              <a:t>x</a:t>
-            </a:r>
+              <a:t> keeps the weights at each node from increasing to infinity or getting stuck near zero.</a:t>
+            </a:r>
+          </a:p>
+          <a:p>
             <a:r>
               <a:rPr lang="en-US" dirty="0"/>
-              <a:t>) which is not differentiable at the origin which leads to difficulties when training with </a:t>
+              <a:t>The output size of a </a:t>
             </a:r>
             <a:r>
               <a:rPr lang="en-US" dirty="0" err="1"/>
-              <a:t>backpropogation</a:t>
+              <a:t>ReLU</a:t>
             </a:r>
             <a:r>
               <a:rPr lang="en-US" dirty="0"/>
-              <a:t>.</a:t>
-            </a:r>
-          </a:p>
+              <a:t> layer is identical to the input size.</a:t>
+            </a:r>
+          </a:p>
+        </p:txBody>
+      </p:sp>
+      <p:pic>
+        <p:nvPicPr>
+          <p:cNvPr id="4" name="Picture 3">
+            <a:extLst>
+              <a:ext uri="{FF2B5EF4-FFF2-40B4-BE49-F238E27FC236}">
+                <a16:creationId xmlns:a16="http://schemas.microsoft.com/office/drawing/2014/main" id="{7FAE2976-B8D3-444C-8C2D-EA008F014C37}"/>
+              </a:ext>
+            </a:extLst>
+          </p:cNvPr>
+          <p:cNvPicPr>
+            <a:picLocks noChangeAspect="1"/>
+          </p:cNvPicPr>
+          <p:nvPr/>
+        </p:nvPicPr>
+        <p:blipFill>
+          <a:blip r:embed="rId2"/>
+          <a:stretch>
+            <a:fillRect/>
+          </a:stretch>
+        </p:blipFill>
+        <p:spPr>
+          <a:xfrm>
+            <a:off x="2387600" y="4175172"/>
+            <a:ext cx="4368800" cy="2174352"/>
+          </a:xfrm>
+          <a:prstGeom prst="rect">
+            <a:avLst/>
+          </a:prstGeom>
+        </p:spPr>
+      </p:pic>
+      <p:sp>
+        <p:nvSpPr>
+          <p:cNvPr id="5" name="TextBox 4">
+            <a:extLst>
+              <a:ext uri="{FF2B5EF4-FFF2-40B4-BE49-F238E27FC236}">
+                <a16:creationId xmlns:a16="http://schemas.microsoft.com/office/drawing/2014/main" id="{D06C56B1-7FC8-4D50-AC57-521BC7E3D9A0}"/>
+              </a:ext>
+            </a:extLst>
+          </p:cNvPr>
+          <p:cNvSpPr txBox="1"/>
+          <p:nvPr/>
+        </p:nvSpPr>
+        <p:spPr>
+          <a:xfrm>
+            <a:off x="643681" y="6463268"/>
+            <a:ext cx="7856638" cy="369332"/>
+          </a:xfrm>
+          <a:prstGeom prst="rect">
+            <a:avLst/>
+          </a:prstGeom>
+          <a:noFill/>
+        </p:spPr>
+        <p:txBody>
+          <a:bodyPr wrap="none" rtlCol="0">
+            <a:spAutoFit/>
+          </a:bodyPr>
+          <a:lstStyle/>
           <a:p>
             <a:r>
               <a:rPr lang="en-US" dirty="0"/>
-              <a:t>The actual function used is the </a:t>
-            </a:r>
-            <a:r>
-              <a:rPr lang="en-US" dirty="0" err="1"/>
-              <a:t>Softplus</a:t>
-            </a:r>
-            <a:r>
-              <a:rPr lang="en-US" dirty="0"/>
-              <a:t> function </a:t>
-            </a:r>
-            <a:r>
-              <a:rPr lang="en-US" i="1" dirty="0"/>
-              <a:t>f(x) = ln(1+e^x)</a:t>
-            </a:r>
-            <a:endParaRPr lang="en-US" dirty="0"/>
-          </a:p>
-          <a:p>
-            <a:r>
-              <a:rPr lang="en-US" dirty="0"/>
-              <a:t>The derivative of this function is the sigmoid function, which we have seen in MLP</a:t>
-            </a:r>
-          </a:p>
-          <a:p>
-            <a:endParaRPr lang="en-US" dirty="0"/>
+              <a:t>http://brohrer.github.io/how_convolutional_neural_networks_work.html</a:t>
+            </a:r>
           </a:p>
         </p:txBody>
       </p:sp>
@@ -6871,74 +6902,89 @@
           <a:p>
             <a:r>
               <a:rPr lang="en-US" dirty="0"/>
-              <a:t>What does the attacker know?</a:t>
-            </a:r>
-          </a:p>
-          <a:p>
-            <a:r>
-              <a:rPr lang="en-US" b="1" dirty="0"/>
-              <a:t>Perfect Knowledge </a:t>
-            </a:r>
+              <a:t>This is the same as a layer from an MLP</a:t>
+            </a:r>
+          </a:p>
+          <a:p>
             <a:r>
               <a:rPr lang="en-US" dirty="0"/>
-              <a:t>– the attacker knows everything about the machine learning algorithm</a:t>
-            </a:r>
-          </a:p>
-          <a:p>
-            <a:r>
-              <a:rPr lang="en-US" b="1" dirty="0"/>
-              <a:t>Limited Knowledge </a:t>
-            </a:r>
+              <a:t>These layers are placed at the end of the network to determine which class each image belongs in.</a:t>
+            </a:r>
+          </a:p>
+          <a:p>
             <a:r>
               <a:rPr lang="en-US" dirty="0"/>
-              <a:t>– the attacker has some limited knowledge about the machine learning algorithm </a:t>
-            </a:r>
-          </a:p>
-          <a:p>
-            <a:pPr lvl="1"/>
-            <a:r>
-              <a:rPr lang="en-US" b="1" dirty="0"/>
-              <a:t>How limited?</a:t>
-            </a:r>
-          </a:p>
-          <a:p>
-            <a:pPr lvl="1"/>
-            <a:r>
-              <a:rPr lang="en-US" dirty="0"/>
-              <a:t>Do they know what algorithm you are using?</a:t>
-            </a:r>
-          </a:p>
-          <a:p>
-            <a:pPr lvl="1"/>
-            <a:r>
-              <a:rPr lang="en-US" dirty="0"/>
-              <a:t>Do they know the algorithm free parameters?</a:t>
-            </a:r>
-          </a:p>
-          <a:p>
-            <a:pPr lvl="1"/>
-            <a:r>
-              <a:rPr lang="en-US" dirty="0"/>
-              <a:t>Do they know the optimized algorithm parameters?</a:t>
-            </a:r>
-          </a:p>
-          <a:p>
-            <a:pPr lvl="1"/>
-            <a:r>
-              <a:rPr lang="en-US" dirty="0"/>
-              <a:t>Do they know the data passed into the algorithm?</a:t>
-            </a:r>
-          </a:p>
-          <a:p>
-            <a:pPr lvl="2"/>
-            <a:r>
-              <a:rPr lang="en-US" dirty="0"/>
-              <a:t>Or maybe they can guess where your data comes from based on the application. Ex. ImageNet if the application is object recognition</a:t>
+              <a:t>These fully connected layers compute the final likelihoods for each class and from these values a final classification is made.</a:t>
             </a:r>
           </a:p>
           <a:p>
             <a:pPr lvl="2"/>
             <a:endParaRPr lang="en-US" dirty="0"/>
+          </a:p>
+        </p:txBody>
+      </p:sp>
+      <p:pic>
+        <p:nvPicPr>
+          <p:cNvPr id="4" name="Picture 3">
+            <a:extLst>
+              <a:ext uri="{FF2B5EF4-FFF2-40B4-BE49-F238E27FC236}">
+                <a16:creationId xmlns:a16="http://schemas.microsoft.com/office/drawing/2014/main" id="{29D19328-AAC0-4C04-8A68-156E202BEC6B}"/>
+              </a:ext>
+            </a:extLst>
+          </p:cNvPr>
+          <p:cNvPicPr>
+            <a:picLocks noChangeAspect="1"/>
+          </p:cNvPicPr>
+          <p:nvPr/>
+        </p:nvPicPr>
+        <p:blipFill>
+          <a:blip r:embed="rId2"/>
+          <a:stretch>
+            <a:fillRect/>
+          </a:stretch>
+        </p:blipFill>
+        <p:spPr>
+          <a:xfrm>
+            <a:off x="2251868" y="3234827"/>
+            <a:ext cx="4640263" cy="3114697"/>
+          </a:xfrm>
+          <a:prstGeom prst="rect">
+            <a:avLst/>
+          </a:prstGeom>
+        </p:spPr>
+      </p:pic>
+      <p:sp>
+        <p:nvSpPr>
+          <p:cNvPr id="5" name="TextBox 4">
+            <a:extLst>
+              <a:ext uri="{FF2B5EF4-FFF2-40B4-BE49-F238E27FC236}">
+                <a16:creationId xmlns:a16="http://schemas.microsoft.com/office/drawing/2014/main" id="{901E9E4E-64A4-4D6E-A263-85BCDFCE4BA8}"/>
+              </a:ext>
+            </a:extLst>
+          </p:cNvPr>
+          <p:cNvSpPr txBox="1"/>
+          <p:nvPr/>
+        </p:nvSpPr>
+        <p:spPr>
+          <a:xfrm>
+            <a:off x="643680" y="6475491"/>
+            <a:ext cx="7856638" cy="369332"/>
+          </a:xfrm>
+          <a:prstGeom prst="rect">
+            <a:avLst/>
+          </a:prstGeom>
+          <a:noFill/>
+        </p:spPr>
+        <p:txBody>
+          <a:bodyPr wrap="none" rtlCol="0">
+            <a:spAutoFit/>
+          </a:bodyPr>
+          <a:lstStyle/>
+          <a:p>
+            <a:r>
+              <a:rPr lang="en-US" dirty="0"/>
+              <a:t>http://brohrer.github.io/how_convolutional_neural_networks_work.html</a:t>
+            </a:r>
           </a:p>
         </p:txBody>
       </p:sp>
@@ -6980,7 +7026,7 @@
           <p:cNvPr id="4" name="Title 3">
             <a:extLst>
               <a:ext uri="{FF2B5EF4-FFF2-40B4-BE49-F238E27FC236}">
-                <a16:creationId xmlns:a16="http://schemas.microsoft.com/office/drawing/2014/main" id="{089344F2-BE90-4076-86A1-56012BAD4036}"/>
+                <a16:creationId xmlns:a16="http://schemas.microsoft.com/office/drawing/2014/main" id="{BDEEF7C9-9913-4E9E-B2E1-24DC48660353}"/>
               </a:ext>
             </a:extLst>
           </p:cNvPr>
@@ -6991,20 +7037,24 @@
             <p:ph type="title"/>
           </p:nvPr>
         </p:nvSpPr>
-        <p:spPr>
-          <a:xfrm>
-            <a:off x="722313" y="1981200"/>
-            <a:ext cx="7772400" cy="1362075"/>
-          </a:xfrm>
-        </p:spPr>
+        <p:spPr/>
         <p:txBody>
           <a:bodyPr/>
           <a:lstStyle/>
           <a:p>
             <a:r>
+              <a:rPr lang="en-US" dirty="0" err="1"/>
+              <a:t>AlexNet</a:t>
+            </a:r>
+            <a:r>
               <a:rPr lang="en-US" dirty="0"/>
-              <a:t>Adjustable Parameters</a:t>
-            </a:r>
+              <a:t> </a:t>
+            </a:r>
+            <a:r>
+              <a:rPr lang="en-US"/>
+              <a:t>Implementaion</a:t>
+            </a:r>
+            <a:endParaRPr lang="en-US" dirty="0"/>
           </a:p>
         </p:txBody>
       </p:sp>
@@ -7013,7 +7063,7 @@
           <p:cNvPr id="5" name="Text Placeholder 4">
             <a:extLst>
               <a:ext uri="{FF2B5EF4-FFF2-40B4-BE49-F238E27FC236}">
-                <a16:creationId xmlns:a16="http://schemas.microsoft.com/office/drawing/2014/main" id="{2D595F60-9B5B-45C4-9B65-033A3C54E173}"/>
+                <a16:creationId xmlns:a16="http://schemas.microsoft.com/office/drawing/2014/main" id="{22C2E355-E2EA-42D2-AA35-333C561CA354}"/>
               </a:ext>
             </a:extLst>
           </p:cNvPr>
@@ -7026,28 +7076,17 @@
         </p:nvSpPr>
         <p:spPr/>
         <p:txBody>
-          <a:bodyPr>
-            <a:normAutofit/>
-          </a:bodyPr>
+          <a:bodyPr/>
           <a:lstStyle/>
           <a:p>
-            <a:r>
-              <a:rPr lang="en-US" dirty="0"/>
-              <a:t>Filters</a:t>
-            </a:r>
-          </a:p>
-          <a:p>
-            <a:r>
-              <a:rPr lang="en-US" dirty="0"/>
-              <a:t>Pooling</a:t>
-            </a:r>
+            <a:endParaRPr lang="en-US"/>
           </a:p>
         </p:txBody>
       </p:sp>
     </p:spTree>
     <p:extLst>
       <p:ext uri="{BB962C8B-B14F-4D97-AF65-F5344CB8AC3E}">
-        <p14:creationId xmlns:p14="http://schemas.microsoft.com/office/powerpoint/2010/main" val="698873501"/>
+        <p14:creationId xmlns:p14="http://schemas.microsoft.com/office/powerpoint/2010/main" val="3196821120"/>
       </p:ext>
     </p:extLst>
   </p:cSld>
@@ -7079,10 +7118,10 @@
       </p:grpSpPr>
       <p:sp>
         <p:nvSpPr>
-          <p:cNvPr id="4" name="Title 3">
+          <p:cNvPr id="2" name="Title 1">
             <a:extLst>
               <a:ext uri="{FF2B5EF4-FFF2-40B4-BE49-F238E27FC236}">
-                <a16:creationId xmlns:a16="http://schemas.microsoft.com/office/drawing/2014/main" id="{B50F879F-78AC-4B33-803D-BA6ECB3BB0ED}"/>
+                <a16:creationId xmlns:a16="http://schemas.microsoft.com/office/drawing/2014/main" id="{A6CA7FE8-90D8-4489-AC88-7798B2FEAEA0}"/>
               </a:ext>
             </a:extLst>
           </p:cNvPr>
@@ -7099,18 +7138,22 @@
           <a:lstStyle/>
           <a:p>
             <a:r>
+              <a:rPr lang="en-US" dirty="0" err="1"/>
+              <a:t>AlexNet</a:t>
+            </a:r>
+            <a:r>
               <a:rPr lang="en-US" dirty="0"/>
-              <a:t>Filters</a:t>
-            </a:r>
-          </a:p>
-        </p:txBody>
-      </p:sp>
-      <p:sp>
-        <p:nvSpPr>
-          <p:cNvPr id="5" name="Content Placeholder 4">
+              <a:t> Architecture</a:t>
+            </a:r>
+          </a:p>
+        </p:txBody>
+      </p:sp>
+      <p:sp>
+        <p:nvSpPr>
+          <p:cNvPr id="3" name="Content Placeholder 2">
             <a:extLst>
               <a:ext uri="{FF2B5EF4-FFF2-40B4-BE49-F238E27FC236}">
-                <a16:creationId xmlns:a16="http://schemas.microsoft.com/office/drawing/2014/main" id="{A7D1C25B-F4D2-4899-8911-6AB7F68A6C7D}"/>
+                <a16:creationId xmlns:a16="http://schemas.microsoft.com/office/drawing/2014/main" id="{8A03CD30-B057-48BE-8048-FC9F2406E4CD}"/>
               </a:ext>
             </a:extLst>
           </p:cNvPr>
@@ -7123,28 +7166,64 @@
         </p:nvSpPr>
         <p:spPr/>
         <p:txBody>
-          <a:bodyPr/>
+          <a:bodyPr>
+            <a:normAutofit/>
+          </a:bodyPr>
           <a:lstStyle/>
           <a:p>
             <a:r>
-              <a:rPr lang="en-US" dirty="0"/>
-              <a:t>The number of and size of filter layers can be modified for each convolutional layer.</a:t>
-            </a:r>
-          </a:p>
-          <a:p>
-            <a:r>
-              <a:rPr lang="en-US" dirty="0"/>
-              <a:t>Ex. A 4x4 filter shape with 30 filters and the next convolutional layer can have a 5x5 filter shape with 5 filters.</a:t>
-            </a:r>
-          </a:p>
-        </p:txBody>
-      </p:sp>
-      <p:sp>
-        <p:nvSpPr>
-          <p:cNvPr id="6" name="Rectangle 5">
+              <a:rPr lang="en-US" sz="2000" dirty="0" err="1"/>
+              <a:t>AlexNet</a:t>
+            </a:r>
+            <a:r>
+              <a:rPr lang="en-US" sz="2000" dirty="0"/>
+              <a:t> is a CNN trained to perform large scale image recognition.</a:t>
+            </a:r>
+          </a:p>
+          <a:p>
+            <a:pPr lvl="1"/>
+            <a:r>
+              <a:rPr lang="en-US" sz="2000" dirty="0"/>
+              <a:t>1.2 Million Images in 1000 classes</a:t>
+            </a:r>
+          </a:p>
+          <a:p>
+            <a:r>
+              <a:rPr lang="en-US" sz="2000" dirty="0"/>
+              <a:t>Constructed of 5 convolutional layers, 3 max pooling, and 3 fully connected layers.</a:t>
+            </a:r>
+          </a:p>
+          <a:p>
+            <a:pPr lvl="1"/>
+            <a:r>
+              <a:rPr lang="en-US" sz="2000" dirty="0"/>
+              <a:t>650K neurons</a:t>
+            </a:r>
+          </a:p>
+          <a:p>
+            <a:pPr lvl="1"/>
+            <a:r>
+              <a:rPr lang="en-US" sz="2000" dirty="0"/>
+              <a:t>60 Million parameters</a:t>
+            </a:r>
+          </a:p>
+          <a:p>
+            <a:r>
+              <a:rPr lang="en-US" sz="2000" dirty="0"/>
+              <a:t>Took 5 to 6 days to train on 2 GPUs</a:t>
+            </a:r>
+          </a:p>
+          <a:p>
+            <a:endParaRPr lang="en-US" sz="2000" dirty="0"/>
+          </a:p>
+        </p:txBody>
+      </p:sp>
+      <p:sp>
+        <p:nvSpPr>
+          <p:cNvPr id="5" name="Rectangle 4">
             <a:extLst>
               <a:ext uri="{FF2B5EF4-FFF2-40B4-BE49-F238E27FC236}">
-                <a16:creationId xmlns:a16="http://schemas.microsoft.com/office/drawing/2014/main" id="{CB43237C-7866-4B0E-B319-62FC586142FA}"/>
+                <a16:creationId xmlns:a16="http://schemas.microsoft.com/office/drawing/2014/main" id="{18D83247-D0D6-421E-829C-DA7F88DB72B0}"/>
               </a:ext>
             </a:extLst>
           </p:cNvPr>
@@ -7153,8 +7232,8 @@
         </p:nvSpPr>
         <p:spPr>
           <a:xfrm>
-            <a:off x="0" y="6122292"/>
-            <a:ext cx="8905460" cy="646331"/>
+            <a:off x="0" y="6376208"/>
+            <a:ext cx="9144000" cy="784830"/>
           </a:xfrm>
           <a:prstGeom prst="rect">
             <a:avLst/>
@@ -7167,16 +7246,84 @@
           <a:lstStyle/>
           <a:p>
             <a:r>
-              <a:rPr lang="en-US" dirty="0"/>
-              <a:t>[1] J. Newsome, B. Karp, and D. Song, “Paragraph: Thwarting Signature Learning by Training Maliciously,” Recent Adv. Intrusion Detect., vol. 4219, pp. 81–105, 2006.</a:t>
-            </a:r>
-          </a:p>
-        </p:txBody>
-      </p:sp>
+              <a:rPr lang="en-US" sz="1500" dirty="0"/>
+              <a:t>http://vision.stanford.edu/teaching/cs231b_spring1415/slides/alexnet_tugce_kyunghee.pdf</a:t>
+            </a:r>
+          </a:p>
+          <a:p>
+            <a:r>
+              <a:rPr lang="en-US" sz="1500" dirty="0"/>
+              <a:t>http://www.image-net.org/challenges/LSVRC/2012/supervision.pdf</a:t>
+            </a:r>
+          </a:p>
+          <a:p>
+            <a:endParaRPr lang="en-US" sz="1500" dirty="0"/>
+          </a:p>
+        </p:txBody>
+      </p:sp>
+      <p:pic>
+        <p:nvPicPr>
+          <p:cNvPr id="6" name="Picture 5">
+            <a:extLst>
+              <a:ext uri="{FF2B5EF4-FFF2-40B4-BE49-F238E27FC236}">
+                <a16:creationId xmlns:a16="http://schemas.microsoft.com/office/drawing/2014/main" id="{CDB30520-F681-4C51-B1BF-1E27C280F4C9}"/>
+              </a:ext>
+            </a:extLst>
+          </p:cNvPr>
+          <p:cNvPicPr>
+            <a:picLocks noChangeAspect="1"/>
+          </p:cNvPicPr>
+          <p:nvPr/>
+        </p:nvPicPr>
+        <p:blipFill>
+          <a:blip r:embed="rId2"/>
+          <a:stretch>
+            <a:fillRect/>
+          </a:stretch>
+        </p:blipFill>
+        <p:spPr>
+          <a:xfrm>
+            <a:off x="0" y="3551143"/>
+            <a:ext cx="2466243" cy="2778426"/>
+          </a:xfrm>
+          <a:prstGeom prst="rect">
+            <a:avLst/>
+          </a:prstGeom>
+        </p:spPr>
+      </p:pic>
+      <p:pic>
+        <p:nvPicPr>
+          <p:cNvPr id="7" name="Picture 6">
+            <a:extLst>
+              <a:ext uri="{FF2B5EF4-FFF2-40B4-BE49-F238E27FC236}">
+                <a16:creationId xmlns:a16="http://schemas.microsoft.com/office/drawing/2014/main" id="{D83E7B8A-B3EF-4C99-8125-0EA7592327B5}"/>
+              </a:ext>
+            </a:extLst>
+          </p:cNvPr>
+          <p:cNvPicPr>
+            <a:picLocks noChangeAspect="1"/>
+          </p:cNvPicPr>
+          <p:nvPr/>
+        </p:nvPicPr>
+        <p:blipFill rotWithShape="1">
+          <a:blip r:embed="rId3"/>
+          <a:srcRect l="553" t="1" r="466" b="3516"/>
+          <a:stretch/>
+        </p:blipFill>
+        <p:spPr>
+          <a:xfrm>
+            <a:off x="2466243" y="4326144"/>
+            <a:ext cx="6750050" cy="2003425"/>
+          </a:xfrm>
+          <a:prstGeom prst="rect">
+            <a:avLst/>
+          </a:prstGeom>
+        </p:spPr>
+      </p:pic>
     </p:spTree>
     <p:extLst>
       <p:ext uri="{BB962C8B-B14F-4D97-AF65-F5344CB8AC3E}">
-        <p14:creationId xmlns:p14="http://schemas.microsoft.com/office/powerpoint/2010/main" val="975795466"/>
+        <p14:creationId xmlns:p14="http://schemas.microsoft.com/office/powerpoint/2010/main" val="2301167693"/>
       </p:ext>
     </p:extLst>
   </p:cSld>
@@ -7208,10 +7355,10 @@
       </p:grpSpPr>
       <p:sp>
         <p:nvSpPr>
-          <p:cNvPr id="4" name="Title 3">
+          <p:cNvPr id="2" name="Title 1">
             <a:extLst>
               <a:ext uri="{FF2B5EF4-FFF2-40B4-BE49-F238E27FC236}">
-                <a16:creationId xmlns:a16="http://schemas.microsoft.com/office/drawing/2014/main" id="{B50F879F-78AC-4B33-803D-BA6ECB3BB0ED}"/>
+                <a16:creationId xmlns:a16="http://schemas.microsoft.com/office/drawing/2014/main" id="{485FF813-7F7A-421B-A7AA-20E5B83AC666}"/>
               </a:ext>
             </a:extLst>
           </p:cNvPr>
@@ -7229,17 +7376,47 @@
           <a:p>
             <a:r>
               <a:rPr lang="en-US" dirty="0"/>
-              <a:t>Pooling</a:t>
-            </a:r>
-          </a:p>
-        </p:txBody>
-      </p:sp>
-      <p:sp>
-        <p:nvSpPr>
-          <p:cNvPr id="5" name="Content Placeholder 4">
+              <a:t>Some Examples of Classifications</a:t>
+            </a:r>
+          </a:p>
+        </p:txBody>
+      </p:sp>
+      <p:pic>
+        <p:nvPicPr>
+          <p:cNvPr id="4" name="Picture 3">
             <a:extLst>
               <a:ext uri="{FF2B5EF4-FFF2-40B4-BE49-F238E27FC236}">
-                <a16:creationId xmlns:a16="http://schemas.microsoft.com/office/drawing/2014/main" id="{A7D1C25B-F4D2-4899-8911-6AB7F68A6C7D}"/>
+                <a16:creationId xmlns:a16="http://schemas.microsoft.com/office/drawing/2014/main" id="{ED8C29C9-628A-4DBA-9337-2661780E55C7}"/>
+              </a:ext>
+            </a:extLst>
+          </p:cNvPr>
+          <p:cNvPicPr>
+            <a:picLocks noChangeAspect="1"/>
+          </p:cNvPicPr>
+          <p:nvPr/>
+        </p:nvPicPr>
+        <p:blipFill>
+          <a:blip r:embed="rId2"/>
+          <a:stretch>
+            <a:fillRect/>
+          </a:stretch>
+        </p:blipFill>
+        <p:spPr>
+          <a:xfrm>
+            <a:off x="1559282" y="1687153"/>
+            <a:ext cx="6025436" cy="5030671"/>
+          </a:xfrm>
+          <a:prstGeom prst="rect">
+            <a:avLst/>
+          </a:prstGeom>
+        </p:spPr>
+      </p:pic>
+      <p:sp>
+        <p:nvSpPr>
+          <p:cNvPr id="6" name="Content Placeholder 2">
+            <a:extLst>
+              <a:ext uri="{FF2B5EF4-FFF2-40B4-BE49-F238E27FC236}">
+                <a16:creationId xmlns:a16="http://schemas.microsoft.com/office/drawing/2014/main" id="{7613C229-21A3-4EBF-B862-85B1B02E36A8}"/>
               </a:ext>
             </a:extLst>
           </p:cNvPr>
@@ -7250,84 +7427,56 @@
             <p:ph idx="1"/>
           </p:nvPr>
         </p:nvSpPr>
-        <p:spPr/>
-        <p:txBody>
-          <a:bodyPr/>
+        <p:spPr>
+          <a:xfrm>
+            <a:off x="0" y="1181099"/>
+            <a:ext cx="9144000" cy="5168425"/>
+          </a:xfrm>
+        </p:spPr>
+        <p:txBody>
+          <a:bodyPr>
+            <a:normAutofit/>
+          </a:bodyPr>
           <a:lstStyle/>
           <a:p>
             <a:r>
-              <a:rPr lang="en-US" dirty="0"/>
-              <a:t>The method of and size of pooling can be changed on each layer.</a:t>
-            </a:r>
-          </a:p>
-          <a:p>
-            <a:r>
-              <a:rPr lang="en-US" dirty="0"/>
-              <a:t>Ex. A pooling layer can consist of a 2x2 shape with Max pooling and the next convolutional layer can have a 4x4 shape with Average pooling.</a:t>
-            </a:r>
-          </a:p>
-        </p:txBody>
-      </p:sp>
-      <p:sp>
-        <p:nvSpPr>
-          <p:cNvPr id="6" name="Rectangle 5">
+              <a:rPr lang="en-US" sz="2000" dirty="0"/>
+              <a:t>Examples of classifications made for the Large Scale Visual Recognition Challenge 2010</a:t>
+            </a:r>
+          </a:p>
+        </p:txBody>
+      </p:sp>
+      <p:sp>
+        <p:nvSpPr>
+          <p:cNvPr id="7" name="TextBox 6">
             <a:extLst>
               <a:ext uri="{FF2B5EF4-FFF2-40B4-BE49-F238E27FC236}">
-                <a16:creationId xmlns:a16="http://schemas.microsoft.com/office/drawing/2014/main" id="{CB43237C-7866-4B0E-B319-62FC586142FA}"/>
+                <a16:creationId xmlns:a16="http://schemas.microsoft.com/office/drawing/2014/main" id="{8FBB4ACA-654E-4605-9F58-B6DA32F8053C}"/>
               </a:ext>
             </a:extLst>
           </p:cNvPr>
-          <p:cNvSpPr/>
+          <p:cNvSpPr txBox="1"/>
           <p:nvPr/>
         </p:nvSpPr>
         <p:spPr>
           <a:xfrm>
-            <a:off x="0" y="6122292"/>
-            <a:ext cx="8905460" cy="646331"/>
+            <a:off x="0" y="6532413"/>
+            <a:ext cx="9129422" cy="323165"/>
           </a:xfrm>
           <a:prstGeom prst="rect">
             <a:avLst/>
           </a:prstGeom>
+          <a:noFill/>
         </p:spPr>
         <p:txBody>
-          <a:bodyPr wrap="square">
+          <a:bodyPr wrap="none" rtlCol="0">
             <a:spAutoFit/>
           </a:bodyPr>
           <a:lstStyle/>
           <a:p>
-            <a:pPr marL="0" marR="0" lvl="0" indent="0" algn="l" defTabSz="457200" rtl="0" eaLnBrk="1" fontAlgn="auto" latinLnBrk="0" hangingPunct="1">
-              <a:lnSpc>
-                <a:spcPct val="100000"/>
-              </a:lnSpc>
-              <a:spcBef>
-                <a:spcPts val="0"/>
-              </a:spcBef>
-              <a:spcAft>
-                <a:spcPts val="0"/>
-              </a:spcAft>
-              <a:buClrTx/>
-              <a:buSzTx/>
-              <a:buFontTx/>
-              <a:buNone/>
-              <a:tabLst/>
-              <a:defRPr/>
-            </a:pPr>
-            <a:r>
-              <a:rPr kumimoji="0" lang="en-US" sz="1800" b="0" i="0" u="none" strike="noStrike" kern="1200" cap="none" spc="0" normalizeH="0" baseline="0" noProof="0" dirty="0">
-                <a:ln>
-                  <a:noFill/>
-                </a:ln>
-                <a:solidFill>
-                  <a:prstClr val="black"/>
-                </a:solidFill>
-                <a:effectLst/>
-                <a:uLnTx/>
-                <a:uFillTx/>
-                <a:latin typeface="Georgia"/>
-                <a:ea typeface="+mn-ea"/>
-                <a:cs typeface="+mn-cs"/>
-              </a:rPr>
-              <a:t>[1] J. Newsome, B. Karp, and D. Song, “Paragraph: Thwarting Signature Learning by Training Maliciously,” Recent Adv. Intrusion Detect., vol. 4219, pp. 81–105, 2006.</a:t>
+            <a:r>
+              <a:rPr lang="en-US" sz="1500" dirty="0"/>
+              <a:t>https://blog.acolyer.org/2016/04/20/imagenet-classification-with-deep-convolutional-neural-networks/</a:t>
             </a:r>
           </a:p>
         </p:txBody>
@@ -7335,102 +7484,7 @@
     </p:spTree>
     <p:extLst>
       <p:ext uri="{BB962C8B-B14F-4D97-AF65-F5344CB8AC3E}">
-        <p14:creationId xmlns:p14="http://schemas.microsoft.com/office/powerpoint/2010/main" val="2072618729"/>
-      </p:ext>
-    </p:extLst>
-  </p:cSld>
-  <p:clrMapOvr>
-    <a:masterClrMapping/>
-  </p:clrMapOvr>
-  <p:transition>
-    <p:fade/>
-  </p:transition>
-</p:sld>
-</file>
-
-<file path=ppt/slides/slide18.xml><?xml version="1.0" encoding="utf-8"?>
-<p:sld xmlns:a="http://schemas.openxmlformats.org/drawingml/2006/main" xmlns:r="http://schemas.openxmlformats.org/officeDocument/2006/relationships" xmlns:p="http://schemas.openxmlformats.org/presentationml/2006/main">
-  <p:cSld>
-    <p:spTree>
-      <p:nvGrpSpPr>
-        <p:cNvPr id="1" name=""/>
-        <p:cNvGrpSpPr/>
-        <p:nvPr/>
-      </p:nvGrpSpPr>
-      <p:grpSpPr>
-        <a:xfrm>
-          <a:off x="0" y="0"/>
-          <a:ext cx="0" cy="0"/>
-          <a:chOff x="0" y="0"/>
-          <a:chExt cx="0" cy="0"/>
-        </a:xfrm>
-      </p:grpSpPr>
-      <p:sp>
-        <p:nvSpPr>
-          <p:cNvPr id="4" name="Title 3">
-            <a:extLst>
-              <a:ext uri="{FF2B5EF4-FFF2-40B4-BE49-F238E27FC236}">
-                <a16:creationId xmlns:a16="http://schemas.microsoft.com/office/drawing/2014/main" id="{BDEEF7C9-9913-4E9E-B2E1-24DC48660353}"/>
-              </a:ext>
-            </a:extLst>
-          </p:cNvPr>
-          <p:cNvSpPr>
-            <a:spLocks noGrp="1"/>
-          </p:cNvSpPr>
-          <p:nvPr>
-            <p:ph type="title"/>
-          </p:nvPr>
-        </p:nvSpPr>
-        <p:spPr/>
-        <p:txBody>
-          <a:bodyPr/>
-          <a:lstStyle/>
-          <a:p>
-            <a:r>
-              <a:rPr lang="en-US" dirty="0" err="1"/>
-              <a:t>AlexNet</a:t>
-            </a:r>
-            <a:r>
-              <a:rPr lang="en-US" dirty="0"/>
-              <a:t> </a:t>
-            </a:r>
-            <a:r>
-              <a:rPr lang="en-US"/>
-              <a:t>Implementaion</a:t>
-            </a:r>
-            <a:endParaRPr lang="en-US" dirty="0"/>
-          </a:p>
-        </p:txBody>
-      </p:sp>
-      <p:sp>
-        <p:nvSpPr>
-          <p:cNvPr id="5" name="Text Placeholder 4">
-            <a:extLst>
-              <a:ext uri="{FF2B5EF4-FFF2-40B4-BE49-F238E27FC236}">
-                <a16:creationId xmlns:a16="http://schemas.microsoft.com/office/drawing/2014/main" id="{22C2E355-E2EA-42D2-AA35-333C561CA354}"/>
-              </a:ext>
-            </a:extLst>
-          </p:cNvPr>
-          <p:cNvSpPr>
-            <a:spLocks noGrp="1"/>
-          </p:cNvSpPr>
-          <p:nvPr>
-            <p:ph type="body" idx="1"/>
-          </p:nvPr>
-        </p:nvSpPr>
-        <p:spPr/>
-        <p:txBody>
-          <a:bodyPr/>
-          <a:lstStyle/>
-          <a:p>
-            <a:endParaRPr lang="en-US"/>
-          </a:p>
-        </p:txBody>
-      </p:sp>
-    </p:spTree>
-    <p:extLst>
-      <p:ext uri="{BB962C8B-B14F-4D97-AF65-F5344CB8AC3E}">
-        <p14:creationId xmlns:p14="http://schemas.microsoft.com/office/powerpoint/2010/main" val="3196821120"/>
+        <p14:creationId xmlns:p14="http://schemas.microsoft.com/office/powerpoint/2010/main" val="2002838871"/>
       </p:ext>
     </p:extLst>
   </p:cSld>
@@ -7810,6 +7864,41 @@
           </a:p>
         </p:txBody>
       </p:sp>
+      <p:sp>
+        <p:nvSpPr>
+          <p:cNvPr id="4" name="TextBox 3">
+            <a:extLst>
+              <a:ext uri="{FF2B5EF4-FFF2-40B4-BE49-F238E27FC236}">
+                <a16:creationId xmlns:a16="http://schemas.microsoft.com/office/drawing/2014/main" id="{897BDC21-3818-42DB-98DE-2B2FEC2A629F}"/>
+              </a:ext>
+            </a:extLst>
+          </p:cNvPr>
+          <p:cNvSpPr txBox="1"/>
+          <p:nvPr/>
+        </p:nvSpPr>
+        <p:spPr>
+          <a:xfrm>
+            <a:off x="0" y="6488668"/>
+            <a:ext cx="8741496" cy="369332"/>
+          </a:xfrm>
+          <a:prstGeom prst="rect">
+            <a:avLst/>
+          </a:prstGeom>
+          <a:noFill/>
+        </p:spPr>
+        <p:txBody>
+          <a:bodyPr wrap="none" rtlCol="0">
+            <a:spAutoFit/>
+          </a:bodyPr>
+          <a:lstStyle/>
+          <a:p>
+            <a:r>
+              <a:rPr lang="en-US" dirty="0"/>
+              <a:t>http://papers.nips.cc/paper/5004-deep-content-based-music-recommendation.pdf</a:t>
+            </a:r>
+          </a:p>
+        </p:txBody>
+      </p:sp>
     </p:spTree>
     <p:extLst>
       <p:ext uri="{BB962C8B-B14F-4D97-AF65-F5344CB8AC3E}">
@@ -7927,7 +8016,7 @@
             <a:pPr lvl="1"/>
             <a:r>
               <a:rPr lang="en-US" dirty="0"/>
-              <a:t>Another reason that MLP’s suffer is that they do not take into account the spatial relation of pixels.</a:t>
+              <a:t>Another reason that MLP’s performance suffers is that they do not take into account the spatial relation of pixels.</a:t>
             </a:r>
           </a:p>
           <a:p>
@@ -7957,7 +8046,7 @@
         </p:nvSpPr>
         <p:spPr>
           <a:xfrm>
-            <a:off x="-71394" y="4529380"/>
+            <a:off x="2867634" y="4987400"/>
             <a:ext cx="1071126" cy="646331"/>
           </a:xfrm>
           <a:prstGeom prst="rect">
@@ -8000,7 +8089,7 @@
         </p:nvGrpSpPr>
         <p:grpSpPr>
           <a:xfrm>
-            <a:off x="967673" y="4358936"/>
+            <a:off x="3967580" y="4358936"/>
             <a:ext cx="1208841" cy="2330012"/>
             <a:chOff x="967673" y="4358936"/>
             <a:chExt cx="1208841" cy="2330012"/>
@@ -9647,6 +9736,14 @@
           <a:p>
             <a:pPr lvl="1"/>
             <a:r>
+              <a:rPr lang="en-US" dirty="0" err="1"/>
+              <a:t>ReLU</a:t>
+            </a:r>
+            <a:endParaRPr lang="en-US" dirty="0"/>
+          </a:p>
+          <a:p>
+            <a:pPr lvl="1"/>
+            <a:r>
               <a:rPr lang="en-US" dirty="0"/>
               <a:t>Fully Connected (The same as a hidden layer in a MLP)</a:t>
             </a:r>
@@ -9860,7 +9957,7 @@
             <a:pPr algn="ctr"/>
             <a:r>
               <a:rPr lang="en-US" dirty="0"/>
-              <a:t>Image from: http://cs231n.github.io/convolutional-networks/</a:t>
+              <a:t>http://cs231n.github.io/convolutional-networks/</a:t>
             </a:r>
           </a:p>
         </p:txBody>

--- a/ConvolutionNeuralNetwork.pptx
+++ b/ConvolutionNeuralNetwork.pptx
@@ -277,7 +277,7 @@
           <a:p>
             <a:fld id="{E91B00C2-1209-4D42-A5F6-19F8482CA1F8}" type="datetimeFigureOut">
               <a:rPr lang="en-US" smtClean="0"/>
-              <a:t>11/13/2017</a:t>
+              <a:t>11/14/2017</a:t>
             </a:fld>
             <a:endParaRPr lang="en-US"/>
           </a:p>
@@ -1290,7 +1290,7 @@
           <a:p>
             <a:fld id="{C51E4E97-A001-0F44-B0B9-428F1549067F}" type="datetimeFigureOut">
               <a:rPr lang="en-US" smtClean="0"/>
-              <a:t>11/13/2017</a:t>
+              <a:t>11/14/2017</a:t>
             </a:fld>
             <a:endParaRPr lang="en-US"/>
           </a:p>
@@ -1480,7 +1480,7 @@
           <a:p>
             <a:fld id="{C51E4E97-A001-0F44-B0B9-428F1549067F}" type="datetimeFigureOut">
               <a:rPr lang="en-US" smtClean="0"/>
-              <a:t>11/13/2017</a:t>
+              <a:t>11/14/2017</a:t>
             </a:fld>
             <a:endParaRPr lang="en-US"/>
           </a:p>
@@ -1662,7 +1662,7 @@
           <a:p>
             <a:fld id="{C51E4E97-A001-0F44-B0B9-428F1549067F}" type="datetimeFigureOut">
               <a:rPr lang="en-US" smtClean="0"/>
-              <a:t>11/13/2017</a:t>
+              <a:t>11/14/2017</a:t>
             </a:fld>
             <a:endParaRPr lang="en-US"/>
           </a:p>
@@ -2084,7 +2084,7 @@
           <a:p>
             <a:fld id="{C51E4E97-A001-0F44-B0B9-428F1549067F}" type="datetimeFigureOut">
               <a:rPr lang="en-US" smtClean="0"/>
-              <a:t>11/13/2017</a:t>
+              <a:t>11/14/2017</a:t>
             </a:fld>
             <a:endParaRPr lang="en-US"/>
           </a:p>
@@ -2460,7 +2460,7 @@
           <a:p>
             <a:fld id="{C51E4E97-A001-0F44-B0B9-428F1549067F}" type="datetimeFigureOut">
               <a:rPr lang="en-US" smtClean="0"/>
-              <a:t>11/13/2017</a:t>
+              <a:t>11/14/2017</a:t>
             </a:fld>
             <a:endParaRPr lang="en-US"/>
           </a:p>
@@ -2871,7 +2871,7 @@
           <a:p>
             <a:fld id="{C51E4E97-A001-0F44-B0B9-428F1549067F}" type="datetimeFigureOut">
               <a:rPr lang="en-US" smtClean="0"/>
-              <a:t>11/13/2017</a:t>
+              <a:t>11/14/2017</a:t>
             </a:fld>
             <a:endParaRPr lang="en-US"/>
           </a:p>
@@ -3009,7 +3009,7 @@
           <a:p>
             <a:fld id="{C51E4E97-A001-0F44-B0B9-428F1549067F}" type="datetimeFigureOut">
               <a:rPr lang="en-US" smtClean="0"/>
-              <a:t>11/13/2017</a:t>
+              <a:t>11/14/2017</a:t>
             </a:fld>
             <a:endParaRPr lang="en-US"/>
           </a:p>
@@ -3117,7 +3117,7 @@
           <a:p>
             <a:fld id="{C51E4E97-A001-0F44-B0B9-428F1549067F}" type="datetimeFigureOut">
               <a:rPr lang="en-US" smtClean="0"/>
-              <a:t>11/13/2017</a:t>
+              <a:t>11/14/2017</a:t>
             </a:fld>
             <a:endParaRPr lang="en-US"/>
           </a:p>
@@ -3369,7 +3369,7 @@
           <a:p>
             <a:fld id="{C51E4E97-A001-0F44-B0B9-428F1549067F}" type="datetimeFigureOut">
               <a:rPr lang="en-US" smtClean="0"/>
-              <a:t>11/13/2017</a:t>
+              <a:t>11/14/2017</a:t>
             </a:fld>
             <a:endParaRPr lang="en-US"/>
           </a:p>
@@ -3620,7 +3620,7 @@
           <a:p>
             <a:fld id="{C51E4E97-A001-0F44-B0B9-428F1549067F}" type="datetimeFigureOut">
               <a:rPr lang="en-US" smtClean="0"/>
-              <a:t>11/13/2017</a:t>
+              <a:t>11/14/2017</a:t>
             </a:fld>
             <a:endParaRPr lang="en-US"/>
           </a:p>
@@ -4450,7 +4450,7 @@
           <a:p>
             <a:fld id="{C51E4E97-A001-0F44-B0B9-428F1549067F}" type="datetimeFigureOut">
               <a:rPr lang="en-US" smtClean="0"/>
-              <a:t>11/13/2017</a:t>
+              <a:t>11/14/2017</a:t>
             </a:fld>
             <a:endParaRPr lang="en-US"/>
           </a:p>
@@ -6696,7 +6696,12 @@
             <p:ph idx="1"/>
           </p:nvPr>
         </p:nvSpPr>
-        <p:spPr/>
+        <p:spPr>
+          <a:xfrm>
+            <a:off x="0" y="968031"/>
+            <a:ext cx="9144000" cy="5168425"/>
+          </a:xfrm>
+        </p:spPr>
         <p:txBody>
           <a:bodyPr/>
           <a:lstStyle/>
@@ -6734,7 +6739,15 @@
             </a:r>
             <a:r>
               <a:rPr lang="en-US" dirty="0"/>
-              <a:t> keeps the weights at each node from increasing to infinity or getting stuck near zero.</a:t>
+              <a:t> keeps the weights at each node from increasing to infinity or getting stuck near zero. (Look up variations on </a:t>
+            </a:r>
+            <a:r>
+              <a:rPr lang="en-US" dirty="0" err="1"/>
+              <a:t>ReLU</a:t>
+            </a:r>
+            <a:r>
+              <a:rPr lang="en-US" dirty="0"/>
+              <a:t>) (Why does it keep nodes from increasing to infinity)</a:t>
             </a:r>
           </a:p>
           <a:p>
@@ -6775,8 +6788,8 @@
         </p:blipFill>
         <p:spPr>
           <a:xfrm>
-            <a:off x="2387600" y="4175172"/>
-            <a:ext cx="4368800" cy="2174352"/>
+            <a:off x="2144116" y="4003825"/>
+            <a:ext cx="4855768" cy="2416716"/>
           </a:xfrm>
           <a:prstGeom prst="rect">
             <a:avLst/>
@@ -6902,13 +6915,7 @@
           <a:p>
             <a:r>
               <a:rPr lang="en-US" dirty="0"/>
-              <a:t>This is the same as a layer from an MLP</a:t>
-            </a:r>
-          </a:p>
-          <a:p>
-            <a:r>
-              <a:rPr lang="en-US" dirty="0"/>
-              <a:t>These layers are placed at the end of the network to determine which class each image belongs in.</a:t>
+              <a:t>Works the same as a hidden layer from an MLP</a:t>
             </a:r>
           </a:p>
           <a:p>
@@ -6945,8 +6952,8 @@
         </p:blipFill>
         <p:spPr>
           <a:xfrm>
-            <a:off x="2251868" y="3234827"/>
-            <a:ext cx="4640263" cy="3114697"/>
+            <a:off x="1870128" y="2814221"/>
+            <a:ext cx="5266880" cy="3535303"/>
           </a:xfrm>
           <a:prstGeom prst="rect">
             <a:avLst/>
@@ -7558,7 +7565,12 @@
             <p:ph idx="1"/>
           </p:nvPr>
         </p:nvSpPr>
-        <p:spPr/>
+        <p:spPr>
+          <a:xfrm>
+            <a:off x="0" y="1181099"/>
+            <a:ext cx="9144000" cy="5168425"/>
+          </a:xfrm>
+        </p:spPr>
         <p:txBody>
           <a:bodyPr/>
           <a:lstStyle/>
@@ -7608,12 +7620,6 @@
             <a:r>
               <a:rPr lang="en-US" dirty="0"/>
               <a:t>Fully Connected</a:t>
-            </a:r>
-          </a:p>
-          <a:p>
-            <a:r>
-              <a:rPr lang="en-US" dirty="0"/>
-              <a:t>Adjustable Parameters</a:t>
             </a:r>
           </a:p>
           <a:p>

--- a/ConvolutionNeuralNetwork.pptx
+++ b/ConvolutionNeuralNetwork.pptx
@@ -277,7 +277,7 @@
           <a:p>
             <a:fld id="{E91B00C2-1209-4D42-A5F6-19F8482CA1F8}" type="datetimeFigureOut">
               <a:rPr lang="en-US" smtClean="0"/>
-              <a:t>11/14/2017</a:t>
+              <a:t>12/6/2017</a:t>
             </a:fld>
             <a:endParaRPr lang="en-US"/>
           </a:p>
@@ -1290,7 +1290,7 @@
           <a:p>
             <a:fld id="{C51E4E97-A001-0F44-B0B9-428F1549067F}" type="datetimeFigureOut">
               <a:rPr lang="en-US" smtClean="0"/>
-              <a:t>11/14/2017</a:t>
+              <a:t>12/6/2017</a:t>
             </a:fld>
             <a:endParaRPr lang="en-US"/>
           </a:p>
@@ -1480,7 +1480,7 @@
           <a:p>
             <a:fld id="{C51E4E97-A001-0F44-B0B9-428F1549067F}" type="datetimeFigureOut">
               <a:rPr lang="en-US" smtClean="0"/>
-              <a:t>11/14/2017</a:t>
+              <a:t>12/6/2017</a:t>
             </a:fld>
             <a:endParaRPr lang="en-US"/>
           </a:p>
@@ -1662,7 +1662,7 @@
           <a:p>
             <a:fld id="{C51E4E97-A001-0F44-B0B9-428F1549067F}" type="datetimeFigureOut">
               <a:rPr lang="en-US" smtClean="0"/>
-              <a:t>11/14/2017</a:t>
+              <a:t>12/6/2017</a:t>
             </a:fld>
             <a:endParaRPr lang="en-US"/>
           </a:p>
@@ -2084,7 +2084,7 @@
           <a:p>
             <a:fld id="{C51E4E97-A001-0F44-B0B9-428F1549067F}" type="datetimeFigureOut">
               <a:rPr lang="en-US" smtClean="0"/>
-              <a:t>11/14/2017</a:t>
+              <a:t>12/6/2017</a:t>
             </a:fld>
             <a:endParaRPr lang="en-US"/>
           </a:p>
@@ -2460,7 +2460,7 @@
           <a:p>
             <a:fld id="{C51E4E97-A001-0F44-B0B9-428F1549067F}" type="datetimeFigureOut">
               <a:rPr lang="en-US" smtClean="0"/>
-              <a:t>11/14/2017</a:t>
+              <a:t>12/6/2017</a:t>
             </a:fld>
             <a:endParaRPr lang="en-US"/>
           </a:p>
@@ -2871,7 +2871,7 @@
           <a:p>
             <a:fld id="{C51E4E97-A001-0F44-B0B9-428F1549067F}" type="datetimeFigureOut">
               <a:rPr lang="en-US" smtClean="0"/>
-              <a:t>11/14/2017</a:t>
+              <a:t>12/6/2017</a:t>
             </a:fld>
             <a:endParaRPr lang="en-US"/>
           </a:p>
@@ -3009,7 +3009,7 @@
           <a:p>
             <a:fld id="{C51E4E97-A001-0F44-B0B9-428F1549067F}" type="datetimeFigureOut">
               <a:rPr lang="en-US" smtClean="0"/>
-              <a:t>11/14/2017</a:t>
+              <a:t>12/6/2017</a:t>
             </a:fld>
             <a:endParaRPr lang="en-US"/>
           </a:p>
@@ -3117,7 +3117,7 @@
           <a:p>
             <a:fld id="{C51E4E97-A001-0F44-B0B9-428F1549067F}" type="datetimeFigureOut">
               <a:rPr lang="en-US" smtClean="0"/>
-              <a:t>11/14/2017</a:t>
+              <a:t>12/6/2017</a:t>
             </a:fld>
             <a:endParaRPr lang="en-US"/>
           </a:p>
@@ -3369,7 +3369,7 @@
           <a:p>
             <a:fld id="{C51E4E97-A001-0F44-B0B9-428F1549067F}" type="datetimeFigureOut">
               <a:rPr lang="en-US" smtClean="0"/>
-              <a:t>11/14/2017</a:t>
+              <a:t>12/6/2017</a:t>
             </a:fld>
             <a:endParaRPr lang="en-US"/>
           </a:p>
@@ -3620,7 +3620,7 @@
           <a:p>
             <a:fld id="{C51E4E97-A001-0F44-B0B9-428F1549067F}" type="datetimeFigureOut">
               <a:rPr lang="en-US" smtClean="0"/>
-              <a:t>11/14/2017</a:t>
+              <a:t>12/6/2017</a:t>
             </a:fld>
             <a:endParaRPr lang="en-US"/>
           </a:p>
@@ -4450,7 +4450,7 @@
           <a:p>
             <a:fld id="{C51E4E97-A001-0F44-B0B9-428F1549067F}" type="datetimeFigureOut">
               <a:rPr lang="en-US" smtClean="0"/>
-              <a:t>11/14/2017</a:t>
+              <a:t>12/6/2017</a:t>
             </a:fld>
             <a:endParaRPr lang="en-US"/>
           </a:p>
@@ -6680,92 +6680,195 @@
           </a:p>
         </p:txBody>
       </p:sp>
-      <p:sp>
-        <p:nvSpPr>
-          <p:cNvPr id="3" name="Content Placeholder 2">
-            <a:extLst>
-              <a:ext uri="{FF2B5EF4-FFF2-40B4-BE49-F238E27FC236}">
-                <a16:creationId xmlns:a16="http://schemas.microsoft.com/office/drawing/2014/main" id="{78696358-6B19-48F9-B619-B85E1331964B}"/>
-              </a:ext>
-            </a:extLst>
-          </p:cNvPr>
-          <p:cNvSpPr>
-            <a:spLocks noGrp="1"/>
-          </p:cNvSpPr>
-          <p:nvPr>
-            <p:ph idx="1"/>
-          </p:nvPr>
-        </p:nvSpPr>
-        <p:spPr>
-          <a:xfrm>
-            <a:off x="0" y="968031"/>
-            <a:ext cx="9144000" cy="5168425"/>
-          </a:xfrm>
-        </p:spPr>
-        <p:txBody>
-          <a:bodyPr/>
-          <a:lstStyle/>
-          <a:p>
-            <a:pPr marL="109728" indent="0">
-              <a:buNone/>
-            </a:pPr>
-            <a:r>
-              <a:rPr lang="en-US" dirty="0" err="1"/>
-              <a:t>ReLU</a:t>
-            </a:r>
-            <a:r>
-              <a:rPr lang="en-US" dirty="0"/>
-              <a:t> stands for Rectified Linear Unit. This layer is responsible for computing the outputs of the CNN neurons.</a:t>
-            </a:r>
-          </a:p>
-          <a:p>
-            <a:r>
-              <a:rPr lang="en-US" dirty="0"/>
-              <a:t>The main purpose of the </a:t>
-            </a:r>
-            <a:r>
-              <a:rPr lang="en-US" dirty="0" err="1"/>
-              <a:t>ReLU</a:t>
-            </a:r>
-            <a:r>
-              <a:rPr lang="en-US" dirty="0"/>
-              <a:t> is to set all negative values to zero. </a:t>
-            </a:r>
-          </a:p>
-          <a:p>
-            <a:r>
-              <a:rPr lang="en-US" dirty="0" err="1"/>
-              <a:t>ReLU</a:t>
-            </a:r>
-            <a:r>
-              <a:rPr lang="en-US" dirty="0"/>
-              <a:t> keeps the weights at each node from increasing to infinity or getting stuck near zero. (Look up variations on </a:t>
-            </a:r>
-            <a:r>
-              <a:rPr lang="en-US" dirty="0" err="1"/>
-              <a:t>ReLU</a:t>
-            </a:r>
-            <a:r>
-              <a:rPr lang="en-US" dirty="0"/>
-              <a:t>) (Why does it keep nodes from increasing to infinity)</a:t>
-            </a:r>
-          </a:p>
-          <a:p>
-            <a:r>
-              <a:rPr lang="en-US" dirty="0"/>
-              <a:t>The output size of a </a:t>
-            </a:r>
-            <a:r>
-              <a:rPr lang="en-US" dirty="0" err="1"/>
-              <a:t>ReLU</a:t>
-            </a:r>
-            <a:r>
-              <a:rPr lang="en-US" dirty="0"/>
-              <a:t> layer is identical to the input size.</a:t>
-            </a:r>
-          </a:p>
-        </p:txBody>
-      </p:sp>
+      <mc:AlternateContent xmlns:mc="http://schemas.openxmlformats.org/markup-compatibility/2006">
+        <mc:Choice xmlns:a14="http://schemas.microsoft.com/office/drawing/2010/main" Requires="a14">
+          <p:sp>
+            <p:nvSpPr>
+              <p:cNvPr id="3" name="Content Placeholder 2">
+                <a:extLst>
+                  <a:ext uri="{FF2B5EF4-FFF2-40B4-BE49-F238E27FC236}">
+                    <a16:creationId xmlns:a16="http://schemas.microsoft.com/office/drawing/2014/main" id="{78696358-6B19-48F9-B619-B85E1331964B}"/>
+                  </a:ext>
+                </a:extLst>
+              </p:cNvPr>
+              <p:cNvSpPr>
+                <a:spLocks noGrp="1"/>
+              </p:cNvSpPr>
+              <p:nvPr>
+                <p:ph idx="1"/>
+              </p:nvPr>
+            </p:nvSpPr>
+            <p:spPr>
+              <a:xfrm>
+                <a:off x="0" y="968031"/>
+                <a:ext cx="9144000" cy="5168425"/>
+              </a:xfrm>
+            </p:spPr>
+            <p:txBody>
+              <a:bodyPr/>
+              <a:lstStyle/>
+              <a:p>
+                <a:pPr marL="109728" indent="0">
+                  <a:buNone/>
+                </a:pPr>
+                <a:r>
+                  <a:rPr lang="en-US" dirty="0"/>
+                  <a:t>ReLU stands for Rectified Linear Unit. This layer is responsible for computing the outputs of the CNN neurons.</a:t>
+                </a:r>
+              </a:p>
+              <a:p>
+                <a:r>
+                  <a:rPr lang="en-US" dirty="0"/>
+                  <a:t>The main purpose of the </a:t>
+                </a:r>
+                <a:r>
+                  <a:rPr lang="en-US" dirty="0" err="1"/>
+                  <a:t>ReLU</a:t>
+                </a:r>
+                <a:r>
+                  <a:rPr lang="en-US" dirty="0"/>
+                  <a:t> is to set all negative values to zero. </a:t>
+                </a:r>
+              </a:p>
+              <a:p>
+                <a:r>
+                  <a:rPr lang="en-US" dirty="0" err="1"/>
+                  <a:t>ReLU</a:t>
+                </a:r>
+                <a:r>
+                  <a:rPr lang="en-US" dirty="0"/>
+                  <a:t> is easy to compute as it is just comparison, addition, and multiplication.</a:t>
+                </a:r>
+              </a:p>
+              <a:p>
+                <a:pPr marL="109728" indent="0">
+                  <a:buNone/>
+                </a:pPr>
+                <a14:m>
+                  <m:oMathPara xmlns:m="http://schemas.openxmlformats.org/officeDocument/2006/math">
+                    <m:oMathParaPr>
+                      <m:jc m:val="centerGroup"/>
+                    </m:oMathParaPr>
+                    <m:oMath xmlns:m="http://schemas.openxmlformats.org/officeDocument/2006/math">
+                      <m:r>
+                        <a:rPr lang="en-US" b="0" i="1" smtClean="0">
+                          <a:latin typeface="Cambria Math" panose="02040503050406030204" pitchFamily="18" charset="0"/>
+                        </a:rPr>
+                        <m:t>𝑓</m:t>
+                      </m:r>
+                      <m:d>
+                        <m:dPr>
+                          <m:ctrlPr>
+                            <a:rPr lang="en-US" b="0" i="1" smtClean="0">
+                              <a:latin typeface="Cambria Math" panose="02040503050406030204" pitchFamily="18" charset="0"/>
+                            </a:rPr>
+                          </m:ctrlPr>
+                        </m:dPr>
+                        <m:e>
+                          <m:r>
+                            <a:rPr lang="en-US" b="0" i="1" smtClean="0">
+                              <a:latin typeface="Cambria Math" panose="02040503050406030204" pitchFamily="18" charset="0"/>
+                            </a:rPr>
+                            <m:t>𝑥</m:t>
+                          </m:r>
+                        </m:e>
+                      </m:d>
+                      <m:r>
+                        <a:rPr lang="en-US" b="0" i="1" smtClean="0">
+                          <a:latin typeface="Cambria Math" panose="02040503050406030204" pitchFamily="18" charset="0"/>
+                        </a:rPr>
+                        <m:t>=</m:t>
+                      </m:r>
+                      <m:r>
+                        <a:rPr lang="en-US" b="0" i="1" smtClean="0">
+                          <a:latin typeface="Cambria Math" panose="02040503050406030204" pitchFamily="18" charset="0"/>
+                        </a:rPr>
+                        <m:t>𝑚𝑎𝑥</m:t>
+                      </m:r>
+                      <m:r>
+                        <a:rPr lang="en-US" b="0" i="1" smtClean="0">
+                          <a:latin typeface="Cambria Math" panose="02040503050406030204" pitchFamily="18" charset="0"/>
+                        </a:rPr>
+                        <m:t>⁡(0,</m:t>
+                      </m:r>
+                      <m:r>
+                        <a:rPr lang="en-US" b="0" i="1" smtClean="0">
+                          <a:latin typeface="Cambria Math" panose="02040503050406030204" pitchFamily="18" charset="0"/>
+                        </a:rPr>
+                        <m:t>𝑥</m:t>
+                      </m:r>
+                      <m:r>
+                        <a:rPr lang="en-US" b="0" i="1" smtClean="0">
+                          <a:latin typeface="Cambria Math" panose="02040503050406030204" pitchFamily="18" charset="0"/>
+                        </a:rPr>
+                        <m:t>)</m:t>
+                      </m:r>
+                    </m:oMath>
+                  </m:oMathPara>
+                </a14:m>
+                <a:endParaRPr lang="en-US" dirty="0"/>
+              </a:p>
+              <a:p>
+                <a:r>
+                  <a:rPr lang="en-US" dirty="0"/>
+                  <a:t>The output size of a </a:t>
+                </a:r>
+                <a:r>
+                  <a:rPr lang="en-US" dirty="0" err="1"/>
+                  <a:t>ReLU</a:t>
+                </a:r>
+                <a:r>
+                  <a:rPr lang="en-US" dirty="0"/>
+                  <a:t> layer is identical to the input size.</a:t>
+                </a:r>
+              </a:p>
+            </p:txBody>
+          </p:sp>
+        </mc:Choice>
+        <mc:Fallback>
+          <p:sp>
+            <p:nvSpPr>
+              <p:cNvPr id="3" name="Content Placeholder 2">
+                <a:extLst>
+                  <a:ext uri="{FF2B5EF4-FFF2-40B4-BE49-F238E27FC236}">
+                    <a16:creationId xmlns:a16="http://schemas.microsoft.com/office/drawing/2014/main" id="{78696358-6B19-48F9-B619-B85E1331964B}"/>
+                  </a:ext>
+                </a:extLst>
+              </p:cNvPr>
+              <p:cNvSpPr>
+                <a:spLocks noGrp="1" noRot="1" noChangeAspect="1" noMove="1" noResize="1" noEditPoints="1" noAdjustHandles="1" noChangeArrowheads="1" noChangeShapeType="1" noTextEdit="1"/>
+              </p:cNvSpPr>
+              <p:nvPr>
+                <p:ph idx="1"/>
+              </p:nvPr>
+            </p:nvSpPr>
+            <p:spPr>
+              <a:xfrm>
+                <a:off x="0" y="968031"/>
+                <a:ext cx="9144000" cy="5168425"/>
+              </a:xfrm>
+              <a:blipFill>
+                <a:blip r:embed="rId2"/>
+                <a:stretch>
+                  <a:fillRect t="-825"/>
+                </a:stretch>
+              </a:blipFill>
+            </p:spPr>
+            <p:txBody>
+              <a:bodyPr/>
+              <a:lstStyle/>
+              <a:p>
+                <a:r>
+                  <a:rPr lang="en-US">
+                    <a:noFill/>
+                  </a:rPr>
+                  <a:t> </a:t>
+                </a:r>
+              </a:p>
+            </p:txBody>
+          </p:sp>
+        </mc:Fallback>
+      </mc:AlternateContent>
       <p:pic>
         <p:nvPicPr>
           <p:cNvPr id="4" name="Picture 3">
@@ -6781,7 +6884,7 @@
           <p:nvPr/>
         </p:nvPicPr>
         <p:blipFill>
-          <a:blip r:embed="rId2"/>
+          <a:blip r:embed="rId3"/>
           <a:stretch>
             <a:fillRect/>
           </a:stretch>
